--- a/Documentos/Presentación 24 de Noviembre de 2020.pptx
+++ b/Documentos/Presentación 24 de Noviembre de 2020.pptx
@@ -215,7 +215,7 @@
           <a:p>
             <a:fld id="{D42B63A8-CA22-F249-8B11-75777F973014}" type="datetimeFigureOut">
               <a:rPr lang="es-ES_tradnl" smtClean="0"/>
-              <a:t>24/11/20</a:t>
+              <a:t>24/11/2020</a:t>
             </a:fld>
             <a:endParaRPr lang="es-ES_tradnl"/>
           </a:p>
@@ -1922,7 +1922,7 @@
           <a:p>
             <a:fld id="{6C5AE33D-32CE-4125-A2FD-63556E695E13}" type="datetimeFigureOut">
               <a:rPr lang="es-CO" smtClean="0"/>
-              <a:t>24/11/20</a:t>
+              <a:t>24/11/2020</a:t>
             </a:fld>
             <a:endParaRPr lang="es-CO"/>
           </a:p>
@@ -2575,50 +2575,18 @@
           </a:bodyPr>
           <a:lstStyle/>
           <a:p>
+            <a:pPr algn="l"/>
             <a:r>
-              <a:rPr lang="es-ES_tradnl" sz="3200" b="1" dirty="0" err="1"/>
-              <a:t>Foreign</a:t>
-            </a:r>
-            <a:r>
-              <a:rPr lang="es-ES_tradnl" sz="3200" b="1" dirty="0"/>
-              <a:t> </a:t>
-            </a:r>
-            <a:r>
-              <a:rPr lang="es-ES_tradnl" sz="3200" b="1" dirty="0" err="1"/>
-              <a:t>Firect</a:t>
-            </a:r>
-            <a:r>
-              <a:rPr lang="es-ES_tradnl" sz="3200" b="1" dirty="0"/>
-              <a:t> </a:t>
-            </a:r>
-            <a:r>
-              <a:rPr lang="es-ES_tradnl" sz="3200" b="1" dirty="0" err="1"/>
-              <a:t>Investment</a:t>
-            </a:r>
-            <a:r>
-              <a:rPr lang="es-ES_tradnl" sz="3200" b="1" dirty="0"/>
-              <a:t> and shares</a:t>
-            </a:r>
-            <a:br>
-              <a:rPr lang="es-ES_tradnl" sz="3200" b="1" dirty="0"/>
-            </a:br>
-            <a:r>
-              <a:rPr lang="es-ES_tradnl" sz="3200" b="1" dirty="0"/>
-              <a:t>(</a:t>
-            </a:r>
-            <a:r>
-              <a:rPr lang="es-ES_tradnl" sz="3200" b="1" dirty="0" err="1"/>
-              <a:t>Firms</a:t>
-            </a:r>
-            <a:r>
-              <a:rPr lang="es-ES_tradnl" sz="3200" b="1" dirty="0"/>
-              <a:t>)</a:t>
+              <a:rPr lang="es-ES_tradnl" sz="3600" b="1" dirty="0">
+                <a:latin typeface="Century Gothic" panose="020B0502020202020204" pitchFamily="34" charset="0"/>
+              </a:rPr>
+              <a:t>Foreign Direct Investment and Firms Equities</a:t>
             </a:r>
           </a:p>
         </p:txBody>
       </p:sp>
-      <mc:AlternateContent xmlns:mc="http://schemas.openxmlformats.org/markup-compatibility/2006" xmlns:a14="http://schemas.microsoft.com/office/drawing/2010/main">
-        <mc:Choice Requires="a14">
+      <mc:AlternateContent xmlns:mc="http://schemas.openxmlformats.org/markup-compatibility/2006">
+        <mc:Choice xmlns:a14="http://schemas.microsoft.com/office/drawing/2010/main" Requires="a14">
           <p:sp>
             <p:nvSpPr>
               <p:cNvPr id="2" name="Marcador de contenido 1">
@@ -2748,10 +2716,10 @@
                         </m:e>
                         <m:sup>
                           <m:r>
-                            <a:rPr lang="en-GB" sz="1600" i="1">
-                              <a:latin typeface="Cambria Math" panose="02040503050406030204" pitchFamily="18" charset="0"/>
-                            </a:rPr>
-                            <m:t>𝑘</m:t>
+                            <a:rPr lang="es-CO" sz="1600" b="0" i="1" smtClean="0">
+                              <a:latin typeface="Cambria Math" panose="02040503050406030204" pitchFamily="18" charset="0"/>
+                            </a:rPr>
+                            <m:t>𝐾</m:t>
                           </m:r>
                         </m:sup>
                       </m:sSup>
@@ -3398,7 +3366,7 @@
             </p:txBody>
           </p:sp>
         </mc:Choice>
-        <mc:Fallback xmlns="">
+        <mc:Fallback>
           <p:sp>
             <p:nvSpPr>
               <p:cNvPr id="2" name="Marcador de contenido 1">
@@ -3423,7 +3391,7 @@
               <a:blipFill>
                 <a:blip r:embed="rId2"/>
                 <a:stretch>
-                  <a:fillRect l="-706" t="-280" r="-235"/>
+                  <a:fillRect l="-680" t="-404" r="-566"/>
                 </a:stretch>
               </a:blipFill>
             </p:spPr>
@@ -3432,7 +3400,7 @@
               <a:lstStyle/>
               <a:p>
                 <a:r>
-                  <a:rPr lang="es-ES_tradnl">
+                  <a:rPr lang="es-CO">
                     <a:noFill/>
                   </a:rPr>
                   <a:t> </a:t>
@@ -5346,50 +5314,32 @@
             <p:ph type="title"/>
           </p:nvPr>
         </p:nvSpPr>
-        <p:spPr/>
+        <p:spPr>
+          <a:xfrm>
+            <a:off x="609601" y="482816"/>
+            <a:ext cx="10972800" cy="621101"/>
+          </a:xfrm>
+        </p:spPr>
         <p:txBody>
           <a:bodyPr anchor="ctr">
             <a:normAutofit/>
           </a:bodyPr>
           <a:lstStyle/>
           <a:p>
-            <a:pPr>
+            <a:pPr algn="l">
               <a:lnSpc>
                 <a:spcPct val="90000"/>
               </a:lnSpc>
             </a:pPr>
             <a:r>
-              <a:rPr lang="es-ES_tradnl" sz="3700" b="1" dirty="0" err="1"/>
-              <a:t>Foreign</a:t>
+              <a:rPr lang="es-ES_tradnl" sz="3700" b="1" dirty="0">
+                <a:latin typeface="Century Gothic" panose="020B0502020202020204" pitchFamily="34" charset="0"/>
+              </a:rPr>
+              <a:t>Foreign Direct Investment and Banks Equities</a:t>
             </a:r>
-            <a:r>
-              <a:rPr lang="es-ES_tradnl" sz="3700" b="1" dirty="0"/>
-              <a:t> </a:t>
-            </a:r>
-            <a:r>
-              <a:rPr lang="es-ES_tradnl" sz="3700" b="1" dirty="0" err="1"/>
-              <a:t>Firect</a:t>
-            </a:r>
-            <a:r>
-              <a:rPr lang="es-ES_tradnl" sz="3700" b="1" dirty="0"/>
-              <a:t> </a:t>
-            </a:r>
-            <a:r>
-              <a:rPr lang="es-ES_tradnl" sz="3700" b="1" dirty="0" err="1"/>
-              <a:t>Investment</a:t>
-            </a:r>
-            <a:r>
-              <a:rPr lang="es-ES_tradnl" sz="3700" b="1" dirty="0"/>
-              <a:t> and shares</a:t>
-            </a:r>
-            <a:br>
-              <a:rPr lang="es-ES_tradnl" sz="3700" b="1" dirty="0"/>
-            </a:br>
-            <a:r>
-              <a:rPr lang="es-ES_tradnl" sz="3700" b="1" dirty="0"/>
-              <a:t>(Banks)</a:t>
-            </a:r>
-            <a:endParaRPr lang="es-ES_tradnl" sz="3700" dirty="0"/>
+            <a:endParaRPr lang="es-ES_tradnl" sz="3700" dirty="0">
+              <a:latin typeface="Century Gothic" panose="020B0502020202020204" pitchFamily="34" charset="0"/>
+            </a:endParaRPr>
           </a:p>
         </p:txBody>
       </p:sp>
@@ -14499,8 +14449,8 @@
           <a:chExt cx="0" cy="0"/>
         </a:xfrm>
       </p:grpSpPr>
-      <mc:AlternateContent xmlns:mc="http://schemas.openxmlformats.org/markup-compatibility/2006" xmlns:a14="http://schemas.microsoft.com/office/drawing/2010/main">
-        <mc:Choice Requires="a14">
+      <mc:AlternateContent xmlns:mc="http://schemas.openxmlformats.org/markup-compatibility/2006">
+        <mc:Choice xmlns:a14="http://schemas.microsoft.com/office/drawing/2010/main" Requires="a14">
           <p:sp>
             <p:nvSpPr>
               <p:cNvPr id="2" name="Marcador de contenido 1">
@@ -14525,7 +14475,7 @@
             </p:spPr>
             <p:txBody>
               <a:bodyPr>
-                <a:normAutofit/>
+                <a:normAutofit lnSpcReduction="10000"/>
               </a:bodyPr>
               <a:lstStyle/>
               <a:p>
@@ -15777,7 +15727,7 @@
             </p:txBody>
           </p:sp>
         </mc:Choice>
-        <mc:Fallback xmlns="">
+        <mc:Fallback>
           <p:sp>
             <p:nvSpPr>
               <p:cNvPr id="2" name="Marcador de contenido 1">
@@ -15802,7 +15752,7 @@
               <a:blipFill>
                 <a:blip r:embed="rId2"/>
                 <a:stretch>
-                  <a:fillRect l="-485" t="-1128"/>
+                  <a:fillRect l="-524" t="-1993"/>
                 </a:stretch>
               </a:blipFill>
             </p:spPr>
@@ -21328,8 +21278,8 @@
           <a:chExt cx="0" cy="0"/>
         </a:xfrm>
       </p:grpSpPr>
-      <mc:AlternateContent xmlns:mc="http://schemas.openxmlformats.org/markup-compatibility/2006" xmlns:a14="http://schemas.microsoft.com/office/drawing/2010/main">
-        <mc:Choice Requires="a14">
+      <mc:AlternateContent xmlns:mc="http://schemas.openxmlformats.org/markup-compatibility/2006">
+        <mc:Choice xmlns:a14="http://schemas.microsoft.com/office/drawing/2010/main" Requires="a14">
           <p:sp>
             <p:nvSpPr>
               <p:cNvPr id="2" name="Marcador de contenido 1">
@@ -21454,10 +21404,10 @@
                         </m:e>
                         <m:sup>
                           <m:r>
-                            <a:rPr lang="en-GB" sz="2400" i="1">
-                              <a:latin typeface="Cambria Math" panose="02040503050406030204" pitchFamily="18" charset="0"/>
-                            </a:rPr>
-                            <m:t>𝑘</m:t>
+                            <a:rPr lang="es-CO" sz="2400" b="0" i="1" smtClean="0">
+                              <a:latin typeface="Cambria Math" panose="02040503050406030204" pitchFamily="18" charset="0"/>
+                            </a:rPr>
+                            <m:t>𝐾</m:t>
                           </m:r>
                         </m:sup>
                       </m:sSup>
@@ -21698,7 +21648,7 @@
             </p:txBody>
           </p:sp>
         </mc:Choice>
-        <mc:Fallback xmlns="">
+        <mc:Fallback>
           <p:sp>
             <p:nvSpPr>
               <p:cNvPr id="2" name="Marcador de contenido 1">
@@ -21719,7 +21669,7 @@
               <a:blipFill>
                 <a:blip r:embed="rId2"/>
                 <a:stretch>
-                  <a:fillRect l="-926" t="-1120"/>
+                  <a:fillRect l="-833" t="-1078"/>
                 </a:stretch>
               </a:blipFill>
             </p:spPr>
@@ -21728,7 +21678,7 @@
               <a:lstStyle/>
               <a:p>
                 <a:r>
-                  <a:rPr lang="es-ES_tradnl">
+                  <a:rPr lang="es-CO">
                     <a:noFill/>
                   </a:rPr>
                   <a:t> </a:t>
@@ -21754,12 +21704,23 @@
             <p:ph type="title"/>
           </p:nvPr>
         </p:nvSpPr>
-        <p:spPr/>
+        <p:spPr>
+          <a:xfrm>
+            <a:off x="527381" y="274638"/>
+            <a:ext cx="7776864" cy="882358"/>
+          </a:xfrm>
+        </p:spPr>
         <p:txBody>
           <a:bodyPr/>
           <a:lstStyle/>
           <a:p>
-            <a:endParaRPr lang="es-ES_tradnl"/>
+            <a:pPr algn="l"/>
+            <a:r>
+              <a:rPr lang="es-ES_tradnl" b="1" dirty="0">
+                <a:latin typeface="Century Gothic" panose="020B0502020202020204" pitchFamily="34" charset="0"/>
+              </a:rPr>
+              <a:t>Some definitions. </a:t>
+            </a:r>
           </a:p>
         </p:txBody>
       </p:sp>

--- a/Documentos/Presentación 24 de Noviembre de 2020.pptx
+++ b/Documentos/Presentación 24 de Noviembre de 2020.pptx
@@ -2585,8 +2585,8 @@
           </a:p>
         </p:txBody>
       </p:sp>
-      <mc:AlternateContent xmlns:mc="http://schemas.openxmlformats.org/markup-compatibility/2006">
-        <mc:Choice xmlns:a14="http://schemas.microsoft.com/office/drawing/2010/main" Requires="a14">
+      <mc:AlternateContent xmlns:mc="http://schemas.openxmlformats.org/markup-compatibility/2006" xmlns:a14="http://schemas.microsoft.com/office/drawing/2010/main">
+        <mc:Choice Requires="a14">
           <p:sp>
             <p:nvSpPr>
               <p:cNvPr id="2" name="Marcador de contenido 1">
@@ -3366,7 +3366,7 @@
             </p:txBody>
           </p:sp>
         </mc:Choice>
-        <mc:Fallback>
+        <mc:Fallback xmlns="">
           <p:sp>
             <p:nvSpPr>
               <p:cNvPr id="2" name="Marcador de contenido 1">
@@ -3410,8 +3410,8 @@
           </p:sp>
         </mc:Fallback>
       </mc:AlternateContent>
-      <mc:AlternateContent xmlns:mc="http://schemas.openxmlformats.org/markup-compatibility/2006" xmlns:a14="http://schemas.microsoft.com/office/drawing/2010/main">
-        <mc:Choice Requires="a14">
+      <mc:AlternateContent xmlns:mc="http://schemas.openxmlformats.org/markup-compatibility/2006">
+        <mc:Choice xmlns:a14="http://schemas.microsoft.com/office/drawing/2010/main" Requires="a14">
           <p:sp>
             <p:nvSpPr>
               <p:cNvPr id="5" name="Marcador de contenido 4">
@@ -3428,7 +3428,12 @@
                 <p:ph sz="half" idx="2"/>
               </p:nvPr>
             </p:nvSpPr>
-            <p:spPr/>
+            <p:spPr>
+              <a:xfrm>
+                <a:off x="6197600" y="1600202"/>
+                <a:ext cx="5384800" cy="4343400"/>
+              </a:xfrm>
+            </p:spPr>
             <p:txBody>
               <a:bodyPr>
                 <a:normAutofit/>
@@ -3445,7 +3450,7 @@
                     </m:oMathParaPr>
                     <m:oMath xmlns:m="http://schemas.openxmlformats.org/officeDocument/2006/math">
                       <m:r>
-                        <a:rPr lang="en-GB" sz="1600" i="1">
+                        <a:rPr lang="en-GB" sz="1600" i="1" smtClean="0">
                           <a:latin typeface="Cambria Math" panose="02040503050406030204" pitchFamily="18" charset="0"/>
                         </a:rPr>
                         <m:t>𝑇𝐹</m:t>
@@ -3798,7 +3803,7 @@
                             </m:sup>
                           </m:sSup>
                           <m:r>
-                            <a:rPr lang="en-GB" sz="1600" i="1">
+                            <a:rPr lang="es-CO" sz="1600" b="0" i="1" smtClean="0">
                               <a:solidFill>
                                 <a:schemeClr val="accent3">
                                   <a:lumMod val="50000"/>
@@ -3806,7 +3811,7 @@
                               </a:solidFill>
                               <a:latin typeface="Cambria Math" panose="02040503050406030204" pitchFamily="18" charset="0"/>
                             </a:rPr>
-                            <m:t>+</m:t>
+                            <m:t>−</m:t>
                           </m:r>
                           <m:f>
                             <m:fPr>
@@ -5143,7 +5148,7 @@
             </p:txBody>
           </p:sp>
         </mc:Choice>
-        <mc:Fallback xmlns="">
+        <mc:Fallback>
           <p:sp>
             <p:nvSpPr>
               <p:cNvPr id="5" name="Marcador de contenido 4">
@@ -5161,6 +5166,10 @@
               </p:nvPr>
             </p:nvSpPr>
             <p:spPr>
+              <a:xfrm>
+                <a:off x="6197600" y="1600202"/>
+                <a:ext cx="5384800" cy="4343400"/>
+              </a:xfrm>
               <a:blipFill>
                 <a:blip r:embed="rId3"/>
                 <a:stretch>
@@ -5173,7 +5182,7 @@
               <a:lstStyle/>
               <a:p>
                 <a:r>
-                  <a:rPr lang="es-ES_tradnl">
+                  <a:rPr lang="es-CO">
                     <a:noFill/>
                   </a:rPr>
                   <a:t> </a:t>
@@ -14449,8 +14458,8 @@
           <a:chExt cx="0" cy="0"/>
         </a:xfrm>
       </p:grpSpPr>
-      <mc:AlternateContent xmlns:mc="http://schemas.openxmlformats.org/markup-compatibility/2006">
-        <mc:Choice xmlns:a14="http://schemas.microsoft.com/office/drawing/2010/main" Requires="a14">
+      <mc:AlternateContent xmlns:mc="http://schemas.openxmlformats.org/markup-compatibility/2006" xmlns:a14="http://schemas.microsoft.com/office/drawing/2010/main">
+        <mc:Choice Requires="a14">
           <p:sp>
             <p:nvSpPr>
               <p:cNvPr id="2" name="Marcador de contenido 1">
@@ -15727,7 +15736,7 @@
             </p:txBody>
           </p:sp>
         </mc:Choice>
-        <mc:Fallback>
+        <mc:Fallback xmlns="">
           <p:sp>
             <p:nvSpPr>
               <p:cNvPr id="2" name="Marcador de contenido 1">
@@ -21278,8 +21287,8 @@
           <a:chExt cx="0" cy="0"/>
         </a:xfrm>
       </p:grpSpPr>
-      <mc:AlternateContent xmlns:mc="http://schemas.openxmlformats.org/markup-compatibility/2006">
-        <mc:Choice xmlns:a14="http://schemas.microsoft.com/office/drawing/2010/main" Requires="a14">
+      <mc:AlternateContent xmlns:mc="http://schemas.openxmlformats.org/markup-compatibility/2006" xmlns:a14="http://schemas.microsoft.com/office/drawing/2010/main">
+        <mc:Choice Requires="a14">
           <p:sp>
             <p:nvSpPr>
               <p:cNvPr id="2" name="Marcador de contenido 1">
@@ -21648,7 +21657,7 @@
             </p:txBody>
           </p:sp>
         </mc:Choice>
-        <mc:Fallback>
+        <mc:Fallback xmlns="">
           <p:sp>
             <p:nvSpPr>
               <p:cNvPr id="2" name="Marcador de contenido 1">

--- a/Documentos/Presentación 24 de Noviembre de 2020.pptx
+++ b/Documentos/Presentación 24 de Noviembre de 2020.pptx
@@ -4140,6 +4140,18 @@
                         </a:rPr>
                         <m:t>=</m:t>
                       </m:r>
+                      <m:r>
+                        <a:rPr lang="en-GB" sz="1600" i="1">
+                          <a:latin typeface="Cambria Math" panose="02040503050406030204" pitchFamily="18" charset="0"/>
+                        </a:rPr>
+                        <m:t>𝑝</m:t>
+                      </m:r>
+                      <m:r>
+                        <a:rPr lang="en-GB" sz="1600" i="1">
+                          <a:latin typeface="Cambria Math" panose="02040503050406030204" pitchFamily="18" charset="0"/>
+                        </a:rPr>
+                        <m:t>⋅</m:t>
+                      </m:r>
                       <m:sSup>
                         <m:sSupPr>
                           <m:ctrlPr>
@@ -4545,6 +4557,18 @@
                             <a:rPr lang="en-GB" sz="1600" i="1">
                               <a:latin typeface="Cambria Math" panose="02040503050406030204" pitchFamily="18" charset="0"/>
                             </a:rPr>
+                            <m:t>𝑝</m:t>
+                          </m:r>
+                          <m:r>
+                            <a:rPr lang="en-GB" sz="1600" i="1">
+                              <a:latin typeface="Cambria Math" panose="02040503050406030204" pitchFamily="18" charset="0"/>
+                            </a:rPr>
+                            <m:t>⋅</m:t>
+                          </m:r>
+                          <m:r>
+                            <a:rPr lang="en-GB" sz="1600" i="1">
+                              <a:latin typeface="Cambria Math" panose="02040503050406030204" pitchFamily="18" charset="0"/>
+                            </a:rPr>
                             <m:t>𝐼</m:t>
                           </m:r>
                         </m:e>
@@ -4727,6 +4751,18 @@
                           <a:latin typeface="Cambria Math" panose="02040503050406030204" pitchFamily="18" charset="0"/>
                         </a:rPr>
                         <m:t>=</m:t>
+                      </m:r>
+                      <m:r>
+                        <a:rPr lang="en-GB" sz="1600" i="1">
+                          <a:latin typeface="Cambria Math" panose="02040503050406030204" pitchFamily="18" charset="0"/>
+                        </a:rPr>
+                        <m:t>𝑝</m:t>
+                      </m:r>
+                      <m:r>
+                        <a:rPr lang="en-GB" sz="1600" i="1">
+                          <a:latin typeface="Cambria Math" panose="02040503050406030204" pitchFamily="18" charset="0"/>
+                        </a:rPr>
+                        <m:t>⋅</m:t>
                       </m:r>
                       <m:sSup>
                         <m:sSupPr>
@@ -21287,8 +21323,8 @@
           <a:chExt cx="0" cy="0"/>
         </a:xfrm>
       </p:grpSpPr>
-      <mc:AlternateContent xmlns:mc="http://schemas.openxmlformats.org/markup-compatibility/2006" xmlns:a14="http://schemas.microsoft.com/office/drawing/2010/main">
-        <mc:Choice Requires="a14">
+      <mc:AlternateContent xmlns:mc="http://schemas.openxmlformats.org/markup-compatibility/2006">
+        <mc:Choice xmlns:a14="http://schemas.microsoft.com/office/drawing/2010/main" Requires="a14">
           <p:sp>
             <p:nvSpPr>
               <p:cNvPr id="2" name="Marcador de contenido 1">
@@ -21316,7 +21352,7 @@
                   <a:buNone/>
                 </a:pPr>
                 <a:r>
-                  <a:rPr lang="es-CO" sz="2400" dirty="0">
+                  <a:rPr lang="es-CO" sz="2000" dirty="0">
                     <a:latin typeface="Century Gothic" panose="020B0502020202020204" pitchFamily="34" charset="0"/>
                   </a:rPr>
                   <a:t>The variation in shares is equal to the capital investment that is not financed, that is, the net increase in assets</a:t>
@@ -21326,7 +21362,7 @@
                 <a:pPr marL="0" indent="0">
                   <a:buNone/>
                 </a:pPr>
-                <a:endParaRPr lang="es-CO" sz="2400" dirty="0">
+                <a:endParaRPr lang="es-CO" sz="2000" dirty="0">
                   <a:latin typeface="Century Gothic" panose="020B0502020202020204" pitchFamily="34" charset="0"/>
                 </a:endParaRPr>
               </a:p>
@@ -21343,7 +21379,7 @@
                       <m:sSub>
                         <m:sSubPr>
                           <m:ctrlPr>
-                            <a:rPr lang="es-CO" sz="2400" i="1" smtClean="0">
+                            <a:rPr lang="es-CO" sz="2000" i="1" smtClean="0">
                               <a:latin typeface="Cambria Math" panose="02040503050406030204" pitchFamily="18" charset="0"/>
                             </a:rPr>
                           </m:ctrlPr>
@@ -21353,14 +21389,14 @@
                             <m:accPr>
                               <m:chr m:val="̇"/>
                               <m:ctrlPr>
-                                <a:rPr lang="es-CO" sz="2400" i="1">
+                                <a:rPr lang="es-CO" sz="2000" i="1">
                                   <a:latin typeface="Cambria Math" panose="02040503050406030204" pitchFamily="18" charset="0"/>
                                 </a:rPr>
                               </m:ctrlPr>
                             </m:accPr>
                             <m:e>
                               <m:r>
-                                <a:rPr lang="en-US" sz="2400" i="1">
+                                <a:rPr lang="en-US" sz="2000" i="1">
                                   <a:latin typeface="Cambria Math" panose="02040503050406030204" pitchFamily="18" charset="0"/>
                                 </a:rPr>
                                 <m:t>𝐸𝑄</m:t>
@@ -21370,7 +21406,7 @@
                         </m:e>
                         <m:sub>
                           <m:r>
-                            <a:rPr lang="en-US" sz="2400" i="1">
+                            <a:rPr lang="en-US" sz="2000" i="1">
                               <a:latin typeface="Cambria Math" panose="02040503050406030204" pitchFamily="18" charset="0"/>
                             </a:rPr>
                             <m:t>𝐹</m:t>
@@ -21378,19 +21414,19 @@
                         </m:sub>
                       </m:sSub>
                       <m:r>
-                        <a:rPr lang="en-US" sz="2400" i="1">
+                        <a:rPr lang="en-US" sz="2000" i="1">
                           <a:latin typeface="Cambria Math" panose="02040503050406030204" pitchFamily="18" charset="0"/>
                         </a:rPr>
                         <m:t>= </m:t>
                       </m:r>
                       <m:r>
-                        <a:rPr lang="en-US" sz="2400" i="1">
+                        <a:rPr lang="en-US" sz="2000" i="1">
                           <a:latin typeface="Cambria Math" panose="02040503050406030204" pitchFamily="18" charset="0"/>
                         </a:rPr>
                         <m:t>𝑝</m:t>
                       </m:r>
                       <m:r>
-                        <a:rPr lang="en-GB" sz="2400" i="1">
+                        <a:rPr lang="en-GB" sz="2000" i="1">
                           <a:latin typeface="Cambria Math" panose="02040503050406030204" pitchFamily="18" charset="0"/>
                         </a:rPr>
                         <m:t>⋅</m:t>
@@ -21398,14 +21434,14 @@
                       <m:sSup>
                         <m:sSupPr>
                           <m:ctrlPr>
-                            <a:rPr lang="es-CO" sz="2400" i="1">
+                            <a:rPr lang="es-CO" sz="2000" i="1">
                               <a:latin typeface="Cambria Math" panose="02040503050406030204" pitchFamily="18" charset="0"/>
                             </a:rPr>
                           </m:ctrlPr>
                         </m:sSupPr>
                         <m:e>
                           <m:r>
-                            <a:rPr lang="en-GB" sz="2400" i="1">
+                            <a:rPr lang="en-GB" sz="2000" i="1">
                               <a:latin typeface="Cambria Math" panose="02040503050406030204" pitchFamily="18" charset="0"/>
                             </a:rPr>
                             <m:t>𝐼</m:t>
@@ -21413,7 +21449,7 @@
                         </m:e>
                         <m:sup>
                           <m:r>
-                            <a:rPr lang="es-CO" sz="2400" b="0" i="1" smtClean="0">
+                            <a:rPr lang="es-CO" sz="2000" b="0" i="1" smtClean="0">
                               <a:latin typeface="Cambria Math" panose="02040503050406030204" pitchFamily="18" charset="0"/>
                             </a:rPr>
                             <m:t>𝐾</m:t>
@@ -21421,13 +21457,13 @@
                         </m:sup>
                       </m:sSup>
                       <m:r>
-                        <a:rPr lang="es-ES" sz="2400" b="0" i="1" smtClean="0">
+                        <a:rPr lang="es-ES" sz="2000" b="0" i="1" smtClean="0">
                           <a:latin typeface="Cambria Math" panose="02040503050406030204" pitchFamily="18" charset="0"/>
                         </a:rPr>
                         <m:t>−</m:t>
                       </m:r>
                       <m:r>
-                        <a:rPr lang="en-GB" sz="2400" i="1">
+                        <a:rPr lang="en-GB" sz="2000" i="1">
                           <a:latin typeface="Cambria Math" panose="02040503050406030204" pitchFamily="18" charset="0"/>
                         </a:rPr>
                         <m:t>𝑇𝐹</m:t>
@@ -21435,14 +21471,14 @@
                       <m:sSub>
                         <m:sSubPr>
                           <m:ctrlPr>
-                            <a:rPr lang="es-CO" sz="2400" i="1">
+                            <a:rPr lang="es-CO" sz="2000" i="1">
                               <a:latin typeface="Cambria Math" panose="02040503050406030204" pitchFamily="18" charset="0"/>
                             </a:rPr>
                           </m:ctrlPr>
                         </m:sSubPr>
                         <m:e>
                           <m:r>
-                            <a:rPr lang="en-GB" sz="2400" i="1">
+                            <a:rPr lang="en-GB" sz="2000" i="1">
                               <a:latin typeface="Cambria Math" panose="02040503050406030204" pitchFamily="18" charset="0"/>
                             </a:rPr>
                             <m:t>𝑁</m:t>
@@ -21450,7 +21486,7 @@
                         </m:e>
                         <m:sub>
                           <m:r>
-                            <a:rPr lang="en-GB" sz="2400" i="1">
+                            <a:rPr lang="en-GB" sz="2000" i="1">
                               <a:latin typeface="Cambria Math" panose="02040503050406030204" pitchFamily="18" charset="0"/>
                             </a:rPr>
                             <m:t>𝐹</m:t>
@@ -21460,7 +21496,7 @@
                     </m:oMath>
                   </m:oMathPara>
                 </a14:m>
-                <a:endParaRPr lang="es-CO" sz="2400" dirty="0">
+                <a:endParaRPr lang="es-CO" sz="2000" dirty="0">
                   <a:latin typeface="Century Gothic" panose="020B0502020202020204" pitchFamily="34" charset="0"/>
                 </a:endParaRPr>
               </a:p>
@@ -21468,7 +21504,7 @@
                 <a:pPr marL="0" indent="0">
                   <a:buNone/>
                 </a:pPr>
-                <a:endParaRPr lang="es-CO" sz="2400" dirty="0">
+                <a:endParaRPr lang="es-CO" sz="2000" dirty="0">
                   <a:latin typeface="Century Gothic" panose="020B0502020202020204" pitchFamily="34" charset="0"/>
                 </a:endParaRPr>
               </a:p>
@@ -21477,7 +21513,7 @@
                   <a:buNone/>
                 </a:pPr>
                 <a:r>
-                  <a:rPr lang="es-CO" sz="2400" dirty="0">
+                  <a:rPr lang="es-CO" sz="2000" dirty="0">
                     <a:latin typeface="Century Gothic" panose="020B0502020202020204" pitchFamily="34" charset="0"/>
                   </a:rPr>
                   <a:t>The variation in shares is equal to the variation in shares held by households and the rest of the world </a:t>
@@ -21487,7 +21523,7 @@
                 <a:pPr marL="0" indent="0">
                   <a:buNone/>
                 </a:pPr>
-                <a:endParaRPr lang="es-CO" sz="2400" dirty="0">
+                <a:endParaRPr lang="es-CO" sz="2000" dirty="0">
                   <a:latin typeface="Century Gothic" panose="020B0502020202020204" pitchFamily="34" charset="0"/>
                 </a:endParaRPr>
               </a:p>
@@ -21504,7 +21540,7 @@
                       <m:sSub>
                         <m:sSubPr>
                           <m:ctrlPr>
-                            <a:rPr lang="es-CO" sz="2400" i="1">
+                            <a:rPr lang="es-CO" sz="2000" i="1">
                               <a:latin typeface="Cambria Math" panose="02040503050406030204" pitchFamily="18" charset="0"/>
                             </a:rPr>
                           </m:ctrlPr>
@@ -21514,14 +21550,14 @@
                             <m:accPr>
                               <m:chr m:val="̇"/>
                               <m:ctrlPr>
-                                <a:rPr lang="es-CO" sz="2400" i="1">
+                                <a:rPr lang="es-CO" sz="2000" i="1">
                                   <a:latin typeface="Cambria Math" panose="02040503050406030204" pitchFamily="18" charset="0"/>
                                 </a:rPr>
                               </m:ctrlPr>
                             </m:accPr>
                             <m:e>
                               <m:r>
-                                <a:rPr lang="en-US" sz="2400" i="1">
+                                <a:rPr lang="en-US" sz="2000" i="1">
                                   <a:latin typeface="Cambria Math" panose="02040503050406030204" pitchFamily="18" charset="0"/>
                                 </a:rPr>
                                 <m:t>𝐸𝑄</m:t>
@@ -21531,7 +21567,7 @@
                         </m:e>
                         <m:sub>
                           <m:r>
-                            <a:rPr lang="en-US" sz="2400" i="1">
+                            <a:rPr lang="en-US" sz="2000" i="1">
                               <a:latin typeface="Cambria Math" panose="02040503050406030204" pitchFamily="18" charset="0"/>
                             </a:rPr>
                             <m:t>𝐹</m:t>
@@ -21539,7 +21575,7 @@
                         </m:sub>
                       </m:sSub>
                       <m:r>
-                        <a:rPr lang="en-US" sz="2400" i="1">
+                        <a:rPr lang="en-US" sz="2000" i="1">
                           <a:latin typeface="Cambria Math" panose="02040503050406030204" pitchFamily="18" charset="0"/>
                         </a:rPr>
                         <m:t>=</m:t>
@@ -21547,7 +21583,7 @@
                       <m:sSub>
                         <m:sSubPr>
                           <m:ctrlPr>
-                            <a:rPr lang="es-CO" sz="2400" i="1">
+                            <a:rPr lang="es-CO" sz="2000" i="1">
                               <a:latin typeface="Cambria Math" panose="02040503050406030204" pitchFamily="18" charset="0"/>
                             </a:rPr>
                           </m:ctrlPr>
@@ -21557,14 +21593,14 @@
                             <m:accPr>
                               <m:chr m:val="̇"/>
                               <m:ctrlPr>
-                                <a:rPr lang="es-CO" sz="2400" i="1">
+                                <a:rPr lang="es-CO" sz="2000" i="1">
                                   <a:latin typeface="Cambria Math" panose="02040503050406030204" pitchFamily="18" charset="0"/>
                                 </a:rPr>
                               </m:ctrlPr>
                             </m:accPr>
                             <m:e>
                               <m:r>
-                                <a:rPr lang="en-US" sz="2400" i="1">
+                                <a:rPr lang="en-US" sz="2000" i="1">
                                   <a:latin typeface="Cambria Math" panose="02040503050406030204" pitchFamily="18" charset="0"/>
                                 </a:rPr>
                                 <m:t>𝐸𝑄</m:t>
@@ -21574,7 +21610,7 @@
                         </m:e>
                         <m:sub>
                           <m:r>
-                            <a:rPr lang="en-US" sz="2400" i="1">
+                            <a:rPr lang="en-US" sz="2000" i="1">
                               <a:latin typeface="Cambria Math" panose="02040503050406030204" pitchFamily="18" charset="0"/>
                             </a:rPr>
                             <m:t>𝐻</m:t>
@@ -21582,7 +21618,7 @@
                         </m:sub>
                       </m:sSub>
                       <m:r>
-                        <a:rPr lang="en-US" sz="2400" i="1">
+                        <a:rPr lang="en-US" sz="2000" i="1">
                           <a:latin typeface="Cambria Math" panose="02040503050406030204" pitchFamily="18" charset="0"/>
                         </a:rPr>
                         <m:t>+</m:t>
@@ -21590,7 +21626,7 @@
                       <m:sSubSup>
                         <m:sSubSupPr>
                           <m:ctrlPr>
-                            <a:rPr lang="es-CO" sz="2400" i="1">
+                            <a:rPr lang="es-CO" sz="2000" i="1">
                               <a:latin typeface="Cambria Math" panose="02040503050406030204" pitchFamily="18" charset="0"/>
                             </a:rPr>
                           </m:ctrlPr>
@@ -21600,14 +21636,14 @@
                             <m:accPr>
                               <m:chr m:val="̇"/>
                               <m:ctrlPr>
-                                <a:rPr lang="es-CO" sz="2400" i="1">
+                                <a:rPr lang="es-CO" sz="2000" i="1">
                                   <a:latin typeface="Cambria Math" panose="02040503050406030204" pitchFamily="18" charset="0"/>
                                 </a:rPr>
                               </m:ctrlPr>
                             </m:accPr>
                             <m:e>
                               <m:r>
-                                <a:rPr lang="es-CO" sz="2400" i="1">
+                                <a:rPr lang="es-CO" sz="2000" i="1">
                                   <a:latin typeface="Cambria Math" panose="02040503050406030204" pitchFamily="18" charset="0"/>
                                 </a:rPr>
                                 <m:t>𝐸𝑄</m:t>
@@ -21617,7 +21653,7 @@
                         </m:e>
                         <m:sub>
                           <m:r>
-                            <a:rPr lang="es-CO" sz="2400" i="1">
+                            <a:rPr lang="es-CO" sz="2000" i="1">
                               <a:latin typeface="Cambria Math" panose="02040503050406030204" pitchFamily="18" charset="0"/>
                             </a:rPr>
                             <m:t>𝐹</m:t>
@@ -21625,7 +21661,7 @@
                         </m:sub>
                         <m:sup>
                           <m:r>
-                            <a:rPr lang="es-CO" sz="2400" i="1">
+                            <a:rPr lang="es-CO" sz="2000" i="1">
                               <a:latin typeface="Cambria Math" panose="02040503050406030204" pitchFamily="18" charset="0"/>
                             </a:rPr>
                             <m:t>𝑅𝑜𝑊</m:t>
@@ -21633,7 +21669,7 @@
                         </m:sup>
                       </m:sSubSup>
                       <m:r>
-                        <a:rPr lang="es-CO" sz="2400" i="1">
+                        <a:rPr lang="es-CO" sz="2000" i="1">
                           <a:latin typeface="Cambria Math" panose="02040503050406030204" pitchFamily="18" charset="0"/>
                         </a:rPr>
                         <m:t> </m:t>
@@ -21641,7 +21677,7 @@
                     </m:oMath>
                   </m:oMathPara>
                 </a14:m>
-                <a:endParaRPr lang="es-CO" sz="2400" dirty="0">
+                <a:endParaRPr lang="es-CO" sz="2000" dirty="0">
                   <a:latin typeface="Century Gothic" panose="020B0502020202020204" pitchFamily="34" charset="0"/>
                 </a:endParaRPr>
               </a:p>
@@ -21649,7 +21685,318 @@
                 <a:pPr marL="0" indent="0">
                   <a:buNone/>
                 </a:pPr>
-                <a:endParaRPr lang="es-CO" dirty="0"/>
+                <a:r>
+                  <a:rPr lang="es-CO" sz="2000" dirty="0" err="1">
+                    <a:latin typeface="Century Gothic" panose="020B0502020202020204" pitchFamily="34" charset="0"/>
+                  </a:rPr>
+                  <a:t>The</a:t>
+                </a:r>
+                <a:r>
+                  <a:rPr lang="es-CO" sz="2000" dirty="0">
+                    <a:latin typeface="Century Gothic" panose="020B0502020202020204" pitchFamily="34" charset="0"/>
+                  </a:rPr>
+                  <a:t> </a:t>
+                </a:r>
+                <a:r>
+                  <a:rPr lang="es-CO" sz="2000" dirty="0" err="1">
+                    <a:latin typeface="Century Gothic" panose="020B0502020202020204" pitchFamily="34" charset="0"/>
+                  </a:rPr>
+                  <a:t>ownership</a:t>
+                </a:r>
+                <a:r>
+                  <a:rPr lang="es-CO" sz="2000" dirty="0">
+                    <a:latin typeface="Century Gothic" panose="020B0502020202020204" pitchFamily="34" charset="0"/>
+                  </a:rPr>
+                  <a:t> </a:t>
+                </a:r>
+                <a:r>
+                  <a:rPr lang="es-CO" sz="2000" dirty="0" err="1">
+                    <a:latin typeface="Century Gothic" panose="020B0502020202020204" pitchFamily="34" charset="0"/>
+                  </a:rPr>
+                  <a:t>structure</a:t>
+                </a:r>
+                <a:r>
+                  <a:rPr lang="es-CO" sz="2000" dirty="0">
+                    <a:latin typeface="Century Gothic" panose="020B0502020202020204" pitchFamily="34" charset="0"/>
+                  </a:rPr>
+                  <a:t> </a:t>
+                </a:r>
+                <a:r>
+                  <a:rPr lang="es-CO" sz="2000" dirty="0" err="1">
+                    <a:latin typeface="Century Gothic" panose="020B0502020202020204" pitchFamily="34" charset="0"/>
+                  </a:rPr>
+                  <a:t>of</a:t>
+                </a:r>
+                <a:r>
+                  <a:rPr lang="es-CO" sz="2000" dirty="0">
+                    <a:latin typeface="Century Gothic" panose="020B0502020202020204" pitchFamily="34" charset="0"/>
+                  </a:rPr>
+                  <a:t> </a:t>
+                </a:r>
+                <a:r>
+                  <a:rPr lang="es-CO" sz="2000" dirty="0" err="1">
+                    <a:latin typeface="Century Gothic" panose="020B0502020202020204" pitchFamily="34" charset="0"/>
+                  </a:rPr>
+                  <a:t>the</a:t>
+                </a:r>
+                <a:r>
+                  <a:rPr lang="es-CO" sz="2000" dirty="0">
+                    <a:latin typeface="Century Gothic" panose="020B0502020202020204" pitchFamily="34" charset="0"/>
+                  </a:rPr>
+                  <a:t> firms is </a:t>
+                </a:r>
+                <a:r>
+                  <a:rPr lang="es-CO" sz="2000" dirty="0" err="1">
+                    <a:latin typeface="Century Gothic" panose="020B0502020202020204" pitchFamily="34" charset="0"/>
+                  </a:rPr>
+                  <a:t>expresed</a:t>
+                </a:r>
+                <a:r>
+                  <a:rPr lang="es-CO" sz="2000" dirty="0">
+                    <a:latin typeface="Century Gothic" panose="020B0502020202020204" pitchFamily="34" charset="0"/>
+                  </a:rPr>
+                  <a:t> as a ratio </a:t>
+                </a:r>
+                <a:r>
+                  <a:rPr lang="es-CO" sz="2000" dirty="0" err="1">
+                    <a:latin typeface="Century Gothic" panose="020B0502020202020204" pitchFamily="34" charset="0"/>
+                  </a:rPr>
+                  <a:t>between</a:t>
+                </a:r>
+                <a:r>
+                  <a:rPr lang="es-CO" sz="2000" dirty="0">
+                    <a:latin typeface="Century Gothic" panose="020B0502020202020204" pitchFamily="34" charset="0"/>
+                  </a:rPr>
+                  <a:t> </a:t>
+                </a:r>
+                <a:r>
+                  <a:rPr lang="es-CO" sz="2000" dirty="0" err="1">
+                    <a:latin typeface="Century Gothic" panose="020B0502020202020204" pitchFamily="34" charset="0"/>
+                  </a:rPr>
+                  <a:t>RoW</a:t>
+                </a:r>
+                <a:r>
+                  <a:rPr lang="es-CO" sz="2000" dirty="0">
+                    <a:latin typeface="Century Gothic" panose="020B0502020202020204" pitchFamily="34" charset="0"/>
+                  </a:rPr>
+                  <a:t> </a:t>
+                </a:r>
+                <a:r>
+                  <a:rPr lang="es-CO" sz="2000" dirty="0" err="1">
+                    <a:latin typeface="Century Gothic" panose="020B0502020202020204" pitchFamily="34" charset="0"/>
+                  </a:rPr>
+                  <a:t>equities</a:t>
+                </a:r>
+                <a:r>
+                  <a:rPr lang="es-CO" sz="2000" dirty="0">
+                    <a:latin typeface="Century Gothic" panose="020B0502020202020204" pitchFamily="34" charset="0"/>
+                  </a:rPr>
+                  <a:t> and </a:t>
+                </a:r>
+                <a:r>
+                  <a:rPr lang="es-CO" sz="2000" dirty="0" err="1">
+                    <a:latin typeface="Century Gothic" panose="020B0502020202020204" pitchFamily="34" charset="0"/>
+                  </a:rPr>
+                  <a:t>the</a:t>
+                </a:r>
+                <a:r>
+                  <a:rPr lang="es-CO" sz="2000" dirty="0">
+                    <a:latin typeface="Century Gothic" panose="020B0502020202020204" pitchFamily="34" charset="0"/>
+                  </a:rPr>
+                  <a:t> total stock </a:t>
+                </a:r>
+                <a:r>
+                  <a:rPr lang="es-CO" sz="2000" dirty="0" err="1">
+                    <a:latin typeface="Century Gothic" panose="020B0502020202020204" pitchFamily="34" charset="0"/>
+                  </a:rPr>
+                  <a:t>of</a:t>
+                </a:r>
+                <a:r>
+                  <a:rPr lang="es-CO" sz="2000" dirty="0">
+                    <a:latin typeface="Century Gothic" panose="020B0502020202020204" pitchFamily="34" charset="0"/>
+                  </a:rPr>
+                  <a:t> </a:t>
+                </a:r>
+                <a:r>
+                  <a:rPr lang="es-CO" sz="2000" dirty="0" err="1">
+                    <a:latin typeface="Century Gothic" panose="020B0502020202020204" pitchFamily="34" charset="0"/>
+                  </a:rPr>
+                  <a:t>equities</a:t>
+                </a:r>
+                <a:r>
+                  <a:rPr lang="es-CO" sz="2000" dirty="0">
+                    <a:latin typeface="Century Gothic" panose="020B0502020202020204" pitchFamily="34" charset="0"/>
+                  </a:rPr>
+                  <a:t>: </a:t>
+                </a:r>
+              </a:p>
+              <a:p>
+                <a:pPr marL="0" indent="0">
+                  <a:buNone/>
+                </a:pPr>
+                <a14:m>
+                  <m:oMathPara xmlns:m="http://schemas.openxmlformats.org/officeDocument/2006/math">
+                    <m:oMathParaPr>
+                      <m:jc m:val="centerGroup"/>
+                    </m:oMathParaPr>
+                    <m:oMath xmlns:m="http://schemas.openxmlformats.org/officeDocument/2006/math">
+                      <m:sSub>
+                        <m:sSubPr>
+                          <m:ctrlPr>
+                            <a:rPr lang="es-CO" sz="2000" b="0" i="1" smtClean="0">
+                              <a:latin typeface="Cambria Math" panose="02040503050406030204" pitchFamily="18" charset="0"/>
+                              <a:ea typeface="Cambria Math" panose="02040503050406030204" pitchFamily="18" charset="0"/>
+                            </a:rPr>
+                          </m:ctrlPr>
+                        </m:sSubPr>
+                        <m:e>
+                          <m:r>
+                            <a:rPr lang="es-CO" sz="2000" i="1" smtClean="0">
+                              <a:latin typeface="Cambria Math" panose="02040503050406030204" pitchFamily="18" charset="0"/>
+                              <a:ea typeface="Cambria Math" panose="02040503050406030204" pitchFamily="18" charset="0"/>
+                            </a:rPr>
+                            <m:t>𝜑</m:t>
+                          </m:r>
+                        </m:e>
+                        <m:sub>
+                          <m:r>
+                            <a:rPr lang="es-CO" sz="2000" b="0" i="1" smtClean="0">
+                              <a:latin typeface="Cambria Math" panose="02040503050406030204" pitchFamily="18" charset="0"/>
+                              <a:ea typeface="Cambria Math" panose="02040503050406030204" pitchFamily="18" charset="0"/>
+                            </a:rPr>
+                            <m:t>𝐹</m:t>
+                          </m:r>
+                        </m:sub>
+                      </m:sSub>
+                      <m:r>
+                        <a:rPr lang="es-CO" sz="2000" b="0" i="1" smtClean="0">
+                          <a:latin typeface="Cambria Math" panose="02040503050406030204" pitchFamily="18" charset="0"/>
+                          <a:ea typeface="Cambria Math" panose="02040503050406030204" pitchFamily="18" charset="0"/>
+                        </a:rPr>
+                        <m:t>=</m:t>
+                      </m:r>
+                      <m:d>
+                        <m:dPr>
+                          <m:ctrlPr>
+                            <a:rPr lang="es-CO" sz="2000" i="1">
+                              <a:latin typeface="Cambria Math" panose="02040503050406030204" pitchFamily="18" charset="0"/>
+                              <a:ea typeface="Times New Roman" panose="02020603050405020304" pitchFamily="18" charset="0"/>
+                              <a:cs typeface="Times New Roman" panose="02020603050405020304" pitchFamily="18" charset="0"/>
+                            </a:rPr>
+                          </m:ctrlPr>
+                        </m:dPr>
+                        <m:e>
+                          <m:f>
+                            <m:fPr>
+                              <m:ctrlPr>
+                                <a:rPr lang="es-CO" sz="2000" i="1">
+                                  <a:latin typeface="Cambria Math" panose="02040503050406030204" pitchFamily="18" charset="0"/>
+                                  <a:ea typeface="Times New Roman" panose="02020603050405020304" pitchFamily="18" charset="0"/>
+                                  <a:cs typeface="Times New Roman" panose="02020603050405020304" pitchFamily="18" charset="0"/>
+                                </a:rPr>
+                              </m:ctrlPr>
+                            </m:fPr>
+                            <m:num>
+                              <m:r>
+                                <a:rPr lang="en-GB" sz="2000" i="1">
+                                  <a:latin typeface="Cambria Math" panose="02040503050406030204" pitchFamily="18" charset="0"/>
+                                  <a:ea typeface="Times New Roman" panose="02020603050405020304" pitchFamily="18" charset="0"/>
+                                  <a:cs typeface="Times New Roman" panose="02020603050405020304" pitchFamily="18" charset="0"/>
+                                </a:rPr>
+                                <m:t>𝐸</m:t>
+                              </m:r>
+                              <m:sSubSup>
+                                <m:sSubSupPr>
+                                  <m:ctrlPr>
+                                    <a:rPr lang="es-CO" sz="2000" i="1">
+                                      <a:latin typeface="Cambria Math" panose="02040503050406030204" pitchFamily="18" charset="0"/>
+                                      <a:ea typeface="Times New Roman" panose="02020603050405020304" pitchFamily="18" charset="0"/>
+                                      <a:cs typeface="Times New Roman" panose="02020603050405020304" pitchFamily="18" charset="0"/>
+                                    </a:rPr>
+                                  </m:ctrlPr>
+                                </m:sSubSupPr>
+                                <m:e>
+                                  <m:r>
+                                    <a:rPr lang="en-GB" sz="2000" i="1">
+                                      <a:latin typeface="Cambria Math" panose="02040503050406030204" pitchFamily="18" charset="0"/>
+                                      <a:ea typeface="Times New Roman" panose="02020603050405020304" pitchFamily="18" charset="0"/>
+                                      <a:cs typeface="Times New Roman" panose="02020603050405020304" pitchFamily="18" charset="0"/>
+                                    </a:rPr>
+                                    <m:t>𝑄</m:t>
+                                  </m:r>
+                                </m:e>
+                                <m:sub>
+                                  <m:r>
+                                    <a:rPr lang="en-GB" sz="2000" i="1">
+                                      <a:latin typeface="Cambria Math" panose="02040503050406030204" pitchFamily="18" charset="0"/>
+                                      <a:ea typeface="Times New Roman" panose="02020603050405020304" pitchFamily="18" charset="0"/>
+                                      <a:cs typeface="Times New Roman" panose="02020603050405020304" pitchFamily="18" charset="0"/>
+                                    </a:rPr>
+                                    <m:t>𝐹</m:t>
+                                  </m:r>
+                                </m:sub>
+                                <m:sup>
+                                  <m:r>
+                                    <a:rPr lang="en-GB" sz="2000" i="1">
+                                      <a:latin typeface="Cambria Math" panose="02040503050406030204" pitchFamily="18" charset="0"/>
+                                      <a:ea typeface="Times New Roman" panose="02020603050405020304" pitchFamily="18" charset="0"/>
+                                      <a:cs typeface="Times New Roman" panose="02020603050405020304" pitchFamily="18" charset="0"/>
+                                    </a:rPr>
+                                    <m:t>𝑅𝑜𝑊</m:t>
+                                  </m:r>
+                                </m:sup>
+                              </m:sSubSup>
+                            </m:num>
+                            <m:den>
+                              <m:r>
+                                <a:rPr lang="en-GB" sz="2000" i="1">
+                                  <a:latin typeface="Cambria Math" panose="02040503050406030204" pitchFamily="18" charset="0"/>
+                                  <a:ea typeface="Times New Roman" panose="02020603050405020304" pitchFamily="18" charset="0"/>
+                                  <a:cs typeface="Times New Roman" panose="02020603050405020304" pitchFamily="18" charset="0"/>
+                                </a:rPr>
+                                <m:t>𝐸</m:t>
+                              </m:r>
+                              <m:sSub>
+                                <m:sSubPr>
+                                  <m:ctrlPr>
+                                    <a:rPr lang="es-CO" sz="2000" i="1">
+                                      <a:latin typeface="Cambria Math" panose="02040503050406030204" pitchFamily="18" charset="0"/>
+                                      <a:ea typeface="Times New Roman" panose="02020603050405020304" pitchFamily="18" charset="0"/>
+                                      <a:cs typeface="Times New Roman" panose="02020603050405020304" pitchFamily="18" charset="0"/>
+                                    </a:rPr>
+                                  </m:ctrlPr>
+                                </m:sSubPr>
+                                <m:e>
+                                  <m:r>
+                                    <a:rPr lang="en-GB" sz="2000" i="1">
+                                      <a:latin typeface="Cambria Math" panose="02040503050406030204" pitchFamily="18" charset="0"/>
+                                      <a:ea typeface="Times New Roman" panose="02020603050405020304" pitchFamily="18" charset="0"/>
+                                      <a:cs typeface="Times New Roman" panose="02020603050405020304" pitchFamily="18" charset="0"/>
+                                    </a:rPr>
+                                    <m:t>𝑄</m:t>
+                                  </m:r>
+                                </m:e>
+                                <m:sub>
+                                  <m:r>
+                                    <a:rPr lang="en-GB" sz="2000" i="1">
+                                      <a:latin typeface="Cambria Math" panose="02040503050406030204" pitchFamily="18" charset="0"/>
+                                      <a:ea typeface="Times New Roman" panose="02020603050405020304" pitchFamily="18" charset="0"/>
+                                      <a:cs typeface="Times New Roman" panose="02020603050405020304" pitchFamily="18" charset="0"/>
+                                    </a:rPr>
+                                    <m:t>𝐹</m:t>
+                                  </m:r>
+                                </m:sub>
+                              </m:sSub>
+                            </m:den>
+                          </m:f>
+                        </m:e>
+                      </m:d>
+                    </m:oMath>
+                  </m:oMathPara>
+                </a14:m>
+                <a:endParaRPr lang="es-CO" sz="2000" dirty="0">
+                  <a:latin typeface="Century Gothic" panose="020B0502020202020204" pitchFamily="34" charset="0"/>
+                </a:endParaRPr>
               </a:p>
               <a:p>
                 <a:endParaRPr lang="es-ES_tradnl" dirty="0"/>
@@ -21657,7 +22004,7 @@
             </p:txBody>
           </p:sp>
         </mc:Choice>
-        <mc:Fallback xmlns="">
+        <mc:Fallback>
           <p:sp>
             <p:nvSpPr>
               <p:cNvPr id="2" name="Marcador de contenido 1">
@@ -21678,7 +22025,7 @@
               <a:blipFill>
                 <a:blip r:embed="rId2"/>
                 <a:stretch>
-                  <a:fillRect l="-833" t="-1078"/>
+                  <a:fillRect l="-556" t="-809" r="-722"/>
                 </a:stretch>
               </a:blipFill>
             </p:spPr>

--- a/Documentos/Presentación 24 de Noviembre de 2020.pptx
+++ b/Documentos/Presentación 24 de Noviembre de 2020.pptx
@@ -215,7 +215,7 @@
           <a:p>
             <a:fld id="{D42B63A8-CA22-F249-8B11-75777F973014}" type="datetimeFigureOut">
               <a:rPr lang="es-ES_tradnl" smtClean="0"/>
-              <a:t>24/11/2020</a:t>
+              <a:t>26/11/2020</a:t>
             </a:fld>
             <a:endParaRPr lang="es-ES_tradnl"/>
           </a:p>
@@ -1922,7 +1922,7 @@
           <a:p>
             <a:fld id="{6C5AE33D-32CE-4125-A2FD-63556E695E13}" type="datetimeFigureOut">
               <a:rPr lang="es-CO" smtClean="0"/>
-              <a:t>24/11/2020</a:t>
+              <a:t>26/11/2020</a:t>
             </a:fld>
             <a:endParaRPr lang="es-CO"/>
           </a:p>
@@ -2585,8 +2585,8 @@
           </a:p>
         </p:txBody>
       </p:sp>
-      <mc:AlternateContent xmlns:mc="http://schemas.openxmlformats.org/markup-compatibility/2006">
-        <mc:Choice xmlns:a14="http://schemas.microsoft.com/office/drawing/2010/main" Requires="a14">
+      <mc:AlternateContent xmlns:mc="http://schemas.openxmlformats.org/markup-compatibility/2006" xmlns:a14="http://schemas.microsoft.com/office/drawing/2010/main">
+        <mc:Choice Requires="a14">
           <p:sp>
             <p:nvSpPr>
               <p:cNvPr id="2" name="Marcador de contenido 1">
@@ -3659,7 +3659,7 @@
             </p:txBody>
           </p:sp>
         </mc:Choice>
-        <mc:Fallback>
+        <mc:Fallback xmlns="">
           <p:sp>
             <p:nvSpPr>
               <p:cNvPr id="2" name="Marcador de contenido 1">
@@ -3741,8 +3741,8 @@
           </a:fontRef>
         </p:style>
       </p:cxnSp>
-      <mc:AlternateContent xmlns:mc="http://schemas.openxmlformats.org/markup-compatibility/2006">
-        <mc:Choice xmlns:a14="http://schemas.microsoft.com/office/drawing/2010/main" Requires="a14">
+      <mc:AlternateContent xmlns:mc="http://schemas.openxmlformats.org/markup-compatibility/2006" xmlns:a14="http://schemas.microsoft.com/office/drawing/2010/main">
+        <mc:Choice Requires="a14">
           <p:sp>
             <p:nvSpPr>
               <p:cNvPr id="10" name="Marcador de contenido 4">
@@ -6736,7 +6736,7 @@
             </p:txBody>
           </p:sp>
         </mc:Choice>
-        <mc:Fallback>
+        <mc:Fallback xmlns="">
           <p:sp>
             <p:nvSpPr>
               <p:cNvPr id="10" name="Marcador de contenido 4">
@@ -6902,8 +6902,8 @@
           </a:p>
         </p:txBody>
       </p:sp>
-      <mc:AlternateContent xmlns:mc="http://schemas.openxmlformats.org/markup-compatibility/2006">
-        <mc:Choice xmlns:a14="http://schemas.microsoft.com/office/drawing/2010/main" Requires="a14">
+      <mc:AlternateContent xmlns:mc="http://schemas.openxmlformats.org/markup-compatibility/2006" xmlns:a14="http://schemas.microsoft.com/office/drawing/2010/main">
+        <mc:Choice Requires="a14">
           <p:sp>
             <p:nvSpPr>
               <p:cNvPr id="8" name="Marcador de contenido 7">
@@ -7618,7 +7618,7 @@
             </p:txBody>
           </p:sp>
         </mc:Choice>
-        <mc:Fallback>
+        <mc:Fallback xmlns="">
           <p:sp>
             <p:nvSpPr>
               <p:cNvPr id="8" name="Marcador de contenido 7">
@@ -7700,8 +7700,8 @@
           </a:fontRef>
         </p:style>
       </p:cxnSp>
-      <mc:AlternateContent xmlns:mc="http://schemas.openxmlformats.org/markup-compatibility/2006">
-        <mc:Choice xmlns:a14="http://schemas.microsoft.com/office/drawing/2010/main" Requires="a14">
+      <mc:AlternateContent xmlns:mc="http://schemas.openxmlformats.org/markup-compatibility/2006" xmlns:a14="http://schemas.microsoft.com/office/drawing/2010/main">
+        <mc:Choice Requires="a14">
           <p:sp>
             <p:nvSpPr>
               <p:cNvPr id="9" name="Content Placeholder 1">
@@ -13922,7 +13922,7 @@
             </p:txBody>
           </p:sp>
         </mc:Choice>
-        <mc:Fallback>
+        <mc:Fallback xmlns="">
           <p:sp>
             <p:nvSpPr>
               <p:cNvPr id="9" name="Content Placeholder 1">
@@ -14043,8 +14043,8 @@
           <a:chExt cx="0" cy="0"/>
         </a:xfrm>
       </p:grpSpPr>
-      <mc:AlternateContent xmlns:mc="http://schemas.openxmlformats.org/markup-compatibility/2006" xmlns:a14="http://schemas.microsoft.com/office/drawing/2010/main">
-        <mc:Choice Requires="a14">
+      <mc:AlternateContent xmlns:mc="http://schemas.openxmlformats.org/markup-compatibility/2006">
+        <mc:Choice xmlns:a14="http://schemas.microsoft.com/office/drawing/2010/main" Requires="a14">
           <p:sp>
             <p:nvSpPr>
               <p:cNvPr id="2" name="Marcador de contenido 1">
@@ -14797,60 +14797,6 @@
                         </a:rPr>
                         <m:t>= </m:t>
                       </m:r>
-                      <m:sSubSup>
-                        <m:sSubSupPr>
-                          <m:ctrlPr>
-                            <a:rPr lang="es-CO" sz="2000" b="0" i="1" smtClean="0">
-                              <a:effectLst/>
-                              <a:latin typeface="Cambria Math" panose="02040503050406030204" pitchFamily="18" charset="0"/>
-                              <a:ea typeface="Cambria Math" panose="02040503050406030204" pitchFamily="18" charset="0"/>
-                              <a:cs typeface="Times New Roman" panose="02020603050405020304" pitchFamily="18" charset="0"/>
-                            </a:rPr>
-                          </m:ctrlPr>
-                        </m:sSubSupPr>
-                        <m:e>
-                          <m:r>
-                            <a:rPr lang="es-CO" sz="2000" b="0" i="1" smtClean="0">
-                              <a:effectLst/>
-                              <a:latin typeface="Cambria Math" panose="02040503050406030204" pitchFamily="18" charset="0"/>
-                              <a:ea typeface="Cambria Math" panose="02040503050406030204" pitchFamily="18" charset="0"/>
-                              <a:cs typeface="Times New Roman" panose="02020603050405020304" pitchFamily="18" charset="0"/>
-                            </a:rPr>
-                            <m:t>𝜏</m:t>
-                          </m:r>
-                        </m:e>
-                        <m:sub>
-                          <m:r>
-                            <a:rPr lang="es-CO" sz="2000" b="0" i="1" smtClean="0">
-                              <a:effectLst/>
-                              <a:latin typeface="Cambria Math" panose="02040503050406030204" pitchFamily="18" charset="0"/>
-                              <a:ea typeface="Cambria Math" panose="02040503050406030204" pitchFamily="18" charset="0"/>
-                              <a:cs typeface="Times New Roman" panose="02020603050405020304" pitchFamily="18" charset="0"/>
-                            </a:rPr>
-                            <m:t>𝐶</m:t>
-                          </m:r>
-                        </m:sub>
-                        <m:sup>
-                          <m:r>
-                            <a:rPr lang="es-CO" sz="2000" b="0" i="1" smtClean="0">
-                              <a:effectLst/>
-                              <a:latin typeface="Cambria Math" panose="02040503050406030204" pitchFamily="18" charset="0"/>
-                              <a:ea typeface="Cambria Math" panose="02040503050406030204" pitchFamily="18" charset="0"/>
-                              <a:cs typeface="Times New Roman" panose="02020603050405020304" pitchFamily="18" charset="0"/>
-                            </a:rPr>
-                            <m:t>𝐴</m:t>
-                          </m:r>
-                        </m:sup>
-                      </m:sSubSup>
-                      <m:r>
-                        <a:rPr lang="es-CO" sz="2000" b="0" i="1" smtClean="0">
-                          <a:effectLst/>
-                          <a:latin typeface="Cambria Math" panose="02040503050406030204" pitchFamily="18" charset="0"/>
-                          <a:ea typeface="Cambria Math" panose="02040503050406030204" pitchFamily="18" charset="0"/>
-                          <a:cs typeface="Times New Roman" panose="02020603050405020304" pitchFamily="18" charset="0"/>
-                        </a:rPr>
-                        <m:t>∙</m:t>
-                      </m:r>
                       <m:sSub>
                         <m:sSubPr>
                           <m:ctrlPr>
@@ -15522,12 +15468,13 @@
                           <m:t>1</m:t>
                         </m:r>
                         <m:r>
-                          <a:rPr lang="es-CO" sz="1800" i="1">
+                          <a:rPr lang="es-CO" sz="1800" b="0" i="1" smtClean="0">
+                            <a:effectLst/>
                             <a:latin typeface="Cambria Math" panose="02040503050406030204" pitchFamily="18" charset="0"/>
                             <a:ea typeface="Cambria Math" panose="02040503050406030204" pitchFamily="18" charset="0"/>
                             <a:cs typeface="Times New Roman" panose="02020603050405020304" pitchFamily="18" charset="0"/>
                           </a:rPr>
-                          <m:t>−</m:t>
+                          <m:t>+</m:t>
                         </m:r>
                         <m:sSup>
                           <m:sSupPr>
@@ -15626,7 +15573,7 @@
             </p:txBody>
           </p:sp>
         </mc:Choice>
-        <mc:Fallback xmlns="">
+        <mc:Fallback>
           <p:sp>
             <p:nvSpPr>
               <p:cNvPr id="2" name="Marcador de contenido 1">
@@ -26206,12 +26153,12 @@
                                 </m:sub>
                                 <m:sup>
                                   <m:r>
-                                    <a:rPr lang="en-GB" sz="2000" i="1">
+                                    <a:rPr lang="es-CO" sz="2000" b="0" i="1" smtClean="0">
                                       <a:latin typeface="Cambria Math" panose="02040503050406030204" pitchFamily="18" charset="0"/>
                                       <a:ea typeface="Times New Roman" panose="02020603050405020304" pitchFamily="18" charset="0"/>
                                       <a:cs typeface="Times New Roman" panose="02020603050405020304" pitchFamily="18" charset="0"/>
                                     </a:rPr>
-                                    <m:t>𝑅𝑜𝑊</m:t>
+                                    <m:t>𝐻</m:t>
                                   </m:r>
                                 </m:sup>
                               </m:sSubSup>

--- a/Documentos/Presentación 24 de Noviembre de 2020.pptx
+++ b/Documentos/Presentación 24 de Noviembre de 2020.pptx
@@ -5,7 +5,7 @@
     <p:sldMasterId id="2147483660" r:id="rId1"/>
   </p:sldMasterIdLst>
   <p:notesMasterIdLst>
-    <p:notesMasterId r:id="rId21"/>
+    <p:notesMasterId r:id="rId22"/>
   </p:notesMasterIdLst>
   <p:sldIdLst>
     <p:sldId id="256" r:id="rId2"/>
@@ -18,15 +18,16 @@
     <p:sldId id="350" r:id="rId9"/>
     <p:sldId id="355" r:id="rId10"/>
     <p:sldId id="356" r:id="rId11"/>
-    <p:sldId id="357" r:id="rId12"/>
-    <p:sldId id="342" r:id="rId13"/>
-    <p:sldId id="257" r:id="rId14"/>
-    <p:sldId id="347" r:id="rId15"/>
-    <p:sldId id="354" r:id="rId16"/>
-    <p:sldId id="351" r:id="rId17"/>
-    <p:sldId id="352" r:id="rId18"/>
-    <p:sldId id="353" r:id="rId19"/>
-    <p:sldId id="258" r:id="rId20"/>
+    <p:sldId id="358" r:id="rId12"/>
+    <p:sldId id="357" r:id="rId13"/>
+    <p:sldId id="342" r:id="rId14"/>
+    <p:sldId id="257" r:id="rId15"/>
+    <p:sldId id="347" r:id="rId16"/>
+    <p:sldId id="354" r:id="rId17"/>
+    <p:sldId id="351" r:id="rId18"/>
+    <p:sldId id="352" r:id="rId19"/>
+    <p:sldId id="353" r:id="rId20"/>
+    <p:sldId id="258" r:id="rId21"/>
   </p:sldIdLst>
   <p:sldSz cx="12192000" cy="6858000"/>
   <p:notesSz cx="6858000" cy="9144000"/>
@@ -215,7 +216,7 @@
           <a:p>
             <a:fld id="{D42B63A8-CA22-F249-8B11-75777F973014}" type="datetimeFigureOut">
               <a:rPr lang="es-ES_tradnl" smtClean="0"/>
-              <a:t>26/11/2020</a:t>
+              <a:t>9/12/20</a:t>
             </a:fld>
             <a:endParaRPr lang="es-ES_tradnl"/>
           </a:p>
@@ -671,7 +672,10 @@
           <a:bodyPr/>
           <a:lstStyle/>
           <a:p>
-            <a:endParaRPr lang="es-CO" dirty="0"/>
+            <a:r>
+              <a:rPr lang="es-ES_tradnl" dirty="0"/>
+              <a:t> </a:t>
+            </a:r>
           </a:p>
         </p:txBody>
       </p:sp>
@@ -692,7 +696,7 @@
           <a:p>
             <a:fld id="{385B4EE3-1E68-8D48-A803-DEA9E3095647}" type="slidenum">
               <a:rPr lang="es-ES_tradnl" smtClean="0"/>
-              <a:t>12</a:t>
+              <a:t>10</a:t>
             </a:fld>
             <a:endParaRPr lang="es-ES_tradnl"/>
           </a:p>
@@ -701,7 +705,7 @@
     </p:spTree>
     <p:extLst>
       <p:ext uri="{BB962C8B-B14F-4D97-AF65-F5344CB8AC3E}">
-        <p14:creationId xmlns:p14="http://schemas.microsoft.com/office/powerpoint/2010/main" val="4114821274"/>
+        <p14:creationId xmlns:p14="http://schemas.microsoft.com/office/powerpoint/2010/main" val="968256206"/>
       </p:ext>
     </p:extLst>
   </p:cSld>
@@ -776,7 +780,7 @@
           <a:p>
             <a:fld id="{385B4EE3-1E68-8D48-A803-DEA9E3095647}" type="slidenum">
               <a:rPr lang="es-ES_tradnl" smtClean="0"/>
-              <a:t>15</a:t>
+              <a:t>13</a:t>
             </a:fld>
             <a:endParaRPr lang="es-ES_tradnl"/>
           </a:p>
@@ -785,7 +789,7 @@
     </p:spTree>
     <p:extLst>
       <p:ext uri="{BB962C8B-B14F-4D97-AF65-F5344CB8AC3E}">
-        <p14:creationId xmlns:p14="http://schemas.microsoft.com/office/powerpoint/2010/main" val="3648368431"/>
+        <p14:creationId xmlns:p14="http://schemas.microsoft.com/office/powerpoint/2010/main" val="4114821274"/>
       </p:ext>
     </p:extLst>
   </p:cSld>
@@ -869,7 +873,7 @@
     </p:spTree>
     <p:extLst>
       <p:ext uri="{BB962C8B-B14F-4D97-AF65-F5344CB8AC3E}">
-        <p14:creationId xmlns:p14="http://schemas.microsoft.com/office/powerpoint/2010/main" val="62395903"/>
+        <p14:creationId xmlns:p14="http://schemas.microsoft.com/office/powerpoint/2010/main" val="3648368431"/>
       </p:ext>
     </p:extLst>
   </p:cSld>
@@ -953,7 +957,7 @@
     </p:spTree>
     <p:extLst>
       <p:ext uri="{BB962C8B-B14F-4D97-AF65-F5344CB8AC3E}">
-        <p14:creationId xmlns:p14="http://schemas.microsoft.com/office/powerpoint/2010/main" val="2854073823"/>
+        <p14:creationId xmlns:p14="http://schemas.microsoft.com/office/powerpoint/2010/main" val="62395903"/>
       </p:ext>
     </p:extLst>
   </p:cSld>
@@ -1029,6 +1033,90 @@
             <a:fld id="{385B4EE3-1E68-8D48-A803-DEA9E3095647}" type="slidenum">
               <a:rPr lang="es-ES_tradnl" smtClean="0"/>
               <a:t>18</a:t>
+            </a:fld>
+            <a:endParaRPr lang="es-ES_tradnl"/>
+          </a:p>
+        </p:txBody>
+      </p:sp>
+    </p:spTree>
+    <p:extLst>
+      <p:ext uri="{BB962C8B-B14F-4D97-AF65-F5344CB8AC3E}">
+        <p14:creationId xmlns:p14="http://schemas.microsoft.com/office/powerpoint/2010/main" val="2854073823"/>
+      </p:ext>
+    </p:extLst>
+  </p:cSld>
+  <p:clrMapOvr>
+    <a:masterClrMapping/>
+  </p:clrMapOvr>
+</p:notes>
+</file>
+
+<file path=ppt/notesSlides/notesSlide7.xml><?xml version="1.0" encoding="utf-8"?>
+<p:notes xmlns:a="http://schemas.openxmlformats.org/drawingml/2006/main" xmlns:r="http://schemas.openxmlformats.org/officeDocument/2006/relationships" xmlns:p="http://schemas.openxmlformats.org/presentationml/2006/main">
+  <p:cSld>
+    <p:spTree>
+      <p:nvGrpSpPr>
+        <p:cNvPr id="1" name=""/>
+        <p:cNvGrpSpPr/>
+        <p:nvPr/>
+      </p:nvGrpSpPr>
+      <p:grpSpPr>
+        <a:xfrm>
+          <a:off x="0" y="0"/>
+          <a:ext cx="0" cy="0"/>
+          <a:chOff x="0" y="0"/>
+          <a:chExt cx="0" cy="0"/>
+        </a:xfrm>
+      </p:grpSpPr>
+      <p:sp>
+        <p:nvSpPr>
+          <p:cNvPr id="2" name="Marcador de imagen de diapositiva 1"/>
+          <p:cNvSpPr>
+            <a:spLocks noGrp="1" noRot="1" noChangeAspect="1"/>
+          </p:cNvSpPr>
+          <p:nvPr>
+            <p:ph type="sldImg"/>
+          </p:nvPr>
+        </p:nvSpPr>
+        <p:spPr/>
+      </p:sp>
+      <p:sp>
+        <p:nvSpPr>
+          <p:cNvPr id="3" name="Marcador de notas 2"/>
+          <p:cNvSpPr>
+            <a:spLocks noGrp="1"/>
+          </p:cNvSpPr>
+          <p:nvPr>
+            <p:ph type="body" idx="1"/>
+          </p:nvPr>
+        </p:nvSpPr>
+        <p:spPr/>
+        <p:txBody>
+          <a:bodyPr/>
+          <a:lstStyle/>
+          <a:p>
+            <a:endParaRPr lang="es-CO" dirty="0"/>
+          </a:p>
+        </p:txBody>
+      </p:sp>
+      <p:sp>
+        <p:nvSpPr>
+          <p:cNvPr id="4" name="Marcador de número de diapositiva 3"/>
+          <p:cNvSpPr>
+            <a:spLocks noGrp="1"/>
+          </p:cNvSpPr>
+          <p:nvPr>
+            <p:ph type="sldNum" sz="quarter" idx="5"/>
+          </p:nvPr>
+        </p:nvSpPr>
+        <p:spPr/>
+        <p:txBody>
+          <a:bodyPr/>
+          <a:lstStyle/>
+          <a:p>
+            <a:fld id="{385B4EE3-1E68-8D48-A803-DEA9E3095647}" type="slidenum">
+              <a:rPr lang="es-ES_tradnl" smtClean="0"/>
+              <a:t>19</a:t>
             </a:fld>
             <a:endParaRPr lang="es-ES_tradnl"/>
           </a:p>
@@ -1922,7 +2010,7 @@
           <a:p>
             <a:fld id="{6C5AE33D-32CE-4125-A2FD-63556E695E13}" type="datetimeFigureOut">
               <a:rPr lang="es-CO" smtClean="0"/>
-              <a:t>26/11/2020</a:t>
+              <a:t>9/12/20</a:t>
             </a:fld>
             <a:endParaRPr lang="es-CO"/>
           </a:p>
@@ -2565,7 +2653,7 @@
         </p:nvSpPr>
         <p:spPr>
           <a:xfrm>
-            <a:off x="540589" y="-75261"/>
+            <a:off x="540589" y="150962"/>
             <a:ext cx="10972800" cy="1143000"/>
           </a:xfrm>
         </p:spPr>
@@ -2585,8 +2673,8 @@
           </a:p>
         </p:txBody>
       </p:sp>
-      <mc:AlternateContent xmlns:mc="http://schemas.openxmlformats.org/markup-compatibility/2006" xmlns:a14="http://schemas.microsoft.com/office/drawing/2010/main">
-        <mc:Choice Requires="a14">
+      <mc:AlternateContent xmlns:mc="http://schemas.openxmlformats.org/markup-compatibility/2006">
+        <mc:Choice xmlns:a14="http://schemas.microsoft.com/office/drawing/2010/main" Requires="a14">
           <p:sp>
             <p:nvSpPr>
               <p:cNvPr id="2" name="Marcador de contenido 1">
@@ -2605,8 +2693,8 @@
             </p:nvSpPr>
             <p:spPr>
               <a:xfrm>
-                <a:off x="540589" y="1026366"/>
-                <a:ext cx="5384800" cy="5066523"/>
+                <a:off x="138022" y="1293962"/>
+                <a:ext cx="5709729" cy="4772063"/>
               </a:xfrm>
             </p:spPr>
             <p:txBody>
@@ -2619,7 +2707,7 @@
                   <a:buNone/>
                 </a:pPr>
                 <a:r>
-                  <a:rPr lang="es-CO" sz="1600" dirty="0">
+                  <a:rPr lang="es-CO" sz="1200" dirty="0">
                     <a:latin typeface="Century Gothic" panose="020B0502020202020204" pitchFamily="34" charset="0"/>
                   </a:rPr>
                   <a:t>The variation in shares is equal to the capital investment that is not financed, that is, the net increase in assets</a:t>
@@ -2629,7 +2717,7 @@
                 <a:pPr marL="0" indent="0" algn="just">
                   <a:buNone/>
                 </a:pPr>
-                <a:endParaRPr lang="es-CO" sz="1600" dirty="0">
+                <a:endParaRPr lang="es-CO" sz="1200" dirty="0">
                   <a:latin typeface="Century Gothic" panose="020B0502020202020204" pitchFamily="34" charset="0"/>
                 </a:endParaRPr>
               </a:p>
@@ -2646,7 +2734,7 @@
                       <m:sSub>
                         <m:sSubPr>
                           <m:ctrlPr>
-                            <a:rPr lang="es-CO" sz="1600" i="1">
+                            <a:rPr lang="es-CO" sz="1200" i="1">
                               <a:latin typeface="Cambria Math" panose="02040503050406030204" pitchFamily="18" charset="0"/>
                             </a:rPr>
                           </m:ctrlPr>
@@ -2656,14 +2744,14 @@
                             <m:accPr>
                               <m:chr m:val="̇"/>
                               <m:ctrlPr>
-                                <a:rPr lang="es-CO" sz="1600" i="1">
+                                <a:rPr lang="es-CO" sz="1200" i="1">
                                   <a:latin typeface="Cambria Math" panose="02040503050406030204" pitchFamily="18" charset="0"/>
                                 </a:rPr>
                               </m:ctrlPr>
                             </m:accPr>
                             <m:e>
                               <m:r>
-                                <a:rPr lang="en-US" sz="1600" i="1">
+                                <a:rPr lang="en-US" sz="1200" i="1">
                                   <a:latin typeface="Cambria Math" panose="02040503050406030204" pitchFamily="18" charset="0"/>
                                 </a:rPr>
                                 <m:t>𝐸𝑄</m:t>
@@ -2673,7 +2761,7 @@
                         </m:e>
                         <m:sub>
                           <m:r>
-                            <a:rPr lang="en-US" sz="1600" i="1">
+                            <a:rPr lang="en-US" sz="1200" i="1">
                               <a:latin typeface="Cambria Math" panose="02040503050406030204" pitchFamily="18" charset="0"/>
                             </a:rPr>
                             <m:t>𝐹</m:t>
@@ -2681,19 +2769,19 @@
                         </m:sub>
                       </m:sSub>
                       <m:r>
-                        <a:rPr lang="en-US" sz="1600" i="1">
+                        <a:rPr lang="en-US" sz="1200" i="1">
                           <a:latin typeface="Cambria Math" panose="02040503050406030204" pitchFamily="18" charset="0"/>
                         </a:rPr>
                         <m:t>= </m:t>
                       </m:r>
                       <m:r>
-                        <a:rPr lang="en-US" sz="1600" i="1">
+                        <a:rPr lang="en-US" sz="1200" i="1">
                           <a:latin typeface="Cambria Math" panose="02040503050406030204" pitchFamily="18" charset="0"/>
                         </a:rPr>
                         <m:t>𝑝</m:t>
                       </m:r>
                       <m:r>
-                        <a:rPr lang="en-GB" sz="1600" i="1">
+                        <a:rPr lang="en-GB" sz="1200" i="1">
                           <a:latin typeface="Cambria Math" panose="02040503050406030204" pitchFamily="18" charset="0"/>
                         </a:rPr>
                         <m:t>⋅</m:t>
@@ -2701,14 +2789,14 @@
                       <m:sSup>
                         <m:sSupPr>
                           <m:ctrlPr>
-                            <a:rPr lang="es-CO" sz="1600" i="1">
+                            <a:rPr lang="es-CO" sz="1200" i="1">
                               <a:latin typeface="Cambria Math" panose="02040503050406030204" pitchFamily="18" charset="0"/>
                             </a:rPr>
                           </m:ctrlPr>
                         </m:sSupPr>
                         <m:e>
                           <m:r>
-                            <a:rPr lang="en-GB" sz="1600" i="1">
+                            <a:rPr lang="en-GB" sz="1200" i="1">
                               <a:latin typeface="Cambria Math" panose="02040503050406030204" pitchFamily="18" charset="0"/>
                             </a:rPr>
                             <m:t>𝐼</m:t>
@@ -2716,7 +2804,7 @@
                         </m:e>
                         <m:sup>
                           <m:r>
-                            <a:rPr lang="es-CO" sz="1600" b="0" i="1" smtClean="0">
+                            <a:rPr lang="es-CO" sz="1200" b="0" i="1" smtClean="0">
                               <a:latin typeface="Cambria Math" panose="02040503050406030204" pitchFamily="18" charset="0"/>
                             </a:rPr>
                             <m:t>𝐾</m:t>
@@ -2724,13 +2812,13 @@
                         </m:sup>
                       </m:sSup>
                       <m:r>
-                        <a:rPr lang="es-ES" sz="1600" i="1">
+                        <a:rPr lang="es-ES" sz="1200" i="1">
                           <a:latin typeface="Cambria Math" panose="02040503050406030204" pitchFamily="18" charset="0"/>
                         </a:rPr>
                         <m:t>−</m:t>
                       </m:r>
                       <m:r>
-                        <a:rPr lang="en-GB" sz="1600" i="1">
+                        <a:rPr lang="en-GB" sz="1200" i="1">
                           <a:latin typeface="Cambria Math" panose="02040503050406030204" pitchFamily="18" charset="0"/>
                         </a:rPr>
                         <m:t>𝑇𝐹</m:t>
@@ -2738,14 +2826,14 @@
                       <m:sSub>
                         <m:sSubPr>
                           <m:ctrlPr>
-                            <a:rPr lang="es-CO" sz="1600" i="1">
+                            <a:rPr lang="es-CO" sz="1200" i="1">
                               <a:latin typeface="Cambria Math" panose="02040503050406030204" pitchFamily="18" charset="0"/>
                             </a:rPr>
                           </m:ctrlPr>
                         </m:sSubPr>
                         <m:e>
                           <m:r>
-                            <a:rPr lang="en-GB" sz="1600" i="1">
+                            <a:rPr lang="en-GB" sz="1200" i="1">
                               <a:latin typeface="Cambria Math" panose="02040503050406030204" pitchFamily="18" charset="0"/>
                             </a:rPr>
                             <m:t>𝑁</m:t>
@@ -2753,7 +2841,7 @@
                         </m:e>
                         <m:sub>
                           <m:r>
-                            <a:rPr lang="en-GB" sz="1600" i="1">
+                            <a:rPr lang="en-GB" sz="1200" i="1">
                               <a:latin typeface="Cambria Math" panose="02040503050406030204" pitchFamily="18" charset="0"/>
                             </a:rPr>
                             <m:t>𝐹</m:t>
@@ -2763,7 +2851,7 @@
                     </m:oMath>
                   </m:oMathPara>
                 </a14:m>
-                <a:endParaRPr lang="es-CO" sz="1600" dirty="0">
+                <a:endParaRPr lang="es-CO" sz="1200" dirty="0">
                   <a:latin typeface="Century Gothic" panose="020B0502020202020204" pitchFamily="34" charset="0"/>
                 </a:endParaRPr>
               </a:p>
@@ -2771,7 +2859,7 @@
                 <a:pPr marL="0" indent="0" algn="just">
                   <a:buNone/>
                 </a:pPr>
-                <a:endParaRPr lang="es-CO" sz="1600" dirty="0">
+                <a:endParaRPr lang="es-CO" sz="1200" dirty="0">
                   <a:latin typeface="Century Gothic" panose="020B0502020202020204" pitchFamily="34" charset="0"/>
                 </a:endParaRPr>
               </a:p>
@@ -2780,7 +2868,7 @@
                   <a:buNone/>
                 </a:pPr>
                 <a:r>
-                  <a:rPr lang="es-CO" sz="1600" dirty="0">
+                  <a:rPr lang="es-CO" sz="1200" dirty="0">
                     <a:latin typeface="Century Gothic" panose="020B0502020202020204" pitchFamily="34" charset="0"/>
                   </a:rPr>
                   <a:t>The variation in shares is equal to the variation in shares held by households and the rest of the world </a:t>
@@ -2790,7 +2878,7 @@
                 <a:pPr marL="0" indent="0" algn="just">
                   <a:buNone/>
                 </a:pPr>
-                <a:endParaRPr lang="es-CO" sz="1600" dirty="0">
+                <a:endParaRPr lang="es-CO" sz="1200" dirty="0">
                   <a:latin typeface="Century Gothic" panose="020B0502020202020204" pitchFamily="34" charset="0"/>
                 </a:endParaRPr>
               </a:p>
@@ -2807,7 +2895,7 @@
                       <m:sSub>
                         <m:sSubPr>
                           <m:ctrlPr>
-                            <a:rPr lang="es-CO" sz="1600" i="1">
+                            <a:rPr lang="es-CO" sz="1200" i="1">
                               <a:latin typeface="Cambria Math" panose="02040503050406030204" pitchFamily="18" charset="0"/>
                             </a:rPr>
                           </m:ctrlPr>
@@ -2817,14 +2905,14 @@
                             <m:accPr>
                               <m:chr m:val="̇"/>
                               <m:ctrlPr>
-                                <a:rPr lang="es-CO" sz="1600" i="1">
+                                <a:rPr lang="es-CO" sz="1200" i="1">
                                   <a:latin typeface="Cambria Math" panose="02040503050406030204" pitchFamily="18" charset="0"/>
                                 </a:rPr>
                               </m:ctrlPr>
                             </m:accPr>
                             <m:e>
                               <m:r>
-                                <a:rPr lang="en-US" sz="1600" i="1">
+                                <a:rPr lang="en-US" sz="1200" i="1">
                                   <a:latin typeface="Cambria Math" panose="02040503050406030204" pitchFamily="18" charset="0"/>
                                 </a:rPr>
                                 <m:t>𝐸𝑄</m:t>
@@ -2834,7 +2922,7 @@
                         </m:e>
                         <m:sub>
                           <m:r>
-                            <a:rPr lang="en-US" sz="1600" i="1">
+                            <a:rPr lang="en-US" sz="1200" i="1">
                               <a:latin typeface="Cambria Math" panose="02040503050406030204" pitchFamily="18" charset="0"/>
                             </a:rPr>
                             <m:t>𝐹</m:t>
@@ -2842,7 +2930,7 @@
                         </m:sub>
                       </m:sSub>
                       <m:r>
-                        <a:rPr lang="en-US" sz="1600" i="1">
+                        <a:rPr lang="en-US" sz="1200" i="1">
                           <a:latin typeface="Cambria Math" panose="02040503050406030204" pitchFamily="18" charset="0"/>
                         </a:rPr>
                         <m:t>=</m:t>
@@ -2850,7 +2938,7 @@
                       <m:sSub>
                         <m:sSubPr>
                           <m:ctrlPr>
-                            <a:rPr lang="es-CO" sz="1600" i="1">
+                            <a:rPr lang="es-CO" sz="1200" i="1">
                               <a:latin typeface="Cambria Math" panose="02040503050406030204" pitchFamily="18" charset="0"/>
                             </a:rPr>
                           </m:ctrlPr>
@@ -2860,14 +2948,14 @@
                             <m:accPr>
                               <m:chr m:val="̇"/>
                               <m:ctrlPr>
-                                <a:rPr lang="es-CO" sz="1600" i="1">
+                                <a:rPr lang="es-CO" sz="1200" i="1">
                                   <a:latin typeface="Cambria Math" panose="02040503050406030204" pitchFamily="18" charset="0"/>
                                 </a:rPr>
                               </m:ctrlPr>
                             </m:accPr>
                             <m:e>
                               <m:r>
-                                <a:rPr lang="en-US" sz="1600" i="1">
+                                <a:rPr lang="en-US" sz="1200" i="1">
                                   <a:latin typeface="Cambria Math" panose="02040503050406030204" pitchFamily="18" charset="0"/>
                                 </a:rPr>
                                 <m:t>𝐸𝑄</m:t>
@@ -2877,7 +2965,7 @@
                         </m:e>
                         <m:sub>
                           <m:r>
-                            <a:rPr lang="en-US" sz="1600" i="1">
+                            <a:rPr lang="en-US" sz="1200" i="1">
                               <a:latin typeface="Cambria Math" panose="02040503050406030204" pitchFamily="18" charset="0"/>
                             </a:rPr>
                             <m:t>𝐻</m:t>
@@ -2885,7 +2973,7 @@
                         </m:sub>
                       </m:sSub>
                       <m:r>
-                        <a:rPr lang="en-US" sz="1600" i="1">
+                        <a:rPr lang="en-US" sz="1200" i="1">
                           <a:latin typeface="Cambria Math" panose="02040503050406030204" pitchFamily="18" charset="0"/>
                         </a:rPr>
                         <m:t>+</m:t>
@@ -2893,7 +2981,7 @@
                       <m:sSubSup>
                         <m:sSubSupPr>
                           <m:ctrlPr>
-                            <a:rPr lang="es-CO" sz="1600" i="1">
+                            <a:rPr lang="es-CO" sz="1200" i="1">
                               <a:latin typeface="Cambria Math" panose="02040503050406030204" pitchFamily="18" charset="0"/>
                             </a:rPr>
                           </m:ctrlPr>
@@ -2903,14 +2991,14 @@
                             <m:accPr>
                               <m:chr m:val="̇"/>
                               <m:ctrlPr>
-                                <a:rPr lang="es-CO" sz="1600" i="1">
+                                <a:rPr lang="es-CO" sz="1200" i="1">
                                   <a:latin typeface="Cambria Math" panose="02040503050406030204" pitchFamily="18" charset="0"/>
                                 </a:rPr>
                               </m:ctrlPr>
                             </m:accPr>
                             <m:e>
                               <m:r>
-                                <a:rPr lang="es-CO" sz="1600" i="1">
+                                <a:rPr lang="es-CO" sz="1200" i="1">
                                   <a:latin typeface="Cambria Math" panose="02040503050406030204" pitchFamily="18" charset="0"/>
                                 </a:rPr>
                                 <m:t>𝐸𝑄</m:t>
@@ -2920,7 +3008,7 @@
                         </m:e>
                         <m:sub>
                           <m:r>
-                            <a:rPr lang="es-CO" sz="1600" i="1">
+                            <a:rPr lang="es-CO" sz="1200" i="1">
                               <a:latin typeface="Cambria Math" panose="02040503050406030204" pitchFamily="18" charset="0"/>
                             </a:rPr>
                             <m:t>𝐹</m:t>
@@ -2928,7 +3016,7 @@
                         </m:sub>
                         <m:sup>
                           <m:r>
-                            <a:rPr lang="es-CO" sz="1600" i="1">
+                            <a:rPr lang="es-CO" sz="1200" i="1">
                               <a:latin typeface="Cambria Math" panose="02040503050406030204" pitchFamily="18" charset="0"/>
                             </a:rPr>
                             <m:t>𝑅𝑜𝑊</m:t>
@@ -2936,7 +3024,7 @@
                         </m:sup>
                       </m:sSubSup>
                       <m:r>
-                        <a:rPr lang="es-CO" sz="1600" i="1">
+                        <a:rPr lang="es-CO" sz="1200" i="1">
                           <a:latin typeface="Cambria Math" panose="02040503050406030204" pitchFamily="18" charset="0"/>
                         </a:rPr>
                         <m:t> </m:t>
@@ -2944,7 +3032,7 @@
                     </m:oMath>
                   </m:oMathPara>
                 </a14:m>
-                <a:endParaRPr lang="es-CO" sz="1600" dirty="0">
+                <a:endParaRPr lang="es-CO" sz="1200" dirty="0">
                   <a:latin typeface="Century Gothic" panose="020B0502020202020204" pitchFamily="34" charset="0"/>
                 </a:endParaRPr>
               </a:p>
@@ -2952,7 +3040,7 @@
                 <a:pPr marL="0" indent="0" algn="just">
                   <a:buNone/>
                 </a:pPr>
-                <a:endParaRPr lang="en-GB" sz="1600" i="1" dirty="0"/>
+                <a:endParaRPr lang="en-GB" sz="1200" i="1" dirty="0"/>
               </a:p>
               <a:p>
                 <a:pPr marL="0" indent="0" algn="just">
@@ -2965,7 +3053,7 @@
                     </m:oMathParaPr>
                     <m:oMath xmlns:m="http://schemas.openxmlformats.org/officeDocument/2006/math">
                       <m:r>
-                        <a:rPr lang="en-GB" sz="1600" i="1">
+                        <a:rPr lang="en-GB" sz="1200" i="1">
                           <a:latin typeface="Cambria Math" panose="02040503050406030204" pitchFamily="18" charset="0"/>
                         </a:rPr>
                         <m:t>𝑇𝐹</m:t>
@@ -2973,14 +3061,14 @@
                       <m:sSub>
                         <m:sSubPr>
                           <m:ctrlPr>
-                            <a:rPr lang="es-CO" sz="1600" i="1">
+                            <a:rPr lang="es-CO" sz="1200" i="1">
                               <a:latin typeface="Cambria Math" panose="02040503050406030204" pitchFamily="18" charset="0"/>
                             </a:rPr>
                           </m:ctrlPr>
                         </m:sSubPr>
                         <m:e>
                           <m:r>
-                            <a:rPr lang="en-GB" sz="1600" i="1">
+                            <a:rPr lang="en-GB" sz="1200" i="1">
                               <a:latin typeface="Cambria Math" panose="02040503050406030204" pitchFamily="18" charset="0"/>
                             </a:rPr>
                             <m:t>𝑁</m:t>
@@ -2988,7 +3076,7 @@
                         </m:e>
                         <m:sub>
                           <m:r>
-                            <a:rPr lang="en-GB" sz="1600" i="1">
+                            <a:rPr lang="en-GB" sz="1200" i="1">
                               <a:latin typeface="Cambria Math" panose="02040503050406030204" pitchFamily="18" charset="0"/>
                             </a:rPr>
                             <m:t>𝐹</m:t>
@@ -2996,19 +3084,19 @@
                         </m:sub>
                       </m:sSub>
                       <m:r>
-                        <a:rPr lang="en-GB" sz="1600" i="1">
+                        <a:rPr lang="en-GB" sz="1200" i="1">
                           <a:latin typeface="Cambria Math" panose="02040503050406030204" pitchFamily="18" charset="0"/>
                         </a:rPr>
                         <m:t>=</m:t>
                       </m:r>
                       <m:r>
-                        <a:rPr lang="en-GB" sz="1600" i="1">
+                        <a:rPr lang="en-GB" sz="1200" i="1">
                           <a:latin typeface="Cambria Math" panose="02040503050406030204" pitchFamily="18" charset="0"/>
                         </a:rPr>
                         <m:t>𝑝</m:t>
                       </m:r>
                       <m:r>
-                        <a:rPr lang="en-GB" sz="1600" i="1">
+                        <a:rPr lang="en-GB" sz="1200" i="1">
                           <a:latin typeface="Cambria Math" panose="02040503050406030204" pitchFamily="18" charset="0"/>
                         </a:rPr>
                         <m:t>⋅</m:t>
@@ -3016,14 +3104,14 @@
                       <m:sSup>
                         <m:sSupPr>
                           <m:ctrlPr>
-                            <a:rPr lang="es-CO" sz="1600" i="1">
+                            <a:rPr lang="es-CO" sz="1200" i="1">
                               <a:latin typeface="Cambria Math" panose="02040503050406030204" pitchFamily="18" charset="0"/>
                             </a:rPr>
                           </m:ctrlPr>
                         </m:sSupPr>
                         <m:e>
                           <m:r>
-                            <a:rPr lang="en-GB" sz="1600" i="1">
+                            <a:rPr lang="en-GB" sz="1200" i="1">
                               <a:latin typeface="Cambria Math" panose="02040503050406030204" pitchFamily="18" charset="0"/>
                             </a:rPr>
                             <m:t>𝐼</m:t>
@@ -3031,7 +3119,7 @@
                         </m:e>
                         <m:sup>
                           <m:r>
-                            <a:rPr lang="en-GB" sz="1600" i="1">
+                            <a:rPr lang="en-GB" sz="1200" i="1">
                               <a:latin typeface="Cambria Math" panose="02040503050406030204" pitchFamily="18" charset="0"/>
                             </a:rPr>
                             <m:t>𝑑</m:t>
@@ -3039,13 +3127,13 @@
                         </m:sup>
                       </m:sSup>
                       <m:r>
-                        <a:rPr lang="en-GB" sz="1600" i="1">
+                        <a:rPr lang="en-GB" sz="1200" i="1">
                           <a:latin typeface="Cambria Math" panose="02040503050406030204" pitchFamily="18" charset="0"/>
                         </a:rPr>
                         <m:t>−</m:t>
                       </m:r>
                       <m:r>
-                        <a:rPr lang="en-GB" sz="1600" i="1">
+                        <a:rPr lang="en-GB" sz="1200" i="1">
                           <a:latin typeface="Cambria Math" panose="02040503050406030204" pitchFamily="18" charset="0"/>
                         </a:rPr>
                         <m:t>𝑅</m:t>
@@ -3053,14 +3141,14 @@
                       <m:sSub>
                         <m:sSubPr>
                           <m:ctrlPr>
-                            <a:rPr lang="es-CO" sz="1600" i="1">
+                            <a:rPr lang="es-CO" sz="1200" i="1">
                               <a:latin typeface="Cambria Math" panose="02040503050406030204" pitchFamily="18" charset="0"/>
                             </a:rPr>
                           </m:ctrlPr>
                         </m:sSubPr>
                         <m:e>
                           <m:r>
-                            <a:rPr lang="en-GB" sz="1600" i="1">
+                            <a:rPr lang="en-GB" sz="1200" i="1">
                               <a:latin typeface="Cambria Math" panose="02040503050406030204" pitchFamily="18" charset="0"/>
                             </a:rPr>
                             <m:t>𝐸</m:t>
@@ -3068,7 +3156,7 @@
                         </m:e>
                         <m:sub>
                           <m:r>
-                            <a:rPr lang="en-GB" sz="1600" i="1">
+                            <a:rPr lang="en-GB" sz="1200" i="1">
                               <a:latin typeface="Cambria Math" panose="02040503050406030204" pitchFamily="18" charset="0"/>
                             </a:rPr>
                             <m:t>𝐹</m:t>
@@ -3076,7 +3164,7 @@
                         </m:sub>
                       </m:sSub>
                       <m:r>
-                        <a:rPr lang="en-GB" sz="1600" i="1">
+                        <a:rPr lang="en-GB" sz="1200" i="1">
                           <a:latin typeface="Cambria Math" panose="02040503050406030204" pitchFamily="18" charset="0"/>
                         </a:rPr>
                         <m:t>− </m:t>
@@ -3084,14 +3172,14 @@
                       <m:sSub>
                         <m:sSubPr>
                           <m:ctrlPr>
-                            <a:rPr lang="es-CO" sz="1600" i="1">
+                            <a:rPr lang="es-CO" sz="1200" i="1">
                               <a:latin typeface="Cambria Math" panose="02040503050406030204" pitchFamily="18" charset="0"/>
                             </a:rPr>
                           </m:ctrlPr>
                         </m:sSubPr>
                         <m:e>
                           <m:r>
-                            <a:rPr lang="en-GB" sz="1600" i="1">
+                            <a:rPr lang="en-GB" sz="1200" i="1">
                               <a:latin typeface="Cambria Math" panose="02040503050406030204" pitchFamily="18" charset="0"/>
                             </a:rPr>
                             <m:t>𝜉</m:t>
@@ -3099,7 +3187,7 @@
                         </m:e>
                         <m:sub>
                           <m:r>
-                            <a:rPr lang="en-GB" sz="1600" i="1">
+                            <a:rPr lang="en-GB" sz="1200" i="1">
                               <a:latin typeface="Cambria Math" panose="02040503050406030204" pitchFamily="18" charset="0"/>
                             </a:rPr>
                             <m:t>𝐹</m:t>
@@ -3107,13 +3195,13 @@
                         </m:sub>
                       </m:sSub>
                       <m:r>
-                        <a:rPr lang="en-GB" sz="1600" i="1">
+                        <a:rPr lang="en-GB" sz="1200" i="1">
                           <a:latin typeface="Cambria Math" panose="02040503050406030204" pitchFamily="18" charset="0"/>
                         </a:rPr>
                         <m:t>⋅</m:t>
                       </m:r>
                       <m:r>
-                        <a:rPr lang="en-GB" sz="1600" i="1">
+                        <a:rPr lang="en-GB" sz="1200" i="1">
                           <a:latin typeface="Cambria Math" panose="02040503050406030204" pitchFamily="18" charset="0"/>
                         </a:rPr>
                         <m:t>𝐹𝐷</m:t>
@@ -3121,14 +3209,14 @@
                       <m:sSup>
                         <m:sSupPr>
                           <m:ctrlPr>
-                            <a:rPr lang="es-CO" sz="1600" i="1">
+                            <a:rPr lang="es-CO" sz="1200" i="1">
                               <a:latin typeface="Cambria Math" panose="02040503050406030204" pitchFamily="18" charset="0"/>
                             </a:rPr>
                           </m:ctrlPr>
                         </m:sSupPr>
                         <m:e>
                           <m:r>
-                            <a:rPr lang="en-GB" sz="1600" i="1">
+                            <a:rPr lang="en-GB" sz="1200" i="1">
                               <a:latin typeface="Cambria Math" panose="02040503050406030204" pitchFamily="18" charset="0"/>
                             </a:rPr>
                             <m:t>𝐼</m:t>
@@ -3136,7 +3224,7 @@
                         </m:e>
                         <m:sup>
                           <m:r>
-                            <a:rPr lang="en-GB" sz="1600" i="1">
+                            <a:rPr lang="en-GB" sz="1200" i="1">
                               <a:latin typeface="Cambria Math" panose="02040503050406030204" pitchFamily="18" charset="0"/>
                             </a:rPr>
                             <m:t>𝑃</m:t>
@@ -3144,7 +3232,7 @@
                         </m:sup>
                       </m:sSup>
                       <m:r>
-                        <a:rPr lang="en-GB" sz="1600" i="1">
+                        <a:rPr lang="en-GB" sz="1200" i="1">
                           <a:latin typeface="Cambria Math" panose="02040503050406030204" pitchFamily="18" charset="0"/>
                         </a:rPr>
                         <m:t>⋅</m:t>
@@ -3152,14 +3240,14 @@
                       <m:sSup>
                         <m:sSupPr>
                           <m:ctrlPr>
-                            <a:rPr lang="es-CO" sz="1600" i="1">
+                            <a:rPr lang="es-CO" sz="1200" i="1">
                               <a:latin typeface="Cambria Math" panose="02040503050406030204" pitchFamily="18" charset="0"/>
                             </a:rPr>
                           </m:ctrlPr>
                         </m:sSupPr>
                         <m:e>
                           <m:r>
-                            <a:rPr lang="en-GB" sz="1600" i="1">
+                            <a:rPr lang="en-GB" sz="1200" i="1">
                               <a:latin typeface="Cambria Math" panose="02040503050406030204" pitchFamily="18" charset="0"/>
                             </a:rPr>
                             <m:t>𝑒</m:t>
@@ -3167,7 +3255,7 @@
                         </m:e>
                         <m:sup>
                           <m:r>
-                            <a:rPr lang="en-GB" sz="1600" i="1">
+                            <a:rPr lang="en-GB" sz="1200" i="1">
                               <a:latin typeface="Cambria Math" panose="02040503050406030204" pitchFamily="18" charset="0"/>
                             </a:rPr>
                             <m:t>𝑁</m:t>
@@ -3177,7 +3265,7 @@
                     </m:oMath>
                   </m:oMathPara>
                 </a14:m>
-                <a:endParaRPr lang="es-CO" sz="1600" dirty="0">
+                <a:endParaRPr lang="es-CO" sz="1200" dirty="0">
                   <a:latin typeface="Century Gothic" panose="020B0502020202020204" pitchFamily="34" charset="0"/>
                 </a:endParaRPr>
               </a:p>
@@ -3185,7 +3273,7 @@
                 <a:pPr marL="0" indent="0" algn="just">
                   <a:buNone/>
                 </a:pPr>
-                <a:endParaRPr lang="es-CO" sz="1600" dirty="0">
+                <a:endParaRPr lang="es-CO" sz="1200" dirty="0">
                   <a:latin typeface="Century Gothic" panose="020B0502020202020204" pitchFamily="34" charset="0"/>
                 </a:endParaRPr>
               </a:p>
@@ -3202,14 +3290,14 @@
                       <m:sSup>
                         <m:sSupPr>
                           <m:ctrlPr>
-                            <a:rPr lang="es-CO" sz="1600" i="1">
+                            <a:rPr lang="es-CO" sz="1200" i="1">
                               <a:latin typeface="Cambria Math" panose="02040503050406030204" pitchFamily="18" charset="0"/>
                             </a:rPr>
                           </m:ctrlPr>
                         </m:sSupPr>
                         <m:e>
                           <m:r>
-                            <a:rPr lang="en-GB" sz="1600" i="1">
+                            <a:rPr lang="en-GB" sz="1200" i="1">
                               <a:latin typeface="Cambria Math" panose="02040503050406030204" pitchFamily="18" charset="0"/>
                             </a:rPr>
                             <m:t>𝐼</m:t>
@@ -3217,7 +3305,7 @@
                         </m:e>
                         <m:sup>
                           <m:r>
-                            <a:rPr lang="en-GB" sz="1600" i="1">
+                            <a:rPr lang="en-GB" sz="1200" i="1">
                               <a:latin typeface="Cambria Math" panose="02040503050406030204" pitchFamily="18" charset="0"/>
                             </a:rPr>
                             <m:t>𝐷</m:t>
@@ -3225,7 +3313,7 @@
                         </m:sup>
                       </m:sSup>
                       <m:r>
-                        <a:rPr lang="en-GB" sz="1600" i="1">
+                        <a:rPr lang="en-GB" sz="1200" i="1">
                           <a:latin typeface="Cambria Math" panose="02040503050406030204" pitchFamily="18" charset="0"/>
                         </a:rPr>
                         <m:t>=</m:t>
@@ -3233,14 +3321,14 @@
                       <m:sSup>
                         <m:sSupPr>
                           <m:ctrlPr>
-                            <a:rPr lang="es-CO" sz="1600" i="1">
+                            <a:rPr lang="es-CO" sz="1200" i="1">
                               <a:latin typeface="Cambria Math" panose="02040503050406030204" pitchFamily="18" charset="0"/>
                             </a:rPr>
                           </m:ctrlPr>
                         </m:sSupPr>
                         <m:e>
                           <m:r>
-                            <a:rPr lang="en-GB" sz="1600" i="1">
+                            <a:rPr lang="en-GB" sz="1200" i="1">
                               <a:latin typeface="Cambria Math" panose="02040503050406030204" pitchFamily="18" charset="0"/>
                             </a:rPr>
                             <m:t>𝐼</m:t>
@@ -3248,7 +3336,7 @@
                         </m:e>
                         <m:sup>
                           <m:r>
-                            <a:rPr lang="en-GB" sz="1600" i="1">
+                            <a:rPr lang="en-GB" sz="1200" i="1">
                               <a:latin typeface="Cambria Math" panose="02040503050406030204" pitchFamily="18" charset="0"/>
                             </a:rPr>
                             <m:t>𝐾</m:t>
@@ -3256,7 +3344,7 @@
                         </m:sup>
                       </m:sSup>
                       <m:r>
-                        <a:rPr lang="en-GB" sz="1600" i="1">
+                        <a:rPr lang="en-GB" sz="1200" i="1">
                           <a:latin typeface="Cambria Math" panose="02040503050406030204" pitchFamily="18" charset="0"/>
                         </a:rPr>
                         <m:t>−</m:t>
@@ -3264,14 +3352,14 @@
                       <m:f>
                         <m:fPr>
                           <m:ctrlPr>
-                            <a:rPr lang="es-CO" sz="1600" i="1">
+                            <a:rPr lang="es-CO" sz="1200" i="1">
                               <a:latin typeface="Cambria Math" panose="02040503050406030204" pitchFamily="18" charset="0"/>
                             </a:rPr>
                           </m:ctrlPr>
                         </m:fPr>
                         <m:num>
                           <m:r>
-                            <a:rPr lang="en-GB" sz="1600" i="1">
+                            <a:rPr lang="en-GB" sz="1200" i="1">
                               <a:latin typeface="Cambria Math" panose="02040503050406030204" pitchFamily="18" charset="0"/>
                             </a:rPr>
                             <m:t>𝐹𝐷</m:t>
@@ -3279,14 +3367,14 @@
                           <m:sSup>
                             <m:sSupPr>
                               <m:ctrlPr>
-                                <a:rPr lang="es-CO" sz="1600" i="1">
+                                <a:rPr lang="es-CO" sz="1200" i="1">
                                   <a:latin typeface="Cambria Math" panose="02040503050406030204" pitchFamily="18" charset="0"/>
                                 </a:rPr>
                               </m:ctrlPr>
                             </m:sSupPr>
                             <m:e>
                               <m:r>
-                                <a:rPr lang="en-GB" sz="1600" i="1">
+                                <a:rPr lang="en-GB" sz="1200" i="1">
                                   <a:latin typeface="Cambria Math" panose="02040503050406030204" pitchFamily="18" charset="0"/>
                                 </a:rPr>
                                 <m:t>𝐼</m:t>
@@ -3294,7 +3382,7 @@
                             </m:e>
                             <m:sup>
                               <m:r>
-                                <a:rPr lang="en-GB" sz="1600" i="1">
+                                <a:rPr lang="en-GB" sz="1200" i="1">
                                   <a:latin typeface="Cambria Math" panose="02040503050406030204" pitchFamily="18" charset="0"/>
                                 </a:rPr>
                                 <m:t>𝐺</m:t>
@@ -3302,7 +3390,7 @@
                             </m:sup>
                           </m:sSup>
                           <m:r>
-                            <a:rPr lang="en-GB" sz="1600" i="1">
+                            <a:rPr lang="en-GB" sz="1200" i="1">
                               <a:latin typeface="Cambria Math" panose="02040503050406030204" pitchFamily="18" charset="0"/>
                             </a:rPr>
                             <m:t> ⋅</m:t>
@@ -3310,14 +3398,14 @@
                           <m:sSup>
                             <m:sSupPr>
                               <m:ctrlPr>
-                                <a:rPr lang="es-CO" sz="1600" i="1">
+                                <a:rPr lang="es-CO" sz="1200" i="1">
                                   <a:latin typeface="Cambria Math" panose="02040503050406030204" pitchFamily="18" charset="0"/>
                                 </a:rPr>
                               </m:ctrlPr>
                             </m:sSupPr>
                             <m:e>
                               <m:r>
-                                <a:rPr lang="en-GB" sz="1600" i="1">
+                                <a:rPr lang="en-GB" sz="1200" i="1">
                                   <a:latin typeface="Cambria Math" panose="02040503050406030204" pitchFamily="18" charset="0"/>
                                 </a:rPr>
                                 <m:t>𝑒</m:t>
@@ -3325,7 +3413,7 @@
                             </m:e>
                             <m:sup>
                               <m:r>
-                                <a:rPr lang="en-GB" sz="1600" i="1">
+                                <a:rPr lang="en-GB" sz="1200" i="1">
                                   <a:latin typeface="Cambria Math" panose="02040503050406030204" pitchFamily="18" charset="0"/>
                                 </a:rPr>
                                 <m:t>𝑁</m:t>
@@ -3335,7 +3423,7 @@
                         </m:num>
                         <m:den>
                           <m:r>
-                            <a:rPr lang="en-GB" sz="1600" i="1">
+                            <a:rPr lang="en-GB" sz="1200" i="1">
                               <a:latin typeface="Cambria Math" panose="02040503050406030204" pitchFamily="18" charset="0"/>
                             </a:rPr>
                             <m:t>𝑝</m:t>
@@ -3345,7 +3433,7 @@
                     </m:oMath>
                   </m:oMathPara>
                 </a14:m>
-                <a:endParaRPr lang="es-CO" sz="1600" dirty="0">
+                <a:endParaRPr lang="es-CO" sz="1200" dirty="0">
                   <a:latin typeface="Century Gothic" panose="020B0502020202020204" pitchFamily="34" charset="0"/>
                 </a:endParaRPr>
               </a:p>
@@ -3353,7 +3441,7 @@
                 <a:pPr marL="0" indent="0" algn="just">
                   <a:buNone/>
                 </a:pPr>
-                <a:endParaRPr lang="es-CO" sz="1600" dirty="0">
+                <a:endParaRPr lang="es-CO" sz="1200" dirty="0">
                   <a:latin typeface="Century Gothic" panose="020B0502020202020204" pitchFamily="34" charset="0"/>
                 </a:endParaRPr>
               </a:p>
@@ -3368,7 +3456,7 @@
                     </m:oMathParaPr>
                     <m:oMath xmlns:m="http://schemas.openxmlformats.org/officeDocument/2006/math">
                       <m:r>
-                        <a:rPr lang="en-GB" sz="1600" i="1" smtClean="0">
+                        <a:rPr lang="en-GB" sz="1200" i="1" smtClean="0">
                           <a:latin typeface="Cambria Math" panose="02040503050406030204" pitchFamily="18" charset="0"/>
                         </a:rPr>
                         <m:t>𝑅</m:t>
@@ -3376,14 +3464,14 @@
                       <m:sSub>
                         <m:sSubPr>
                           <m:ctrlPr>
-                            <a:rPr lang="es-CO" sz="1600" i="1">
+                            <a:rPr lang="es-CO" sz="1200" i="1">
                               <a:latin typeface="Cambria Math" panose="02040503050406030204" pitchFamily="18" charset="0"/>
                             </a:rPr>
                           </m:ctrlPr>
                         </m:sSubPr>
                         <m:e>
                           <m:r>
-                            <a:rPr lang="en-GB" sz="1600" i="1">
+                            <a:rPr lang="en-GB" sz="1200" i="1">
                               <a:latin typeface="Cambria Math" panose="02040503050406030204" pitchFamily="18" charset="0"/>
                             </a:rPr>
                             <m:t>𝐸</m:t>
@@ -3391,7 +3479,7 @@
                         </m:e>
                         <m:sub>
                           <m:r>
-                            <a:rPr lang="en-GB" sz="1600" i="1">
+                            <a:rPr lang="en-GB" sz="1200" i="1">
                               <a:latin typeface="Cambria Math" panose="02040503050406030204" pitchFamily="18" charset="0"/>
                             </a:rPr>
                             <m:t>𝐹</m:t>
@@ -3399,13 +3487,13 @@
                         </m:sub>
                       </m:sSub>
                       <m:r>
-                        <a:rPr lang="es-CO" sz="1600" b="0" i="1" smtClean="0">
+                        <a:rPr lang="es-CO" sz="1200" b="0" i="1" smtClean="0">
                           <a:latin typeface="Cambria Math" panose="02040503050406030204" pitchFamily="18" charset="0"/>
                         </a:rPr>
                         <m:t>=</m:t>
                       </m:r>
                       <m:r>
-                        <a:rPr lang="es-CO" sz="1600" b="0" i="1" smtClean="0">
+                        <a:rPr lang="es-CO" sz="1200" b="0" i="1" smtClean="0">
                           <a:latin typeface="Cambria Math" panose="02040503050406030204" pitchFamily="18" charset="0"/>
                         </a:rPr>
                         <m:t>𝑅</m:t>
@@ -3413,14 +3501,14 @@
                       <m:sSub>
                         <m:sSubPr>
                           <m:ctrlPr>
-                            <a:rPr lang="es-CO" sz="1600" b="0" i="1" smtClean="0">
+                            <a:rPr lang="es-CO" sz="1200" b="0" i="1" smtClean="0">
                               <a:latin typeface="Cambria Math" panose="02040503050406030204" pitchFamily="18" charset="0"/>
                             </a:rPr>
                           </m:ctrlPr>
                         </m:sSubPr>
                         <m:e>
                           <m:r>
-                            <a:rPr lang="es-CO" sz="1600" b="0" i="1" smtClean="0">
+                            <a:rPr lang="es-CO" sz="1200" b="0" i="1" smtClean="0">
                               <a:latin typeface="Cambria Math" panose="02040503050406030204" pitchFamily="18" charset="0"/>
                             </a:rPr>
                             <m:t>𝐸</m:t>
@@ -3428,19 +3516,19 @@
                         </m:e>
                         <m:sub>
                           <m:r>
-                            <a:rPr lang="es-CO" sz="1600" b="0" i="1" smtClean="0">
+                            <a:rPr lang="es-CO" sz="1200" b="0" i="1" smtClean="0">
                               <a:latin typeface="Cambria Math" panose="02040503050406030204" pitchFamily="18" charset="0"/>
                             </a:rPr>
                             <m:t>𝐹</m:t>
                           </m:r>
                           <m:r>
-                            <a:rPr lang="es-CO" sz="1600" b="0" i="1" smtClean="0">
+                            <a:rPr lang="es-CO" sz="1200" b="0" i="1" smtClean="0">
                               <a:latin typeface="Cambria Math" panose="02040503050406030204" pitchFamily="18" charset="0"/>
                             </a:rPr>
                             <m:t>,</m:t>
                           </m:r>
                           <m:r>
-                            <a:rPr lang="es-CO" sz="1600" b="0" i="1" smtClean="0">
+                            <a:rPr lang="es-CO" sz="1200" b="0" i="1" smtClean="0">
                               <a:latin typeface="Cambria Math" panose="02040503050406030204" pitchFamily="18" charset="0"/>
                             </a:rPr>
                             <m:t>𝐻</m:t>
@@ -3448,13 +3536,13 @@
                         </m:sub>
                       </m:sSub>
                       <m:r>
-                        <a:rPr lang="es-CO" sz="1600" b="0" i="1" smtClean="0">
+                        <a:rPr lang="es-CO" sz="1200" b="0" i="1" smtClean="0">
                           <a:latin typeface="Cambria Math" panose="02040503050406030204" pitchFamily="18" charset="0"/>
                         </a:rPr>
                         <m:t>+</m:t>
                       </m:r>
                       <m:r>
-                        <a:rPr lang="es-CO" sz="1600" b="0" i="1" smtClean="0">
+                        <a:rPr lang="es-CO" sz="1200" b="0" i="1" smtClean="0">
                           <a:latin typeface="Cambria Math" panose="02040503050406030204" pitchFamily="18" charset="0"/>
                         </a:rPr>
                         <m:t>𝑅</m:t>
@@ -3462,14 +3550,14 @@
                       <m:sSub>
                         <m:sSubPr>
                           <m:ctrlPr>
-                            <a:rPr lang="es-CO" sz="1600" b="0" i="1" smtClean="0">
+                            <a:rPr lang="es-CO" sz="1200" b="0" i="1" smtClean="0">
                               <a:latin typeface="Cambria Math" panose="02040503050406030204" pitchFamily="18" charset="0"/>
                             </a:rPr>
                           </m:ctrlPr>
                         </m:sSubPr>
                         <m:e>
                           <m:r>
-                            <a:rPr lang="es-CO" sz="1600" b="0" i="1" smtClean="0">
+                            <a:rPr lang="es-CO" sz="1200" b="0" i="1" smtClean="0">
                               <a:latin typeface="Cambria Math" panose="02040503050406030204" pitchFamily="18" charset="0"/>
                             </a:rPr>
                             <m:t>𝐸</m:t>
@@ -3477,19 +3565,19 @@
                         </m:e>
                         <m:sub>
                           <m:r>
-                            <a:rPr lang="es-CO" sz="1600" b="0" i="1" smtClean="0">
+                            <a:rPr lang="es-CO" sz="1200" b="0" i="1" smtClean="0">
                               <a:latin typeface="Cambria Math" panose="02040503050406030204" pitchFamily="18" charset="0"/>
                             </a:rPr>
                             <m:t>𝐹</m:t>
                           </m:r>
                           <m:r>
-                            <a:rPr lang="es-CO" sz="1600" b="0" i="1" smtClean="0">
+                            <a:rPr lang="es-CO" sz="1200" b="0" i="1" smtClean="0">
                               <a:latin typeface="Cambria Math" panose="02040503050406030204" pitchFamily="18" charset="0"/>
                             </a:rPr>
                             <m:t>,</m:t>
                           </m:r>
                           <m:r>
-                            <a:rPr lang="es-CO" sz="1600" b="0" i="1" smtClean="0">
+                            <a:rPr lang="es-CO" sz="1200" b="0" i="1" smtClean="0">
                               <a:latin typeface="Cambria Math" panose="02040503050406030204" pitchFamily="18" charset="0"/>
                             </a:rPr>
                             <m:t>𝑅𝑜𝑊</m:t>
@@ -3499,7 +3587,15 @@
                     </m:oMath>
                   </m:oMathPara>
                 </a14:m>
-                <a:endParaRPr lang="es-CO" sz="1600" dirty="0">
+                <a:endParaRPr lang="es-CO" sz="1200" dirty="0">
+                  <a:latin typeface="Century Gothic" panose="020B0502020202020204" pitchFamily="34" charset="0"/>
+                </a:endParaRPr>
+              </a:p>
+              <a:p>
+                <a:pPr marL="0" indent="0" algn="just">
+                  <a:buNone/>
+                </a:pPr>
+                <a:endParaRPr lang="es-CO" sz="1200" dirty="0">
                   <a:latin typeface="Century Gothic" panose="020B0502020202020204" pitchFamily="34" charset="0"/>
                 </a:endParaRPr>
               </a:p>
@@ -3513,138 +3609,759 @@
                       <m:jc m:val="centerGroup"/>
                     </m:oMathParaPr>
                     <m:oMath xmlns:m="http://schemas.openxmlformats.org/officeDocument/2006/math">
+                      <m:sSup>
+                        <m:sSupPr>
+                          <m:ctrlPr>
+                            <a:rPr lang="es-CO" sz="1200" i="1" smtClean="0">
+                              <a:solidFill>
+                                <a:schemeClr val="accent6">
+                                  <a:lumMod val="75000"/>
+                                </a:schemeClr>
+                              </a:solidFill>
+                              <a:latin typeface="Cambria Math" panose="02040503050406030204" pitchFamily="18" charset="0"/>
+                            </a:rPr>
+                          </m:ctrlPr>
+                        </m:sSupPr>
+                        <m:e>
+                          <m:r>
+                            <a:rPr lang="en-GB" sz="1200" i="1">
+                              <a:solidFill>
+                                <a:schemeClr val="accent6">
+                                  <a:lumMod val="75000"/>
+                                </a:schemeClr>
+                              </a:solidFill>
+                              <a:latin typeface="Cambria Math" panose="02040503050406030204" pitchFamily="18" charset="0"/>
+                            </a:rPr>
+                            <m:t>𝐼</m:t>
+                          </m:r>
+                        </m:e>
+                        <m:sup>
+                          <m:r>
+                            <a:rPr lang="es-CO" sz="1200" i="1">
+                              <a:solidFill>
+                                <a:schemeClr val="accent6">
+                                  <a:lumMod val="75000"/>
+                                </a:schemeClr>
+                              </a:solidFill>
+                              <a:latin typeface="Cambria Math" panose="02040503050406030204" pitchFamily="18" charset="0"/>
+                            </a:rPr>
+                            <m:t>𝐾</m:t>
+                          </m:r>
+                        </m:sup>
+                      </m:sSup>
                       <m:r>
-                        <a:rPr lang="es-CO" sz="1600" b="0" i="1" smtClean="0">
-                          <a:latin typeface="Cambria Math" panose="02040503050406030204" pitchFamily="18" charset="0"/>
-                        </a:rPr>
-                        <m:t>𝑅</m:t>
-                      </m:r>
-                      <m:sSub>
-                        <m:sSubPr>
-                          <m:ctrlPr>
-                            <a:rPr lang="es-CO" sz="1600" b="0" i="1" smtClean="0">
-                              <a:latin typeface="Cambria Math" panose="02040503050406030204" pitchFamily="18" charset="0"/>
-                            </a:rPr>
-                          </m:ctrlPr>
-                        </m:sSubPr>
-                        <m:e>
-                          <m:r>
-                            <a:rPr lang="es-CO" sz="1600" b="0" i="1" smtClean="0">
-                              <a:latin typeface="Cambria Math" panose="02040503050406030204" pitchFamily="18" charset="0"/>
-                            </a:rPr>
-                            <m:t>𝐸</m:t>
-                          </m:r>
-                        </m:e>
-                        <m:sub>
-                          <m:r>
-                            <a:rPr lang="es-CO" sz="1600" b="0" i="1" smtClean="0">
-                              <a:latin typeface="Cambria Math" panose="02040503050406030204" pitchFamily="18" charset="0"/>
-                            </a:rPr>
-                            <m:t>𝐹</m:t>
-                          </m:r>
-                          <m:r>
-                            <a:rPr lang="es-CO" sz="1600" b="0" i="1" smtClean="0">
-                              <a:latin typeface="Cambria Math" panose="02040503050406030204" pitchFamily="18" charset="0"/>
-                            </a:rPr>
-                            <m:t>,</m:t>
-                          </m:r>
-                          <m:r>
-                            <a:rPr lang="es-CO" sz="1600" b="0" i="1" smtClean="0">
-                              <a:latin typeface="Cambria Math" panose="02040503050406030204" pitchFamily="18" charset="0"/>
-                            </a:rPr>
-                            <m:t>𝐻</m:t>
-                          </m:r>
-                        </m:sub>
-                      </m:sSub>
-                      <m:r>
-                        <a:rPr lang="es-CO" sz="1600" b="0" i="1" smtClean="0">
+                        <a:rPr lang="es-ES" sz="1200" i="1">
+                          <a:solidFill>
+                            <a:schemeClr val="accent6">
+                              <a:lumMod val="75000"/>
+                            </a:schemeClr>
+                          </a:solidFill>
                           <a:latin typeface="Cambria Math" panose="02040503050406030204" pitchFamily="18" charset="0"/>
                         </a:rPr>
                         <m:t>=</m:t>
                       </m:r>
-                      <m:sSub>
-                        <m:sSubPr>
-                          <m:ctrlPr>
-                            <a:rPr lang="es-CO" sz="1600" i="1">
-                              <a:latin typeface="Cambria Math" panose="02040503050406030204" pitchFamily="18" charset="0"/>
-                              <a:ea typeface="Cambria Math" panose="02040503050406030204" pitchFamily="18" charset="0"/>
-                            </a:rPr>
-                          </m:ctrlPr>
-                        </m:sSubPr>
-                        <m:e>
-                          <m:r>
-                            <a:rPr lang="es-CO" sz="1600" i="1">
-                              <a:latin typeface="Cambria Math" panose="02040503050406030204" pitchFamily="18" charset="0"/>
-                              <a:ea typeface="Cambria Math" panose="02040503050406030204" pitchFamily="18" charset="0"/>
-                            </a:rPr>
-                            <m:t>𝜑</m:t>
-                          </m:r>
-                        </m:e>
-                        <m:sub>
-                          <m:r>
-                            <a:rPr lang="es-CO" sz="1600" i="1">
-                              <a:latin typeface="Cambria Math" panose="02040503050406030204" pitchFamily="18" charset="0"/>
-                              <a:ea typeface="Cambria Math" panose="02040503050406030204" pitchFamily="18" charset="0"/>
-                            </a:rPr>
-                            <m:t>𝐹</m:t>
-                          </m:r>
-                          <m:r>
-                            <a:rPr lang="es-CO" sz="1600" b="0" i="1" smtClean="0">
-                              <a:latin typeface="Cambria Math" panose="02040503050406030204" pitchFamily="18" charset="0"/>
-                              <a:ea typeface="Cambria Math" panose="02040503050406030204" pitchFamily="18" charset="0"/>
-                            </a:rPr>
-                            <m:t>,</m:t>
-                          </m:r>
-                          <m:r>
-                            <a:rPr lang="es-CO" sz="1600" b="0" i="1" smtClean="0">
-                              <a:latin typeface="Cambria Math" panose="02040503050406030204" pitchFamily="18" charset="0"/>
-                              <a:ea typeface="Cambria Math" panose="02040503050406030204" pitchFamily="18" charset="0"/>
-                            </a:rPr>
-                            <m:t>𝐻</m:t>
-                          </m:r>
-                        </m:sub>
-                      </m:sSub>
                       <m:r>
-                        <a:rPr lang="en-GB" sz="1600" i="1">
+                        <a:rPr lang="es-ES" sz="1200" b="0" i="1" smtClean="0">
+                          <a:solidFill>
+                            <a:schemeClr val="accent6">
+                              <a:lumMod val="75000"/>
+                            </a:schemeClr>
+                          </a:solidFill>
                           <a:latin typeface="Cambria Math" panose="02040503050406030204" pitchFamily="18" charset="0"/>
                         </a:rPr>
-                        <m:t>⋅</m:t>
+                        <m:t> </m:t>
+                      </m:r>
+                      <m:acc>
+                        <m:accPr>
+                          <m:chr m:val="̇"/>
+                          <m:ctrlPr>
+                            <a:rPr lang="es-ES" sz="1200" b="0" i="1" smtClean="0">
+                              <a:solidFill>
+                                <a:schemeClr val="accent6">
+                                  <a:lumMod val="75000"/>
+                                </a:schemeClr>
+                              </a:solidFill>
+                              <a:latin typeface="Cambria Math" panose="02040503050406030204" pitchFamily="18" charset="0"/>
+                            </a:rPr>
+                          </m:ctrlPr>
+                        </m:accPr>
+                        <m:e>
+                          <m:r>
+                            <a:rPr lang="es-ES" sz="1200" b="0" i="1" smtClean="0">
+                              <a:solidFill>
+                                <a:schemeClr val="accent6">
+                                  <a:lumMod val="75000"/>
+                                </a:schemeClr>
+                              </a:solidFill>
+                              <a:latin typeface="Cambria Math" panose="02040503050406030204" pitchFamily="18" charset="0"/>
+                            </a:rPr>
+                            <m:t>𝐾</m:t>
+                          </m:r>
+                        </m:e>
+                      </m:acc>
+                      <m:r>
+                        <a:rPr lang="es-ES" sz="1200" b="0" i="1" smtClean="0">
+                          <a:solidFill>
+                            <a:schemeClr val="accent6">
+                              <a:lumMod val="75000"/>
+                            </a:schemeClr>
+                          </a:solidFill>
+                          <a:latin typeface="Cambria Math" panose="02040503050406030204" pitchFamily="18" charset="0"/>
+                        </a:rPr>
+                        <m:t>+ </m:t>
                       </m:r>
                       <m:r>
-                        <a:rPr lang="es-CO" sz="1600" b="0" i="1" smtClean="0">
+                        <a:rPr lang="es-ES" sz="1200" b="0" i="1" smtClean="0">
+                          <a:solidFill>
+                            <a:schemeClr val="accent6">
+                              <a:lumMod val="75000"/>
+                            </a:schemeClr>
+                          </a:solidFill>
                           <a:latin typeface="Cambria Math" panose="02040503050406030204" pitchFamily="18" charset="0"/>
+                          <a:ea typeface="Cambria Math" panose="02040503050406030204" pitchFamily="18" charset="0"/>
                         </a:rPr>
-                        <m:t>𝑅</m:t>
+                        <m:t>𝛿</m:t>
                       </m:r>
-                      <m:sSub>
-                        <m:sSubPr>
-                          <m:ctrlPr>
-                            <a:rPr lang="es-CO" sz="1600" b="0" i="1" smtClean="0">
-                              <a:latin typeface="Cambria Math" panose="02040503050406030204" pitchFamily="18" charset="0"/>
-                            </a:rPr>
-                          </m:ctrlPr>
-                        </m:sSubPr>
-                        <m:e>
-                          <m:r>
-                            <a:rPr lang="es-CO" sz="1600" b="0" i="1" smtClean="0">
-                              <a:latin typeface="Cambria Math" panose="02040503050406030204" pitchFamily="18" charset="0"/>
-                            </a:rPr>
-                            <m:t>𝐸</m:t>
-                          </m:r>
-                        </m:e>
-                        <m:sub>
-                          <m:r>
-                            <a:rPr lang="es-CO" sz="1600" b="0" i="1" smtClean="0">
-                              <a:latin typeface="Cambria Math" panose="02040503050406030204" pitchFamily="18" charset="0"/>
-                            </a:rPr>
-                            <m:t>𝐹</m:t>
-                          </m:r>
-                        </m:sub>
-                      </m:sSub>
+                      <m:r>
+                        <a:rPr lang="es-ES" sz="1200" b="0" i="1" smtClean="0">
+                          <a:solidFill>
+                            <a:schemeClr val="accent6">
+                              <a:lumMod val="75000"/>
+                            </a:schemeClr>
+                          </a:solidFill>
+                          <a:latin typeface="Cambria Math" panose="02040503050406030204" pitchFamily="18" charset="0"/>
+                          <a:ea typeface="Cambria Math" panose="02040503050406030204" pitchFamily="18" charset="0"/>
+                        </a:rPr>
+                        <m:t>.</m:t>
+                      </m:r>
+                      <m:r>
+                        <a:rPr lang="es-ES" sz="1200" b="0" i="1" smtClean="0">
+                          <a:solidFill>
+                            <a:schemeClr val="accent6">
+                              <a:lumMod val="75000"/>
+                            </a:schemeClr>
+                          </a:solidFill>
+                          <a:latin typeface="Cambria Math" panose="02040503050406030204" pitchFamily="18" charset="0"/>
+                          <a:ea typeface="Cambria Math" panose="02040503050406030204" pitchFamily="18" charset="0"/>
+                        </a:rPr>
+                        <m:t>𝐾</m:t>
+                      </m:r>
+                      <m:r>
+                        <a:rPr lang="es-ES" sz="1200" b="0" i="1" smtClean="0">
+                          <a:solidFill>
+                            <a:schemeClr val="accent6">
+                              <a:lumMod val="75000"/>
+                            </a:schemeClr>
+                          </a:solidFill>
+                          <a:latin typeface="Cambria Math" panose="02040503050406030204" pitchFamily="18" charset="0"/>
+                          <a:ea typeface="Cambria Math" panose="02040503050406030204" pitchFamily="18" charset="0"/>
+                        </a:rPr>
+                        <m:t> </m:t>
+                      </m:r>
                     </m:oMath>
                   </m:oMathPara>
                 </a14:m>
-                <a:endParaRPr lang="es-CO" sz="1600" dirty="0">
+                <a:endParaRPr lang="es-ES" sz="1200" b="0" i="1" dirty="0">
+                  <a:solidFill>
+                    <a:schemeClr val="accent6">
+                      <a:lumMod val="75000"/>
+                    </a:schemeClr>
+                  </a:solidFill>
+                  <a:latin typeface="Cambria Math" panose="02040503050406030204" pitchFamily="18" charset="0"/>
+                  <a:ea typeface="Cambria Math" panose="02040503050406030204" pitchFamily="18" charset="0"/>
+                </a:endParaRPr>
+              </a:p>
+              <a:p>
+                <a:pPr marL="0" indent="0" algn="just">
+                  <a:buNone/>
+                </a:pPr>
+                <a:endParaRPr lang="es-ES" sz="1200" b="0" i="1" dirty="0">
+                  <a:solidFill>
+                    <a:schemeClr val="accent6">
+                      <a:lumMod val="75000"/>
+                    </a:schemeClr>
+                  </a:solidFill>
+                  <a:latin typeface="Cambria Math" panose="02040503050406030204" pitchFamily="18" charset="0"/>
+                  <a:ea typeface="Cambria Math" panose="02040503050406030204" pitchFamily="18" charset="0"/>
+                </a:endParaRPr>
+              </a:p>
+              <a:p>
+                <a:pPr marL="0" indent="0" algn="just">
+                  <a:buNone/>
+                </a:pPr>
+                <a14:m>
+                  <m:oMathPara xmlns:m="http://schemas.openxmlformats.org/officeDocument/2006/math">
+                    <m:oMathParaPr>
+                      <m:jc m:val="centerGroup"/>
+                    </m:oMathParaPr>
+                    <m:oMath xmlns:m="http://schemas.openxmlformats.org/officeDocument/2006/math">
+                      <m:r>
+                        <a:rPr lang="es-ES" sz="1200" b="0" i="1" smtClean="0">
+                          <a:solidFill>
+                            <a:schemeClr val="accent6">
+                              <a:lumMod val="75000"/>
+                            </a:schemeClr>
+                          </a:solidFill>
+                          <a:latin typeface="Cambria Math" panose="02040503050406030204" pitchFamily="18" charset="0"/>
+                          <a:ea typeface="Cambria Math" panose="02040503050406030204" pitchFamily="18" charset="0"/>
+                        </a:rPr>
+                        <m:t> </m:t>
+                      </m:r>
+                      <m:sSup>
+                        <m:sSupPr>
+                          <m:ctrlPr>
+                            <a:rPr lang="es-CO" sz="1200" i="1">
+                              <a:solidFill>
+                                <a:schemeClr val="accent6">
+                                  <a:lumMod val="75000"/>
+                                </a:schemeClr>
+                              </a:solidFill>
+                              <a:latin typeface="Cambria Math" panose="02040503050406030204" pitchFamily="18" charset="0"/>
+                            </a:rPr>
+                          </m:ctrlPr>
+                        </m:sSupPr>
+                        <m:e>
+                          <m:r>
+                            <a:rPr lang="en-GB" sz="1200" i="1">
+                              <a:solidFill>
+                                <a:schemeClr val="accent6">
+                                  <a:lumMod val="75000"/>
+                                </a:schemeClr>
+                              </a:solidFill>
+                              <a:latin typeface="Cambria Math" panose="02040503050406030204" pitchFamily="18" charset="0"/>
+                            </a:rPr>
+                            <m:t>𝐼</m:t>
+                          </m:r>
+                        </m:e>
+                        <m:sup>
+                          <m:r>
+                            <a:rPr lang="es-CO" sz="1200" i="1">
+                              <a:solidFill>
+                                <a:schemeClr val="accent6">
+                                  <a:lumMod val="75000"/>
+                                </a:schemeClr>
+                              </a:solidFill>
+                              <a:latin typeface="Cambria Math" panose="02040503050406030204" pitchFamily="18" charset="0"/>
+                            </a:rPr>
+                            <m:t>𝐾</m:t>
+                          </m:r>
+                        </m:sup>
+                      </m:sSup>
+                      <m:r>
+                        <a:rPr lang="es-ES" sz="1200" i="1">
+                          <a:solidFill>
+                            <a:schemeClr val="accent6">
+                              <a:lumMod val="75000"/>
+                            </a:schemeClr>
+                          </a:solidFill>
+                          <a:latin typeface="Cambria Math" panose="02040503050406030204" pitchFamily="18" charset="0"/>
+                        </a:rPr>
+                        <m:t>=</m:t>
+                      </m:r>
+                      <m:r>
+                        <a:rPr lang="es-ES" sz="1200" i="1">
+                          <a:solidFill>
+                            <a:schemeClr val="accent6">
+                              <a:lumMod val="75000"/>
+                            </a:schemeClr>
+                          </a:solidFill>
+                          <a:latin typeface="Cambria Math" panose="02040503050406030204" pitchFamily="18" charset="0"/>
+                        </a:rPr>
+                        <m:t> </m:t>
+                      </m:r>
+                      <m:acc>
+                        <m:accPr>
+                          <m:chr m:val="̇"/>
+                          <m:ctrlPr>
+                            <a:rPr lang="es-ES" sz="1200" i="1">
+                              <a:solidFill>
+                                <a:schemeClr val="accent6">
+                                  <a:lumMod val="75000"/>
+                                </a:schemeClr>
+                              </a:solidFill>
+                              <a:latin typeface="Cambria Math" panose="02040503050406030204" pitchFamily="18" charset="0"/>
+                            </a:rPr>
+                          </m:ctrlPr>
+                        </m:accPr>
+                        <m:e>
+                          <m:r>
+                            <a:rPr lang="es-ES" sz="1200" i="1">
+                              <a:solidFill>
+                                <a:schemeClr val="accent6">
+                                  <a:lumMod val="75000"/>
+                                </a:schemeClr>
+                              </a:solidFill>
+                              <a:latin typeface="Cambria Math" panose="02040503050406030204" pitchFamily="18" charset="0"/>
+                            </a:rPr>
+                            <m:t>𝐾</m:t>
+                          </m:r>
+                        </m:e>
+                      </m:acc>
+                      <m:r>
+                        <a:rPr lang="es-ES" sz="1200" i="1">
+                          <a:solidFill>
+                            <a:schemeClr val="accent6">
+                              <a:lumMod val="75000"/>
+                            </a:schemeClr>
+                          </a:solidFill>
+                          <a:latin typeface="Cambria Math" panose="02040503050406030204" pitchFamily="18" charset="0"/>
+                        </a:rPr>
+                        <m:t>+ </m:t>
+                      </m:r>
+                      <m:d>
+                        <m:dPr>
+                          <m:begChr m:val="["/>
+                          <m:endChr m:val="]"/>
+                          <m:ctrlPr>
+                            <a:rPr lang="es-ES" sz="1200" i="1" smtClean="0">
+                              <a:solidFill>
+                                <a:schemeClr val="accent6">
+                                  <a:lumMod val="75000"/>
+                                </a:schemeClr>
+                              </a:solidFill>
+                              <a:latin typeface="Cambria Math" panose="02040503050406030204" pitchFamily="18" charset="0"/>
+                            </a:rPr>
+                          </m:ctrlPr>
+                        </m:dPr>
+                        <m:e>
+                          <m:r>
+                            <a:rPr lang="es-ES" sz="1200" i="1">
+                              <a:solidFill>
+                                <a:schemeClr val="accent6">
+                                  <a:lumMod val="75000"/>
+                                </a:schemeClr>
+                              </a:solidFill>
+                              <a:latin typeface="Cambria Math" panose="02040503050406030204" pitchFamily="18" charset="0"/>
+                              <a:ea typeface="Cambria Math" panose="02040503050406030204" pitchFamily="18" charset="0"/>
+                            </a:rPr>
+                            <m:t>𝛿</m:t>
+                          </m:r>
+                          <m:r>
+                            <a:rPr lang="es-ES" sz="1200" i="1">
+                              <a:solidFill>
+                                <a:schemeClr val="accent6">
+                                  <a:lumMod val="75000"/>
+                                </a:schemeClr>
+                              </a:solidFill>
+                              <a:latin typeface="Cambria Math" panose="02040503050406030204" pitchFamily="18" charset="0"/>
+                              <a:ea typeface="Cambria Math" panose="02040503050406030204" pitchFamily="18" charset="0"/>
+                            </a:rPr>
+                            <m:t>𝐾</m:t>
+                          </m:r>
+                          <m:r>
+                            <a:rPr lang="es-ES" sz="1200" i="1">
+                              <a:solidFill>
+                                <a:schemeClr val="accent6">
+                                  <a:lumMod val="75000"/>
+                                </a:schemeClr>
+                              </a:solidFill>
+                              <a:latin typeface="Cambria Math" panose="02040503050406030204" pitchFamily="18" charset="0"/>
+                              <a:ea typeface="Cambria Math" panose="02040503050406030204" pitchFamily="18" charset="0"/>
+                            </a:rPr>
+                            <m:t>.</m:t>
+                          </m:r>
+                          <m:d>
+                            <m:dPr>
+                              <m:ctrlPr>
+                                <a:rPr lang="es-ES" sz="1200" i="1">
+                                  <a:solidFill>
+                                    <a:schemeClr val="accent6">
+                                      <a:lumMod val="75000"/>
+                                    </a:schemeClr>
+                                  </a:solidFill>
+                                  <a:latin typeface="Cambria Math" panose="02040503050406030204" pitchFamily="18" charset="0"/>
+                                  <a:ea typeface="Times New Roman" panose="02020603050405020304" pitchFamily="18" charset="0"/>
+                                  <a:cs typeface="Times New Roman" panose="02020603050405020304" pitchFamily="18" charset="0"/>
+                                </a:rPr>
+                              </m:ctrlPr>
+                            </m:dPr>
+                            <m:e>
+                              <m:f>
+                                <m:fPr>
+                                  <m:ctrlPr>
+                                    <a:rPr lang="es-CO" sz="1200" i="1">
+                                      <a:solidFill>
+                                        <a:schemeClr val="accent6">
+                                          <a:lumMod val="75000"/>
+                                        </a:schemeClr>
+                                      </a:solidFill>
+                                      <a:latin typeface="Cambria Math" panose="02040503050406030204" pitchFamily="18" charset="0"/>
+                                      <a:ea typeface="Times New Roman" panose="02020603050405020304" pitchFamily="18" charset="0"/>
+                                      <a:cs typeface="Times New Roman" panose="02020603050405020304" pitchFamily="18" charset="0"/>
+                                    </a:rPr>
+                                  </m:ctrlPr>
+                                </m:fPr>
+                                <m:num>
+                                  <m:r>
+                                    <a:rPr lang="en-GB" sz="1200" i="1">
+                                      <a:solidFill>
+                                        <a:schemeClr val="accent6">
+                                          <a:lumMod val="75000"/>
+                                        </a:schemeClr>
+                                      </a:solidFill>
+                                      <a:latin typeface="Cambria Math" panose="02040503050406030204" pitchFamily="18" charset="0"/>
+                                      <a:ea typeface="Times New Roman" panose="02020603050405020304" pitchFamily="18" charset="0"/>
+                                      <a:cs typeface="Times New Roman" panose="02020603050405020304" pitchFamily="18" charset="0"/>
+                                    </a:rPr>
+                                    <m:t>𝐸</m:t>
+                                  </m:r>
+                                  <m:sSubSup>
+                                    <m:sSubSupPr>
+                                      <m:ctrlPr>
+                                        <a:rPr lang="es-CO" sz="1200" i="1">
+                                          <a:solidFill>
+                                            <a:schemeClr val="accent6">
+                                              <a:lumMod val="75000"/>
+                                            </a:schemeClr>
+                                          </a:solidFill>
+                                          <a:latin typeface="Cambria Math" panose="02040503050406030204" pitchFamily="18" charset="0"/>
+                                          <a:ea typeface="Times New Roman" panose="02020603050405020304" pitchFamily="18" charset="0"/>
+                                          <a:cs typeface="Times New Roman" panose="02020603050405020304" pitchFamily="18" charset="0"/>
+                                        </a:rPr>
+                                      </m:ctrlPr>
+                                    </m:sSubSupPr>
+                                    <m:e>
+                                      <m:r>
+                                        <a:rPr lang="en-GB" sz="1200" i="1">
+                                          <a:solidFill>
+                                            <a:schemeClr val="accent6">
+                                              <a:lumMod val="75000"/>
+                                            </a:schemeClr>
+                                          </a:solidFill>
+                                          <a:latin typeface="Cambria Math" panose="02040503050406030204" pitchFamily="18" charset="0"/>
+                                          <a:ea typeface="Times New Roman" panose="02020603050405020304" pitchFamily="18" charset="0"/>
+                                          <a:cs typeface="Times New Roman" panose="02020603050405020304" pitchFamily="18" charset="0"/>
+                                        </a:rPr>
+                                        <m:t>𝑄</m:t>
+                                      </m:r>
+                                    </m:e>
+                                    <m:sub>
+                                      <m:r>
+                                        <a:rPr lang="en-GB" sz="1200" i="1">
+                                          <a:solidFill>
+                                            <a:schemeClr val="accent6">
+                                              <a:lumMod val="75000"/>
+                                            </a:schemeClr>
+                                          </a:solidFill>
+                                          <a:latin typeface="Cambria Math" panose="02040503050406030204" pitchFamily="18" charset="0"/>
+                                          <a:ea typeface="Times New Roman" panose="02020603050405020304" pitchFamily="18" charset="0"/>
+                                          <a:cs typeface="Times New Roman" panose="02020603050405020304" pitchFamily="18" charset="0"/>
+                                        </a:rPr>
+                                        <m:t>𝐹</m:t>
+                                      </m:r>
+                                    </m:sub>
+                                    <m:sup>
+                                      <m:r>
+                                        <a:rPr lang="es-CO" sz="1200" i="1">
+                                          <a:solidFill>
+                                            <a:schemeClr val="accent6">
+                                              <a:lumMod val="75000"/>
+                                            </a:schemeClr>
+                                          </a:solidFill>
+                                          <a:latin typeface="Cambria Math" panose="02040503050406030204" pitchFamily="18" charset="0"/>
+                                          <a:ea typeface="Times New Roman" panose="02020603050405020304" pitchFamily="18" charset="0"/>
+                                          <a:cs typeface="Times New Roman" panose="02020603050405020304" pitchFamily="18" charset="0"/>
+                                        </a:rPr>
+                                        <m:t>𝐻</m:t>
+                                      </m:r>
+                                    </m:sup>
+                                  </m:sSubSup>
+                                </m:num>
+                                <m:den>
+                                  <m:r>
+                                    <a:rPr lang="en-GB" sz="1200" i="1">
+                                      <a:solidFill>
+                                        <a:schemeClr val="accent6">
+                                          <a:lumMod val="75000"/>
+                                        </a:schemeClr>
+                                      </a:solidFill>
+                                      <a:latin typeface="Cambria Math" panose="02040503050406030204" pitchFamily="18" charset="0"/>
+                                      <a:ea typeface="Times New Roman" panose="02020603050405020304" pitchFamily="18" charset="0"/>
+                                      <a:cs typeface="Times New Roman" panose="02020603050405020304" pitchFamily="18" charset="0"/>
+                                    </a:rPr>
+                                    <m:t>𝐸</m:t>
+                                  </m:r>
+                                  <m:sSub>
+                                    <m:sSubPr>
+                                      <m:ctrlPr>
+                                        <a:rPr lang="es-CO" sz="1200" i="1">
+                                          <a:solidFill>
+                                            <a:schemeClr val="accent6">
+                                              <a:lumMod val="75000"/>
+                                            </a:schemeClr>
+                                          </a:solidFill>
+                                          <a:latin typeface="Cambria Math" panose="02040503050406030204" pitchFamily="18" charset="0"/>
+                                          <a:ea typeface="Times New Roman" panose="02020603050405020304" pitchFamily="18" charset="0"/>
+                                          <a:cs typeface="Times New Roman" panose="02020603050405020304" pitchFamily="18" charset="0"/>
+                                        </a:rPr>
+                                      </m:ctrlPr>
+                                    </m:sSubPr>
+                                    <m:e>
+                                      <m:r>
+                                        <a:rPr lang="en-GB" sz="1200" i="1">
+                                          <a:solidFill>
+                                            <a:schemeClr val="accent6">
+                                              <a:lumMod val="75000"/>
+                                            </a:schemeClr>
+                                          </a:solidFill>
+                                          <a:latin typeface="Cambria Math" panose="02040503050406030204" pitchFamily="18" charset="0"/>
+                                          <a:ea typeface="Times New Roman" panose="02020603050405020304" pitchFamily="18" charset="0"/>
+                                          <a:cs typeface="Times New Roman" panose="02020603050405020304" pitchFamily="18" charset="0"/>
+                                        </a:rPr>
+                                        <m:t>𝑄</m:t>
+                                      </m:r>
+                                    </m:e>
+                                    <m:sub>
+                                      <m:r>
+                                        <a:rPr lang="en-GB" sz="1200" i="1">
+                                          <a:solidFill>
+                                            <a:schemeClr val="accent6">
+                                              <a:lumMod val="75000"/>
+                                            </a:schemeClr>
+                                          </a:solidFill>
+                                          <a:latin typeface="Cambria Math" panose="02040503050406030204" pitchFamily="18" charset="0"/>
+                                          <a:ea typeface="Times New Roman" panose="02020603050405020304" pitchFamily="18" charset="0"/>
+                                          <a:cs typeface="Times New Roman" panose="02020603050405020304" pitchFamily="18" charset="0"/>
+                                        </a:rPr>
+                                        <m:t>𝐹</m:t>
+                                      </m:r>
+                                    </m:sub>
+                                  </m:sSub>
+                                </m:den>
+                              </m:f>
+                            </m:e>
+                          </m:d>
+                          <m:r>
+                            <a:rPr lang="es-ES" sz="1200" i="1">
+                              <a:solidFill>
+                                <a:schemeClr val="accent6">
+                                  <a:lumMod val="75000"/>
+                                </a:schemeClr>
+                              </a:solidFill>
+                              <a:latin typeface="Cambria Math" panose="02040503050406030204" pitchFamily="18" charset="0"/>
+                              <a:ea typeface="Times New Roman" panose="02020603050405020304" pitchFamily="18" charset="0"/>
+                              <a:cs typeface="Times New Roman" panose="02020603050405020304" pitchFamily="18" charset="0"/>
+                            </a:rPr>
+                            <m:t>+</m:t>
+                          </m:r>
+                          <m:r>
+                            <a:rPr lang="es-ES" sz="1200" i="1">
+                              <a:solidFill>
+                                <a:schemeClr val="accent6">
+                                  <a:lumMod val="75000"/>
+                                </a:schemeClr>
+                              </a:solidFill>
+                              <a:latin typeface="Cambria Math" panose="02040503050406030204" pitchFamily="18" charset="0"/>
+                              <a:ea typeface="Cambria Math" panose="02040503050406030204" pitchFamily="18" charset="0"/>
+                            </a:rPr>
+                            <m:t>𝛿</m:t>
+                          </m:r>
+                          <m:r>
+                            <a:rPr lang="es-ES" sz="1200" i="1">
+                              <a:solidFill>
+                                <a:schemeClr val="accent6">
+                                  <a:lumMod val="75000"/>
+                                </a:schemeClr>
+                              </a:solidFill>
+                              <a:latin typeface="Cambria Math" panose="02040503050406030204" pitchFamily="18" charset="0"/>
+                              <a:ea typeface="Cambria Math" panose="02040503050406030204" pitchFamily="18" charset="0"/>
+                            </a:rPr>
+                            <m:t>𝐾</m:t>
+                          </m:r>
+                          <m:r>
+                            <a:rPr lang="es-ES" sz="1200" i="1">
+                              <a:solidFill>
+                                <a:schemeClr val="accent6">
+                                  <a:lumMod val="75000"/>
+                                </a:schemeClr>
+                              </a:solidFill>
+                              <a:latin typeface="Cambria Math" panose="02040503050406030204" pitchFamily="18" charset="0"/>
+                              <a:ea typeface="Cambria Math" panose="02040503050406030204" pitchFamily="18" charset="0"/>
+                            </a:rPr>
+                            <m:t>.</m:t>
+                          </m:r>
+                          <m:d>
+                            <m:dPr>
+                              <m:ctrlPr>
+                                <a:rPr lang="es-ES" sz="1200" i="1">
+                                  <a:solidFill>
+                                    <a:schemeClr val="accent6">
+                                      <a:lumMod val="75000"/>
+                                    </a:schemeClr>
+                                  </a:solidFill>
+                                  <a:latin typeface="Cambria Math" panose="02040503050406030204" pitchFamily="18" charset="0"/>
+                                  <a:ea typeface="Times New Roman" panose="02020603050405020304" pitchFamily="18" charset="0"/>
+                                  <a:cs typeface="Times New Roman" panose="02020603050405020304" pitchFamily="18" charset="0"/>
+                                </a:rPr>
+                              </m:ctrlPr>
+                            </m:dPr>
+                            <m:e>
+                              <m:f>
+                                <m:fPr>
+                                  <m:ctrlPr>
+                                    <a:rPr lang="es-CO" sz="1200" i="1">
+                                      <a:solidFill>
+                                        <a:schemeClr val="accent6">
+                                          <a:lumMod val="75000"/>
+                                        </a:schemeClr>
+                                      </a:solidFill>
+                                      <a:latin typeface="Cambria Math" panose="02040503050406030204" pitchFamily="18" charset="0"/>
+                                      <a:ea typeface="Times New Roman" panose="02020603050405020304" pitchFamily="18" charset="0"/>
+                                      <a:cs typeface="Times New Roman" panose="02020603050405020304" pitchFamily="18" charset="0"/>
+                                    </a:rPr>
+                                  </m:ctrlPr>
+                                </m:fPr>
+                                <m:num>
+                                  <m:r>
+                                    <a:rPr lang="en-GB" sz="1200" i="1">
+                                      <a:solidFill>
+                                        <a:schemeClr val="accent6">
+                                          <a:lumMod val="75000"/>
+                                        </a:schemeClr>
+                                      </a:solidFill>
+                                      <a:latin typeface="Cambria Math" panose="02040503050406030204" pitchFamily="18" charset="0"/>
+                                      <a:ea typeface="Times New Roman" panose="02020603050405020304" pitchFamily="18" charset="0"/>
+                                      <a:cs typeface="Times New Roman" panose="02020603050405020304" pitchFamily="18" charset="0"/>
+                                    </a:rPr>
+                                    <m:t>𝐸</m:t>
+                                  </m:r>
+                                  <m:sSubSup>
+                                    <m:sSubSupPr>
+                                      <m:ctrlPr>
+                                        <a:rPr lang="es-CO" sz="1200" i="1">
+                                          <a:solidFill>
+                                            <a:schemeClr val="accent6">
+                                              <a:lumMod val="75000"/>
+                                            </a:schemeClr>
+                                          </a:solidFill>
+                                          <a:latin typeface="Cambria Math" panose="02040503050406030204" pitchFamily="18" charset="0"/>
+                                          <a:ea typeface="Times New Roman" panose="02020603050405020304" pitchFamily="18" charset="0"/>
+                                          <a:cs typeface="Times New Roman" panose="02020603050405020304" pitchFamily="18" charset="0"/>
+                                        </a:rPr>
+                                      </m:ctrlPr>
+                                    </m:sSubSupPr>
+                                    <m:e>
+                                      <m:r>
+                                        <a:rPr lang="en-GB" sz="1200" i="1">
+                                          <a:solidFill>
+                                            <a:schemeClr val="accent6">
+                                              <a:lumMod val="75000"/>
+                                            </a:schemeClr>
+                                          </a:solidFill>
+                                          <a:latin typeface="Cambria Math" panose="02040503050406030204" pitchFamily="18" charset="0"/>
+                                          <a:ea typeface="Times New Roman" panose="02020603050405020304" pitchFamily="18" charset="0"/>
+                                          <a:cs typeface="Times New Roman" panose="02020603050405020304" pitchFamily="18" charset="0"/>
+                                        </a:rPr>
+                                        <m:t>𝑄</m:t>
+                                      </m:r>
+                                    </m:e>
+                                    <m:sub>
+                                      <m:r>
+                                        <a:rPr lang="en-GB" sz="1200" i="1">
+                                          <a:solidFill>
+                                            <a:schemeClr val="accent6">
+                                              <a:lumMod val="75000"/>
+                                            </a:schemeClr>
+                                          </a:solidFill>
+                                          <a:latin typeface="Cambria Math" panose="02040503050406030204" pitchFamily="18" charset="0"/>
+                                          <a:ea typeface="Times New Roman" panose="02020603050405020304" pitchFamily="18" charset="0"/>
+                                          <a:cs typeface="Times New Roman" panose="02020603050405020304" pitchFamily="18" charset="0"/>
+                                        </a:rPr>
+                                        <m:t>𝐹</m:t>
+                                      </m:r>
+                                    </m:sub>
+                                    <m:sup>
+                                      <m:r>
+                                        <a:rPr lang="es-ES" sz="1200" i="1">
+                                          <a:solidFill>
+                                            <a:schemeClr val="accent6">
+                                              <a:lumMod val="75000"/>
+                                            </a:schemeClr>
+                                          </a:solidFill>
+                                          <a:latin typeface="Cambria Math" panose="02040503050406030204" pitchFamily="18" charset="0"/>
+                                          <a:ea typeface="Times New Roman" panose="02020603050405020304" pitchFamily="18" charset="0"/>
+                                          <a:cs typeface="Times New Roman" panose="02020603050405020304" pitchFamily="18" charset="0"/>
+                                        </a:rPr>
+                                        <m:t>𝑅𝑜𝑊</m:t>
+                                      </m:r>
+                                    </m:sup>
+                                  </m:sSubSup>
+                                </m:num>
+                                <m:den>
+                                  <m:r>
+                                    <a:rPr lang="en-GB" sz="1200" i="1">
+                                      <a:solidFill>
+                                        <a:schemeClr val="accent6">
+                                          <a:lumMod val="75000"/>
+                                        </a:schemeClr>
+                                      </a:solidFill>
+                                      <a:latin typeface="Cambria Math" panose="02040503050406030204" pitchFamily="18" charset="0"/>
+                                      <a:ea typeface="Times New Roman" panose="02020603050405020304" pitchFamily="18" charset="0"/>
+                                      <a:cs typeface="Times New Roman" panose="02020603050405020304" pitchFamily="18" charset="0"/>
+                                    </a:rPr>
+                                    <m:t>𝐸</m:t>
+                                  </m:r>
+                                  <m:sSub>
+                                    <m:sSubPr>
+                                      <m:ctrlPr>
+                                        <a:rPr lang="es-CO" sz="1200" i="1">
+                                          <a:solidFill>
+                                            <a:schemeClr val="accent6">
+                                              <a:lumMod val="75000"/>
+                                            </a:schemeClr>
+                                          </a:solidFill>
+                                          <a:latin typeface="Cambria Math" panose="02040503050406030204" pitchFamily="18" charset="0"/>
+                                          <a:ea typeface="Times New Roman" panose="02020603050405020304" pitchFamily="18" charset="0"/>
+                                          <a:cs typeface="Times New Roman" panose="02020603050405020304" pitchFamily="18" charset="0"/>
+                                        </a:rPr>
+                                      </m:ctrlPr>
+                                    </m:sSubPr>
+                                    <m:e>
+                                      <m:r>
+                                        <a:rPr lang="en-GB" sz="1200" i="1">
+                                          <a:solidFill>
+                                            <a:schemeClr val="accent6">
+                                              <a:lumMod val="75000"/>
+                                            </a:schemeClr>
+                                          </a:solidFill>
+                                          <a:latin typeface="Cambria Math" panose="02040503050406030204" pitchFamily="18" charset="0"/>
+                                          <a:ea typeface="Times New Roman" panose="02020603050405020304" pitchFamily="18" charset="0"/>
+                                          <a:cs typeface="Times New Roman" panose="02020603050405020304" pitchFamily="18" charset="0"/>
+                                        </a:rPr>
+                                        <m:t>𝑄</m:t>
+                                      </m:r>
+                                    </m:e>
+                                    <m:sub>
+                                      <m:r>
+                                        <a:rPr lang="en-GB" sz="1200" i="1">
+                                          <a:solidFill>
+                                            <a:schemeClr val="accent6">
+                                              <a:lumMod val="75000"/>
+                                            </a:schemeClr>
+                                          </a:solidFill>
+                                          <a:latin typeface="Cambria Math" panose="02040503050406030204" pitchFamily="18" charset="0"/>
+                                          <a:ea typeface="Times New Roman" panose="02020603050405020304" pitchFamily="18" charset="0"/>
+                                          <a:cs typeface="Times New Roman" panose="02020603050405020304" pitchFamily="18" charset="0"/>
+                                        </a:rPr>
+                                        <m:t>𝐹</m:t>
+                                      </m:r>
+                                    </m:sub>
+                                  </m:sSub>
+                                </m:den>
+                              </m:f>
+                            </m:e>
+                          </m:d>
+                        </m:e>
+                      </m:d>
+                    </m:oMath>
+                  </m:oMathPara>
+                </a14:m>
+                <a:endParaRPr lang="es-CO" sz="1200" dirty="0">
+                  <a:solidFill>
+                    <a:schemeClr val="accent6">
+                      <a:lumMod val="75000"/>
+                    </a:schemeClr>
+                  </a:solidFill>
                   <a:latin typeface="Century Gothic" panose="020B0502020202020204" pitchFamily="34" charset="0"/>
                 </a:endParaRPr>
               </a:p>
@@ -3652,14 +4369,14 @@
                 <a:pPr marL="0" indent="0" algn="just">
                   <a:buNone/>
                 </a:pPr>
-                <a:endParaRPr lang="es-ES_tradnl" sz="1600" dirty="0">
+                <a:endParaRPr lang="es-ES_tradnl" sz="1200" dirty="0">
                   <a:latin typeface="Century Gothic" panose="020B0502020202020204" pitchFamily="34" charset="0"/>
                 </a:endParaRPr>
               </a:p>
             </p:txBody>
           </p:sp>
         </mc:Choice>
-        <mc:Fallback xmlns="">
+        <mc:Fallback>
           <p:sp>
             <p:nvSpPr>
               <p:cNvPr id="2" name="Marcador de contenido 1">
@@ -3678,13 +4395,13 @@
             </p:nvSpPr>
             <p:spPr>
               <a:xfrm>
-                <a:off x="540589" y="1026366"/>
-                <a:ext cx="5384800" cy="5066523"/>
+                <a:off x="138022" y="1293962"/>
+                <a:ext cx="5709729" cy="4772063"/>
               </a:xfrm>
               <a:blipFill>
-                <a:blip r:embed="rId2"/>
+                <a:blip r:embed="rId3"/>
                 <a:stretch>
-                  <a:fillRect l="-680" t="-361" r="-566"/>
+                  <a:fillRect/>
                 </a:stretch>
               </a:blipFill>
             </p:spPr>
@@ -3693,7 +4410,7 @@
               <a:lstStyle/>
               <a:p>
                 <a:r>
-                  <a:rPr lang="es-CO">
+                  <a:rPr lang="es-ES_tradnl">
                     <a:noFill/>
                   </a:rPr>
                   <a:t> </a:t>
@@ -3719,7 +4436,7 @@
         </p:nvCxnSpPr>
         <p:spPr>
           <a:xfrm>
-            <a:off x="6197600" y="1600201"/>
+            <a:off x="5956060" y="1508293"/>
             <a:ext cx="0" cy="4343400"/>
           </a:xfrm>
           <a:prstGeom prst="line">
@@ -3741,8 +4458,8 @@
           </a:fontRef>
         </p:style>
       </p:cxnSp>
-      <mc:AlternateContent xmlns:mc="http://schemas.openxmlformats.org/markup-compatibility/2006" xmlns:a14="http://schemas.microsoft.com/office/drawing/2010/main">
-        <mc:Choice Requires="a14">
+      <mc:AlternateContent xmlns:mc="http://schemas.openxmlformats.org/markup-compatibility/2006">
+        <mc:Choice xmlns:a14="http://schemas.microsoft.com/office/drawing/2010/main" Requires="a14">
           <p:sp>
             <p:nvSpPr>
               <p:cNvPr id="10" name="Marcador de contenido 4">
@@ -3761,8 +4478,8 @@
             </p:nvSpPr>
             <p:spPr>
               <a:xfrm>
-                <a:off x="6266613" y="1470819"/>
-                <a:ext cx="5537199" cy="3761582"/>
+                <a:off x="5956060" y="1643784"/>
+                <a:ext cx="6235940" cy="3761582"/>
               </a:xfrm>
             </p:spPr>
             <p:txBody>
@@ -3781,7 +4498,7 @@
                     </m:oMathParaPr>
                     <m:oMath xmlns:m="http://schemas.openxmlformats.org/officeDocument/2006/math">
                       <m:r>
-                        <a:rPr lang="en-GB" sz="1200" i="1" smtClean="0">
+                        <a:rPr lang="en-GB" sz="1000" i="1" smtClean="0">
                           <a:latin typeface="Cambria Math" panose="02040503050406030204" pitchFamily="18" charset="0"/>
                         </a:rPr>
                         <m:t>𝑇𝐹</m:t>
@@ -3789,14 +4506,14 @@
                       <m:sSub>
                         <m:sSubPr>
                           <m:ctrlPr>
-                            <a:rPr lang="es-CO" sz="1200" i="1">
+                            <a:rPr lang="es-CO" sz="1000" i="1">
                               <a:latin typeface="Cambria Math" panose="02040503050406030204" pitchFamily="18" charset="0"/>
                             </a:rPr>
                           </m:ctrlPr>
                         </m:sSubPr>
                         <m:e>
                           <m:r>
-                            <a:rPr lang="en-GB" sz="1200" i="1">
+                            <a:rPr lang="en-GB" sz="1000" i="1">
                               <a:latin typeface="Cambria Math" panose="02040503050406030204" pitchFamily="18" charset="0"/>
                             </a:rPr>
                             <m:t>𝑁</m:t>
@@ -3804,7 +4521,7 @@
                         </m:e>
                         <m:sub>
                           <m:r>
-                            <a:rPr lang="en-GB" sz="1200" i="1">
+                            <a:rPr lang="en-GB" sz="1000" i="1">
                               <a:latin typeface="Cambria Math" panose="02040503050406030204" pitchFamily="18" charset="0"/>
                             </a:rPr>
                             <m:t>𝐹</m:t>
@@ -3812,19 +4529,19 @@
                         </m:sub>
                       </m:sSub>
                       <m:r>
-                        <a:rPr lang="en-GB" sz="1200" i="1">
+                        <a:rPr lang="en-GB" sz="1000" i="1">
                           <a:latin typeface="Cambria Math" panose="02040503050406030204" pitchFamily="18" charset="0"/>
                         </a:rPr>
                         <m:t>=</m:t>
                       </m:r>
                       <m:r>
-                        <a:rPr lang="en-GB" sz="1200" i="1">
+                        <a:rPr lang="en-GB" sz="1000" i="1">
                           <a:latin typeface="Cambria Math" panose="02040503050406030204" pitchFamily="18" charset="0"/>
                         </a:rPr>
                         <m:t>𝑝</m:t>
                       </m:r>
                       <m:r>
-                        <a:rPr lang="en-GB" sz="1200" i="1">
+                        <a:rPr lang="en-GB" sz="1000" i="1">
                           <a:latin typeface="Cambria Math" panose="02040503050406030204" pitchFamily="18" charset="0"/>
                         </a:rPr>
                         <m:t>⋅</m:t>
@@ -3832,7 +4549,7 @@
                       <m:sSup>
                         <m:sSupPr>
                           <m:ctrlPr>
-                            <a:rPr lang="es-CO" sz="1200" i="1" smtClean="0">
+                            <a:rPr lang="es-CO" sz="1000" i="1" smtClean="0">
                               <a:solidFill>
                                 <a:schemeClr val="accent6">
                                   <a:lumMod val="75000"/>
@@ -3844,7 +4561,7 @@
                         </m:sSupPr>
                         <m:e>
                           <m:r>
-                            <a:rPr lang="en-GB" sz="1200" i="1">
+                            <a:rPr lang="en-GB" sz="1000" i="1">
                               <a:solidFill>
                                 <a:schemeClr val="accent6">
                                   <a:lumMod val="75000"/>
@@ -3857,7 +4574,7 @@
                         </m:e>
                         <m:sup>
                           <m:r>
-                            <a:rPr lang="en-GB" sz="1200" i="1">
+                            <a:rPr lang="en-GB" sz="1000" i="1">
                               <a:solidFill>
                                 <a:schemeClr val="accent6">
                                   <a:lumMod val="75000"/>
@@ -3870,13 +4587,13 @@
                         </m:sup>
                       </m:sSup>
                       <m:r>
-                        <a:rPr lang="en-GB" sz="1200" i="1">
+                        <a:rPr lang="en-GB" sz="1000" i="1">
                           <a:latin typeface="Cambria Math" panose="02040503050406030204" pitchFamily="18" charset="0"/>
                         </a:rPr>
                         <m:t>−</m:t>
                       </m:r>
                       <m:r>
-                        <a:rPr lang="en-GB" sz="1200" i="1">
+                        <a:rPr lang="en-GB" sz="1000" i="1">
                           <a:latin typeface="Cambria Math" panose="02040503050406030204" pitchFamily="18" charset="0"/>
                         </a:rPr>
                         <m:t>𝑅</m:t>
@@ -3884,14 +4601,14 @@
                       <m:sSub>
                         <m:sSubPr>
                           <m:ctrlPr>
-                            <a:rPr lang="es-CO" sz="1200" i="1">
+                            <a:rPr lang="es-CO" sz="1000" i="1">
                               <a:latin typeface="Cambria Math" panose="02040503050406030204" pitchFamily="18" charset="0"/>
                             </a:rPr>
                           </m:ctrlPr>
                         </m:sSubPr>
                         <m:e>
                           <m:r>
-                            <a:rPr lang="en-GB" sz="1200" i="1">
+                            <a:rPr lang="en-GB" sz="1000" i="1">
                               <a:latin typeface="Cambria Math" panose="02040503050406030204" pitchFamily="18" charset="0"/>
                             </a:rPr>
                             <m:t>𝐸</m:t>
@@ -3899,7 +4616,7 @@
                         </m:e>
                         <m:sub>
                           <m:r>
-                            <a:rPr lang="en-GB" sz="1200" i="1">
+                            <a:rPr lang="en-GB" sz="1000" i="1">
                               <a:latin typeface="Cambria Math" panose="02040503050406030204" pitchFamily="18" charset="0"/>
                             </a:rPr>
                             <m:t>𝐹</m:t>
@@ -3907,7 +4624,7 @@
                         </m:sub>
                       </m:sSub>
                       <m:r>
-                        <a:rPr lang="en-GB" sz="1200" i="1">
+                        <a:rPr lang="en-GB" sz="1000" i="1">
                           <a:latin typeface="Cambria Math" panose="02040503050406030204" pitchFamily="18" charset="0"/>
                         </a:rPr>
                         <m:t>− </m:t>
@@ -3915,14 +4632,14 @@
                       <m:sSub>
                         <m:sSubPr>
                           <m:ctrlPr>
-                            <a:rPr lang="es-CO" sz="1200" i="1">
+                            <a:rPr lang="es-CO" sz="1000" i="1">
                               <a:latin typeface="Cambria Math" panose="02040503050406030204" pitchFamily="18" charset="0"/>
                             </a:rPr>
                           </m:ctrlPr>
                         </m:sSubPr>
                         <m:e>
                           <m:r>
-                            <a:rPr lang="en-GB" sz="1200" i="1">
+                            <a:rPr lang="en-GB" sz="1000" i="1">
                               <a:latin typeface="Cambria Math" panose="02040503050406030204" pitchFamily="18" charset="0"/>
                             </a:rPr>
                             <m:t>𝜉</m:t>
@@ -3930,7 +4647,7 @@
                         </m:e>
                         <m:sub>
                           <m:r>
-                            <a:rPr lang="en-GB" sz="1200" i="1">
+                            <a:rPr lang="en-GB" sz="1000" i="1">
                               <a:latin typeface="Cambria Math" panose="02040503050406030204" pitchFamily="18" charset="0"/>
                             </a:rPr>
                             <m:t>𝐹</m:t>
@@ -3938,13 +4655,13 @@
                         </m:sub>
                       </m:sSub>
                       <m:r>
-                        <a:rPr lang="en-GB" sz="1200" i="1">
+                        <a:rPr lang="en-GB" sz="1000" i="1">
                           <a:latin typeface="Cambria Math" panose="02040503050406030204" pitchFamily="18" charset="0"/>
                         </a:rPr>
                         <m:t>⋅</m:t>
                       </m:r>
                       <m:r>
-                        <a:rPr lang="en-GB" sz="1200" i="1">
+                        <a:rPr lang="en-GB" sz="1000" i="1">
                           <a:latin typeface="Cambria Math" panose="02040503050406030204" pitchFamily="18" charset="0"/>
                         </a:rPr>
                         <m:t>𝐹𝐷</m:t>
@@ -3952,14 +4669,14 @@
                       <m:sSup>
                         <m:sSupPr>
                           <m:ctrlPr>
-                            <a:rPr lang="es-CO" sz="1200" i="1">
+                            <a:rPr lang="es-CO" sz="1000" i="1">
                               <a:latin typeface="Cambria Math" panose="02040503050406030204" pitchFamily="18" charset="0"/>
                             </a:rPr>
                           </m:ctrlPr>
                         </m:sSupPr>
                         <m:e>
                           <m:r>
-                            <a:rPr lang="en-GB" sz="1200" i="1">
+                            <a:rPr lang="en-GB" sz="1000" i="1">
                               <a:latin typeface="Cambria Math" panose="02040503050406030204" pitchFamily="18" charset="0"/>
                             </a:rPr>
                             <m:t>𝐼</m:t>
@@ -3967,7 +4684,7 @@
                         </m:e>
                         <m:sup>
                           <m:r>
-                            <a:rPr lang="en-GB" sz="1200" i="1">
+                            <a:rPr lang="en-GB" sz="1000" i="1">
                               <a:latin typeface="Cambria Math" panose="02040503050406030204" pitchFamily="18" charset="0"/>
                             </a:rPr>
                             <m:t>𝑃</m:t>
@@ -3975,7 +4692,7 @@
                         </m:sup>
                       </m:sSup>
                       <m:r>
-                        <a:rPr lang="en-GB" sz="1200" i="1">
+                        <a:rPr lang="en-GB" sz="1000" i="1">
                           <a:latin typeface="Cambria Math" panose="02040503050406030204" pitchFamily="18" charset="0"/>
                         </a:rPr>
                         <m:t>⋅</m:t>
@@ -3983,14 +4700,14 @@
                       <m:sSup>
                         <m:sSupPr>
                           <m:ctrlPr>
-                            <a:rPr lang="es-CO" sz="1200" i="1">
+                            <a:rPr lang="es-CO" sz="1000" i="1">
                               <a:latin typeface="Cambria Math" panose="02040503050406030204" pitchFamily="18" charset="0"/>
                             </a:rPr>
                           </m:ctrlPr>
                         </m:sSupPr>
                         <m:e>
                           <m:r>
-                            <a:rPr lang="en-GB" sz="1200" i="1">
+                            <a:rPr lang="en-GB" sz="1000" i="1">
                               <a:latin typeface="Cambria Math" panose="02040503050406030204" pitchFamily="18" charset="0"/>
                             </a:rPr>
                             <m:t>𝑒</m:t>
@@ -3998,7 +4715,7 @@
                         </m:e>
                         <m:sup>
                           <m:r>
-                            <a:rPr lang="en-GB" sz="1200" i="1">
+                            <a:rPr lang="en-GB" sz="1000" i="1">
                               <a:latin typeface="Cambria Math" panose="02040503050406030204" pitchFamily="18" charset="0"/>
                             </a:rPr>
                             <m:t>𝑁</m:t>
@@ -4008,7 +4725,7 @@
                     </m:oMath>
                   </m:oMathPara>
                 </a14:m>
-                <a:endParaRPr lang="es-CO" sz="1200" dirty="0">
+                <a:endParaRPr lang="es-CO" sz="1000" dirty="0">
                   <a:latin typeface="Century Gothic" panose="020B0502020202020204" pitchFamily="34" charset="0"/>
                 </a:endParaRPr>
               </a:p>
@@ -4016,7 +4733,7 @@
                 <a:pPr marL="0" indent="0">
                   <a:buNone/>
                 </a:pPr>
-                <a:endParaRPr lang="es-CO" sz="1200" dirty="0">
+                <a:endParaRPr lang="es-CO" sz="1000" dirty="0">
                   <a:latin typeface="Century Gothic" panose="020B0502020202020204" pitchFamily="34" charset="0"/>
                 </a:endParaRPr>
               </a:p>
@@ -4031,7 +4748,7 @@
                     </m:oMathParaPr>
                     <m:oMath xmlns:m="http://schemas.openxmlformats.org/officeDocument/2006/math">
                       <m:r>
-                        <a:rPr lang="en-GB" sz="1200" i="1">
+                        <a:rPr lang="en-GB" sz="1000" i="1">
                           <a:latin typeface="Cambria Math" panose="02040503050406030204" pitchFamily="18" charset="0"/>
                         </a:rPr>
                         <m:t>𝑇𝐹</m:t>
@@ -4039,14 +4756,14 @@
                       <m:sSub>
                         <m:sSubPr>
                           <m:ctrlPr>
-                            <a:rPr lang="es-CO" sz="1200" i="1">
+                            <a:rPr lang="es-CO" sz="1000" i="1">
                               <a:latin typeface="Cambria Math" panose="02040503050406030204" pitchFamily="18" charset="0"/>
                             </a:rPr>
                           </m:ctrlPr>
                         </m:sSubPr>
                         <m:e>
                           <m:r>
-                            <a:rPr lang="en-GB" sz="1200" i="1">
+                            <a:rPr lang="en-GB" sz="1000" i="1">
                               <a:latin typeface="Cambria Math" panose="02040503050406030204" pitchFamily="18" charset="0"/>
                             </a:rPr>
                             <m:t>𝑁</m:t>
@@ -4054,7 +4771,7 @@
                         </m:e>
                         <m:sub>
                           <m:r>
-                            <a:rPr lang="en-GB" sz="1200" i="1">
+                            <a:rPr lang="en-GB" sz="1000" i="1">
                               <a:latin typeface="Cambria Math" panose="02040503050406030204" pitchFamily="18" charset="0"/>
                             </a:rPr>
                             <m:t>𝐹</m:t>
@@ -4062,19 +4779,19 @@
                         </m:sub>
                       </m:sSub>
                       <m:r>
-                        <a:rPr lang="en-GB" sz="1200" i="1">
+                        <a:rPr lang="en-GB" sz="1000" i="1">
                           <a:latin typeface="Cambria Math" panose="02040503050406030204" pitchFamily="18" charset="0"/>
                         </a:rPr>
                         <m:t>=</m:t>
                       </m:r>
                       <m:r>
-                        <a:rPr lang="en-GB" sz="1200" i="1">
+                        <a:rPr lang="en-GB" sz="1000" i="1">
                           <a:latin typeface="Cambria Math" panose="02040503050406030204" pitchFamily="18" charset="0"/>
                         </a:rPr>
                         <m:t>𝑝</m:t>
                       </m:r>
                       <m:r>
-                        <a:rPr lang="en-GB" sz="1200" i="1">
+                        <a:rPr lang="en-GB" sz="1000" i="1">
                           <a:latin typeface="Cambria Math" panose="02040503050406030204" pitchFamily="18" charset="0"/>
                         </a:rPr>
                         <m:t>⋅</m:t>
@@ -4082,7 +4799,7 @@
                       <m:d>
                         <m:dPr>
                           <m:ctrlPr>
-                            <a:rPr lang="es-CO" sz="1200" i="1" smtClean="0">
+                            <a:rPr lang="es-CO" sz="1000" i="1" smtClean="0">
                               <a:solidFill>
                                 <a:schemeClr val="accent3">
                                   <a:lumMod val="50000"/>
@@ -4096,7 +4813,7 @@
                           <m:sSup>
                             <m:sSupPr>
                               <m:ctrlPr>
-                                <a:rPr lang="es-CO" sz="1200" i="1" smtClean="0">
+                                <a:rPr lang="es-CO" sz="1000" i="1" smtClean="0">
                                   <a:solidFill>
                                     <a:schemeClr val="accent2">
                                       <a:lumMod val="50000"/>
@@ -4108,7 +4825,7 @@
                             </m:sSupPr>
                             <m:e>
                               <m:r>
-                                <a:rPr lang="en-GB" sz="1200" i="1">
+                                <a:rPr lang="en-GB" sz="1000" i="1">
                                   <a:solidFill>
                                     <a:schemeClr val="accent2">
                                       <a:lumMod val="50000"/>
@@ -4121,7 +4838,7 @@
                             </m:e>
                             <m:sup>
                               <m:r>
-                                <a:rPr lang="en-GB" sz="1200" i="1">
+                                <a:rPr lang="en-GB" sz="1000" i="1">
                                   <a:solidFill>
                                     <a:schemeClr val="accent2">
                                       <a:lumMod val="50000"/>
@@ -4134,7 +4851,7 @@
                             </m:sup>
                           </m:sSup>
                           <m:r>
-                            <a:rPr lang="es-ES" sz="1200" b="0" i="1" smtClean="0">
+                            <a:rPr lang="es-ES" sz="1000" b="0" i="1" smtClean="0">
                               <a:solidFill>
                                 <a:schemeClr val="accent3">
                                   <a:lumMod val="50000"/>
@@ -4147,7 +4864,7 @@
                           <m:f>
                             <m:fPr>
                               <m:ctrlPr>
-                                <a:rPr lang="es-CO" sz="1200" i="1" smtClean="0">
+                                <a:rPr lang="es-CO" sz="1000" i="1" smtClean="0">
                                   <a:solidFill>
                                     <a:schemeClr val="accent3">
                                       <a:lumMod val="75000"/>
@@ -4159,7 +4876,7 @@
                             </m:fPr>
                             <m:num>
                               <m:r>
-                                <a:rPr lang="en-GB" sz="1200" i="1">
+                                <a:rPr lang="en-GB" sz="1000" i="1">
                                   <a:solidFill>
                                     <a:schemeClr val="accent3">
                                       <a:lumMod val="75000"/>
@@ -4172,7 +4889,7 @@
                               <m:sSup>
                                 <m:sSupPr>
                                   <m:ctrlPr>
-                                    <a:rPr lang="es-CO" sz="1200" i="1">
+                                    <a:rPr lang="es-CO" sz="1000" i="1">
                                       <a:solidFill>
                                         <a:schemeClr val="accent3">
                                           <a:lumMod val="75000"/>
@@ -4184,7 +4901,7 @@
                                 </m:sSupPr>
                                 <m:e>
                                   <m:r>
-                                    <a:rPr lang="en-GB" sz="1200" i="1">
+                                    <a:rPr lang="en-GB" sz="1000" i="1">
                                       <a:solidFill>
                                         <a:schemeClr val="accent3">
                                           <a:lumMod val="75000"/>
@@ -4197,7 +4914,7 @@
                                 </m:e>
                                 <m:sup>
                                   <m:r>
-                                    <a:rPr lang="en-GB" sz="1200" i="1">
+                                    <a:rPr lang="en-GB" sz="1000" i="1">
                                       <a:solidFill>
                                         <a:schemeClr val="accent3">
                                           <a:lumMod val="75000"/>
@@ -4210,7 +4927,7 @@
                                 </m:sup>
                               </m:sSup>
                               <m:r>
-                                <a:rPr lang="en-GB" sz="1200" i="1">
+                                <a:rPr lang="en-GB" sz="1000" i="1">
                                   <a:solidFill>
                                     <a:schemeClr val="accent3">
                                       <a:lumMod val="75000"/>
@@ -4223,7 +4940,7 @@
                               <m:sSup>
                                 <m:sSupPr>
                                   <m:ctrlPr>
-                                    <a:rPr lang="es-CO" sz="1200" i="1">
+                                    <a:rPr lang="es-CO" sz="1000" i="1">
                                       <a:solidFill>
                                         <a:schemeClr val="accent3">
                                           <a:lumMod val="75000"/>
@@ -4235,7 +4952,7 @@
                                 </m:sSupPr>
                                 <m:e>
                                   <m:r>
-                                    <a:rPr lang="en-GB" sz="1200" i="1">
+                                    <a:rPr lang="en-GB" sz="1000" i="1">
                                       <a:solidFill>
                                         <a:schemeClr val="accent3">
                                           <a:lumMod val="75000"/>
@@ -4248,7 +4965,7 @@
                                 </m:e>
                                 <m:sup>
                                   <m:r>
-                                    <a:rPr lang="en-GB" sz="1200" i="1">
+                                    <a:rPr lang="en-GB" sz="1000" i="1">
                                       <a:solidFill>
                                         <a:schemeClr val="accent3">
                                           <a:lumMod val="75000"/>
@@ -4263,7 +4980,7 @@
                             </m:num>
                             <m:den>
                               <m:r>
-                                <a:rPr lang="en-GB" sz="1200" i="1">
+                                <a:rPr lang="en-GB" sz="1000" i="1">
                                   <a:solidFill>
                                     <a:schemeClr val="accent3">
                                       <a:lumMod val="75000"/>
@@ -4278,13 +4995,13 @@
                         </m:e>
                       </m:d>
                       <m:r>
-                        <a:rPr lang="en-GB" sz="1200" i="1">
+                        <a:rPr lang="en-GB" sz="1000" i="1">
                           <a:latin typeface="Cambria Math" panose="02040503050406030204" pitchFamily="18" charset="0"/>
                         </a:rPr>
                         <m:t>−</m:t>
                       </m:r>
                       <m:r>
-                        <a:rPr lang="en-GB" sz="1200" i="1">
+                        <a:rPr lang="en-GB" sz="1000" i="1">
                           <a:latin typeface="Cambria Math" panose="02040503050406030204" pitchFamily="18" charset="0"/>
                         </a:rPr>
                         <m:t>𝑅</m:t>
@@ -4292,14 +5009,14 @@
                       <m:sSub>
                         <m:sSubPr>
                           <m:ctrlPr>
-                            <a:rPr lang="es-CO" sz="1200" i="1">
+                            <a:rPr lang="es-CO" sz="1000" i="1">
                               <a:latin typeface="Cambria Math" panose="02040503050406030204" pitchFamily="18" charset="0"/>
                             </a:rPr>
                           </m:ctrlPr>
                         </m:sSubPr>
                         <m:e>
                           <m:r>
-                            <a:rPr lang="en-GB" sz="1200" i="1">
+                            <a:rPr lang="en-GB" sz="1000" i="1">
                               <a:latin typeface="Cambria Math" panose="02040503050406030204" pitchFamily="18" charset="0"/>
                             </a:rPr>
                             <m:t>𝐸</m:t>
@@ -4307,7 +5024,7 @@
                         </m:e>
                         <m:sub>
                           <m:r>
-                            <a:rPr lang="en-GB" sz="1200" i="1">
+                            <a:rPr lang="en-GB" sz="1000" i="1">
                               <a:latin typeface="Cambria Math" panose="02040503050406030204" pitchFamily="18" charset="0"/>
                             </a:rPr>
                             <m:t>𝐹</m:t>
@@ -4315,7 +5032,7 @@
                         </m:sub>
                       </m:sSub>
                       <m:r>
-                        <a:rPr lang="en-GB" sz="1200" i="1">
+                        <a:rPr lang="en-GB" sz="1000" i="1">
                           <a:latin typeface="Cambria Math" panose="02040503050406030204" pitchFamily="18" charset="0"/>
                         </a:rPr>
                         <m:t>− </m:t>
@@ -4323,14 +5040,14 @@
                       <m:sSub>
                         <m:sSubPr>
                           <m:ctrlPr>
-                            <a:rPr lang="es-CO" sz="1200" i="1">
+                            <a:rPr lang="es-CO" sz="1000" i="1">
                               <a:latin typeface="Cambria Math" panose="02040503050406030204" pitchFamily="18" charset="0"/>
                             </a:rPr>
                           </m:ctrlPr>
                         </m:sSubPr>
                         <m:e>
                           <m:r>
-                            <a:rPr lang="en-GB" sz="1200" i="1">
+                            <a:rPr lang="en-GB" sz="1000" i="1">
                               <a:latin typeface="Cambria Math" panose="02040503050406030204" pitchFamily="18" charset="0"/>
                             </a:rPr>
                             <m:t>𝜉</m:t>
@@ -4338,7 +5055,7 @@
                         </m:e>
                         <m:sub>
                           <m:r>
-                            <a:rPr lang="en-GB" sz="1200" i="1">
+                            <a:rPr lang="en-GB" sz="1000" i="1">
                               <a:latin typeface="Cambria Math" panose="02040503050406030204" pitchFamily="18" charset="0"/>
                             </a:rPr>
                             <m:t>𝐹</m:t>
@@ -4346,13 +5063,13 @@
                         </m:sub>
                       </m:sSub>
                       <m:r>
-                        <a:rPr lang="en-GB" sz="1200" i="1">
+                        <a:rPr lang="en-GB" sz="1000" i="1">
                           <a:latin typeface="Cambria Math" panose="02040503050406030204" pitchFamily="18" charset="0"/>
                         </a:rPr>
                         <m:t>⋅</m:t>
                       </m:r>
                       <m:r>
-                        <a:rPr lang="en-GB" sz="1200" i="1">
+                        <a:rPr lang="en-GB" sz="1000" i="1">
                           <a:latin typeface="Cambria Math" panose="02040503050406030204" pitchFamily="18" charset="0"/>
                         </a:rPr>
                         <m:t>𝐹𝐷</m:t>
@@ -4360,14 +5077,14 @@
                       <m:sSup>
                         <m:sSupPr>
                           <m:ctrlPr>
-                            <a:rPr lang="es-CO" sz="1200" i="1">
+                            <a:rPr lang="es-CO" sz="1000" i="1">
                               <a:latin typeface="Cambria Math" panose="02040503050406030204" pitchFamily="18" charset="0"/>
                             </a:rPr>
                           </m:ctrlPr>
                         </m:sSupPr>
                         <m:e>
                           <m:r>
-                            <a:rPr lang="en-GB" sz="1200" i="1">
+                            <a:rPr lang="en-GB" sz="1000" i="1">
                               <a:latin typeface="Cambria Math" panose="02040503050406030204" pitchFamily="18" charset="0"/>
                             </a:rPr>
                             <m:t>𝐼</m:t>
@@ -4375,7 +5092,7 @@
                         </m:e>
                         <m:sup>
                           <m:r>
-                            <a:rPr lang="en-GB" sz="1200" i="1">
+                            <a:rPr lang="en-GB" sz="1000" i="1">
                               <a:latin typeface="Cambria Math" panose="02040503050406030204" pitchFamily="18" charset="0"/>
                             </a:rPr>
                             <m:t>𝑃</m:t>
@@ -4383,7 +5100,7 @@
                         </m:sup>
                       </m:sSup>
                       <m:r>
-                        <a:rPr lang="en-GB" sz="1200" i="1">
+                        <a:rPr lang="en-GB" sz="1000" i="1">
                           <a:latin typeface="Cambria Math" panose="02040503050406030204" pitchFamily="18" charset="0"/>
                         </a:rPr>
                         <m:t>⋅</m:t>
@@ -4391,14 +5108,14 @@
                       <m:sSup>
                         <m:sSupPr>
                           <m:ctrlPr>
-                            <a:rPr lang="es-CO" sz="1200" i="1">
+                            <a:rPr lang="es-CO" sz="1000" i="1">
                               <a:latin typeface="Cambria Math" panose="02040503050406030204" pitchFamily="18" charset="0"/>
                             </a:rPr>
                           </m:ctrlPr>
                         </m:sSupPr>
                         <m:e>
                           <m:r>
-                            <a:rPr lang="en-GB" sz="1200" i="1">
+                            <a:rPr lang="en-GB" sz="1000" i="1">
                               <a:latin typeface="Cambria Math" panose="02040503050406030204" pitchFamily="18" charset="0"/>
                             </a:rPr>
                             <m:t>𝑒</m:t>
@@ -4406,7 +5123,7 @@
                         </m:e>
                         <m:sup>
                           <m:r>
-                            <a:rPr lang="en-GB" sz="1200" i="1">
+                            <a:rPr lang="en-GB" sz="1000" i="1">
                               <a:latin typeface="Cambria Math" panose="02040503050406030204" pitchFamily="18" charset="0"/>
                             </a:rPr>
                             <m:t>𝑁</m:t>
@@ -4416,13 +5133,13 @@
                     </m:oMath>
                   </m:oMathPara>
                 </a14:m>
-                <a:endParaRPr lang="es-CO" sz="1200" dirty="0"/>
+                <a:endParaRPr lang="es-CO" sz="1000" dirty="0"/>
               </a:p>
               <a:p>
                 <a:pPr marL="0" indent="0">
                   <a:buNone/>
                 </a:pPr>
-                <a:endParaRPr lang="es-CO" sz="1200" dirty="0"/>
+                <a:endParaRPr lang="es-CO" sz="1000" dirty="0"/>
               </a:p>
               <a:p>
                 <a:pPr marL="0" indent="0">
@@ -4435,7 +5152,7 @@
                     </m:oMathParaPr>
                     <m:oMath xmlns:m="http://schemas.openxmlformats.org/officeDocument/2006/math">
                       <m:r>
-                        <a:rPr lang="en-GB" sz="1200" i="1">
+                        <a:rPr lang="en-GB" sz="1000" i="1">
                           <a:latin typeface="Cambria Math" panose="02040503050406030204" pitchFamily="18" charset="0"/>
                         </a:rPr>
                         <m:t>𝑇𝐹</m:t>
@@ -4443,14 +5160,14 @@
                       <m:sSub>
                         <m:sSubPr>
                           <m:ctrlPr>
-                            <a:rPr lang="es-CO" sz="1200" i="1">
+                            <a:rPr lang="es-CO" sz="1000" i="1">
                               <a:latin typeface="Cambria Math" panose="02040503050406030204" pitchFamily="18" charset="0"/>
                             </a:rPr>
                           </m:ctrlPr>
                         </m:sSubPr>
                         <m:e>
                           <m:r>
-                            <a:rPr lang="en-GB" sz="1200" i="1">
+                            <a:rPr lang="en-GB" sz="1000" i="1">
                               <a:latin typeface="Cambria Math" panose="02040503050406030204" pitchFamily="18" charset="0"/>
                             </a:rPr>
                             <m:t>𝑁</m:t>
@@ -4458,7 +5175,7 @@
                         </m:e>
                         <m:sub>
                           <m:r>
-                            <a:rPr lang="en-GB" sz="1200" i="1">
+                            <a:rPr lang="en-GB" sz="1000" i="1">
                               <a:latin typeface="Cambria Math" panose="02040503050406030204" pitchFamily="18" charset="0"/>
                             </a:rPr>
                             <m:t>𝐹</m:t>
@@ -4466,7 +5183,7 @@
                         </m:sub>
                       </m:sSub>
                       <m:r>
-                        <a:rPr lang="en-GB" sz="1200" i="1">
+                        <a:rPr lang="en-GB" sz="1000" i="1">
                           <a:latin typeface="Cambria Math" panose="02040503050406030204" pitchFamily="18" charset="0"/>
                         </a:rPr>
                         <m:t>=</m:t>
@@ -4474,26 +5191,26 @@
                       <m:sSup>
                         <m:sSupPr>
                           <m:ctrlPr>
-                            <a:rPr lang="es-CO" sz="1200" i="1">
+                            <a:rPr lang="es-CO" sz="1000" i="1">
                               <a:latin typeface="Cambria Math" panose="02040503050406030204" pitchFamily="18" charset="0"/>
                             </a:rPr>
                           </m:ctrlPr>
                         </m:sSupPr>
                         <m:e>
                           <m:r>
-                            <a:rPr lang="en-GB" sz="1200" i="1">
+                            <a:rPr lang="en-GB" sz="1000" i="1">
                               <a:latin typeface="Cambria Math" panose="02040503050406030204" pitchFamily="18" charset="0"/>
                             </a:rPr>
                             <m:t>𝑝</m:t>
                           </m:r>
                           <m:r>
-                            <a:rPr lang="en-GB" sz="1200" i="1">
+                            <a:rPr lang="en-GB" sz="1000" i="1">
                               <a:latin typeface="Cambria Math" panose="02040503050406030204" pitchFamily="18" charset="0"/>
                             </a:rPr>
                             <m:t>⋅</m:t>
                           </m:r>
                           <m:r>
-                            <a:rPr lang="en-GB" sz="1200" i="1">
+                            <a:rPr lang="en-GB" sz="1000" i="1">
                               <a:latin typeface="Cambria Math" panose="02040503050406030204" pitchFamily="18" charset="0"/>
                             </a:rPr>
                             <m:t>𝐼</m:t>
@@ -4501,7 +5218,7 @@
                         </m:e>
                         <m:sup>
                           <m:r>
-                            <a:rPr lang="en-GB" sz="1200" i="1">
+                            <a:rPr lang="en-GB" sz="1000" i="1">
                               <a:latin typeface="Cambria Math" panose="02040503050406030204" pitchFamily="18" charset="0"/>
                             </a:rPr>
                             <m:t>𝐾</m:t>
@@ -4509,7 +5226,7 @@
                         </m:sup>
                       </m:sSup>
                       <m:r>
-                        <a:rPr lang="en-GB" sz="1200" i="1" smtClean="0">
+                        <a:rPr lang="en-GB" sz="1000" i="1" smtClean="0">
                           <a:solidFill>
                             <a:schemeClr val="accent3">
                               <a:lumMod val="50000"/>
@@ -4520,7 +5237,7 @@
                         <m:t>−</m:t>
                       </m:r>
                       <m:r>
-                        <a:rPr lang="en-GB" sz="1200" i="1" smtClean="0">
+                        <a:rPr lang="en-GB" sz="1000" i="1" smtClean="0">
                           <a:solidFill>
                             <a:schemeClr val="accent3">
                               <a:lumMod val="50000"/>
@@ -4533,7 +5250,7 @@
                       <m:sSup>
                         <m:sSupPr>
                           <m:ctrlPr>
-                            <a:rPr lang="es-CO" sz="1200" i="1">
+                            <a:rPr lang="es-CO" sz="1000" i="1">
                               <a:solidFill>
                                 <a:schemeClr val="accent3">
                                   <a:lumMod val="50000"/>
@@ -4545,7 +5262,7 @@
                         </m:sSupPr>
                         <m:e>
                           <m:r>
-                            <a:rPr lang="en-GB" sz="1200" i="1">
+                            <a:rPr lang="en-GB" sz="1000" i="1">
                               <a:solidFill>
                                 <a:schemeClr val="accent3">
                                   <a:lumMod val="50000"/>
@@ -4558,7 +5275,7 @@
                         </m:e>
                         <m:sup>
                           <m:r>
-                            <a:rPr lang="en-GB" sz="1200" i="1">
+                            <a:rPr lang="en-GB" sz="1000" i="1">
                               <a:solidFill>
                                 <a:schemeClr val="accent3">
                                   <a:lumMod val="50000"/>
@@ -4571,7 +5288,7 @@
                         </m:sup>
                       </m:sSup>
                       <m:r>
-                        <a:rPr lang="en-GB" sz="1200" i="1">
+                        <a:rPr lang="en-GB" sz="1000" i="1">
                           <a:solidFill>
                             <a:schemeClr val="accent3">
                               <a:lumMod val="50000"/>
@@ -4584,7 +5301,7 @@
                       <m:sSup>
                         <m:sSupPr>
                           <m:ctrlPr>
-                            <a:rPr lang="es-CO" sz="1200" i="1">
+                            <a:rPr lang="es-CO" sz="1000" i="1">
                               <a:solidFill>
                                 <a:schemeClr val="accent3">
                                   <a:lumMod val="50000"/>
@@ -4596,7 +5313,7 @@
                         </m:sSupPr>
                         <m:e>
                           <m:r>
-                            <a:rPr lang="en-GB" sz="1200" i="1">
+                            <a:rPr lang="en-GB" sz="1000" i="1">
                               <a:solidFill>
                                 <a:schemeClr val="accent3">
                                   <a:lumMod val="50000"/>
@@ -4609,7 +5326,7 @@
                         </m:e>
                         <m:sup>
                           <m:r>
-                            <a:rPr lang="en-GB" sz="1200" i="1">
+                            <a:rPr lang="en-GB" sz="1000" i="1">
                               <a:solidFill>
                                 <a:schemeClr val="accent3">
                                   <a:lumMod val="50000"/>
@@ -4622,13 +5339,13 @@
                         </m:sup>
                       </m:sSup>
                       <m:r>
-                        <a:rPr lang="en-GB" sz="1200" i="1">
+                        <a:rPr lang="en-GB" sz="1000" i="1">
                           <a:latin typeface="Cambria Math" panose="02040503050406030204" pitchFamily="18" charset="0"/>
                         </a:rPr>
                         <m:t>−</m:t>
                       </m:r>
                       <m:r>
-                        <a:rPr lang="en-GB" sz="1200" i="1">
+                        <a:rPr lang="en-GB" sz="1000" i="1">
                           <a:latin typeface="Cambria Math" panose="02040503050406030204" pitchFamily="18" charset="0"/>
                         </a:rPr>
                         <m:t>𝑅</m:t>
@@ -4636,14 +5353,14 @@
                       <m:sSub>
                         <m:sSubPr>
                           <m:ctrlPr>
-                            <a:rPr lang="es-CO" sz="1200" i="1">
+                            <a:rPr lang="es-CO" sz="1000" i="1">
                               <a:latin typeface="Cambria Math" panose="02040503050406030204" pitchFamily="18" charset="0"/>
                             </a:rPr>
                           </m:ctrlPr>
                         </m:sSubPr>
                         <m:e>
                           <m:r>
-                            <a:rPr lang="en-GB" sz="1200" i="1">
+                            <a:rPr lang="en-GB" sz="1000" i="1">
                               <a:latin typeface="Cambria Math" panose="02040503050406030204" pitchFamily="18" charset="0"/>
                             </a:rPr>
                             <m:t>𝐸</m:t>
@@ -4651,7 +5368,7 @@
                         </m:e>
                         <m:sub>
                           <m:r>
-                            <a:rPr lang="en-GB" sz="1200" i="1">
+                            <a:rPr lang="en-GB" sz="1000" i="1">
                               <a:latin typeface="Cambria Math" panose="02040503050406030204" pitchFamily="18" charset="0"/>
                             </a:rPr>
                             <m:t>𝐹</m:t>
@@ -4659,7 +5376,7 @@
                         </m:sub>
                       </m:sSub>
                       <m:r>
-                        <a:rPr lang="en-GB" sz="1200" i="1">
+                        <a:rPr lang="en-GB" sz="1000" i="1">
                           <a:latin typeface="Cambria Math" panose="02040503050406030204" pitchFamily="18" charset="0"/>
                         </a:rPr>
                         <m:t>− </m:t>
@@ -4667,7 +5384,7 @@
                       <m:sSub>
                         <m:sSubPr>
                           <m:ctrlPr>
-                            <a:rPr lang="es-CO" sz="1200" i="1" smtClean="0">
+                            <a:rPr lang="es-CO" sz="1000" i="1" smtClean="0">
                               <a:solidFill>
                                 <a:schemeClr val="accent3">
                                   <a:lumMod val="75000"/>
@@ -4679,7 +5396,7 @@
                         </m:sSubPr>
                         <m:e>
                           <m:r>
-                            <a:rPr lang="en-GB" sz="1200" i="1">
+                            <a:rPr lang="en-GB" sz="1000" i="1">
                               <a:solidFill>
                                 <a:schemeClr val="accent3">
                                   <a:lumMod val="75000"/>
@@ -4692,7 +5409,7 @@
                         </m:e>
                         <m:sub>
                           <m:r>
-                            <a:rPr lang="en-GB" sz="1200" i="1">
+                            <a:rPr lang="en-GB" sz="1000" i="1">
                               <a:solidFill>
                                 <a:schemeClr val="accent3">
                                   <a:lumMod val="75000"/>
@@ -4705,7 +5422,7 @@
                         </m:sub>
                       </m:sSub>
                       <m:r>
-                        <a:rPr lang="en-GB" sz="1200" i="1">
+                        <a:rPr lang="en-GB" sz="1000" i="1">
                           <a:solidFill>
                             <a:schemeClr val="accent3">
                               <a:lumMod val="75000"/>
@@ -4716,7 +5433,7 @@
                         <m:t>⋅</m:t>
                       </m:r>
                       <m:r>
-                        <a:rPr lang="en-GB" sz="1200" i="1">
+                        <a:rPr lang="en-GB" sz="1000" i="1">
                           <a:solidFill>
                             <a:schemeClr val="accent3">
                               <a:lumMod val="75000"/>
@@ -4729,7 +5446,7 @@
                       <m:sSup>
                         <m:sSupPr>
                           <m:ctrlPr>
-                            <a:rPr lang="es-CO" sz="1200" i="1">
+                            <a:rPr lang="es-CO" sz="1000" i="1">
                               <a:solidFill>
                                 <a:schemeClr val="accent3">
                                   <a:lumMod val="75000"/>
@@ -4741,7 +5458,7 @@
                         </m:sSupPr>
                         <m:e>
                           <m:r>
-                            <a:rPr lang="en-GB" sz="1200" i="1">
+                            <a:rPr lang="en-GB" sz="1000" i="1">
                               <a:solidFill>
                                 <a:schemeClr val="accent3">
                                   <a:lumMod val="75000"/>
@@ -4754,7 +5471,7 @@
                         </m:e>
                         <m:sup>
                           <m:r>
-                            <a:rPr lang="en-GB" sz="1200" i="1">
+                            <a:rPr lang="en-GB" sz="1000" i="1">
                               <a:solidFill>
                                 <a:schemeClr val="accent3">
                                   <a:lumMod val="75000"/>
@@ -4767,7 +5484,7 @@
                         </m:sup>
                       </m:sSup>
                       <m:r>
-                        <a:rPr lang="en-GB" sz="1200" i="1">
+                        <a:rPr lang="en-GB" sz="1000" i="1">
                           <a:solidFill>
                             <a:schemeClr val="accent3">
                               <a:lumMod val="75000"/>
@@ -4780,7 +5497,7 @@
                       <m:sSup>
                         <m:sSupPr>
                           <m:ctrlPr>
-                            <a:rPr lang="es-CO" sz="1200" i="1">
+                            <a:rPr lang="es-CO" sz="1000" i="1">
                               <a:solidFill>
                                 <a:schemeClr val="accent3">
                                   <a:lumMod val="75000"/>
@@ -4792,7 +5509,7 @@
                         </m:sSupPr>
                         <m:e>
                           <m:r>
-                            <a:rPr lang="en-GB" sz="1200" i="1">
+                            <a:rPr lang="en-GB" sz="1000" i="1">
                               <a:solidFill>
                                 <a:schemeClr val="accent3">
                                   <a:lumMod val="75000"/>
@@ -4805,7 +5522,7 @@
                         </m:e>
                         <m:sup>
                           <m:r>
-                            <a:rPr lang="en-GB" sz="1200" i="1">
+                            <a:rPr lang="en-GB" sz="1000" i="1">
                               <a:solidFill>
                                 <a:schemeClr val="accent3">
                                   <a:lumMod val="75000"/>
@@ -4820,13 +5537,13 @@
                     </m:oMath>
                   </m:oMathPara>
                 </a14:m>
-                <a:endParaRPr lang="es-CO" sz="1200" dirty="0"/>
+                <a:endParaRPr lang="es-CO" sz="1000" dirty="0"/>
               </a:p>
               <a:p>
                 <a:pPr marL="0" indent="0">
                   <a:buNone/>
                 </a:pPr>
-                <a:endParaRPr lang="es-CO" sz="1200" dirty="0"/>
+                <a:endParaRPr lang="es-CO" sz="1000" dirty="0"/>
               </a:p>
               <a:p>
                 <a:pPr marL="0" indent="0">
@@ -4841,7 +5558,7 @@
                       <m:sSub>
                         <m:sSubPr>
                           <m:ctrlPr>
-                            <a:rPr lang="es-CO" sz="1200" i="1">
+                            <a:rPr lang="es-CO" sz="1000" i="1">
                               <a:latin typeface="Cambria Math" panose="02040503050406030204" pitchFamily="18" charset="0"/>
                               <a:ea typeface="Cambria Math" panose="02040503050406030204" pitchFamily="18" charset="0"/>
                             </a:rPr>
@@ -4849,7 +5566,7 @@
                         </m:sSubPr>
                         <m:e>
                           <m:r>
-                            <a:rPr lang="es-CO" sz="1200" i="1">
+                            <a:rPr lang="es-CO" sz="1000" i="1">
                               <a:latin typeface="Cambria Math" panose="02040503050406030204" pitchFamily="18" charset="0"/>
                               <a:ea typeface="Cambria Math" panose="02040503050406030204" pitchFamily="18" charset="0"/>
                             </a:rPr>
@@ -4858,21 +5575,21 @@
                         </m:e>
                         <m:sub>
                           <m:r>
-                            <a:rPr lang="es-CO" sz="1200" i="1">
+                            <a:rPr lang="es-CO" sz="1000" i="1">
                               <a:latin typeface="Cambria Math" panose="02040503050406030204" pitchFamily="18" charset="0"/>
                               <a:ea typeface="Cambria Math" panose="02040503050406030204" pitchFamily="18" charset="0"/>
                             </a:rPr>
                             <m:t>𝐹</m:t>
                           </m:r>
                           <m:r>
-                            <a:rPr lang="es-CO" sz="1200" b="0" i="1" smtClean="0">
+                            <a:rPr lang="es-CO" sz="1000" b="0" i="1" smtClean="0">
                               <a:latin typeface="Cambria Math" panose="02040503050406030204" pitchFamily="18" charset="0"/>
                               <a:ea typeface="Cambria Math" panose="02040503050406030204" pitchFamily="18" charset="0"/>
                             </a:rPr>
                             <m:t>,</m:t>
                           </m:r>
                           <m:r>
-                            <a:rPr lang="es-CO" sz="1200" b="0" i="1" smtClean="0">
+                            <a:rPr lang="es-CO" sz="1000" b="0" i="1" smtClean="0">
                               <a:latin typeface="Cambria Math" panose="02040503050406030204" pitchFamily="18" charset="0"/>
                               <a:ea typeface="Cambria Math" panose="02040503050406030204" pitchFamily="18" charset="0"/>
                             </a:rPr>
@@ -4881,13 +5598,13 @@
                         </m:sub>
                       </m:sSub>
                       <m:r>
-                        <a:rPr lang="en-GB" sz="1200" i="1">
+                        <a:rPr lang="en-GB" sz="1000" i="1">
                           <a:latin typeface="Cambria Math" panose="02040503050406030204" pitchFamily="18" charset="0"/>
                         </a:rPr>
                         <m:t>⋅</m:t>
                       </m:r>
                       <m:r>
-                        <a:rPr lang="en-GB" sz="1200" i="1">
+                        <a:rPr lang="en-GB" sz="1000" i="1">
                           <a:latin typeface="Cambria Math" panose="02040503050406030204" pitchFamily="18" charset="0"/>
                         </a:rPr>
                         <m:t>𝑅</m:t>
@@ -4895,14 +5612,14 @@
                       <m:sSub>
                         <m:sSubPr>
                           <m:ctrlPr>
-                            <a:rPr lang="es-CO" sz="1200" i="1">
+                            <a:rPr lang="es-CO" sz="1000" i="1">
                               <a:latin typeface="Cambria Math" panose="02040503050406030204" pitchFamily="18" charset="0"/>
                             </a:rPr>
                           </m:ctrlPr>
                         </m:sSubPr>
                         <m:e>
                           <m:r>
-                            <a:rPr lang="en-GB" sz="1200" i="1">
+                            <a:rPr lang="en-GB" sz="1000" i="1">
                               <a:latin typeface="Cambria Math" panose="02040503050406030204" pitchFamily="18" charset="0"/>
                             </a:rPr>
                             <m:t>𝐸</m:t>
@@ -4910,7 +5627,7 @@
                         </m:e>
                         <m:sub>
                           <m:r>
-                            <a:rPr lang="en-GB" sz="1200" i="1">
+                            <a:rPr lang="en-GB" sz="1000" i="1">
                               <a:latin typeface="Cambria Math" panose="02040503050406030204" pitchFamily="18" charset="0"/>
                             </a:rPr>
                             <m:t>𝐹</m:t>
@@ -4921,14 +5638,14 @@
                         <m:rPr>
                           <m:nor/>
                         </m:rPr>
-                        <a:rPr lang="es-ES_tradnl" sz="1200" dirty="0"/>
+                        <a:rPr lang="es-ES_tradnl" sz="1000" dirty="0"/>
                         <m:t> </m:t>
                       </m:r>
                       <m:r>
                         <m:rPr>
                           <m:nor/>
                         </m:rPr>
-                        <a:rPr lang="es-ES_tradnl" sz="1200" dirty="0" smtClean="0">
+                        <a:rPr lang="es-ES_tradnl" sz="1000" dirty="0" smtClean="0">
                           <a:solidFill>
                             <a:schemeClr val="accent3">
                               <a:lumMod val="50000"/>
@@ -4941,7 +5658,7 @@
                         <m:rPr>
                           <m:nor/>
                         </m:rPr>
-                        <a:rPr lang="es-CO" sz="1200" dirty="0" smtClean="0">
+                        <a:rPr lang="es-CO" sz="1000" dirty="0" smtClean="0">
                           <a:solidFill>
                             <a:schemeClr val="accent3">
                               <a:lumMod val="50000"/>
@@ -4955,7 +5672,7 @@
                       <m:d>
                         <m:dPr>
                           <m:ctrlPr>
-                            <a:rPr lang="es-CO" sz="1200" i="1" smtClean="0">
+                            <a:rPr lang="es-CO" sz="1000" i="1" smtClean="0">
                               <a:solidFill>
                                 <a:schemeClr val="accent3">
                                   <a:lumMod val="75000"/>
@@ -4969,7 +5686,7 @@
                         </m:dPr>
                         <m:e>
                           <m:r>
-                            <a:rPr lang="es-CO" sz="1200" b="0" i="1" smtClean="0">
+                            <a:rPr lang="es-CO" sz="1000" b="0" i="1" smtClean="0">
                               <a:solidFill>
                                 <a:schemeClr val="accent3">
                                   <a:lumMod val="75000"/>
@@ -4984,7 +5701,7 @@
                           <m:sSub>
                             <m:sSubPr>
                               <m:ctrlPr>
-                                <a:rPr lang="es-CO" sz="1200" i="1">
+                                <a:rPr lang="es-CO" sz="1000" i="1">
                                   <a:solidFill>
                                     <a:schemeClr val="accent3">
                                       <a:lumMod val="75000"/>
@@ -4997,7 +5714,7 @@
                             </m:sSubPr>
                             <m:e>
                               <m:r>
-                                <a:rPr lang="es-CO" sz="1200" i="1">
+                                <a:rPr lang="es-CO" sz="1000" i="1">
                                   <a:solidFill>
                                     <a:schemeClr val="accent3">
                                       <a:lumMod val="75000"/>
@@ -5011,7 +5728,7 @@
                             </m:e>
                             <m:sub>
                               <m:r>
-                                <a:rPr lang="es-CO" sz="1200" i="1">
+                                <a:rPr lang="es-CO" sz="1000" i="1">
                                   <a:solidFill>
                                     <a:schemeClr val="accent3">
                                       <a:lumMod val="75000"/>
@@ -5023,7 +5740,7 @@
                                 <m:t>𝐹</m:t>
                               </m:r>
                               <m:r>
-                                <a:rPr lang="es-CO" sz="1200" b="0" i="1" smtClean="0">
+                                <a:rPr lang="es-CO" sz="1000" b="0" i="1" smtClean="0">
                                   <a:solidFill>
                                     <a:schemeClr val="accent3">
                                       <a:lumMod val="75000"/>
@@ -5035,7 +5752,7 @@
                                 <m:t>,</m:t>
                               </m:r>
                               <m:r>
-                                <a:rPr lang="es-CO" sz="1200" b="0" i="1" smtClean="0">
+                                <a:rPr lang="es-CO" sz="1000" b="0" i="1" smtClean="0">
                                   <a:solidFill>
                                     <a:schemeClr val="accent3">
                                       <a:lumMod val="75000"/>
@@ -5051,7 +5768,7 @@
                         </m:e>
                       </m:d>
                       <m:r>
-                        <a:rPr lang="en-GB" sz="1200" i="1">
+                        <a:rPr lang="en-GB" sz="1000" i="1">
                           <a:solidFill>
                             <a:schemeClr val="accent3">
                               <a:lumMod val="75000"/>
@@ -5062,7 +5779,7 @@
                         <m:t>⋅</m:t>
                       </m:r>
                       <m:r>
-                        <a:rPr lang="en-GB" sz="1200" i="1">
+                        <a:rPr lang="en-GB" sz="1000" i="1">
                           <a:solidFill>
                             <a:schemeClr val="accent3">
                               <a:lumMod val="75000"/>
@@ -5075,7 +5792,7 @@
                       <m:sSub>
                         <m:sSubPr>
                           <m:ctrlPr>
-                            <a:rPr lang="es-CO" sz="1200" i="1">
+                            <a:rPr lang="es-CO" sz="1000" i="1">
                               <a:solidFill>
                                 <a:schemeClr val="accent3">
                                   <a:lumMod val="75000"/>
@@ -5087,7 +5804,7 @@
                         </m:sSubPr>
                         <m:e>
                           <m:r>
-                            <a:rPr lang="en-GB" sz="1200" i="1">
+                            <a:rPr lang="en-GB" sz="1000" i="1">
                               <a:solidFill>
                                 <a:schemeClr val="accent3">
                                   <a:lumMod val="75000"/>
@@ -5100,7 +5817,7 @@
                         </m:e>
                         <m:sub>
                           <m:r>
-                            <a:rPr lang="en-GB" sz="1200" i="1">
+                            <a:rPr lang="en-GB" sz="1000" i="1">
                               <a:solidFill>
                                 <a:schemeClr val="accent3">
                                   <a:lumMod val="75000"/>
@@ -5113,24 +5830,28 @@
                         </m:sub>
                       </m:sSub>
                       <m:r>
-                        <a:rPr lang="en-GB" sz="1200" i="1">
+                        <a:rPr lang="en-GB" sz="1000" i="1">
                           <a:latin typeface="Cambria Math" panose="02040503050406030204" pitchFamily="18" charset="0"/>
                         </a:rPr>
                         <m:t>=</m:t>
                       </m:r>
                       <m:r>
-                        <a:rPr lang="en-GB" sz="1200" i="1" smtClean="0">
+                        <a:rPr lang="en-GB" sz="1000" i="1" smtClean="0">
                           <a:solidFill>
-                            <a:srgbClr val="C00000"/>
+                            <a:schemeClr val="accent6">
+                              <a:lumMod val="75000"/>
+                            </a:schemeClr>
                           </a:solidFill>
                           <a:latin typeface="Cambria Math" panose="02040503050406030204" pitchFamily="18" charset="0"/>
                         </a:rPr>
                         <m:t>𝑝</m:t>
                       </m:r>
                       <m:r>
-                        <a:rPr lang="en-GB" sz="1200" i="1" smtClean="0">
+                        <a:rPr lang="en-GB" sz="1000" i="1" smtClean="0">
                           <a:solidFill>
-                            <a:srgbClr val="C00000"/>
+                            <a:schemeClr val="accent6">
+                              <a:lumMod val="75000"/>
+                            </a:schemeClr>
                           </a:solidFill>
                           <a:latin typeface="Cambria Math" panose="02040503050406030204" pitchFamily="18" charset="0"/>
                         </a:rPr>
@@ -5139,9 +5860,11 @@
                       <m:sSup>
                         <m:sSupPr>
                           <m:ctrlPr>
-                            <a:rPr lang="es-CO" sz="1200" i="1">
+                            <a:rPr lang="es-CO" sz="1000" i="1">
                               <a:solidFill>
-                                <a:srgbClr val="C00000"/>
+                                <a:schemeClr val="accent6">
+                                  <a:lumMod val="75000"/>
+                                </a:schemeClr>
                               </a:solidFill>
                               <a:latin typeface="Cambria Math" panose="02040503050406030204" pitchFamily="18" charset="0"/>
                             </a:rPr>
@@ -5149,9 +5872,11 @@
                         </m:sSupPr>
                         <m:e>
                           <m:r>
-                            <a:rPr lang="en-GB" sz="1200" i="1">
+                            <a:rPr lang="en-GB" sz="1000" i="1">
                               <a:solidFill>
-                                <a:srgbClr val="C00000"/>
+                                <a:schemeClr val="accent6">
+                                  <a:lumMod val="75000"/>
+                                </a:schemeClr>
                               </a:solidFill>
                               <a:latin typeface="Cambria Math" panose="02040503050406030204" pitchFamily="18" charset="0"/>
                             </a:rPr>
@@ -5160,9 +5885,11 @@
                         </m:e>
                         <m:sup>
                           <m:r>
-                            <a:rPr lang="en-GB" sz="1200" i="1">
+                            <a:rPr lang="en-GB" sz="1000" i="1">
                               <a:solidFill>
-                                <a:srgbClr val="C00000"/>
+                                <a:schemeClr val="accent6">
+                                  <a:lumMod val="75000"/>
+                                </a:schemeClr>
                               </a:solidFill>
                               <a:latin typeface="Cambria Math" panose="02040503050406030204" pitchFamily="18" charset="0"/>
                             </a:rPr>
@@ -5171,7 +5898,7 @@
                         </m:sup>
                       </m:sSup>
                       <m:r>
-                        <a:rPr lang="en-GB" sz="1200" i="1">
+                        <a:rPr lang="en-GB" sz="1000" i="1">
                           <a:solidFill>
                             <a:srgbClr val="C00000"/>
                           </a:solidFill>
@@ -5180,7 +5907,7 @@
                         <m:t>−</m:t>
                       </m:r>
                       <m:r>
-                        <a:rPr lang="en-GB" sz="1200" i="1">
+                        <a:rPr lang="en-GB" sz="1000" i="1">
                           <a:solidFill>
                             <a:srgbClr val="C00000"/>
                           </a:solidFill>
@@ -5191,7 +5918,7 @@
                       <m:sSub>
                         <m:sSubPr>
                           <m:ctrlPr>
-                            <a:rPr lang="es-CO" sz="1200" i="1">
+                            <a:rPr lang="es-CO" sz="1000" i="1">
                               <a:solidFill>
                                 <a:srgbClr val="C00000"/>
                               </a:solidFill>
@@ -5201,7 +5928,7 @@
                         </m:sSubPr>
                         <m:e>
                           <m:r>
-                            <a:rPr lang="en-GB" sz="1200" i="1">
+                            <a:rPr lang="en-GB" sz="1000" i="1">
                               <a:solidFill>
                                 <a:srgbClr val="C00000"/>
                               </a:solidFill>
@@ -5212,7 +5939,7 @@
                         </m:e>
                         <m:sub>
                           <m:r>
-                            <a:rPr lang="en-GB" sz="1200" i="1">
+                            <a:rPr lang="en-GB" sz="1000" i="1">
                               <a:solidFill>
                                 <a:srgbClr val="C00000"/>
                               </a:solidFill>
@@ -5223,7 +5950,7 @@
                         </m:sub>
                       </m:sSub>
                       <m:r>
-                        <a:rPr lang="en-GB" sz="1200" i="1" smtClean="0">
+                        <a:rPr lang="en-GB" sz="1000" i="1" smtClean="0">
                           <a:solidFill>
                             <a:schemeClr val="accent3">
                               <a:lumMod val="75000"/>
@@ -5234,7 +5961,7 @@
                         <m:t>−</m:t>
                       </m:r>
                       <m:r>
-                        <a:rPr lang="en-GB" sz="1200" i="1" smtClean="0">
+                        <a:rPr lang="en-GB" sz="1000" i="1" smtClean="0">
                           <a:solidFill>
                             <a:schemeClr val="accent3">
                               <a:lumMod val="75000"/>
@@ -5247,7 +5974,7 @@
                       <m:sSup>
                         <m:sSupPr>
                           <m:ctrlPr>
-                            <a:rPr lang="es-CO" sz="1200" i="1">
+                            <a:rPr lang="es-CO" sz="1000" i="1">
                               <a:solidFill>
                                 <a:schemeClr val="accent3">
                                   <a:lumMod val="75000"/>
@@ -5259,7 +5986,7 @@
                         </m:sSupPr>
                         <m:e>
                           <m:r>
-                            <a:rPr lang="en-GB" sz="1200" i="1">
+                            <a:rPr lang="en-GB" sz="1000" i="1">
                               <a:solidFill>
                                 <a:schemeClr val="accent3">
                                   <a:lumMod val="75000"/>
@@ -5272,7 +5999,7 @@
                         </m:e>
                         <m:sup>
                           <m:r>
-                            <a:rPr lang="en-GB" sz="1200" i="1">
+                            <a:rPr lang="en-GB" sz="1000" i="1">
                               <a:solidFill>
                                 <a:schemeClr val="accent3">
                                   <a:lumMod val="75000"/>
@@ -5285,7 +6012,7 @@
                         </m:sup>
                       </m:sSup>
                       <m:r>
-                        <a:rPr lang="en-GB" sz="1200" i="1">
+                        <a:rPr lang="en-GB" sz="1000" i="1">
                           <a:solidFill>
                             <a:schemeClr val="accent3">
                               <a:lumMod val="75000"/>
@@ -5298,7 +6025,7 @@
                       <m:sSup>
                         <m:sSupPr>
                           <m:ctrlPr>
-                            <a:rPr lang="es-CO" sz="1200" i="1">
+                            <a:rPr lang="es-CO" sz="1000" i="1">
                               <a:solidFill>
                                 <a:schemeClr val="accent3">
                                   <a:lumMod val="75000"/>
@@ -5310,7 +6037,7 @@
                         </m:sSupPr>
                         <m:e>
                           <m:r>
-                            <a:rPr lang="en-GB" sz="1200" i="1">
+                            <a:rPr lang="en-GB" sz="1000" i="1">
                               <a:solidFill>
                                 <a:schemeClr val="accent3">
                                   <a:lumMod val="75000"/>
@@ -5323,7 +6050,7 @@
                         </m:e>
                         <m:sup>
                           <m:r>
-                            <a:rPr lang="en-GB" sz="1200" i="1">
+                            <a:rPr lang="en-GB" sz="1000" i="1">
                               <a:solidFill>
                                 <a:schemeClr val="accent3">
                                   <a:lumMod val="75000"/>
@@ -5336,7 +6063,7 @@
                         </m:sup>
                       </m:sSup>
                       <m:r>
-                        <a:rPr lang="en-GB" sz="1200" i="1">
+                        <a:rPr lang="en-GB" sz="1000" i="1">
                           <a:solidFill>
                             <a:schemeClr val="accent3">
                               <a:lumMod val="75000"/>
@@ -5349,7 +6076,7 @@
                       <m:sSub>
                         <m:sSubPr>
                           <m:ctrlPr>
-                            <a:rPr lang="es-CO" sz="1200" i="1">
+                            <a:rPr lang="es-CO" sz="1000" i="1">
                               <a:solidFill>
                                 <a:schemeClr val="accent3">
                                   <a:lumMod val="75000"/>
@@ -5361,7 +6088,7 @@
                         </m:sSubPr>
                         <m:e>
                           <m:r>
-                            <a:rPr lang="en-GB" sz="1200" i="1">
+                            <a:rPr lang="en-GB" sz="1000" i="1">
                               <a:solidFill>
                                 <a:schemeClr val="accent3">
                                   <a:lumMod val="75000"/>
@@ -5374,7 +6101,7 @@
                         </m:e>
                         <m:sub>
                           <m:r>
-                            <a:rPr lang="en-GB" sz="1200" i="1">
+                            <a:rPr lang="en-GB" sz="1000" i="1">
                               <a:solidFill>
                                 <a:schemeClr val="accent3">
                                   <a:lumMod val="75000"/>
@@ -5387,7 +6114,7 @@
                         </m:sub>
                       </m:sSub>
                       <m:r>
-                        <a:rPr lang="en-GB" sz="1200" i="1">
+                        <a:rPr lang="en-GB" sz="1000" i="1">
                           <a:solidFill>
                             <a:schemeClr val="accent3">
                               <a:lumMod val="75000"/>
@@ -5398,7 +6125,7 @@
                         <m:t>⋅</m:t>
                       </m:r>
                       <m:r>
-                        <a:rPr lang="en-GB" sz="1200" i="1">
+                        <a:rPr lang="en-GB" sz="1000" i="1">
                           <a:solidFill>
                             <a:schemeClr val="accent3">
                               <a:lumMod val="75000"/>
@@ -5411,7 +6138,7 @@
                       <m:sSup>
                         <m:sSupPr>
                           <m:ctrlPr>
-                            <a:rPr lang="es-CO" sz="1200" i="1">
+                            <a:rPr lang="es-CO" sz="1000" i="1">
                               <a:solidFill>
                                 <a:schemeClr val="accent3">
                                   <a:lumMod val="75000"/>
@@ -5423,7 +6150,7 @@
                         </m:sSupPr>
                         <m:e>
                           <m:r>
-                            <a:rPr lang="en-GB" sz="1200" i="1">
+                            <a:rPr lang="en-GB" sz="1000" i="1">
                               <a:solidFill>
                                 <a:schemeClr val="accent3">
                                   <a:lumMod val="75000"/>
@@ -5436,7 +6163,7 @@
                         </m:e>
                         <m:sup>
                           <m:r>
-                            <a:rPr lang="en-GB" sz="1200" i="1">
+                            <a:rPr lang="en-GB" sz="1000" i="1">
                               <a:solidFill>
                                 <a:schemeClr val="accent3">
                                   <a:lumMod val="75000"/>
@@ -5449,7 +6176,7 @@
                         </m:sup>
                       </m:sSup>
                       <m:r>
-                        <a:rPr lang="en-GB" sz="1200" i="1">
+                        <a:rPr lang="en-GB" sz="1000" i="1">
                           <a:solidFill>
                             <a:schemeClr val="accent3">
                               <a:lumMod val="75000"/>
@@ -5462,7 +6189,7 @@
                       <m:sSup>
                         <m:sSupPr>
                           <m:ctrlPr>
-                            <a:rPr lang="es-CO" sz="1200" i="1">
+                            <a:rPr lang="es-CO" sz="1000" i="1">
                               <a:solidFill>
                                 <a:schemeClr val="accent3">
                                   <a:lumMod val="75000"/>
@@ -5474,7 +6201,7 @@
                         </m:sSupPr>
                         <m:e>
                           <m:r>
-                            <a:rPr lang="en-GB" sz="1200" i="1">
+                            <a:rPr lang="en-GB" sz="1000" i="1">
                               <a:solidFill>
                                 <a:schemeClr val="accent3">
                                   <a:lumMod val="75000"/>
@@ -5487,7 +6214,7 @@
                         </m:e>
                         <m:sup>
                           <m:r>
-                            <a:rPr lang="en-GB" sz="1200" i="1">
+                            <a:rPr lang="en-GB" sz="1000" i="1">
                               <a:solidFill>
                                 <a:schemeClr val="accent3">
                                   <a:lumMod val="75000"/>
@@ -5502,7 +6229,7 @@
                     </m:oMath>
                   </m:oMathPara>
                 </a14:m>
-                <a:endParaRPr lang="es-CO" sz="1200" dirty="0">
+                <a:endParaRPr lang="es-CO" sz="1000" dirty="0">
                   <a:solidFill>
                     <a:schemeClr val="accent3">
                       <a:lumMod val="75000"/>
@@ -5514,7 +6241,7 @@
                 <a:pPr marL="0" indent="0">
                   <a:buNone/>
                 </a:pPr>
-                <a:endParaRPr lang="es-CO" sz="1200" dirty="0"/>
+                <a:endParaRPr lang="es-CO" sz="1000" dirty="0"/>
               </a:p>
               <a:p>
                 <a:pPr marL="0" indent="0">
@@ -5526,56 +6253,130 @@
                       <m:jc m:val="centerGroup"/>
                     </m:oMathParaPr>
                     <m:oMath xmlns:m="http://schemas.openxmlformats.org/officeDocument/2006/math">
-                      <m:sSub>
-                        <m:sSubPr>
+                      <m:d>
+                        <m:dPr>
                           <m:ctrlPr>
-                            <a:rPr lang="es-CO" sz="1200" i="1">
-                              <a:latin typeface="Cambria Math" panose="02040503050406030204" pitchFamily="18" charset="0"/>
-                              <a:ea typeface="Cambria Math" panose="02040503050406030204" pitchFamily="18" charset="0"/>
+                            <a:rPr lang="es-ES" sz="1000" i="1">
+                              <a:latin typeface="Cambria Math" panose="02040503050406030204" pitchFamily="18" charset="0"/>
+                              <a:ea typeface="Times New Roman" panose="02020603050405020304" pitchFamily="18" charset="0"/>
+                              <a:cs typeface="Times New Roman" panose="02020603050405020304" pitchFamily="18" charset="0"/>
                             </a:rPr>
                           </m:ctrlPr>
-                        </m:sSubPr>
+                        </m:dPr>
                         <m:e>
-                          <m:r>
-                            <a:rPr lang="es-CO" sz="1200" i="1">
-                              <a:latin typeface="Cambria Math" panose="02040503050406030204" pitchFamily="18" charset="0"/>
-                              <a:ea typeface="Cambria Math" panose="02040503050406030204" pitchFamily="18" charset="0"/>
-                            </a:rPr>
-                            <m:t>𝜑</m:t>
-                          </m:r>
+                          <m:f>
+                            <m:fPr>
+                              <m:ctrlPr>
+                                <a:rPr lang="es-CO" sz="1000" i="1">
+                                  <a:latin typeface="Cambria Math" panose="02040503050406030204" pitchFamily="18" charset="0"/>
+                                  <a:ea typeface="Times New Roman" panose="02020603050405020304" pitchFamily="18" charset="0"/>
+                                  <a:cs typeface="Times New Roman" panose="02020603050405020304" pitchFamily="18" charset="0"/>
+                                </a:rPr>
+                              </m:ctrlPr>
+                            </m:fPr>
+                            <m:num>
+                              <m:r>
+                                <a:rPr lang="en-GB" sz="1000" i="1">
+                                  <a:latin typeface="Cambria Math" panose="02040503050406030204" pitchFamily="18" charset="0"/>
+                                  <a:ea typeface="Times New Roman" panose="02020603050405020304" pitchFamily="18" charset="0"/>
+                                  <a:cs typeface="Times New Roman" panose="02020603050405020304" pitchFamily="18" charset="0"/>
+                                </a:rPr>
+                                <m:t>𝐸</m:t>
+                              </m:r>
+                              <m:sSubSup>
+                                <m:sSubSupPr>
+                                  <m:ctrlPr>
+                                    <a:rPr lang="es-CO" sz="1000" i="1">
+                                      <a:latin typeface="Cambria Math" panose="02040503050406030204" pitchFamily="18" charset="0"/>
+                                      <a:ea typeface="Times New Roman" panose="02020603050405020304" pitchFamily="18" charset="0"/>
+                                      <a:cs typeface="Times New Roman" panose="02020603050405020304" pitchFamily="18" charset="0"/>
+                                    </a:rPr>
+                                  </m:ctrlPr>
+                                </m:sSubSupPr>
+                                <m:e>
+                                  <m:r>
+                                    <a:rPr lang="en-GB" sz="1000" i="1">
+                                      <a:latin typeface="Cambria Math" panose="02040503050406030204" pitchFamily="18" charset="0"/>
+                                      <a:ea typeface="Times New Roman" panose="02020603050405020304" pitchFamily="18" charset="0"/>
+                                      <a:cs typeface="Times New Roman" panose="02020603050405020304" pitchFamily="18" charset="0"/>
+                                    </a:rPr>
+                                    <m:t>𝑄</m:t>
+                                  </m:r>
+                                </m:e>
+                                <m:sub>
+                                  <m:r>
+                                    <a:rPr lang="en-GB" sz="1000" i="1">
+                                      <a:latin typeface="Cambria Math" panose="02040503050406030204" pitchFamily="18" charset="0"/>
+                                      <a:ea typeface="Times New Roman" panose="02020603050405020304" pitchFamily="18" charset="0"/>
+                                      <a:cs typeface="Times New Roman" panose="02020603050405020304" pitchFamily="18" charset="0"/>
+                                    </a:rPr>
+                                    <m:t>𝐹</m:t>
+                                  </m:r>
+                                </m:sub>
+                                <m:sup>
+                                  <m:r>
+                                    <a:rPr lang="es-CO" sz="1000" i="1">
+                                      <a:latin typeface="Cambria Math" panose="02040503050406030204" pitchFamily="18" charset="0"/>
+                                      <a:ea typeface="Times New Roman" panose="02020603050405020304" pitchFamily="18" charset="0"/>
+                                      <a:cs typeface="Times New Roman" panose="02020603050405020304" pitchFamily="18" charset="0"/>
+                                    </a:rPr>
+                                    <m:t>𝐻</m:t>
+                                  </m:r>
+                                </m:sup>
+                              </m:sSubSup>
+                            </m:num>
+                            <m:den>
+                              <m:r>
+                                <a:rPr lang="en-GB" sz="1000" i="1">
+                                  <a:latin typeface="Cambria Math" panose="02040503050406030204" pitchFamily="18" charset="0"/>
+                                  <a:ea typeface="Times New Roman" panose="02020603050405020304" pitchFamily="18" charset="0"/>
+                                  <a:cs typeface="Times New Roman" panose="02020603050405020304" pitchFamily="18" charset="0"/>
+                                </a:rPr>
+                                <m:t>𝐸</m:t>
+                              </m:r>
+                              <m:sSub>
+                                <m:sSubPr>
+                                  <m:ctrlPr>
+                                    <a:rPr lang="es-CO" sz="1000" i="1">
+                                      <a:latin typeface="Cambria Math" panose="02040503050406030204" pitchFamily="18" charset="0"/>
+                                      <a:ea typeface="Times New Roman" panose="02020603050405020304" pitchFamily="18" charset="0"/>
+                                      <a:cs typeface="Times New Roman" panose="02020603050405020304" pitchFamily="18" charset="0"/>
+                                    </a:rPr>
+                                  </m:ctrlPr>
+                                </m:sSubPr>
+                                <m:e>
+                                  <m:r>
+                                    <a:rPr lang="en-GB" sz="1000" i="1">
+                                      <a:latin typeface="Cambria Math" panose="02040503050406030204" pitchFamily="18" charset="0"/>
+                                      <a:ea typeface="Times New Roman" panose="02020603050405020304" pitchFamily="18" charset="0"/>
+                                      <a:cs typeface="Times New Roman" panose="02020603050405020304" pitchFamily="18" charset="0"/>
+                                    </a:rPr>
+                                    <m:t>𝑄</m:t>
+                                  </m:r>
+                                </m:e>
+                                <m:sub>
+                                  <m:r>
+                                    <a:rPr lang="en-GB" sz="1000" i="1">
+                                      <a:latin typeface="Cambria Math" panose="02040503050406030204" pitchFamily="18" charset="0"/>
+                                      <a:ea typeface="Times New Roman" panose="02020603050405020304" pitchFamily="18" charset="0"/>
+                                      <a:cs typeface="Times New Roman" panose="02020603050405020304" pitchFamily="18" charset="0"/>
+                                    </a:rPr>
+                                    <m:t>𝐹</m:t>
+                                  </m:r>
+                                </m:sub>
+                              </m:sSub>
+                            </m:den>
+                          </m:f>
                         </m:e>
-                        <m:sub>
-                          <m:r>
-                            <a:rPr lang="es-CO" sz="1200" i="1">
-                              <a:latin typeface="Cambria Math" panose="02040503050406030204" pitchFamily="18" charset="0"/>
-                              <a:ea typeface="Cambria Math" panose="02040503050406030204" pitchFamily="18" charset="0"/>
-                            </a:rPr>
-                            <m:t>𝐹</m:t>
-                          </m:r>
-                          <m:r>
-                            <a:rPr lang="es-CO" sz="1200" i="1">
-                              <a:latin typeface="Cambria Math" panose="02040503050406030204" pitchFamily="18" charset="0"/>
-                              <a:ea typeface="Cambria Math" panose="02040503050406030204" pitchFamily="18" charset="0"/>
-                            </a:rPr>
-                            <m:t>,</m:t>
-                          </m:r>
-                          <m:r>
-                            <a:rPr lang="es-CO" sz="1200" i="1">
-                              <a:latin typeface="Cambria Math" panose="02040503050406030204" pitchFamily="18" charset="0"/>
-                              <a:ea typeface="Cambria Math" panose="02040503050406030204" pitchFamily="18" charset="0"/>
-                            </a:rPr>
-                            <m:t>𝐻</m:t>
-                          </m:r>
-                        </m:sub>
-                      </m:sSub>
+                      </m:d>
                       <m:r>
-                        <a:rPr lang="en-GB" sz="1200" i="1">
+                        <a:rPr lang="en-GB" sz="1000" i="1">
                           <a:latin typeface="Cambria Math" panose="02040503050406030204" pitchFamily="18" charset="0"/>
                         </a:rPr>
                         <m:t>⋅</m:t>
                       </m:r>
                       <m:r>
-                        <a:rPr lang="en-GB" sz="1200" i="1">
+                        <a:rPr lang="en-GB" sz="1000" i="1">
                           <a:latin typeface="Cambria Math" panose="02040503050406030204" pitchFamily="18" charset="0"/>
                         </a:rPr>
                         <m:t>𝑅</m:t>
@@ -5583,14 +6384,14 @@
                       <m:sSub>
                         <m:sSubPr>
                           <m:ctrlPr>
-                            <a:rPr lang="es-CO" sz="1200" i="1">
+                            <a:rPr lang="es-CO" sz="1000" i="1">
                               <a:latin typeface="Cambria Math" panose="02040503050406030204" pitchFamily="18" charset="0"/>
                             </a:rPr>
                           </m:ctrlPr>
                         </m:sSubPr>
                         <m:e>
                           <m:r>
-                            <a:rPr lang="en-GB" sz="1200" i="1">
+                            <a:rPr lang="en-GB" sz="1000" i="1">
                               <a:latin typeface="Cambria Math" panose="02040503050406030204" pitchFamily="18" charset="0"/>
                             </a:rPr>
                             <m:t>𝐸</m:t>
@@ -5598,7 +6399,7 @@
                         </m:e>
                         <m:sub>
                           <m:r>
-                            <a:rPr lang="en-GB" sz="1200" i="1">
+                            <a:rPr lang="en-GB" sz="1000" i="1">
                               <a:latin typeface="Cambria Math" panose="02040503050406030204" pitchFamily="18" charset="0"/>
                             </a:rPr>
                             <m:t>𝐹</m:t>
@@ -5606,65 +6407,411 @@
                         </m:sub>
                       </m:sSub>
                       <m:r>
-                        <a:rPr lang="en-GB" sz="1200" i="1">
+                        <a:rPr lang="en-GB" sz="1000" i="1">
                           <a:latin typeface="Cambria Math" panose="02040503050406030204" pitchFamily="18" charset="0"/>
                         </a:rPr>
                         <m:t>=</m:t>
                       </m:r>
-                      <m:sSup>
-                        <m:sSupPr>
+                      <m:acc>
+                        <m:accPr>
+                          <m:chr m:val="̇"/>
                           <m:ctrlPr>
-                            <a:rPr lang="es-CO" sz="1200" i="1" smtClean="0">
+                            <a:rPr lang="es-ES" sz="1000" i="1" smtClean="0">
                               <a:solidFill>
                                 <a:srgbClr val="C00000"/>
                               </a:solidFill>
                               <a:latin typeface="Cambria Math" panose="02040503050406030204" pitchFamily="18" charset="0"/>
                             </a:rPr>
                           </m:ctrlPr>
-                        </m:sSupPr>
+                        </m:accPr>
                         <m:e>
                           <m:r>
-                            <a:rPr lang="en-GB" sz="1200" i="1" smtClean="0">
+                            <a:rPr lang="es-ES" sz="1000" i="1">
                               <a:solidFill>
                                 <a:srgbClr val="C00000"/>
                               </a:solidFill>
                               <a:latin typeface="Cambria Math" panose="02040503050406030204" pitchFamily="18" charset="0"/>
                             </a:rPr>
-                            <m:t>𝑝</m:t>
-                          </m:r>
-                          <m:r>
-                            <a:rPr lang="en-GB" sz="1200" i="1">
+                            <m:t>𝐾</m:t>
+                          </m:r>
+                        </m:e>
+                      </m:acc>
+                      <m:r>
+                        <a:rPr lang="es-ES" sz="1000" i="1">
+                          <a:solidFill>
+                            <a:srgbClr val="C00000"/>
+                          </a:solidFill>
+                          <a:latin typeface="Cambria Math" panose="02040503050406030204" pitchFamily="18" charset="0"/>
+                        </a:rPr>
+                        <m:t>+ </m:t>
+                      </m:r>
+                      <m:d>
+                        <m:dPr>
+                          <m:begChr m:val="["/>
+                          <m:endChr m:val="]"/>
+                          <m:ctrlPr>
+                            <a:rPr lang="es-ES" sz="1000" i="1">
+                              <a:latin typeface="Cambria Math" panose="02040503050406030204" pitchFamily="18" charset="0"/>
+                            </a:rPr>
+                          </m:ctrlPr>
+                        </m:dPr>
+                        <m:e>
+                          <m:r>
+                            <a:rPr lang="es-ES" sz="1000" i="1">
+                              <a:latin typeface="Cambria Math" panose="02040503050406030204" pitchFamily="18" charset="0"/>
+                              <a:ea typeface="Cambria Math" panose="02040503050406030204" pitchFamily="18" charset="0"/>
+                            </a:rPr>
+                            <m:t>𝛿</m:t>
+                          </m:r>
+                          <m:r>
+                            <a:rPr lang="es-ES" sz="1000" i="1">
+                              <a:latin typeface="Cambria Math" panose="02040503050406030204" pitchFamily="18" charset="0"/>
+                              <a:ea typeface="Cambria Math" panose="02040503050406030204" pitchFamily="18" charset="0"/>
+                            </a:rPr>
+                            <m:t>𝐾</m:t>
+                          </m:r>
+                          <m:r>
+                            <a:rPr lang="es-ES" sz="1000" i="1">
+                              <a:latin typeface="Cambria Math" panose="02040503050406030204" pitchFamily="18" charset="0"/>
+                              <a:ea typeface="Cambria Math" panose="02040503050406030204" pitchFamily="18" charset="0"/>
+                            </a:rPr>
+                            <m:t>.</m:t>
+                          </m:r>
+                          <m:d>
+                            <m:dPr>
+                              <m:ctrlPr>
+                                <a:rPr lang="es-ES" sz="1000" i="1">
+                                  <a:latin typeface="Cambria Math" panose="02040503050406030204" pitchFamily="18" charset="0"/>
+                                  <a:ea typeface="Times New Roman" panose="02020603050405020304" pitchFamily="18" charset="0"/>
+                                  <a:cs typeface="Times New Roman" panose="02020603050405020304" pitchFamily="18" charset="0"/>
+                                </a:rPr>
+                              </m:ctrlPr>
+                            </m:dPr>
+                            <m:e>
+                              <m:f>
+                                <m:fPr>
+                                  <m:ctrlPr>
+                                    <a:rPr lang="es-CO" sz="1000" i="1">
+                                      <a:latin typeface="Cambria Math" panose="02040503050406030204" pitchFamily="18" charset="0"/>
+                                      <a:ea typeface="Times New Roman" panose="02020603050405020304" pitchFamily="18" charset="0"/>
+                                      <a:cs typeface="Times New Roman" panose="02020603050405020304" pitchFamily="18" charset="0"/>
+                                    </a:rPr>
+                                  </m:ctrlPr>
+                                </m:fPr>
+                                <m:num>
+                                  <m:r>
+                                    <a:rPr lang="en-GB" sz="1000" i="1">
+                                      <a:latin typeface="Cambria Math" panose="02040503050406030204" pitchFamily="18" charset="0"/>
+                                      <a:ea typeface="Times New Roman" panose="02020603050405020304" pitchFamily="18" charset="0"/>
+                                      <a:cs typeface="Times New Roman" panose="02020603050405020304" pitchFamily="18" charset="0"/>
+                                    </a:rPr>
+                                    <m:t>𝐸</m:t>
+                                  </m:r>
+                                  <m:sSubSup>
+                                    <m:sSubSupPr>
+                                      <m:ctrlPr>
+                                        <a:rPr lang="es-CO" sz="1000" i="1">
+                                          <a:latin typeface="Cambria Math" panose="02040503050406030204" pitchFamily="18" charset="0"/>
+                                          <a:ea typeface="Times New Roman" panose="02020603050405020304" pitchFamily="18" charset="0"/>
+                                          <a:cs typeface="Times New Roman" panose="02020603050405020304" pitchFamily="18" charset="0"/>
+                                        </a:rPr>
+                                      </m:ctrlPr>
+                                    </m:sSubSupPr>
+                                    <m:e>
+                                      <m:r>
+                                        <a:rPr lang="en-GB" sz="1000" i="1">
+                                          <a:latin typeface="Cambria Math" panose="02040503050406030204" pitchFamily="18" charset="0"/>
+                                          <a:ea typeface="Times New Roman" panose="02020603050405020304" pitchFamily="18" charset="0"/>
+                                          <a:cs typeface="Times New Roman" panose="02020603050405020304" pitchFamily="18" charset="0"/>
+                                        </a:rPr>
+                                        <m:t>𝑄</m:t>
+                                      </m:r>
+                                    </m:e>
+                                    <m:sub>
+                                      <m:r>
+                                        <a:rPr lang="en-GB" sz="1000" i="1">
+                                          <a:latin typeface="Cambria Math" panose="02040503050406030204" pitchFamily="18" charset="0"/>
+                                          <a:ea typeface="Times New Roman" panose="02020603050405020304" pitchFamily="18" charset="0"/>
+                                          <a:cs typeface="Times New Roman" panose="02020603050405020304" pitchFamily="18" charset="0"/>
+                                        </a:rPr>
+                                        <m:t>𝐹</m:t>
+                                      </m:r>
+                                    </m:sub>
+                                    <m:sup>
+                                      <m:r>
+                                        <a:rPr lang="es-CO" sz="1000" i="1">
+                                          <a:latin typeface="Cambria Math" panose="02040503050406030204" pitchFamily="18" charset="0"/>
+                                          <a:ea typeface="Times New Roman" panose="02020603050405020304" pitchFamily="18" charset="0"/>
+                                          <a:cs typeface="Times New Roman" panose="02020603050405020304" pitchFamily="18" charset="0"/>
+                                        </a:rPr>
+                                        <m:t>𝐻</m:t>
+                                      </m:r>
+                                    </m:sup>
+                                  </m:sSubSup>
+                                </m:num>
+                                <m:den>
+                                  <m:r>
+                                    <a:rPr lang="en-GB" sz="1000" i="1">
+                                      <a:latin typeface="Cambria Math" panose="02040503050406030204" pitchFamily="18" charset="0"/>
+                                      <a:ea typeface="Times New Roman" panose="02020603050405020304" pitchFamily="18" charset="0"/>
+                                      <a:cs typeface="Times New Roman" panose="02020603050405020304" pitchFamily="18" charset="0"/>
+                                    </a:rPr>
+                                    <m:t>𝐸</m:t>
+                                  </m:r>
+                                  <m:sSub>
+                                    <m:sSubPr>
+                                      <m:ctrlPr>
+                                        <a:rPr lang="es-CO" sz="1000" i="1">
+                                          <a:latin typeface="Cambria Math" panose="02040503050406030204" pitchFamily="18" charset="0"/>
+                                          <a:ea typeface="Times New Roman" panose="02020603050405020304" pitchFamily="18" charset="0"/>
+                                          <a:cs typeface="Times New Roman" panose="02020603050405020304" pitchFamily="18" charset="0"/>
+                                        </a:rPr>
+                                      </m:ctrlPr>
+                                    </m:sSubPr>
+                                    <m:e>
+                                      <m:r>
+                                        <a:rPr lang="en-GB" sz="1000" i="1">
+                                          <a:latin typeface="Cambria Math" panose="02040503050406030204" pitchFamily="18" charset="0"/>
+                                          <a:ea typeface="Times New Roman" panose="02020603050405020304" pitchFamily="18" charset="0"/>
+                                          <a:cs typeface="Times New Roman" panose="02020603050405020304" pitchFamily="18" charset="0"/>
+                                        </a:rPr>
+                                        <m:t>𝑄</m:t>
+                                      </m:r>
+                                    </m:e>
+                                    <m:sub>
+                                      <m:r>
+                                        <a:rPr lang="en-GB" sz="1000" i="1">
+                                          <a:latin typeface="Cambria Math" panose="02040503050406030204" pitchFamily="18" charset="0"/>
+                                          <a:ea typeface="Times New Roman" panose="02020603050405020304" pitchFamily="18" charset="0"/>
+                                          <a:cs typeface="Times New Roman" panose="02020603050405020304" pitchFamily="18" charset="0"/>
+                                        </a:rPr>
+                                        <m:t>𝐹</m:t>
+                                      </m:r>
+                                    </m:sub>
+                                  </m:sSub>
+                                </m:den>
+                              </m:f>
+                            </m:e>
+                          </m:d>
+                          <m:r>
+                            <a:rPr lang="es-ES" sz="1000" i="1">
+                              <a:latin typeface="Cambria Math" panose="02040503050406030204" pitchFamily="18" charset="0"/>
+                              <a:ea typeface="Times New Roman" panose="02020603050405020304" pitchFamily="18" charset="0"/>
+                              <a:cs typeface="Times New Roman" panose="02020603050405020304" pitchFamily="18" charset="0"/>
+                            </a:rPr>
+                            <m:t>+</m:t>
+                          </m:r>
+                          <m:r>
+                            <a:rPr lang="es-ES" sz="1000" i="1" smtClean="0">
                               <a:solidFill>
-                                <a:srgbClr val="C00000"/>
+                                <a:schemeClr val="accent3">
+                                  <a:lumMod val="75000"/>
+                                </a:schemeClr>
                               </a:solidFill>
                               <a:latin typeface="Cambria Math" panose="02040503050406030204" pitchFamily="18" charset="0"/>
-                            </a:rPr>
-                            <m:t>⋅</m:t>
-                          </m:r>
-                          <m:r>
-                            <a:rPr lang="en-GB" sz="1200" i="1">
+                              <a:ea typeface="Cambria Math" panose="02040503050406030204" pitchFamily="18" charset="0"/>
+                            </a:rPr>
+                            <m:t>𝛿</m:t>
+                          </m:r>
+                          <m:r>
+                            <a:rPr lang="es-ES" sz="1000" i="1" smtClean="0">
                               <a:solidFill>
-                                <a:srgbClr val="C00000"/>
+                                <a:schemeClr val="accent3">
+                                  <a:lumMod val="75000"/>
+                                </a:schemeClr>
                               </a:solidFill>
                               <a:latin typeface="Cambria Math" panose="02040503050406030204" pitchFamily="18" charset="0"/>
-                            </a:rPr>
-                            <m:t>𝐼</m:t>
-                          </m:r>
+                              <a:ea typeface="Cambria Math" panose="02040503050406030204" pitchFamily="18" charset="0"/>
+                            </a:rPr>
+                            <m:t>𝐾</m:t>
+                          </m:r>
+                          <m:r>
+                            <a:rPr lang="es-ES" sz="1000" i="1" smtClean="0">
+                              <a:solidFill>
+                                <a:schemeClr val="accent3">
+                                  <a:lumMod val="75000"/>
+                                </a:schemeClr>
+                              </a:solidFill>
+                              <a:latin typeface="Cambria Math" panose="02040503050406030204" pitchFamily="18" charset="0"/>
+                              <a:ea typeface="Cambria Math" panose="02040503050406030204" pitchFamily="18" charset="0"/>
+                            </a:rPr>
+                            <m:t>.</m:t>
+                          </m:r>
+                          <m:d>
+                            <m:dPr>
+                              <m:ctrlPr>
+                                <a:rPr lang="es-ES" sz="1000" i="1">
+                                  <a:solidFill>
+                                    <a:schemeClr val="accent3">
+                                      <a:lumMod val="75000"/>
+                                    </a:schemeClr>
+                                  </a:solidFill>
+                                  <a:latin typeface="Cambria Math" panose="02040503050406030204" pitchFamily="18" charset="0"/>
+                                  <a:ea typeface="Times New Roman" panose="02020603050405020304" pitchFamily="18" charset="0"/>
+                                  <a:cs typeface="Times New Roman" panose="02020603050405020304" pitchFamily="18" charset="0"/>
+                                </a:rPr>
+                              </m:ctrlPr>
+                            </m:dPr>
+                            <m:e>
+                              <m:f>
+                                <m:fPr>
+                                  <m:ctrlPr>
+                                    <a:rPr lang="es-CO" sz="1000" i="1">
+                                      <a:solidFill>
+                                        <a:schemeClr val="accent3">
+                                          <a:lumMod val="75000"/>
+                                        </a:schemeClr>
+                                      </a:solidFill>
+                                      <a:latin typeface="Cambria Math" panose="02040503050406030204" pitchFamily="18" charset="0"/>
+                                      <a:ea typeface="Times New Roman" panose="02020603050405020304" pitchFamily="18" charset="0"/>
+                                      <a:cs typeface="Times New Roman" panose="02020603050405020304" pitchFamily="18" charset="0"/>
+                                    </a:rPr>
+                                  </m:ctrlPr>
+                                </m:fPr>
+                                <m:num>
+                                  <m:r>
+                                    <a:rPr lang="en-GB" sz="1000" i="1">
+                                      <a:solidFill>
+                                        <a:schemeClr val="accent3">
+                                          <a:lumMod val="75000"/>
+                                        </a:schemeClr>
+                                      </a:solidFill>
+                                      <a:latin typeface="Cambria Math" panose="02040503050406030204" pitchFamily="18" charset="0"/>
+                                      <a:ea typeface="Times New Roman" panose="02020603050405020304" pitchFamily="18" charset="0"/>
+                                      <a:cs typeface="Times New Roman" panose="02020603050405020304" pitchFamily="18" charset="0"/>
+                                    </a:rPr>
+                                    <m:t>𝐸</m:t>
+                                  </m:r>
+                                  <m:sSubSup>
+                                    <m:sSubSupPr>
+                                      <m:ctrlPr>
+                                        <a:rPr lang="es-CO" sz="1000" i="1">
+                                          <a:solidFill>
+                                            <a:schemeClr val="accent3">
+                                              <a:lumMod val="75000"/>
+                                            </a:schemeClr>
+                                          </a:solidFill>
+                                          <a:latin typeface="Cambria Math" panose="02040503050406030204" pitchFamily="18" charset="0"/>
+                                          <a:ea typeface="Times New Roman" panose="02020603050405020304" pitchFamily="18" charset="0"/>
+                                          <a:cs typeface="Times New Roman" panose="02020603050405020304" pitchFamily="18" charset="0"/>
+                                        </a:rPr>
+                                      </m:ctrlPr>
+                                    </m:sSubSupPr>
+                                    <m:e>
+                                      <m:r>
+                                        <a:rPr lang="en-GB" sz="1000" i="1">
+                                          <a:solidFill>
+                                            <a:schemeClr val="accent3">
+                                              <a:lumMod val="75000"/>
+                                            </a:schemeClr>
+                                          </a:solidFill>
+                                          <a:latin typeface="Cambria Math" panose="02040503050406030204" pitchFamily="18" charset="0"/>
+                                          <a:ea typeface="Times New Roman" panose="02020603050405020304" pitchFamily="18" charset="0"/>
+                                          <a:cs typeface="Times New Roman" panose="02020603050405020304" pitchFamily="18" charset="0"/>
+                                        </a:rPr>
+                                        <m:t>𝑄</m:t>
+                                      </m:r>
+                                    </m:e>
+                                    <m:sub>
+                                      <m:r>
+                                        <a:rPr lang="en-GB" sz="1000" i="1">
+                                          <a:solidFill>
+                                            <a:schemeClr val="accent3">
+                                              <a:lumMod val="75000"/>
+                                            </a:schemeClr>
+                                          </a:solidFill>
+                                          <a:latin typeface="Cambria Math" panose="02040503050406030204" pitchFamily="18" charset="0"/>
+                                          <a:ea typeface="Times New Roman" panose="02020603050405020304" pitchFamily="18" charset="0"/>
+                                          <a:cs typeface="Times New Roman" panose="02020603050405020304" pitchFamily="18" charset="0"/>
+                                        </a:rPr>
+                                        <m:t>𝐹</m:t>
+                                      </m:r>
+                                    </m:sub>
+                                    <m:sup>
+                                      <m:r>
+                                        <a:rPr lang="es-ES" sz="1000" i="1">
+                                          <a:solidFill>
+                                            <a:schemeClr val="accent3">
+                                              <a:lumMod val="75000"/>
+                                            </a:schemeClr>
+                                          </a:solidFill>
+                                          <a:latin typeface="Cambria Math" panose="02040503050406030204" pitchFamily="18" charset="0"/>
+                                          <a:ea typeface="Times New Roman" panose="02020603050405020304" pitchFamily="18" charset="0"/>
+                                          <a:cs typeface="Times New Roman" panose="02020603050405020304" pitchFamily="18" charset="0"/>
+                                        </a:rPr>
+                                        <m:t>𝑅𝑜𝑊</m:t>
+                                      </m:r>
+                                    </m:sup>
+                                  </m:sSubSup>
+                                </m:num>
+                                <m:den>
+                                  <m:r>
+                                    <a:rPr lang="en-GB" sz="1000" i="1">
+                                      <a:solidFill>
+                                        <a:schemeClr val="accent3">
+                                          <a:lumMod val="75000"/>
+                                        </a:schemeClr>
+                                      </a:solidFill>
+                                      <a:latin typeface="Cambria Math" panose="02040503050406030204" pitchFamily="18" charset="0"/>
+                                      <a:ea typeface="Times New Roman" panose="02020603050405020304" pitchFamily="18" charset="0"/>
+                                      <a:cs typeface="Times New Roman" panose="02020603050405020304" pitchFamily="18" charset="0"/>
+                                    </a:rPr>
+                                    <m:t>𝐸</m:t>
+                                  </m:r>
+                                  <m:sSub>
+                                    <m:sSubPr>
+                                      <m:ctrlPr>
+                                        <a:rPr lang="es-CO" sz="1000" i="1">
+                                          <a:solidFill>
+                                            <a:schemeClr val="accent3">
+                                              <a:lumMod val="75000"/>
+                                            </a:schemeClr>
+                                          </a:solidFill>
+                                          <a:latin typeface="Cambria Math" panose="02040503050406030204" pitchFamily="18" charset="0"/>
+                                          <a:ea typeface="Times New Roman" panose="02020603050405020304" pitchFamily="18" charset="0"/>
+                                          <a:cs typeface="Times New Roman" panose="02020603050405020304" pitchFamily="18" charset="0"/>
+                                        </a:rPr>
+                                      </m:ctrlPr>
+                                    </m:sSubPr>
+                                    <m:e>
+                                      <m:r>
+                                        <a:rPr lang="en-GB" sz="1000" i="1">
+                                          <a:solidFill>
+                                            <a:schemeClr val="accent3">
+                                              <a:lumMod val="75000"/>
+                                            </a:schemeClr>
+                                          </a:solidFill>
+                                          <a:latin typeface="Cambria Math" panose="02040503050406030204" pitchFamily="18" charset="0"/>
+                                          <a:ea typeface="Times New Roman" panose="02020603050405020304" pitchFamily="18" charset="0"/>
+                                          <a:cs typeface="Times New Roman" panose="02020603050405020304" pitchFamily="18" charset="0"/>
+                                        </a:rPr>
+                                        <m:t>𝑄</m:t>
+                                      </m:r>
+                                    </m:e>
+                                    <m:sub>
+                                      <m:r>
+                                        <a:rPr lang="en-GB" sz="1000" i="1">
+                                          <a:solidFill>
+                                            <a:schemeClr val="accent3">
+                                              <a:lumMod val="75000"/>
+                                            </a:schemeClr>
+                                          </a:solidFill>
+                                          <a:latin typeface="Cambria Math" panose="02040503050406030204" pitchFamily="18" charset="0"/>
+                                          <a:ea typeface="Times New Roman" panose="02020603050405020304" pitchFamily="18" charset="0"/>
+                                          <a:cs typeface="Times New Roman" panose="02020603050405020304" pitchFamily="18" charset="0"/>
+                                        </a:rPr>
+                                        <m:t>𝐹</m:t>
+                                      </m:r>
+                                    </m:sub>
+                                  </m:sSub>
+                                </m:den>
+                              </m:f>
+                            </m:e>
+                          </m:d>
                         </m:e>
-                        <m:sup>
-                          <m:r>
-                            <a:rPr lang="en-GB" sz="1200" i="1">
-                              <a:solidFill>
-                                <a:srgbClr val="C00000"/>
-                              </a:solidFill>
-                              <a:latin typeface="Cambria Math" panose="02040503050406030204" pitchFamily="18" charset="0"/>
-                            </a:rPr>
-                            <m:t>𝐾</m:t>
-                          </m:r>
-                        </m:sup>
-                      </m:sSup>
+                      </m:d>
                       <m:r>
-                        <a:rPr lang="en-GB" sz="1200" i="1">
+                        <a:rPr lang="en-GB" sz="1000" i="1">
                           <a:solidFill>
                             <a:srgbClr val="C00000"/>
                           </a:solidFill>
@@ -5673,7 +6820,7 @@
                         <m:t>−</m:t>
                       </m:r>
                       <m:r>
-                        <a:rPr lang="en-GB" sz="1200" i="1">
+                        <a:rPr lang="en-GB" sz="1000" i="1">
                           <a:solidFill>
                             <a:srgbClr val="C00000"/>
                           </a:solidFill>
@@ -5684,7 +6831,7 @@
                       <m:sSub>
                         <m:sSubPr>
                           <m:ctrlPr>
-                            <a:rPr lang="es-CO" sz="1200" i="1">
+                            <a:rPr lang="es-CO" sz="1000" i="1">
                               <a:solidFill>
                                 <a:srgbClr val="C00000"/>
                               </a:solidFill>
@@ -5694,7 +6841,7 @@
                         </m:sSubPr>
                         <m:e>
                           <m:r>
-                            <a:rPr lang="en-GB" sz="1200" i="1">
+                            <a:rPr lang="en-GB" sz="1000" i="1">
                               <a:solidFill>
                                 <a:srgbClr val="C00000"/>
                               </a:solidFill>
@@ -5705,7 +6852,7 @@
                         </m:e>
                         <m:sub>
                           <m:r>
-                            <a:rPr lang="en-GB" sz="1200" i="1">
+                            <a:rPr lang="en-GB" sz="1000" i="1">
                               <a:solidFill>
                                 <a:srgbClr val="C00000"/>
                               </a:solidFill>
@@ -5716,7 +6863,7 @@
                         </m:sub>
                       </m:sSub>
                       <m:r>
-                        <a:rPr lang="en-GB" sz="1200" i="1">
+                        <a:rPr lang="en-GB" sz="1000" i="1">
                           <a:solidFill>
                             <a:schemeClr val="accent3">
                               <a:lumMod val="50000"/>
@@ -5727,7 +6874,7 @@
                         <m:t>−</m:t>
                       </m:r>
                       <m:r>
-                        <a:rPr lang="en-GB" sz="1200" i="1" smtClean="0">
+                        <a:rPr lang="en-GB" sz="1000" i="1" smtClean="0">
                           <a:solidFill>
                             <a:schemeClr val="accent3">
                               <a:lumMod val="75000"/>
@@ -5740,7 +6887,7 @@
                       <m:sSup>
                         <m:sSupPr>
                           <m:ctrlPr>
-                            <a:rPr lang="es-CO" sz="1200" i="1">
+                            <a:rPr lang="es-CO" sz="1000" i="1">
                               <a:solidFill>
                                 <a:schemeClr val="accent3">
                                   <a:lumMod val="75000"/>
@@ -5752,7 +6899,7 @@
                         </m:sSupPr>
                         <m:e>
                           <m:r>
-                            <a:rPr lang="en-GB" sz="1200" i="1">
+                            <a:rPr lang="en-GB" sz="1000" i="1">
                               <a:solidFill>
                                 <a:schemeClr val="accent3">
                                   <a:lumMod val="75000"/>
@@ -5765,7 +6912,7 @@
                         </m:e>
                         <m:sup>
                           <m:r>
-                            <a:rPr lang="en-GB" sz="1200" i="1">
+                            <a:rPr lang="en-GB" sz="1000" i="1">
                               <a:solidFill>
                                 <a:schemeClr val="accent3">
                                   <a:lumMod val="75000"/>
@@ -5778,7 +6925,7 @@
                         </m:sup>
                       </m:sSup>
                       <m:r>
-                        <a:rPr lang="en-GB" sz="1200" i="1">
+                        <a:rPr lang="en-GB" sz="1000" i="1">
                           <a:solidFill>
                             <a:schemeClr val="accent3">
                               <a:lumMod val="75000"/>
@@ -5791,7 +6938,7 @@
                       <m:sSup>
                         <m:sSupPr>
                           <m:ctrlPr>
-                            <a:rPr lang="es-CO" sz="1200" i="1">
+                            <a:rPr lang="es-CO" sz="1000" i="1">
                               <a:solidFill>
                                 <a:schemeClr val="accent3">
                                   <a:lumMod val="75000"/>
@@ -5803,7 +6950,7 @@
                         </m:sSupPr>
                         <m:e>
                           <m:r>
-                            <a:rPr lang="en-GB" sz="1200" i="1">
+                            <a:rPr lang="en-GB" sz="1000" i="1">
                               <a:solidFill>
                                 <a:schemeClr val="accent3">
                                   <a:lumMod val="75000"/>
@@ -5816,7 +6963,7 @@
                         </m:e>
                         <m:sup>
                           <m:r>
-                            <a:rPr lang="en-GB" sz="1200" i="1">
+                            <a:rPr lang="en-GB" sz="1000" i="1">
                               <a:solidFill>
                                 <a:schemeClr val="accent3">
                                   <a:lumMod val="75000"/>
@@ -5829,7 +6976,7 @@
                         </m:sup>
                       </m:sSup>
                       <m:r>
-                        <a:rPr lang="en-GB" sz="1200" i="1">
+                        <a:rPr lang="en-GB" sz="1000" i="1">
                           <a:solidFill>
                             <a:schemeClr val="accent3">
                               <a:lumMod val="75000"/>
@@ -5842,7 +6989,7 @@
                       <m:sSub>
                         <m:sSubPr>
                           <m:ctrlPr>
-                            <a:rPr lang="es-CO" sz="1200" i="1">
+                            <a:rPr lang="es-CO" sz="1000" i="1">
                               <a:solidFill>
                                 <a:schemeClr val="accent3">
                                   <a:lumMod val="75000"/>
@@ -5854,7 +7001,7 @@
                         </m:sSubPr>
                         <m:e>
                           <m:r>
-                            <a:rPr lang="en-GB" sz="1200" i="1">
+                            <a:rPr lang="en-GB" sz="1000" i="1">
                               <a:solidFill>
                                 <a:schemeClr val="accent3">
                                   <a:lumMod val="75000"/>
@@ -5867,7 +7014,7 @@
                         </m:e>
                         <m:sub>
                           <m:r>
-                            <a:rPr lang="en-GB" sz="1200" i="1">
+                            <a:rPr lang="en-GB" sz="1000" i="1">
                               <a:solidFill>
                                 <a:schemeClr val="accent3">
                                   <a:lumMod val="75000"/>
@@ -5880,7 +7027,7 @@
                         </m:sub>
                       </m:sSub>
                       <m:r>
-                        <a:rPr lang="en-GB" sz="1200" i="1">
+                        <a:rPr lang="en-GB" sz="1000" i="1">
                           <a:solidFill>
                             <a:schemeClr val="accent3">
                               <a:lumMod val="75000"/>
@@ -5891,7 +7038,7 @@
                         <m:t>⋅</m:t>
                       </m:r>
                       <m:r>
-                        <a:rPr lang="en-GB" sz="1200" i="1">
+                        <a:rPr lang="en-GB" sz="1000" i="1">
                           <a:solidFill>
                             <a:schemeClr val="accent3">
                               <a:lumMod val="75000"/>
@@ -5904,7 +7051,7 @@
                       <m:sSup>
                         <m:sSupPr>
                           <m:ctrlPr>
-                            <a:rPr lang="es-CO" sz="1200" i="1">
+                            <a:rPr lang="es-CO" sz="1000" i="1">
                               <a:solidFill>
                                 <a:schemeClr val="accent3">
                                   <a:lumMod val="75000"/>
@@ -5916,7 +7063,7 @@
                         </m:sSupPr>
                         <m:e>
                           <m:r>
-                            <a:rPr lang="en-GB" sz="1200" i="1">
+                            <a:rPr lang="en-GB" sz="1000" i="1">
                               <a:solidFill>
                                 <a:schemeClr val="accent3">
                                   <a:lumMod val="75000"/>
@@ -5929,7 +7076,7 @@
                         </m:e>
                         <m:sup>
                           <m:r>
-                            <a:rPr lang="en-GB" sz="1200" i="1">
+                            <a:rPr lang="en-GB" sz="1000" i="1">
                               <a:solidFill>
                                 <a:schemeClr val="accent3">
                                   <a:lumMod val="75000"/>
@@ -5942,7 +7089,7 @@
                         </m:sup>
                       </m:sSup>
                       <m:r>
-                        <a:rPr lang="en-GB" sz="1200" i="1">
+                        <a:rPr lang="en-GB" sz="1000" i="1">
                           <a:solidFill>
                             <a:schemeClr val="accent3">
                               <a:lumMod val="75000"/>
@@ -5955,7 +7102,7 @@
                       <m:sSup>
                         <m:sSupPr>
                           <m:ctrlPr>
-                            <a:rPr lang="es-CO" sz="1200" i="1">
+                            <a:rPr lang="es-CO" sz="1000" i="1">
                               <a:solidFill>
                                 <a:schemeClr val="accent3">
                                   <a:lumMod val="75000"/>
@@ -5967,7 +7114,7 @@
                         </m:sSupPr>
                         <m:e>
                           <m:r>
-                            <a:rPr lang="en-GB" sz="1200" i="1">
+                            <a:rPr lang="en-GB" sz="1000" i="1">
                               <a:solidFill>
                                 <a:schemeClr val="accent3">
                                   <a:lumMod val="75000"/>
@@ -5980,7 +7127,7 @@
                         </m:e>
                         <m:sup>
                           <m:r>
-                            <a:rPr lang="en-GB" sz="1200" i="1">
+                            <a:rPr lang="en-GB" sz="1000" i="1">
                               <a:solidFill>
                                 <a:schemeClr val="accent3">
                                   <a:lumMod val="75000"/>
@@ -5993,7 +7140,7 @@
                         </m:sup>
                       </m:sSup>
                       <m:r>
-                        <a:rPr lang="es-ES" sz="1200" i="1">
+                        <a:rPr lang="es-ES" sz="1000" i="1">
                           <a:solidFill>
                             <a:schemeClr val="accent3">
                               <a:lumMod val="75000"/>
@@ -6003,23 +7150,10 @@
                         </a:rPr>
                         <m:t>−</m:t>
                       </m:r>
-                      <m:r>
-                        <a:rPr lang="es-CO" sz="1200" b="0" i="1" smtClean="0">
-                          <a:solidFill>
-                            <a:schemeClr val="accent3">
-                              <a:lumMod val="75000"/>
-                            </a:schemeClr>
-                          </a:solidFill>
-                          <a:latin typeface="Cambria Math" panose="02040503050406030204" pitchFamily="18" charset="0"/>
-                          <a:ea typeface="Times New Roman" panose="02020603050405020304" pitchFamily="18" charset="0"/>
-                          <a:cs typeface="Times New Roman" panose="02020603050405020304" pitchFamily="18" charset="0"/>
-                        </a:rPr>
-                        <m:t> </m:t>
-                      </m:r>
                       <m:d>
                         <m:dPr>
                           <m:ctrlPr>
-                            <a:rPr lang="es-CO" sz="1200" i="1">
+                            <a:rPr lang="es-ES" sz="1000" i="1">
                               <a:solidFill>
                                 <a:schemeClr val="accent3">
                                   <a:lumMod val="75000"/>
@@ -6032,90 +7166,163 @@
                           </m:ctrlPr>
                         </m:dPr>
                         <m:e>
-                          <m:r>
-                            <a:rPr lang="es-CO" sz="1200" i="1">
-                              <a:solidFill>
-                                <a:schemeClr val="accent3">
-                                  <a:lumMod val="75000"/>
-                                </a:schemeClr>
-                              </a:solidFill>
-                              <a:latin typeface="Cambria Math" panose="02040503050406030204" pitchFamily="18" charset="0"/>
-                              <a:ea typeface="Times New Roman" panose="02020603050405020304" pitchFamily="18" charset="0"/>
-                              <a:cs typeface="Times New Roman" panose="02020603050405020304" pitchFamily="18" charset="0"/>
-                            </a:rPr>
-                            <m:t>1−</m:t>
-                          </m:r>
-                          <m:sSub>
-                            <m:sSubPr>
+                          <m:f>
+                            <m:fPr>
                               <m:ctrlPr>
-                                <a:rPr lang="es-CO" sz="1200" i="1">
+                                <a:rPr lang="es-CO" sz="1000" i="1">
                                   <a:solidFill>
                                     <a:schemeClr val="accent3">
                                       <a:lumMod val="75000"/>
                                     </a:schemeClr>
                                   </a:solidFill>
                                   <a:latin typeface="Cambria Math" panose="02040503050406030204" pitchFamily="18" charset="0"/>
-                                  <a:ea typeface="Cambria Math" panose="02040503050406030204" pitchFamily="18" charset="0"/>
+                                  <a:ea typeface="Times New Roman" panose="02020603050405020304" pitchFamily="18" charset="0"/>
+                                  <a:cs typeface="Times New Roman" panose="02020603050405020304" pitchFamily="18" charset="0"/>
                                 </a:rPr>
                               </m:ctrlPr>
-                            </m:sSubPr>
-                            <m:e>
+                            </m:fPr>
+                            <m:num>
                               <m:r>
-                                <a:rPr lang="es-CO" sz="1200" i="1">
+                                <a:rPr lang="en-GB" sz="1000" i="1">
                                   <a:solidFill>
                                     <a:schemeClr val="accent3">
                                       <a:lumMod val="75000"/>
                                     </a:schemeClr>
                                   </a:solidFill>
                                   <a:latin typeface="Cambria Math" panose="02040503050406030204" pitchFamily="18" charset="0"/>
-                                  <a:ea typeface="Cambria Math" panose="02040503050406030204" pitchFamily="18" charset="0"/>
-                                </a:rPr>
-                                <m:t>𝜑</m:t>
+                                  <a:ea typeface="Times New Roman" panose="02020603050405020304" pitchFamily="18" charset="0"/>
+                                  <a:cs typeface="Times New Roman" panose="02020603050405020304" pitchFamily="18" charset="0"/>
+                                </a:rPr>
+                                <m:t>𝐸</m:t>
                               </m:r>
-                            </m:e>
-                            <m:sub>
+                              <m:sSubSup>
+                                <m:sSubSupPr>
+                                  <m:ctrlPr>
+                                    <a:rPr lang="es-CO" sz="1000" i="1">
+                                      <a:solidFill>
+                                        <a:schemeClr val="accent3">
+                                          <a:lumMod val="75000"/>
+                                        </a:schemeClr>
+                                      </a:solidFill>
+                                      <a:latin typeface="Cambria Math" panose="02040503050406030204" pitchFamily="18" charset="0"/>
+                                      <a:ea typeface="Times New Roman" panose="02020603050405020304" pitchFamily="18" charset="0"/>
+                                      <a:cs typeface="Times New Roman" panose="02020603050405020304" pitchFamily="18" charset="0"/>
+                                    </a:rPr>
+                                  </m:ctrlPr>
+                                </m:sSubSupPr>
+                                <m:e>
+                                  <m:r>
+                                    <a:rPr lang="en-GB" sz="1000" i="1">
+                                      <a:solidFill>
+                                        <a:schemeClr val="accent3">
+                                          <a:lumMod val="75000"/>
+                                        </a:schemeClr>
+                                      </a:solidFill>
+                                      <a:latin typeface="Cambria Math" panose="02040503050406030204" pitchFamily="18" charset="0"/>
+                                      <a:ea typeface="Times New Roman" panose="02020603050405020304" pitchFamily="18" charset="0"/>
+                                      <a:cs typeface="Times New Roman" panose="02020603050405020304" pitchFamily="18" charset="0"/>
+                                    </a:rPr>
+                                    <m:t>𝑄</m:t>
+                                  </m:r>
+                                </m:e>
+                                <m:sub>
+                                  <m:r>
+                                    <a:rPr lang="en-GB" sz="1000" i="1">
+                                      <a:solidFill>
+                                        <a:schemeClr val="accent3">
+                                          <a:lumMod val="75000"/>
+                                        </a:schemeClr>
+                                      </a:solidFill>
+                                      <a:latin typeface="Cambria Math" panose="02040503050406030204" pitchFamily="18" charset="0"/>
+                                      <a:ea typeface="Times New Roman" panose="02020603050405020304" pitchFamily="18" charset="0"/>
+                                      <a:cs typeface="Times New Roman" panose="02020603050405020304" pitchFamily="18" charset="0"/>
+                                    </a:rPr>
+                                    <m:t>𝐹</m:t>
+                                  </m:r>
+                                </m:sub>
+                                <m:sup>
+                                  <m:r>
+                                    <a:rPr lang="es-ES" sz="1000" i="1">
+                                      <a:solidFill>
+                                        <a:schemeClr val="accent3">
+                                          <a:lumMod val="75000"/>
+                                        </a:schemeClr>
+                                      </a:solidFill>
+                                      <a:latin typeface="Cambria Math" panose="02040503050406030204" pitchFamily="18" charset="0"/>
+                                      <a:ea typeface="Times New Roman" panose="02020603050405020304" pitchFamily="18" charset="0"/>
+                                      <a:cs typeface="Times New Roman" panose="02020603050405020304" pitchFamily="18" charset="0"/>
+                                    </a:rPr>
+                                    <m:t>𝑅𝑜𝑊</m:t>
+                                  </m:r>
+                                </m:sup>
+                              </m:sSubSup>
+                            </m:num>
+                            <m:den>
                               <m:r>
-                                <a:rPr lang="es-CO" sz="1200" i="1">
+                                <a:rPr lang="en-GB" sz="1000" i="1">
                                   <a:solidFill>
                                     <a:schemeClr val="accent3">
                                       <a:lumMod val="75000"/>
                                     </a:schemeClr>
                                   </a:solidFill>
                                   <a:latin typeface="Cambria Math" panose="02040503050406030204" pitchFamily="18" charset="0"/>
-                                  <a:ea typeface="Cambria Math" panose="02040503050406030204" pitchFamily="18" charset="0"/>
-                                </a:rPr>
-                                <m:t>𝐹</m:t>
+                                  <a:ea typeface="Times New Roman" panose="02020603050405020304" pitchFamily="18" charset="0"/>
+                                  <a:cs typeface="Times New Roman" panose="02020603050405020304" pitchFamily="18" charset="0"/>
+                                </a:rPr>
+                                <m:t>𝐸</m:t>
                               </m:r>
-                              <m:r>
-                                <a:rPr lang="es-CO" sz="1200" i="1">
-                                  <a:solidFill>
-                                    <a:schemeClr val="accent3">
-                                      <a:lumMod val="75000"/>
-                                    </a:schemeClr>
-                                  </a:solidFill>
-                                  <a:latin typeface="Cambria Math" panose="02040503050406030204" pitchFamily="18" charset="0"/>
-                                  <a:ea typeface="Cambria Math" panose="02040503050406030204" pitchFamily="18" charset="0"/>
-                                </a:rPr>
-                                <m:t>,</m:t>
-                              </m:r>
-                              <m:r>
-                                <a:rPr lang="es-CO" sz="1200" i="1">
-                                  <a:solidFill>
-                                    <a:schemeClr val="accent3">
-                                      <a:lumMod val="75000"/>
-                                    </a:schemeClr>
-                                  </a:solidFill>
-                                  <a:latin typeface="Cambria Math" panose="02040503050406030204" pitchFamily="18" charset="0"/>
-                                  <a:ea typeface="Cambria Math" panose="02040503050406030204" pitchFamily="18" charset="0"/>
-                                </a:rPr>
-                                <m:t>𝐻</m:t>
-                              </m:r>
-                            </m:sub>
-                          </m:sSub>
+                              <m:sSub>
+                                <m:sSubPr>
+                                  <m:ctrlPr>
+                                    <a:rPr lang="es-CO" sz="1000" i="1">
+                                      <a:solidFill>
+                                        <a:schemeClr val="accent3">
+                                          <a:lumMod val="75000"/>
+                                        </a:schemeClr>
+                                      </a:solidFill>
+                                      <a:latin typeface="Cambria Math" panose="02040503050406030204" pitchFamily="18" charset="0"/>
+                                      <a:ea typeface="Times New Roman" panose="02020603050405020304" pitchFamily="18" charset="0"/>
+                                      <a:cs typeface="Times New Roman" panose="02020603050405020304" pitchFamily="18" charset="0"/>
+                                    </a:rPr>
+                                  </m:ctrlPr>
+                                </m:sSubPr>
+                                <m:e>
+                                  <m:r>
+                                    <a:rPr lang="en-GB" sz="1000" i="1">
+                                      <a:solidFill>
+                                        <a:schemeClr val="accent3">
+                                          <a:lumMod val="75000"/>
+                                        </a:schemeClr>
+                                      </a:solidFill>
+                                      <a:latin typeface="Cambria Math" panose="02040503050406030204" pitchFamily="18" charset="0"/>
+                                      <a:ea typeface="Times New Roman" panose="02020603050405020304" pitchFamily="18" charset="0"/>
+                                      <a:cs typeface="Times New Roman" panose="02020603050405020304" pitchFamily="18" charset="0"/>
+                                    </a:rPr>
+                                    <m:t>𝑄</m:t>
+                                  </m:r>
+                                </m:e>
+                                <m:sub>
+                                  <m:r>
+                                    <a:rPr lang="en-GB" sz="1000" i="1">
+                                      <a:solidFill>
+                                        <a:schemeClr val="accent3">
+                                          <a:lumMod val="75000"/>
+                                        </a:schemeClr>
+                                      </a:solidFill>
+                                      <a:latin typeface="Cambria Math" panose="02040503050406030204" pitchFamily="18" charset="0"/>
+                                      <a:ea typeface="Times New Roman" panose="02020603050405020304" pitchFamily="18" charset="0"/>
+                                      <a:cs typeface="Times New Roman" panose="02020603050405020304" pitchFamily="18" charset="0"/>
+                                    </a:rPr>
+                                    <m:t>𝐹</m:t>
+                                  </m:r>
+                                </m:sub>
+                              </m:sSub>
+                            </m:den>
+                          </m:f>
                         </m:e>
                       </m:d>
                       <m:r>
-                        <a:rPr lang="en-GB" sz="1200" i="1">
+                        <a:rPr lang="en-GB" sz="1000" i="1">
                           <a:solidFill>
                             <a:schemeClr val="accent3">
                               <a:lumMod val="75000"/>
@@ -6126,7 +7333,7 @@
                         <m:t>⋅</m:t>
                       </m:r>
                       <m:r>
-                        <a:rPr lang="en-GB" sz="1200" i="1">
+                        <a:rPr lang="en-GB" sz="1000" i="1">
                           <a:solidFill>
                             <a:schemeClr val="accent3">
                               <a:lumMod val="75000"/>
@@ -6139,7 +7346,7 @@
                       <m:sSub>
                         <m:sSubPr>
                           <m:ctrlPr>
-                            <a:rPr lang="es-CO" sz="1200" i="1">
+                            <a:rPr lang="es-CO" sz="1000" i="1">
                               <a:solidFill>
                                 <a:schemeClr val="accent3">
                                   <a:lumMod val="75000"/>
@@ -6151,7 +7358,7 @@
                         </m:sSubPr>
                         <m:e>
                           <m:r>
-                            <a:rPr lang="en-GB" sz="1200" i="1">
+                            <a:rPr lang="en-GB" sz="1000" i="1">
                               <a:solidFill>
                                 <a:schemeClr val="accent3">
                                   <a:lumMod val="75000"/>
@@ -6164,7 +7371,7 @@
                         </m:e>
                         <m:sub>
                           <m:r>
-                            <a:rPr lang="en-GB" sz="1200" i="1">
+                            <a:rPr lang="en-GB" sz="1000" i="1">
                               <a:solidFill>
                                 <a:schemeClr val="accent3">
                                   <a:lumMod val="75000"/>
@@ -6179,13 +7386,13 @@
                     </m:oMath>
                   </m:oMathPara>
                 </a14:m>
-                <a:endParaRPr lang="es-ES_tradnl" sz="1200" dirty="0"/>
+                <a:endParaRPr lang="es-ES_tradnl" sz="1000" dirty="0"/>
               </a:p>
               <a:p>
                 <a:pPr marL="0" indent="0">
                   <a:buNone/>
                 </a:pPr>
-                <a:endParaRPr lang="es-ES_tradnl" sz="1200" dirty="0"/>
+                <a:endParaRPr lang="es-ES_tradnl" sz="1000" dirty="0"/>
               </a:p>
               <a:p>
                 <a:pPr marL="0" indent="0">
@@ -6197,145 +7404,248 @@
                       <m:jc m:val="centerGroup"/>
                     </m:oMathParaPr>
                     <m:oMath xmlns:m="http://schemas.openxmlformats.org/officeDocument/2006/math">
-                      <m:sSub>
-                        <m:sSubPr>
+                      <m:d>
+                        <m:dPr>
                           <m:ctrlPr>
-                            <a:rPr lang="es-CO" sz="1200" i="1">
+                            <a:rPr lang="es-ES" sz="1000" b="0" i="1" smtClean="0">
+                              <a:latin typeface="Cambria Math" panose="02040503050406030204" pitchFamily="18" charset="0"/>
+                            </a:rPr>
+                          </m:ctrlPr>
+                        </m:dPr>
+                        <m:e>
+                          <m:r>
+                            <a:rPr lang="en-GB" sz="1000" i="1">
+                              <a:latin typeface="Cambria Math" panose="02040503050406030204" pitchFamily="18" charset="0"/>
+                            </a:rPr>
+                            <m:t>𝑅</m:t>
+                          </m:r>
+                          <m:sSub>
+                            <m:sSubPr>
+                              <m:ctrlPr>
+                                <a:rPr lang="es-CO" sz="1000" i="1">
+                                  <a:latin typeface="Cambria Math" panose="02040503050406030204" pitchFamily="18" charset="0"/>
+                                </a:rPr>
+                              </m:ctrlPr>
+                            </m:sSubPr>
+                            <m:e>
+                              <m:r>
+                                <a:rPr lang="en-GB" sz="1000" i="1">
+                                  <a:latin typeface="Cambria Math" panose="02040503050406030204" pitchFamily="18" charset="0"/>
+                                </a:rPr>
+                                <m:t>𝐸</m:t>
+                              </m:r>
+                            </m:e>
+                            <m:sub>
+                              <m:r>
+                                <a:rPr lang="en-GB" sz="1000" i="1">
+                                  <a:latin typeface="Cambria Math" panose="02040503050406030204" pitchFamily="18" charset="0"/>
+                                </a:rPr>
+                                <m:t>𝐹</m:t>
+                              </m:r>
+                            </m:sub>
+                          </m:sSub>
+                          <m:r>
+                            <a:rPr lang="en-GB" sz="1000" i="1">
+                              <a:latin typeface="Cambria Math" panose="02040503050406030204" pitchFamily="18" charset="0"/>
+                            </a:rPr>
+                            <m:t> </m:t>
+                          </m:r>
+                          <m:r>
+                            <m:rPr>
+                              <m:nor/>
+                            </m:rPr>
+                            <a:rPr lang="es-ES" sz="1000" dirty="0">
+                              <a:ea typeface="Times New Roman" panose="02020603050405020304" pitchFamily="18" charset="0"/>
+                              <a:cs typeface="Times New Roman" panose="02020603050405020304" pitchFamily="18" charset="0"/>
+                            </a:rPr>
+                            <m:t>-</m:t>
+                          </m:r>
+                          <m:r>
+                            <a:rPr lang="es-ES" sz="1000" b="0" i="1" dirty="0" smtClean="0">
+                              <a:latin typeface="Cambria Math" panose="02040503050406030204" pitchFamily="18" charset="0"/>
+                              <a:ea typeface="Times New Roman" panose="02020603050405020304" pitchFamily="18" charset="0"/>
+                              <a:cs typeface="Times New Roman" panose="02020603050405020304" pitchFamily="18" charset="0"/>
+                            </a:rPr>
+                            <m:t> </m:t>
+                          </m:r>
+                          <m:r>
+                            <a:rPr lang="es-ES" sz="1000" i="1">
                               <a:latin typeface="Cambria Math" panose="02040503050406030204" pitchFamily="18" charset="0"/>
                               <a:ea typeface="Cambria Math" panose="02040503050406030204" pitchFamily="18" charset="0"/>
                             </a:rPr>
+                            <m:t>𝛿</m:t>
+                          </m:r>
+                          <m:r>
+                            <a:rPr lang="es-ES" sz="1000" i="1">
+                              <a:latin typeface="Cambria Math" panose="02040503050406030204" pitchFamily="18" charset="0"/>
+                              <a:ea typeface="Cambria Math" panose="02040503050406030204" pitchFamily="18" charset="0"/>
+                            </a:rPr>
+                            <m:t>𝐾</m:t>
+                          </m:r>
+                          <m:r>
+                            <a:rPr lang="es-ES" sz="1000" i="1">
+                              <a:latin typeface="Cambria Math" panose="02040503050406030204" pitchFamily="18" charset="0"/>
+                              <a:ea typeface="Cambria Math" panose="02040503050406030204" pitchFamily="18" charset="0"/>
+                            </a:rPr>
+                            <m:t> </m:t>
+                          </m:r>
+                        </m:e>
+                      </m:d>
+                      <m:r>
+                        <a:rPr lang="es-ES" sz="1000" b="0" i="1" smtClean="0">
+                          <a:latin typeface="Cambria Math" panose="02040503050406030204" pitchFamily="18" charset="0"/>
+                          <a:ea typeface="Cambria Math" panose="02040503050406030204" pitchFamily="18" charset="0"/>
+                        </a:rPr>
+                        <m:t>.</m:t>
+                      </m:r>
+                      <m:d>
+                        <m:dPr>
+                          <m:ctrlPr>
+                            <a:rPr lang="es-ES" sz="1000" i="1">
+                              <a:latin typeface="Cambria Math" panose="02040503050406030204" pitchFamily="18" charset="0"/>
+                              <a:ea typeface="Times New Roman" panose="02020603050405020304" pitchFamily="18" charset="0"/>
+                              <a:cs typeface="Times New Roman" panose="02020603050405020304" pitchFamily="18" charset="0"/>
+                            </a:rPr>
                           </m:ctrlPr>
-                        </m:sSubPr>
+                        </m:dPr>
                         <m:e>
-                          <m:r>
-                            <a:rPr lang="es-CO" sz="1200" i="1">
-                              <a:latin typeface="Cambria Math" panose="02040503050406030204" pitchFamily="18" charset="0"/>
-                              <a:ea typeface="Cambria Math" panose="02040503050406030204" pitchFamily="18" charset="0"/>
-                            </a:rPr>
-                            <m:t>𝜑</m:t>
-                          </m:r>
+                          <m:f>
+                            <m:fPr>
+                              <m:ctrlPr>
+                                <a:rPr lang="es-CO" sz="1000" i="1">
+                                  <a:latin typeface="Cambria Math" panose="02040503050406030204" pitchFamily="18" charset="0"/>
+                                  <a:ea typeface="Times New Roman" panose="02020603050405020304" pitchFamily="18" charset="0"/>
+                                  <a:cs typeface="Times New Roman" panose="02020603050405020304" pitchFamily="18" charset="0"/>
+                                </a:rPr>
+                              </m:ctrlPr>
+                            </m:fPr>
+                            <m:num>
+                              <m:r>
+                                <a:rPr lang="en-GB" sz="1000" i="1">
+                                  <a:latin typeface="Cambria Math" panose="02040503050406030204" pitchFamily="18" charset="0"/>
+                                  <a:ea typeface="Times New Roman" panose="02020603050405020304" pitchFamily="18" charset="0"/>
+                                  <a:cs typeface="Times New Roman" panose="02020603050405020304" pitchFamily="18" charset="0"/>
+                                </a:rPr>
+                                <m:t>𝐸</m:t>
+                              </m:r>
+                              <m:sSubSup>
+                                <m:sSubSupPr>
+                                  <m:ctrlPr>
+                                    <a:rPr lang="es-CO" sz="1000" i="1">
+                                      <a:latin typeface="Cambria Math" panose="02040503050406030204" pitchFamily="18" charset="0"/>
+                                      <a:ea typeface="Times New Roman" panose="02020603050405020304" pitchFamily="18" charset="0"/>
+                                      <a:cs typeface="Times New Roman" panose="02020603050405020304" pitchFamily="18" charset="0"/>
+                                    </a:rPr>
+                                  </m:ctrlPr>
+                                </m:sSubSupPr>
+                                <m:e>
+                                  <m:r>
+                                    <a:rPr lang="en-GB" sz="1000" i="1">
+                                      <a:latin typeface="Cambria Math" panose="02040503050406030204" pitchFamily="18" charset="0"/>
+                                      <a:ea typeface="Times New Roman" panose="02020603050405020304" pitchFamily="18" charset="0"/>
+                                      <a:cs typeface="Times New Roman" panose="02020603050405020304" pitchFamily="18" charset="0"/>
+                                    </a:rPr>
+                                    <m:t>𝑄</m:t>
+                                  </m:r>
+                                </m:e>
+                                <m:sub>
+                                  <m:r>
+                                    <a:rPr lang="en-GB" sz="1000" i="1">
+                                      <a:latin typeface="Cambria Math" panose="02040503050406030204" pitchFamily="18" charset="0"/>
+                                      <a:ea typeface="Times New Roman" panose="02020603050405020304" pitchFamily="18" charset="0"/>
+                                      <a:cs typeface="Times New Roman" panose="02020603050405020304" pitchFamily="18" charset="0"/>
+                                    </a:rPr>
+                                    <m:t>𝐹</m:t>
+                                  </m:r>
+                                </m:sub>
+                                <m:sup>
+                                  <m:r>
+                                    <a:rPr lang="es-CO" sz="1000" i="1">
+                                      <a:latin typeface="Cambria Math" panose="02040503050406030204" pitchFamily="18" charset="0"/>
+                                      <a:ea typeface="Times New Roman" panose="02020603050405020304" pitchFamily="18" charset="0"/>
+                                      <a:cs typeface="Times New Roman" panose="02020603050405020304" pitchFamily="18" charset="0"/>
+                                    </a:rPr>
+                                    <m:t>𝐻</m:t>
+                                  </m:r>
+                                </m:sup>
+                              </m:sSubSup>
+                            </m:num>
+                            <m:den>
+                              <m:r>
+                                <a:rPr lang="en-GB" sz="1000" i="1">
+                                  <a:latin typeface="Cambria Math" panose="02040503050406030204" pitchFamily="18" charset="0"/>
+                                  <a:ea typeface="Times New Roman" panose="02020603050405020304" pitchFamily="18" charset="0"/>
+                                  <a:cs typeface="Times New Roman" panose="02020603050405020304" pitchFamily="18" charset="0"/>
+                                </a:rPr>
+                                <m:t>𝐸</m:t>
+                              </m:r>
+                              <m:sSub>
+                                <m:sSubPr>
+                                  <m:ctrlPr>
+                                    <a:rPr lang="es-CO" sz="1000" i="1">
+                                      <a:latin typeface="Cambria Math" panose="02040503050406030204" pitchFamily="18" charset="0"/>
+                                      <a:ea typeface="Times New Roman" panose="02020603050405020304" pitchFamily="18" charset="0"/>
+                                      <a:cs typeface="Times New Roman" panose="02020603050405020304" pitchFamily="18" charset="0"/>
+                                    </a:rPr>
+                                  </m:ctrlPr>
+                                </m:sSubPr>
+                                <m:e>
+                                  <m:r>
+                                    <a:rPr lang="en-GB" sz="1000" i="1">
+                                      <a:latin typeface="Cambria Math" panose="02040503050406030204" pitchFamily="18" charset="0"/>
+                                      <a:ea typeface="Times New Roman" panose="02020603050405020304" pitchFamily="18" charset="0"/>
+                                      <a:cs typeface="Times New Roman" panose="02020603050405020304" pitchFamily="18" charset="0"/>
+                                    </a:rPr>
+                                    <m:t>𝑄</m:t>
+                                  </m:r>
+                                </m:e>
+                                <m:sub>
+                                  <m:r>
+                                    <a:rPr lang="en-GB" sz="1000" i="1">
+                                      <a:latin typeface="Cambria Math" panose="02040503050406030204" pitchFamily="18" charset="0"/>
+                                      <a:ea typeface="Times New Roman" panose="02020603050405020304" pitchFamily="18" charset="0"/>
+                                      <a:cs typeface="Times New Roman" panose="02020603050405020304" pitchFamily="18" charset="0"/>
+                                    </a:rPr>
+                                    <m:t>𝐹</m:t>
+                                  </m:r>
+                                </m:sub>
+                              </m:sSub>
+                            </m:den>
+                          </m:f>
                         </m:e>
-                        <m:sub>
-                          <m:r>
-                            <a:rPr lang="es-CO" sz="1200" i="1">
-                              <a:latin typeface="Cambria Math" panose="02040503050406030204" pitchFamily="18" charset="0"/>
-                              <a:ea typeface="Cambria Math" panose="02040503050406030204" pitchFamily="18" charset="0"/>
-                            </a:rPr>
-                            <m:t>𝐹</m:t>
-                          </m:r>
-                          <m:r>
-                            <a:rPr lang="es-CO" sz="1200" i="1">
-                              <a:latin typeface="Cambria Math" panose="02040503050406030204" pitchFamily="18" charset="0"/>
-                              <a:ea typeface="Cambria Math" panose="02040503050406030204" pitchFamily="18" charset="0"/>
-                            </a:rPr>
-                            <m:t>,</m:t>
-                          </m:r>
-                          <m:r>
-                            <a:rPr lang="es-CO" sz="1200" i="1">
-                              <a:latin typeface="Cambria Math" panose="02040503050406030204" pitchFamily="18" charset="0"/>
-                              <a:ea typeface="Cambria Math" panose="02040503050406030204" pitchFamily="18" charset="0"/>
-                            </a:rPr>
-                            <m:t>𝐻</m:t>
-                          </m:r>
-                        </m:sub>
-                      </m:sSub>
+                      </m:d>
                       <m:r>
-                        <a:rPr lang="en-GB" sz="1200" i="1">
+                        <a:rPr lang="en-GB" sz="1000" i="1">
                           <a:latin typeface="Cambria Math" panose="02040503050406030204" pitchFamily="18" charset="0"/>
                         </a:rPr>
-                        <m:t>⋅</m:t>
+                        <m:t>=</m:t>
                       </m:r>
-                      <m:r>
-                        <a:rPr lang="en-GB" sz="1200" i="1">
-                          <a:latin typeface="Cambria Math" panose="02040503050406030204" pitchFamily="18" charset="0"/>
-                        </a:rPr>
-                        <m:t>𝑅</m:t>
-                      </m:r>
-                      <m:sSub>
-                        <m:sSubPr>
+                      <m:acc>
+                        <m:accPr>
+                          <m:chr m:val="̇"/>
                           <m:ctrlPr>
-                            <a:rPr lang="es-CO" sz="1200" i="1">
-                              <a:latin typeface="Cambria Math" panose="02040503050406030204" pitchFamily="18" charset="0"/>
-                            </a:rPr>
-                          </m:ctrlPr>
-                        </m:sSubPr>
-                        <m:e>
-                          <m:r>
-                            <a:rPr lang="en-GB" sz="1200" i="1">
-                              <a:latin typeface="Cambria Math" panose="02040503050406030204" pitchFamily="18" charset="0"/>
-                            </a:rPr>
-                            <m:t>𝐸</m:t>
-                          </m:r>
-                        </m:e>
-                        <m:sub>
-                          <m:r>
-                            <a:rPr lang="en-GB" sz="1200" i="1">
-                              <a:latin typeface="Cambria Math" panose="02040503050406030204" pitchFamily="18" charset="0"/>
-                            </a:rPr>
-                            <m:t>𝐹</m:t>
-                          </m:r>
-                        </m:sub>
-                      </m:sSub>
-                      <m:r>
-                        <a:rPr lang="en-GB" sz="1200" i="1">
-                          <a:latin typeface="Cambria Math" panose="02040503050406030204" pitchFamily="18" charset="0"/>
-                        </a:rPr>
-                        <m:t> =</m:t>
-                      </m:r>
-                      <m:sSup>
-                        <m:sSupPr>
-                          <m:ctrlPr>
-                            <a:rPr lang="es-CO" sz="1200" i="1" smtClean="0">
+                            <a:rPr lang="es-ES" sz="1000" i="1" smtClean="0">
                               <a:solidFill>
                                 <a:srgbClr val="C00000"/>
                               </a:solidFill>
                               <a:latin typeface="Cambria Math" panose="02040503050406030204" pitchFamily="18" charset="0"/>
                             </a:rPr>
                           </m:ctrlPr>
-                        </m:sSupPr>
+                        </m:accPr>
                         <m:e>
                           <m:r>
-                            <a:rPr lang="en-GB" sz="1200" i="1" smtClean="0">
+                            <a:rPr lang="es-ES" sz="1000" i="1">
                               <a:solidFill>
                                 <a:srgbClr val="C00000"/>
                               </a:solidFill>
                               <a:latin typeface="Cambria Math" panose="02040503050406030204" pitchFamily="18" charset="0"/>
                             </a:rPr>
-                            <m:t>𝑝</m:t>
-                          </m:r>
-                          <m:r>
-                            <a:rPr lang="en-GB" sz="1200" i="1" smtClean="0">
-                              <a:solidFill>
-                                <a:srgbClr val="C00000"/>
-                              </a:solidFill>
-                              <a:latin typeface="Cambria Math" panose="02040503050406030204" pitchFamily="18" charset="0"/>
-                            </a:rPr>
-                            <m:t>⋅</m:t>
-                          </m:r>
-                          <m:r>
-                            <a:rPr lang="en-GB" sz="1200" i="1">
-                              <a:solidFill>
-                                <a:srgbClr val="C00000"/>
-                              </a:solidFill>
-                              <a:latin typeface="Cambria Math" panose="02040503050406030204" pitchFamily="18" charset="0"/>
-                            </a:rPr>
-                            <m:t>𝐼</m:t>
+                            <m:t>𝐾</m:t>
                           </m:r>
                         </m:e>
-                        <m:sup>
-                          <m:r>
-                            <a:rPr lang="en-GB" sz="1200" i="1">
-                              <a:solidFill>
-                                <a:srgbClr val="C00000"/>
-                              </a:solidFill>
-                              <a:latin typeface="Cambria Math" panose="02040503050406030204" pitchFamily="18" charset="0"/>
-                            </a:rPr>
-                            <m:t>𝐾</m:t>
-                          </m:r>
-                        </m:sup>
-                      </m:sSup>
+                      </m:acc>
                       <m:r>
-                        <a:rPr lang="en-GB" sz="1200" i="1">
+                        <a:rPr lang="en-GB" sz="1000" i="1">
                           <a:solidFill>
                             <a:srgbClr val="C00000"/>
                           </a:solidFill>
@@ -6344,7 +7654,7 @@
                         <m:t>−</m:t>
                       </m:r>
                       <m:r>
-                        <a:rPr lang="en-GB" sz="1200" i="1">
+                        <a:rPr lang="en-GB" sz="1000" i="1">
                           <a:solidFill>
                             <a:srgbClr val="C00000"/>
                           </a:solidFill>
@@ -6355,7 +7665,7 @@
                       <m:sSub>
                         <m:sSubPr>
                           <m:ctrlPr>
-                            <a:rPr lang="es-CO" sz="1200" i="1">
+                            <a:rPr lang="es-CO" sz="1000" i="1">
                               <a:solidFill>
                                 <a:srgbClr val="C00000"/>
                               </a:solidFill>
@@ -6365,7 +7675,7 @@
                         </m:sSubPr>
                         <m:e>
                           <m:r>
-                            <a:rPr lang="en-GB" sz="1200" i="1">
+                            <a:rPr lang="en-GB" sz="1000" i="1">
                               <a:solidFill>
                                 <a:srgbClr val="C00000"/>
                               </a:solidFill>
@@ -6376,7 +7686,7 @@
                         </m:e>
                         <m:sub>
                           <m:r>
-                            <a:rPr lang="en-GB" sz="1200" i="1">
+                            <a:rPr lang="en-GB" sz="1000" i="1">
                               <a:solidFill>
                                 <a:srgbClr val="C00000"/>
                               </a:solidFill>
@@ -6387,11 +7697,894 @@
                         </m:sub>
                       </m:sSub>
                       <m:r>
-                        <a:rPr lang="es-ES" sz="1200">
+                        <a:rPr lang="en-GB" sz="1000" i="1">
                           <a:solidFill>
-                            <a:schemeClr val="accent2">
+                            <a:schemeClr val="accent3">
+                              <a:lumMod val="50000"/>
+                            </a:schemeClr>
+                          </a:solidFill>
+                          <a:latin typeface="Cambria Math" panose="02040503050406030204" pitchFamily="18" charset="0"/>
+                        </a:rPr>
+                        <m:t>−</m:t>
+                      </m:r>
+                      <m:r>
+                        <a:rPr lang="en-GB" sz="1000" i="1">
+                          <a:solidFill>
+                            <a:schemeClr val="accent3">
                               <a:lumMod val="75000"/>
                             </a:schemeClr>
+                          </a:solidFill>
+                          <a:latin typeface="Cambria Math" panose="02040503050406030204" pitchFamily="18" charset="0"/>
+                        </a:rPr>
+                        <m:t>𝐹𝐷</m:t>
+                      </m:r>
+                      <m:sSup>
+                        <m:sSupPr>
+                          <m:ctrlPr>
+                            <a:rPr lang="es-CO" sz="1000" i="1">
+                              <a:solidFill>
+                                <a:schemeClr val="accent3">
+                                  <a:lumMod val="75000"/>
+                                </a:schemeClr>
+                              </a:solidFill>
+                              <a:latin typeface="Cambria Math" panose="02040503050406030204" pitchFamily="18" charset="0"/>
+                            </a:rPr>
+                          </m:ctrlPr>
+                        </m:sSupPr>
+                        <m:e>
+                          <m:r>
+                            <a:rPr lang="en-GB" sz="1000" i="1">
+                              <a:solidFill>
+                                <a:schemeClr val="accent3">
+                                  <a:lumMod val="75000"/>
+                                </a:schemeClr>
+                              </a:solidFill>
+                              <a:latin typeface="Cambria Math" panose="02040503050406030204" pitchFamily="18" charset="0"/>
+                            </a:rPr>
+                            <m:t>𝐼</m:t>
+                          </m:r>
+                        </m:e>
+                        <m:sup>
+                          <m:r>
+                            <a:rPr lang="en-GB" sz="1000" i="1">
+                              <a:solidFill>
+                                <a:schemeClr val="accent3">
+                                  <a:lumMod val="75000"/>
+                                </a:schemeClr>
+                              </a:solidFill>
+                              <a:latin typeface="Cambria Math" panose="02040503050406030204" pitchFamily="18" charset="0"/>
+                            </a:rPr>
+                            <m:t>𝐺</m:t>
+                          </m:r>
+                        </m:sup>
+                      </m:sSup>
+                      <m:r>
+                        <a:rPr lang="en-GB" sz="1000" i="1">
+                          <a:solidFill>
+                            <a:schemeClr val="accent3">
+                              <a:lumMod val="75000"/>
+                            </a:schemeClr>
+                          </a:solidFill>
+                          <a:latin typeface="Cambria Math" panose="02040503050406030204" pitchFamily="18" charset="0"/>
+                        </a:rPr>
+                        <m:t> ⋅</m:t>
+                      </m:r>
+                      <m:sSup>
+                        <m:sSupPr>
+                          <m:ctrlPr>
+                            <a:rPr lang="es-CO" sz="1000" i="1">
+                              <a:solidFill>
+                                <a:schemeClr val="accent3">
+                                  <a:lumMod val="75000"/>
+                                </a:schemeClr>
+                              </a:solidFill>
+                              <a:latin typeface="Cambria Math" panose="02040503050406030204" pitchFamily="18" charset="0"/>
+                            </a:rPr>
+                          </m:ctrlPr>
+                        </m:sSupPr>
+                        <m:e>
+                          <m:r>
+                            <a:rPr lang="en-GB" sz="1000" i="1">
+                              <a:solidFill>
+                                <a:schemeClr val="accent3">
+                                  <a:lumMod val="75000"/>
+                                </a:schemeClr>
+                              </a:solidFill>
+                              <a:latin typeface="Cambria Math" panose="02040503050406030204" pitchFamily="18" charset="0"/>
+                            </a:rPr>
+                            <m:t>𝑒</m:t>
+                          </m:r>
+                        </m:e>
+                        <m:sup>
+                          <m:r>
+                            <a:rPr lang="en-GB" sz="1000" i="1">
+                              <a:solidFill>
+                                <a:schemeClr val="accent3">
+                                  <a:lumMod val="75000"/>
+                                </a:schemeClr>
+                              </a:solidFill>
+                              <a:latin typeface="Cambria Math" panose="02040503050406030204" pitchFamily="18" charset="0"/>
+                            </a:rPr>
+                            <m:t>𝑁</m:t>
+                          </m:r>
+                        </m:sup>
+                      </m:sSup>
+                      <m:r>
+                        <a:rPr lang="en-GB" sz="1000" i="1">
+                          <a:solidFill>
+                            <a:schemeClr val="accent3">
+                              <a:lumMod val="75000"/>
+                            </a:schemeClr>
+                          </a:solidFill>
+                          <a:latin typeface="Cambria Math" panose="02040503050406030204" pitchFamily="18" charset="0"/>
+                        </a:rPr>
+                        <m:t>− </m:t>
+                      </m:r>
+                      <m:sSub>
+                        <m:sSubPr>
+                          <m:ctrlPr>
+                            <a:rPr lang="es-CO" sz="1000" i="1">
+                              <a:solidFill>
+                                <a:schemeClr val="accent3">
+                                  <a:lumMod val="75000"/>
+                                </a:schemeClr>
+                              </a:solidFill>
+                              <a:latin typeface="Cambria Math" panose="02040503050406030204" pitchFamily="18" charset="0"/>
+                            </a:rPr>
+                          </m:ctrlPr>
+                        </m:sSubPr>
+                        <m:e>
+                          <m:r>
+                            <a:rPr lang="en-GB" sz="1000" i="1">
+                              <a:solidFill>
+                                <a:schemeClr val="accent3">
+                                  <a:lumMod val="75000"/>
+                                </a:schemeClr>
+                              </a:solidFill>
+                              <a:latin typeface="Cambria Math" panose="02040503050406030204" pitchFamily="18" charset="0"/>
+                            </a:rPr>
+                            <m:t>𝜉</m:t>
+                          </m:r>
+                        </m:e>
+                        <m:sub>
+                          <m:r>
+                            <a:rPr lang="en-GB" sz="1000" i="1">
+                              <a:solidFill>
+                                <a:schemeClr val="accent3">
+                                  <a:lumMod val="75000"/>
+                                </a:schemeClr>
+                              </a:solidFill>
+                              <a:latin typeface="Cambria Math" panose="02040503050406030204" pitchFamily="18" charset="0"/>
+                            </a:rPr>
+                            <m:t>𝐹</m:t>
+                          </m:r>
+                        </m:sub>
+                      </m:sSub>
+                      <m:r>
+                        <a:rPr lang="en-GB" sz="1000" i="1">
+                          <a:solidFill>
+                            <a:schemeClr val="accent3">
+                              <a:lumMod val="75000"/>
+                            </a:schemeClr>
+                          </a:solidFill>
+                          <a:latin typeface="Cambria Math" panose="02040503050406030204" pitchFamily="18" charset="0"/>
+                        </a:rPr>
+                        <m:t>⋅</m:t>
+                      </m:r>
+                      <m:r>
+                        <a:rPr lang="en-GB" sz="1000" i="1">
+                          <a:solidFill>
+                            <a:schemeClr val="accent3">
+                              <a:lumMod val="75000"/>
+                            </a:schemeClr>
+                          </a:solidFill>
+                          <a:latin typeface="Cambria Math" panose="02040503050406030204" pitchFamily="18" charset="0"/>
+                        </a:rPr>
+                        <m:t>𝐹𝐷</m:t>
+                      </m:r>
+                      <m:sSup>
+                        <m:sSupPr>
+                          <m:ctrlPr>
+                            <a:rPr lang="es-CO" sz="1000" i="1">
+                              <a:solidFill>
+                                <a:schemeClr val="accent3">
+                                  <a:lumMod val="75000"/>
+                                </a:schemeClr>
+                              </a:solidFill>
+                              <a:latin typeface="Cambria Math" panose="02040503050406030204" pitchFamily="18" charset="0"/>
+                            </a:rPr>
+                          </m:ctrlPr>
+                        </m:sSupPr>
+                        <m:e>
+                          <m:r>
+                            <a:rPr lang="en-GB" sz="1000" i="1">
+                              <a:solidFill>
+                                <a:schemeClr val="accent3">
+                                  <a:lumMod val="75000"/>
+                                </a:schemeClr>
+                              </a:solidFill>
+                              <a:latin typeface="Cambria Math" panose="02040503050406030204" pitchFamily="18" charset="0"/>
+                            </a:rPr>
+                            <m:t>𝐼</m:t>
+                          </m:r>
+                        </m:e>
+                        <m:sup>
+                          <m:r>
+                            <a:rPr lang="en-GB" sz="1000" i="1">
+                              <a:solidFill>
+                                <a:schemeClr val="accent3">
+                                  <a:lumMod val="75000"/>
+                                </a:schemeClr>
+                              </a:solidFill>
+                              <a:latin typeface="Cambria Math" panose="02040503050406030204" pitchFamily="18" charset="0"/>
+                            </a:rPr>
+                            <m:t>𝑃</m:t>
+                          </m:r>
+                        </m:sup>
+                      </m:sSup>
+                      <m:r>
+                        <a:rPr lang="en-GB" sz="1000" i="1">
+                          <a:solidFill>
+                            <a:schemeClr val="accent3">
+                              <a:lumMod val="75000"/>
+                            </a:schemeClr>
+                          </a:solidFill>
+                          <a:latin typeface="Cambria Math" panose="02040503050406030204" pitchFamily="18" charset="0"/>
+                        </a:rPr>
+                        <m:t>⋅</m:t>
+                      </m:r>
+                      <m:sSup>
+                        <m:sSupPr>
+                          <m:ctrlPr>
+                            <a:rPr lang="es-CO" sz="1000" i="1">
+                              <a:solidFill>
+                                <a:schemeClr val="accent3">
+                                  <a:lumMod val="75000"/>
+                                </a:schemeClr>
+                              </a:solidFill>
+                              <a:latin typeface="Cambria Math" panose="02040503050406030204" pitchFamily="18" charset="0"/>
+                            </a:rPr>
+                          </m:ctrlPr>
+                        </m:sSupPr>
+                        <m:e>
+                          <m:r>
+                            <a:rPr lang="en-GB" sz="1000" i="1">
+                              <a:solidFill>
+                                <a:schemeClr val="accent3">
+                                  <a:lumMod val="75000"/>
+                                </a:schemeClr>
+                              </a:solidFill>
+                              <a:latin typeface="Cambria Math" panose="02040503050406030204" pitchFamily="18" charset="0"/>
+                            </a:rPr>
+                            <m:t>𝑒</m:t>
+                          </m:r>
+                        </m:e>
+                        <m:sup>
+                          <m:r>
+                            <a:rPr lang="en-GB" sz="1000" i="1">
+                              <a:solidFill>
+                                <a:schemeClr val="accent3">
+                                  <a:lumMod val="75000"/>
+                                </a:schemeClr>
+                              </a:solidFill>
+                              <a:latin typeface="Cambria Math" panose="02040503050406030204" pitchFamily="18" charset="0"/>
+                            </a:rPr>
+                            <m:t>𝑁</m:t>
+                          </m:r>
+                        </m:sup>
+                      </m:sSup>
+                      <m:r>
+                        <a:rPr lang="es-ES" sz="1000" i="1">
+                          <a:solidFill>
+                            <a:schemeClr val="accent3">
+                              <a:lumMod val="75000"/>
+                            </a:schemeClr>
+                          </a:solidFill>
+                          <a:latin typeface="Cambria Math" panose="02040503050406030204" pitchFamily="18" charset="0"/>
+                        </a:rPr>
+                        <m:t>−</m:t>
+                      </m:r>
+                      <m:d>
+                        <m:dPr>
+                          <m:ctrlPr>
+                            <a:rPr lang="es-ES" sz="1000" b="0" i="1" smtClean="0">
+                              <a:solidFill>
+                                <a:schemeClr val="accent3">
+                                  <a:lumMod val="75000"/>
+                                </a:schemeClr>
+                              </a:solidFill>
+                              <a:latin typeface="Cambria Math" panose="02040503050406030204" pitchFamily="18" charset="0"/>
+                            </a:rPr>
+                          </m:ctrlPr>
+                        </m:dPr>
+                        <m:e>
+                          <m:r>
+                            <a:rPr lang="en-GB" sz="1000" i="1">
+                              <a:solidFill>
+                                <a:schemeClr val="accent3">
+                                  <a:lumMod val="75000"/>
+                                </a:schemeClr>
+                              </a:solidFill>
+                              <a:latin typeface="Cambria Math" panose="02040503050406030204" pitchFamily="18" charset="0"/>
+                            </a:rPr>
+                            <m:t>𝑅</m:t>
+                          </m:r>
+                          <m:sSub>
+                            <m:sSubPr>
+                              <m:ctrlPr>
+                                <a:rPr lang="es-CO" sz="1000" i="1">
+                                  <a:solidFill>
+                                    <a:schemeClr val="accent3">
+                                      <a:lumMod val="75000"/>
+                                    </a:schemeClr>
+                                  </a:solidFill>
+                                  <a:latin typeface="Cambria Math" panose="02040503050406030204" pitchFamily="18" charset="0"/>
+                                </a:rPr>
+                              </m:ctrlPr>
+                            </m:sSubPr>
+                            <m:e>
+                              <m:r>
+                                <a:rPr lang="en-GB" sz="1000" i="1">
+                                  <a:solidFill>
+                                    <a:schemeClr val="accent3">
+                                      <a:lumMod val="75000"/>
+                                    </a:schemeClr>
+                                  </a:solidFill>
+                                  <a:latin typeface="Cambria Math" panose="02040503050406030204" pitchFamily="18" charset="0"/>
+                                </a:rPr>
+                                <m:t>𝐸</m:t>
+                              </m:r>
+                            </m:e>
+                            <m:sub>
+                              <m:r>
+                                <a:rPr lang="en-GB" sz="1000" i="1">
+                                  <a:solidFill>
+                                    <a:schemeClr val="accent3">
+                                      <a:lumMod val="75000"/>
+                                    </a:schemeClr>
+                                  </a:solidFill>
+                                  <a:latin typeface="Cambria Math" panose="02040503050406030204" pitchFamily="18" charset="0"/>
+                                </a:rPr>
+                                <m:t>𝐹</m:t>
+                              </m:r>
+                            </m:sub>
+                          </m:sSub>
+                          <m:r>
+                            <a:rPr lang="es-ES" sz="1000" b="0" i="1" smtClean="0">
+                              <a:solidFill>
+                                <a:schemeClr val="accent3">
+                                  <a:lumMod val="75000"/>
+                                </a:schemeClr>
+                              </a:solidFill>
+                              <a:latin typeface="Cambria Math" panose="02040503050406030204" pitchFamily="18" charset="0"/>
+                            </a:rPr>
+                            <m:t>−</m:t>
+                          </m:r>
+                          <m:r>
+                            <a:rPr lang="es-ES" sz="1000" i="1">
+                              <a:solidFill>
+                                <a:schemeClr val="accent3">
+                                  <a:lumMod val="75000"/>
+                                </a:schemeClr>
+                              </a:solidFill>
+                              <a:latin typeface="Cambria Math" panose="02040503050406030204" pitchFamily="18" charset="0"/>
+                              <a:ea typeface="Cambria Math" panose="02040503050406030204" pitchFamily="18" charset="0"/>
+                            </a:rPr>
+                            <m:t>𝛿</m:t>
+                          </m:r>
+                          <m:r>
+                            <a:rPr lang="es-ES" sz="1000" i="1">
+                              <a:solidFill>
+                                <a:schemeClr val="accent3">
+                                  <a:lumMod val="75000"/>
+                                </a:schemeClr>
+                              </a:solidFill>
+                              <a:latin typeface="Cambria Math" panose="02040503050406030204" pitchFamily="18" charset="0"/>
+                              <a:ea typeface="Cambria Math" panose="02040503050406030204" pitchFamily="18" charset="0"/>
+                            </a:rPr>
+                            <m:t>𝐾</m:t>
+                          </m:r>
+                        </m:e>
+                      </m:d>
+                      <m:r>
+                        <a:rPr lang="es-ES" sz="1000" b="0" i="1" smtClean="0">
+                          <a:solidFill>
+                            <a:schemeClr val="accent3">
+                              <a:lumMod val="75000"/>
+                            </a:schemeClr>
+                          </a:solidFill>
+                          <a:latin typeface="Cambria Math" panose="02040503050406030204" pitchFamily="18" charset="0"/>
+                        </a:rPr>
+                        <m:t>.</m:t>
+                      </m:r>
+                      <m:d>
+                        <m:dPr>
+                          <m:ctrlPr>
+                            <a:rPr lang="es-ES" sz="1000" i="1">
+                              <a:solidFill>
+                                <a:schemeClr val="accent3">
+                                  <a:lumMod val="75000"/>
+                                </a:schemeClr>
+                              </a:solidFill>
+                              <a:latin typeface="Cambria Math" panose="02040503050406030204" pitchFamily="18" charset="0"/>
+                              <a:ea typeface="Times New Roman" panose="02020603050405020304" pitchFamily="18" charset="0"/>
+                              <a:cs typeface="Times New Roman" panose="02020603050405020304" pitchFamily="18" charset="0"/>
+                            </a:rPr>
+                          </m:ctrlPr>
+                        </m:dPr>
+                        <m:e>
+                          <m:f>
+                            <m:fPr>
+                              <m:ctrlPr>
+                                <a:rPr lang="es-CO" sz="1000" i="1">
+                                  <a:solidFill>
+                                    <a:schemeClr val="accent3">
+                                      <a:lumMod val="75000"/>
+                                    </a:schemeClr>
+                                  </a:solidFill>
+                                  <a:latin typeface="Cambria Math" panose="02040503050406030204" pitchFamily="18" charset="0"/>
+                                  <a:ea typeface="Times New Roman" panose="02020603050405020304" pitchFamily="18" charset="0"/>
+                                  <a:cs typeface="Times New Roman" panose="02020603050405020304" pitchFamily="18" charset="0"/>
+                                </a:rPr>
+                              </m:ctrlPr>
+                            </m:fPr>
+                            <m:num>
+                              <m:r>
+                                <a:rPr lang="en-GB" sz="1000" i="1">
+                                  <a:solidFill>
+                                    <a:schemeClr val="accent3">
+                                      <a:lumMod val="75000"/>
+                                    </a:schemeClr>
+                                  </a:solidFill>
+                                  <a:latin typeface="Cambria Math" panose="02040503050406030204" pitchFamily="18" charset="0"/>
+                                  <a:ea typeface="Times New Roman" panose="02020603050405020304" pitchFamily="18" charset="0"/>
+                                  <a:cs typeface="Times New Roman" panose="02020603050405020304" pitchFamily="18" charset="0"/>
+                                </a:rPr>
+                                <m:t>𝐸</m:t>
+                              </m:r>
+                              <m:sSubSup>
+                                <m:sSubSupPr>
+                                  <m:ctrlPr>
+                                    <a:rPr lang="es-CO" sz="1000" i="1">
+                                      <a:solidFill>
+                                        <a:schemeClr val="accent3">
+                                          <a:lumMod val="75000"/>
+                                        </a:schemeClr>
+                                      </a:solidFill>
+                                      <a:latin typeface="Cambria Math" panose="02040503050406030204" pitchFamily="18" charset="0"/>
+                                      <a:ea typeface="Times New Roman" panose="02020603050405020304" pitchFamily="18" charset="0"/>
+                                      <a:cs typeface="Times New Roman" panose="02020603050405020304" pitchFamily="18" charset="0"/>
+                                    </a:rPr>
+                                  </m:ctrlPr>
+                                </m:sSubSupPr>
+                                <m:e>
+                                  <m:r>
+                                    <a:rPr lang="en-GB" sz="1000" i="1">
+                                      <a:solidFill>
+                                        <a:schemeClr val="accent3">
+                                          <a:lumMod val="75000"/>
+                                        </a:schemeClr>
+                                      </a:solidFill>
+                                      <a:latin typeface="Cambria Math" panose="02040503050406030204" pitchFamily="18" charset="0"/>
+                                      <a:ea typeface="Times New Roman" panose="02020603050405020304" pitchFamily="18" charset="0"/>
+                                      <a:cs typeface="Times New Roman" panose="02020603050405020304" pitchFamily="18" charset="0"/>
+                                    </a:rPr>
+                                    <m:t>𝑄</m:t>
+                                  </m:r>
+                                </m:e>
+                                <m:sub>
+                                  <m:r>
+                                    <a:rPr lang="en-GB" sz="1000" i="1">
+                                      <a:solidFill>
+                                        <a:schemeClr val="accent3">
+                                          <a:lumMod val="75000"/>
+                                        </a:schemeClr>
+                                      </a:solidFill>
+                                      <a:latin typeface="Cambria Math" panose="02040503050406030204" pitchFamily="18" charset="0"/>
+                                      <a:ea typeface="Times New Roman" panose="02020603050405020304" pitchFamily="18" charset="0"/>
+                                      <a:cs typeface="Times New Roman" panose="02020603050405020304" pitchFamily="18" charset="0"/>
+                                    </a:rPr>
+                                    <m:t>𝐹</m:t>
+                                  </m:r>
+                                </m:sub>
+                                <m:sup>
+                                  <m:r>
+                                    <a:rPr lang="es-ES" sz="1000" i="1">
+                                      <a:solidFill>
+                                        <a:schemeClr val="accent3">
+                                          <a:lumMod val="75000"/>
+                                        </a:schemeClr>
+                                      </a:solidFill>
+                                      <a:latin typeface="Cambria Math" panose="02040503050406030204" pitchFamily="18" charset="0"/>
+                                      <a:ea typeface="Times New Roman" panose="02020603050405020304" pitchFamily="18" charset="0"/>
+                                      <a:cs typeface="Times New Roman" panose="02020603050405020304" pitchFamily="18" charset="0"/>
+                                    </a:rPr>
+                                    <m:t>𝑅𝑜𝑊</m:t>
+                                  </m:r>
+                                </m:sup>
+                              </m:sSubSup>
+                            </m:num>
+                            <m:den>
+                              <m:r>
+                                <a:rPr lang="en-GB" sz="1000" i="1">
+                                  <a:solidFill>
+                                    <a:schemeClr val="accent3">
+                                      <a:lumMod val="75000"/>
+                                    </a:schemeClr>
+                                  </a:solidFill>
+                                  <a:latin typeface="Cambria Math" panose="02040503050406030204" pitchFamily="18" charset="0"/>
+                                  <a:ea typeface="Times New Roman" panose="02020603050405020304" pitchFamily="18" charset="0"/>
+                                  <a:cs typeface="Times New Roman" panose="02020603050405020304" pitchFamily="18" charset="0"/>
+                                </a:rPr>
+                                <m:t>𝐸</m:t>
+                              </m:r>
+                              <m:sSub>
+                                <m:sSubPr>
+                                  <m:ctrlPr>
+                                    <a:rPr lang="es-CO" sz="1000" i="1">
+                                      <a:solidFill>
+                                        <a:schemeClr val="accent3">
+                                          <a:lumMod val="75000"/>
+                                        </a:schemeClr>
+                                      </a:solidFill>
+                                      <a:latin typeface="Cambria Math" panose="02040503050406030204" pitchFamily="18" charset="0"/>
+                                      <a:ea typeface="Times New Roman" panose="02020603050405020304" pitchFamily="18" charset="0"/>
+                                      <a:cs typeface="Times New Roman" panose="02020603050405020304" pitchFamily="18" charset="0"/>
+                                    </a:rPr>
+                                  </m:ctrlPr>
+                                </m:sSubPr>
+                                <m:e>
+                                  <m:r>
+                                    <a:rPr lang="en-GB" sz="1000" i="1">
+                                      <a:solidFill>
+                                        <a:schemeClr val="accent3">
+                                          <a:lumMod val="75000"/>
+                                        </a:schemeClr>
+                                      </a:solidFill>
+                                      <a:latin typeface="Cambria Math" panose="02040503050406030204" pitchFamily="18" charset="0"/>
+                                      <a:ea typeface="Times New Roman" panose="02020603050405020304" pitchFamily="18" charset="0"/>
+                                      <a:cs typeface="Times New Roman" panose="02020603050405020304" pitchFamily="18" charset="0"/>
+                                    </a:rPr>
+                                    <m:t>𝑄</m:t>
+                                  </m:r>
+                                </m:e>
+                                <m:sub>
+                                  <m:r>
+                                    <a:rPr lang="en-GB" sz="1000" i="1">
+                                      <a:solidFill>
+                                        <a:schemeClr val="accent3">
+                                          <a:lumMod val="75000"/>
+                                        </a:schemeClr>
+                                      </a:solidFill>
+                                      <a:latin typeface="Cambria Math" panose="02040503050406030204" pitchFamily="18" charset="0"/>
+                                      <a:ea typeface="Times New Roman" panose="02020603050405020304" pitchFamily="18" charset="0"/>
+                                      <a:cs typeface="Times New Roman" panose="02020603050405020304" pitchFamily="18" charset="0"/>
+                                    </a:rPr>
+                                    <m:t>𝐹</m:t>
+                                  </m:r>
+                                </m:sub>
+                              </m:sSub>
+                            </m:den>
+                          </m:f>
+                        </m:e>
+                      </m:d>
+                    </m:oMath>
+                  </m:oMathPara>
+                </a14:m>
+                <a:endParaRPr lang="es-ES_tradnl" sz="1000" dirty="0"/>
+              </a:p>
+              <a:p>
+                <a:pPr marL="0" indent="0">
+                  <a:buNone/>
+                </a:pPr>
+                <a:endParaRPr lang="es-ES_tradnl" sz="1000" dirty="0"/>
+              </a:p>
+              <a:p>
+                <a:pPr marL="0" indent="0">
+                  <a:buNone/>
+                </a:pPr>
+                <a14:m>
+                  <m:oMathPara xmlns:m="http://schemas.openxmlformats.org/officeDocument/2006/math">
+                    <m:oMathParaPr>
+                      <m:jc m:val="centerGroup"/>
+                    </m:oMathParaPr>
+                    <m:oMath xmlns:m="http://schemas.openxmlformats.org/officeDocument/2006/math">
+                      <m:d>
+                        <m:dPr>
+                          <m:ctrlPr>
+                            <a:rPr lang="es-ES" sz="1000" i="1">
+                              <a:latin typeface="Cambria Math" panose="02040503050406030204" pitchFamily="18" charset="0"/>
+                            </a:rPr>
+                          </m:ctrlPr>
+                        </m:dPr>
+                        <m:e>
+                          <m:r>
+                            <a:rPr lang="en-GB" sz="1000" i="1">
+                              <a:latin typeface="Cambria Math" panose="02040503050406030204" pitchFamily="18" charset="0"/>
+                            </a:rPr>
+                            <m:t>𝑅</m:t>
+                          </m:r>
+                          <m:sSub>
+                            <m:sSubPr>
+                              <m:ctrlPr>
+                                <a:rPr lang="es-CO" sz="1000" i="1">
+                                  <a:latin typeface="Cambria Math" panose="02040503050406030204" pitchFamily="18" charset="0"/>
+                                </a:rPr>
+                              </m:ctrlPr>
+                            </m:sSubPr>
+                            <m:e>
+                              <m:r>
+                                <a:rPr lang="en-GB" sz="1000" i="1">
+                                  <a:latin typeface="Cambria Math" panose="02040503050406030204" pitchFamily="18" charset="0"/>
+                                </a:rPr>
+                                <m:t>𝐸</m:t>
+                              </m:r>
+                            </m:e>
+                            <m:sub>
+                              <m:r>
+                                <a:rPr lang="en-GB" sz="1000" i="1">
+                                  <a:latin typeface="Cambria Math" panose="02040503050406030204" pitchFamily="18" charset="0"/>
+                                </a:rPr>
+                                <m:t>𝐹</m:t>
+                              </m:r>
+                            </m:sub>
+                          </m:sSub>
+                          <m:r>
+                            <a:rPr lang="en-GB" sz="1000" i="1">
+                              <a:latin typeface="Cambria Math" panose="02040503050406030204" pitchFamily="18" charset="0"/>
+                            </a:rPr>
+                            <m:t> </m:t>
+                          </m:r>
+                          <m:r>
+                            <m:rPr>
+                              <m:nor/>
+                            </m:rPr>
+                            <a:rPr lang="es-ES" sz="1000" dirty="0">
+                              <a:ea typeface="Times New Roman" panose="02020603050405020304" pitchFamily="18" charset="0"/>
+                              <a:cs typeface="Times New Roman" panose="02020603050405020304" pitchFamily="18" charset="0"/>
+                            </a:rPr>
+                            <m:t>−</m:t>
+                          </m:r>
+                          <m:r>
+                            <a:rPr lang="es-ES" sz="1000" i="1" dirty="0">
+                              <a:latin typeface="Cambria Math" panose="02040503050406030204" pitchFamily="18" charset="0"/>
+                              <a:ea typeface="Times New Roman" panose="02020603050405020304" pitchFamily="18" charset="0"/>
+                              <a:cs typeface="Times New Roman" panose="02020603050405020304" pitchFamily="18" charset="0"/>
+                            </a:rPr>
+                            <m:t> </m:t>
+                          </m:r>
+                          <m:r>
+                            <a:rPr lang="es-ES" sz="1000" i="1">
+                              <a:latin typeface="Cambria Math" panose="02040503050406030204" pitchFamily="18" charset="0"/>
+                              <a:ea typeface="Cambria Math" panose="02040503050406030204" pitchFamily="18" charset="0"/>
+                            </a:rPr>
+                            <m:t>𝛿</m:t>
+                          </m:r>
+                          <m:r>
+                            <a:rPr lang="es-ES" sz="1000" i="1">
+                              <a:latin typeface="Cambria Math" panose="02040503050406030204" pitchFamily="18" charset="0"/>
+                              <a:ea typeface="Cambria Math" panose="02040503050406030204" pitchFamily="18" charset="0"/>
+                            </a:rPr>
+                            <m:t>𝐾</m:t>
+                          </m:r>
+                          <m:r>
+                            <a:rPr lang="es-ES" sz="1000" i="1">
+                              <a:latin typeface="Cambria Math" panose="02040503050406030204" pitchFamily="18" charset="0"/>
+                              <a:ea typeface="Cambria Math" panose="02040503050406030204" pitchFamily="18" charset="0"/>
+                            </a:rPr>
+                            <m:t> </m:t>
+                          </m:r>
+                        </m:e>
+                      </m:d>
+                      <m:r>
+                        <a:rPr lang="es-ES" sz="1000" i="1">
+                          <a:latin typeface="Cambria Math" panose="02040503050406030204" pitchFamily="18" charset="0"/>
+                          <a:ea typeface="Cambria Math" panose="02040503050406030204" pitchFamily="18" charset="0"/>
+                        </a:rPr>
+                        <m:t>.</m:t>
+                      </m:r>
+                      <m:d>
+                        <m:dPr>
+                          <m:ctrlPr>
+                            <a:rPr lang="es-ES" sz="1000" i="1">
+                              <a:latin typeface="Cambria Math" panose="02040503050406030204" pitchFamily="18" charset="0"/>
+                              <a:ea typeface="Times New Roman" panose="02020603050405020304" pitchFamily="18" charset="0"/>
+                              <a:cs typeface="Times New Roman" panose="02020603050405020304" pitchFamily="18" charset="0"/>
+                            </a:rPr>
+                          </m:ctrlPr>
+                        </m:dPr>
+                        <m:e>
+                          <m:f>
+                            <m:fPr>
+                              <m:ctrlPr>
+                                <a:rPr lang="es-CO" sz="1000" i="1">
+                                  <a:latin typeface="Cambria Math" panose="02040503050406030204" pitchFamily="18" charset="0"/>
+                                  <a:ea typeface="Times New Roman" panose="02020603050405020304" pitchFamily="18" charset="0"/>
+                                  <a:cs typeface="Times New Roman" panose="02020603050405020304" pitchFamily="18" charset="0"/>
+                                </a:rPr>
+                              </m:ctrlPr>
+                            </m:fPr>
+                            <m:num>
+                              <m:r>
+                                <a:rPr lang="en-GB" sz="1000" i="1">
+                                  <a:latin typeface="Cambria Math" panose="02040503050406030204" pitchFamily="18" charset="0"/>
+                                  <a:ea typeface="Times New Roman" panose="02020603050405020304" pitchFamily="18" charset="0"/>
+                                  <a:cs typeface="Times New Roman" panose="02020603050405020304" pitchFamily="18" charset="0"/>
+                                </a:rPr>
+                                <m:t>𝐸</m:t>
+                              </m:r>
+                              <m:sSubSup>
+                                <m:sSubSupPr>
+                                  <m:ctrlPr>
+                                    <a:rPr lang="es-CO" sz="1000" i="1">
+                                      <a:latin typeface="Cambria Math" panose="02040503050406030204" pitchFamily="18" charset="0"/>
+                                      <a:ea typeface="Times New Roman" panose="02020603050405020304" pitchFamily="18" charset="0"/>
+                                      <a:cs typeface="Times New Roman" panose="02020603050405020304" pitchFamily="18" charset="0"/>
+                                    </a:rPr>
+                                  </m:ctrlPr>
+                                </m:sSubSupPr>
+                                <m:e>
+                                  <m:r>
+                                    <a:rPr lang="en-GB" sz="1000" i="1">
+                                      <a:latin typeface="Cambria Math" panose="02040503050406030204" pitchFamily="18" charset="0"/>
+                                      <a:ea typeface="Times New Roman" panose="02020603050405020304" pitchFamily="18" charset="0"/>
+                                      <a:cs typeface="Times New Roman" panose="02020603050405020304" pitchFamily="18" charset="0"/>
+                                    </a:rPr>
+                                    <m:t>𝑄</m:t>
+                                  </m:r>
+                                </m:e>
+                                <m:sub>
+                                  <m:r>
+                                    <a:rPr lang="en-GB" sz="1000" i="1">
+                                      <a:latin typeface="Cambria Math" panose="02040503050406030204" pitchFamily="18" charset="0"/>
+                                      <a:ea typeface="Times New Roman" panose="02020603050405020304" pitchFamily="18" charset="0"/>
+                                      <a:cs typeface="Times New Roman" panose="02020603050405020304" pitchFamily="18" charset="0"/>
+                                    </a:rPr>
+                                    <m:t>𝐹</m:t>
+                                  </m:r>
+                                </m:sub>
+                                <m:sup>
+                                  <m:r>
+                                    <a:rPr lang="es-CO" sz="1000" i="1">
+                                      <a:latin typeface="Cambria Math" panose="02040503050406030204" pitchFamily="18" charset="0"/>
+                                      <a:ea typeface="Times New Roman" panose="02020603050405020304" pitchFamily="18" charset="0"/>
+                                      <a:cs typeface="Times New Roman" panose="02020603050405020304" pitchFamily="18" charset="0"/>
+                                    </a:rPr>
+                                    <m:t>𝐻</m:t>
+                                  </m:r>
+                                </m:sup>
+                              </m:sSubSup>
+                            </m:num>
+                            <m:den>
+                              <m:r>
+                                <a:rPr lang="en-GB" sz="1000" i="1">
+                                  <a:latin typeface="Cambria Math" panose="02040503050406030204" pitchFamily="18" charset="0"/>
+                                  <a:ea typeface="Times New Roman" panose="02020603050405020304" pitchFamily="18" charset="0"/>
+                                  <a:cs typeface="Times New Roman" panose="02020603050405020304" pitchFamily="18" charset="0"/>
+                                </a:rPr>
+                                <m:t>𝐸</m:t>
+                              </m:r>
+                              <m:sSub>
+                                <m:sSubPr>
+                                  <m:ctrlPr>
+                                    <a:rPr lang="es-CO" sz="1000" i="1">
+                                      <a:latin typeface="Cambria Math" panose="02040503050406030204" pitchFamily="18" charset="0"/>
+                                      <a:ea typeface="Times New Roman" panose="02020603050405020304" pitchFamily="18" charset="0"/>
+                                      <a:cs typeface="Times New Roman" panose="02020603050405020304" pitchFamily="18" charset="0"/>
+                                    </a:rPr>
+                                  </m:ctrlPr>
+                                </m:sSubPr>
+                                <m:e>
+                                  <m:r>
+                                    <a:rPr lang="en-GB" sz="1000" i="1">
+                                      <a:latin typeface="Cambria Math" panose="02040503050406030204" pitchFamily="18" charset="0"/>
+                                      <a:ea typeface="Times New Roman" panose="02020603050405020304" pitchFamily="18" charset="0"/>
+                                      <a:cs typeface="Times New Roman" panose="02020603050405020304" pitchFamily="18" charset="0"/>
+                                    </a:rPr>
+                                    <m:t>𝑄</m:t>
+                                  </m:r>
+                                </m:e>
+                                <m:sub>
+                                  <m:r>
+                                    <a:rPr lang="en-GB" sz="1000" i="1">
+                                      <a:latin typeface="Cambria Math" panose="02040503050406030204" pitchFamily="18" charset="0"/>
+                                      <a:ea typeface="Times New Roman" panose="02020603050405020304" pitchFamily="18" charset="0"/>
+                                      <a:cs typeface="Times New Roman" panose="02020603050405020304" pitchFamily="18" charset="0"/>
+                                    </a:rPr>
+                                    <m:t>𝐹</m:t>
+                                  </m:r>
+                                </m:sub>
+                              </m:sSub>
+                            </m:den>
+                          </m:f>
+                        </m:e>
+                      </m:d>
+                      <m:r>
+                        <a:rPr lang="en-GB" sz="1000" i="1">
+                          <a:latin typeface="Cambria Math" panose="02040503050406030204" pitchFamily="18" charset="0"/>
+                        </a:rPr>
+                        <m:t>=</m:t>
+                      </m:r>
+                      <m:acc>
+                        <m:accPr>
+                          <m:chr m:val="̇"/>
+                          <m:ctrlPr>
+                            <a:rPr lang="es-ES" sz="1000" i="1">
+                              <a:solidFill>
+                                <a:srgbClr val="C00000"/>
+                              </a:solidFill>
+                              <a:latin typeface="Cambria Math" panose="02040503050406030204" pitchFamily="18" charset="0"/>
+                            </a:rPr>
+                          </m:ctrlPr>
+                        </m:accPr>
+                        <m:e>
+                          <m:r>
+                            <a:rPr lang="es-ES" sz="1000" i="1">
+                              <a:solidFill>
+                                <a:srgbClr val="C00000"/>
+                              </a:solidFill>
+                              <a:latin typeface="Cambria Math" panose="02040503050406030204" pitchFamily="18" charset="0"/>
+                            </a:rPr>
+                            <m:t>𝐾</m:t>
+                          </m:r>
+                        </m:e>
+                      </m:acc>
+                      <m:r>
+                        <a:rPr lang="en-GB" sz="1000" i="1">
+                          <a:solidFill>
+                            <a:srgbClr val="C00000"/>
+                          </a:solidFill>
+                          <a:latin typeface="Cambria Math" panose="02040503050406030204" pitchFamily="18" charset="0"/>
+                        </a:rPr>
+                        <m:t>−</m:t>
+                      </m:r>
+                      <m:r>
+                        <a:rPr lang="en-GB" sz="1000" i="1">
+                          <a:solidFill>
+                            <a:srgbClr val="C00000"/>
+                          </a:solidFill>
+                          <a:latin typeface="Cambria Math" panose="02040503050406030204" pitchFamily="18" charset="0"/>
+                        </a:rPr>
+                        <m:t>𝑇𝐹</m:t>
+                      </m:r>
+                      <m:sSub>
+                        <m:sSubPr>
+                          <m:ctrlPr>
+                            <a:rPr lang="es-CO" sz="1000" i="1">
+                              <a:solidFill>
+                                <a:srgbClr val="C00000"/>
+                              </a:solidFill>
+                              <a:latin typeface="Cambria Math" panose="02040503050406030204" pitchFamily="18" charset="0"/>
+                            </a:rPr>
+                          </m:ctrlPr>
+                        </m:sSubPr>
+                        <m:e>
+                          <m:r>
+                            <a:rPr lang="en-GB" sz="1000" i="1">
+                              <a:solidFill>
+                                <a:srgbClr val="C00000"/>
+                              </a:solidFill>
+                              <a:latin typeface="Cambria Math" panose="02040503050406030204" pitchFamily="18" charset="0"/>
+                            </a:rPr>
+                            <m:t>𝑁</m:t>
+                          </m:r>
+                        </m:e>
+                        <m:sub>
+                          <m:r>
+                            <a:rPr lang="en-GB" sz="1000" i="1">
+                              <a:solidFill>
+                                <a:srgbClr val="C00000"/>
+                              </a:solidFill>
+                              <a:latin typeface="Cambria Math" panose="02040503050406030204" pitchFamily="18" charset="0"/>
+                            </a:rPr>
+                            <m:t>𝐹</m:t>
+                          </m:r>
+                        </m:sub>
+                      </m:sSub>
+                      <m:r>
+                        <a:rPr lang="es-ES" sz="1000" b="0" i="1" smtClean="0">
+                          <a:solidFill>
+                            <a:srgbClr val="C00000"/>
                           </a:solidFill>
                           <a:latin typeface="Cambria Math" panose="02040503050406030204" pitchFamily="18" charset="0"/>
                         </a:rPr>
@@ -6400,7 +8593,7 @@
                       <m:sSubSup>
                         <m:sSubSupPr>
                           <m:ctrlPr>
-                            <a:rPr lang="es-CO" sz="1200" i="1">
+                            <a:rPr lang="es-CO" sz="1000" i="1">
                               <a:solidFill>
                                 <a:schemeClr val="accent3">
                                   <a:lumMod val="50000"/>
@@ -6415,7 +8608,7 @@
                             <m:accPr>
                               <m:chr m:val="̇"/>
                               <m:ctrlPr>
-                                <a:rPr lang="es-CO" sz="1200" i="1">
+                                <a:rPr lang="es-CO" sz="1000" i="1">
                                   <a:solidFill>
                                     <a:schemeClr val="accent3">
                                       <a:lumMod val="50000"/>
@@ -6427,7 +8620,7 @@
                             </m:accPr>
                             <m:e>
                               <m:r>
-                                <a:rPr lang="es-CO" sz="1200" i="1">
+                                <a:rPr lang="es-CO" sz="1000" i="1">
                                   <a:solidFill>
                                     <a:schemeClr val="accent3">
                                       <a:lumMod val="50000"/>
@@ -6442,7 +8635,7 @@
                         </m:e>
                         <m:sub>
                           <m:r>
-                            <a:rPr lang="es-CO" sz="1200" i="1">
+                            <a:rPr lang="es-CO" sz="1000" i="1">
                               <a:solidFill>
                                 <a:schemeClr val="accent3">
                                   <a:lumMod val="50000"/>
@@ -6455,7 +8648,7 @@
                         </m:sub>
                         <m:sup>
                           <m:r>
-                            <a:rPr lang="es-CO" sz="1200" i="1">
+                            <a:rPr lang="es-CO" sz="1000" i="1">
                               <a:solidFill>
                                 <a:schemeClr val="accent3">
                                   <a:lumMod val="50000"/>
@@ -6468,7 +8661,7 @@
                         </m:sup>
                       </m:sSubSup>
                       <m:r>
-                        <a:rPr lang="es-ES" sz="1200" i="1">
+                        <a:rPr lang="es-ES" sz="1000" i="1">
                           <a:solidFill>
                             <a:schemeClr val="accent3">
                               <a:lumMod val="50000"/>
@@ -6481,7 +8674,7 @@
                       <m:sSub>
                         <m:sSubPr>
                           <m:ctrlPr>
-                            <a:rPr lang="es-CO" sz="1200" b="1" i="1">
+                            <a:rPr lang="es-CO" sz="1000" b="1" i="1">
                               <a:latin typeface="Cambria Math" panose="02040503050406030204" pitchFamily="18" charset="0"/>
                             </a:rPr>
                           </m:ctrlPr>
@@ -6491,14 +8684,14 @@
                             <m:accPr>
                               <m:chr m:val="̇"/>
                               <m:ctrlPr>
-                                <a:rPr lang="es-CO" sz="1200" b="1" i="1">
+                                <a:rPr lang="es-CO" sz="1000" b="1" i="1">
                                   <a:latin typeface="Cambria Math" panose="02040503050406030204" pitchFamily="18" charset="0"/>
                                 </a:rPr>
                               </m:ctrlPr>
                             </m:accPr>
                             <m:e>
                               <m:r>
-                                <a:rPr lang="en-US" sz="1200" b="1" i="1">
+                                <a:rPr lang="en-US" sz="1000" b="1" i="1">
                                   <a:latin typeface="Cambria Math" panose="02040503050406030204" pitchFamily="18" charset="0"/>
                                 </a:rPr>
                                 <m:t>𝑬𝑸</m:t>
@@ -6508,7 +8701,7 @@
                         </m:e>
                         <m:sub>
                           <m:r>
-                            <a:rPr lang="en-US" sz="1200" b="1" i="1">
+                            <a:rPr lang="en-US" sz="1000" b="1" i="1">
                               <a:latin typeface="Cambria Math" panose="02040503050406030204" pitchFamily="18" charset="0"/>
                             </a:rPr>
                             <m:t>𝑯</m:t>
@@ -6518,19 +8711,13 @@
                     </m:oMath>
                   </m:oMathPara>
                 </a14:m>
-                <a:endParaRPr lang="es-CO" sz="1200" dirty="0"/>
+                <a:endParaRPr lang="es-CO" sz="1000" dirty="0"/>
               </a:p>
               <a:p>
                 <a:pPr marL="0" indent="0">
                   <a:buNone/>
                 </a:pPr>
-                <a:endParaRPr lang="es-CO" sz="1200" dirty="0"/>
-              </a:p>
-              <a:p>
-                <a:pPr marL="0" indent="0">
-                  <a:buNone/>
-                </a:pPr>
-                <a:endParaRPr lang="es-CO" sz="1200" dirty="0"/>
+                <a:endParaRPr lang="es-CO" sz="1000" dirty="0"/>
               </a:p>
               <a:p>
                 <a:pPr marL="0" indent="0">
@@ -6542,87 +8729,218 @@
                       <m:jc m:val="centerGroup"/>
                     </m:oMathParaPr>
                     <m:oMath xmlns:m="http://schemas.openxmlformats.org/officeDocument/2006/math">
-                      <m:sSub>
-                        <m:sSubPr>
+                      <m:d>
+                        <m:dPr>
                           <m:ctrlPr>
-                            <a:rPr lang="es-CO" sz="1200" i="1">
+                            <a:rPr lang="es-ES" sz="1000" i="1">
+                              <a:latin typeface="Cambria Math" panose="02040503050406030204" pitchFamily="18" charset="0"/>
+                            </a:rPr>
+                          </m:ctrlPr>
+                        </m:dPr>
+                        <m:e>
+                          <m:r>
+                            <a:rPr lang="en-GB" sz="1000" i="1">
+                              <a:latin typeface="Cambria Math" panose="02040503050406030204" pitchFamily="18" charset="0"/>
+                            </a:rPr>
+                            <m:t>𝑅</m:t>
+                          </m:r>
+                          <m:sSub>
+                            <m:sSubPr>
+                              <m:ctrlPr>
+                                <a:rPr lang="es-CO" sz="1000" i="1">
+                                  <a:latin typeface="Cambria Math" panose="02040503050406030204" pitchFamily="18" charset="0"/>
+                                </a:rPr>
+                              </m:ctrlPr>
+                            </m:sSubPr>
+                            <m:e>
+                              <m:r>
+                                <a:rPr lang="en-GB" sz="1000" i="1">
+                                  <a:latin typeface="Cambria Math" panose="02040503050406030204" pitchFamily="18" charset="0"/>
+                                </a:rPr>
+                                <m:t>𝐸</m:t>
+                              </m:r>
+                            </m:e>
+                            <m:sub>
+                              <m:r>
+                                <a:rPr lang="en-GB" sz="1000" i="1">
+                                  <a:latin typeface="Cambria Math" panose="02040503050406030204" pitchFamily="18" charset="0"/>
+                                </a:rPr>
+                                <m:t>𝐹</m:t>
+                              </m:r>
+                            </m:sub>
+                          </m:sSub>
+                          <m:r>
+                            <a:rPr lang="en-GB" sz="1000" i="1">
+                              <a:latin typeface="Cambria Math" panose="02040503050406030204" pitchFamily="18" charset="0"/>
+                            </a:rPr>
+                            <m:t> </m:t>
+                          </m:r>
+                          <m:r>
+                            <m:rPr>
+                              <m:nor/>
+                            </m:rPr>
+                            <a:rPr lang="es-ES" sz="1000" dirty="0">
+                              <a:ea typeface="Times New Roman" panose="02020603050405020304" pitchFamily="18" charset="0"/>
+                              <a:cs typeface="Times New Roman" panose="02020603050405020304" pitchFamily="18" charset="0"/>
+                            </a:rPr>
+                            <m:t>−</m:t>
+                          </m:r>
+                          <m:r>
+                            <a:rPr lang="es-ES" sz="1000" i="1" dirty="0">
+                              <a:latin typeface="Cambria Math" panose="02040503050406030204" pitchFamily="18" charset="0"/>
+                              <a:ea typeface="Times New Roman" panose="02020603050405020304" pitchFamily="18" charset="0"/>
+                              <a:cs typeface="Times New Roman" panose="02020603050405020304" pitchFamily="18" charset="0"/>
+                            </a:rPr>
+                            <m:t> </m:t>
+                          </m:r>
+                          <m:r>
+                            <a:rPr lang="es-ES" sz="1000" i="1">
                               <a:latin typeface="Cambria Math" panose="02040503050406030204" pitchFamily="18" charset="0"/>
                               <a:ea typeface="Cambria Math" panose="02040503050406030204" pitchFamily="18" charset="0"/>
                             </a:rPr>
+                            <m:t>𝛿</m:t>
+                          </m:r>
+                          <m:r>
+                            <a:rPr lang="es-ES" sz="1000" i="1">
+                              <a:latin typeface="Cambria Math" panose="02040503050406030204" pitchFamily="18" charset="0"/>
+                              <a:ea typeface="Cambria Math" panose="02040503050406030204" pitchFamily="18" charset="0"/>
+                            </a:rPr>
+                            <m:t>𝐾</m:t>
+                          </m:r>
+                          <m:r>
+                            <a:rPr lang="es-ES" sz="1000" i="1">
+                              <a:latin typeface="Cambria Math" panose="02040503050406030204" pitchFamily="18" charset="0"/>
+                              <a:ea typeface="Cambria Math" panose="02040503050406030204" pitchFamily="18" charset="0"/>
+                            </a:rPr>
+                            <m:t> </m:t>
+                          </m:r>
+                        </m:e>
+                      </m:d>
+                      <m:r>
+                        <a:rPr lang="es-ES" sz="1000" i="1">
+                          <a:latin typeface="Cambria Math" panose="02040503050406030204" pitchFamily="18" charset="0"/>
+                          <a:ea typeface="Cambria Math" panose="02040503050406030204" pitchFamily="18" charset="0"/>
+                        </a:rPr>
+                        <m:t>.</m:t>
+                      </m:r>
+                      <m:d>
+                        <m:dPr>
+                          <m:ctrlPr>
+                            <a:rPr lang="es-ES" sz="1000" i="1">
+                              <a:latin typeface="Cambria Math" panose="02040503050406030204" pitchFamily="18" charset="0"/>
+                              <a:ea typeface="Times New Roman" panose="02020603050405020304" pitchFamily="18" charset="0"/>
+                              <a:cs typeface="Times New Roman" panose="02020603050405020304" pitchFamily="18" charset="0"/>
+                            </a:rPr>
                           </m:ctrlPr>
-                        </m:sSubPr>
+                        </m:dPr>
                         <m:e>
-                          <m:r>
-                            <a:rPr lang="es-CO" sz="1200" i="1">
-                              <a:latin typeface="Cambria Math" panose="02040503050406030204" pitchFamily="18" charset="0"/>
-                              <a:ea typeface="Cambria Math" panose="02040503050406030204" pitchFamily="18" charset="0"/>
-                            </a:rPr>
-                            <m:t>𝜑</m:t>
-                          </m:r>
+                          <m:f>
+                            <m:fPr>
+                              <m:ctrlPr>
+                                <a:rPr lang="es-CO" sz="1000" i="1">
+                                  <a:latin typeface="Cambria Math" panose="02040503050406030204" pitchFamily="18" charset="0"/>
+                                  <a:ea typeface="Times New Roman" panose="02020603050405020304" pitchFamily="18" charset="0"/>
+                                  <a:cs typeface="Times New Roman" panose="02020603050405020304" pitchFamily="18" charset="0"/>
+                                </a:rPr>
+                              </m:ctrlPr>
+                            </m:fPr>
+                            <m:num>
+                              <m:r>
+                                <a:rPr lang="en-GB" sz="1000" i="1">
+                                  <a:latin typeface="Cambria Math" panose="02040503050406030204" pitchFamily="18" charset="0"/>
+                                  <a:ea typeface="Times New Roman" panose="02020603050405020304" pitchFamily="18" charset="0"/>
+                                  <a:cs typeface="Times New Roman" panose="02020603050405020304" pitchFamily="18" charset="0"/>
+                                </a:rPr>
+                                <m:t>𝐸</m:t>
+                              </m:r>
+                              <m:sSubSup>
+                                <m:sSubSupPr>
+                                  <m:ctrlPr>
+                                    <a:rPr lang="es-CO" sz="1000" i="1">
+                                      <a:latin typeface="Cambria Math" panose="02040503050406030204" pitchFamily="18" charset="0"/>
+                                      <a:ea typeface="Times New Roman" panose="02020603050405020304" pitchFamily="18" charset="0"/>
+                                      <a:cs typeface="Times New Roman" panose="02020603050405020304" pitchFamily="18" charset="0"/>
+                                    </a:rPr>
+                                  </m:ctrlPr>
+                                </m:sSubSupPr>
+                                <m:e>
+                                  <m:r>
+                                    <a:rPr lang="en-GB" sz="1000" i="1">
+                                      <a:latin typeface="Cambria Math" panose="02040503050406030204" pitchFamily="18" charset="0"/>
+                                      <a:ea typeface="Times New Roman" panose="02020603050405020304" pitchFamily="18" charset="0"/>
+                                      <a:cs typeface="Times New Roman" panose="02020603050405020304" pitchFamily="18" charset="0"/>
+                                    </a:rPr>
+                                    <m:t>𝑄</m:t>
+                                  </m:r>
+                                </m:e>
+                                <m:sub>
+                                  <m:r>
+                                    <a:rPr lang="en-GB" sz="1000" i="1">
+                                      <a:latin typeface="Cambria Math" panose="02040503050406030204" pitchFamily="18" charset="0"/>
+                                      <a:ea typeface="Times New Roman" panose="02020603050405020304" pitchFamily="18" charset="0"/>
+                                      <a:cs typeface="Times New Roman" panose="02020603050405020304" pitchFamily="18" charset="0"/>
+                                    </a:rPr>
+                                    <m:t>𝐹</m:t>
+                                  </m:r>
+                                </m:sub>
+                                <m:sup>
+                                  <m:r>
+                                    <a:rPr lang="es-CO" sz="1000" i="1">
+                                      <a:latin typeface="Cambria Math" panose="02040503050406030204" pitchFamily="18" charset="0"/>
+                                      <a:ea typeface="Times New Roman" panose="02020603050405020304" pitchFamily="18" charset="0"/>
+                                      <a:cs typeface="Times New Roman" panose="02020603050405020304" pitchFamily="18" charset="0"/>
+                                    </a:rPr>
+                                    <m:t>𝐻</m:t>
+                                  </m:r>
+                                </m:sup>
+                              </m:sSubSup>
+                            </m:num>
+                            <m:den>
+                              <m:r>
+                                <a:rPr lang="en-GB" sz="1000" i="1">
+                                  <a:latin typeface="Cambria Math" panose="02040503050406030204" pitchFamily="18" charset="0"/>
+                                  <a:ea typeface="Times New Roman" panose="02020603050405020304" pitchFamily="18" charset="0"/>
+                                  <a:cs typeface="Times New Roman" panose="02020603050405020304" pitchFamily="18" charset="0"/>
+                                </a:rPr>
+                                <m:t>𝐸</m:t>
+                              </m:r>
+                              <m:sSub>
+                                <m:sSubPr>
+                                  <m:ctrlPr>
+                                    <a:rPr lang="es-CO" sz="1000" i="1">
+                                      <a:latin typeface="Cambria Math" panose="02040503050406030204" pitchFamily="18" charset="0"/>
+                                      <a:ea typeface="Times New Roman" panose="02020603050405020304" pitchFamily="18" charset="0"/>
+                                      <a:cs typeface="Times New Roman" panose="02020603050405020304" pitchFamily="18" charset="0"/>
+                                    </a:rPr>
+                                  </m:ctrlPr>
+                                </m:sSubPr>
+                                <m:e>
+                                  <m:r>
+                                    <a:rPr lang="en-GB" sz="1000" i="1">
+                                      <a:latin typeface="Cambria Math" panose="02040503050406030204" pitchFamily="18" charset="0"/>
+                                      <a:ea typeface="Times New Roman" panose="02020603050405020304" pitchFamily="18" charset="0"/>
+                                      <a:cs typeface="Times New Roman" panose="02020603050405020304" pitchFamily="18" charset="0"/>
+                                    </a:rPr>
+                                    <m:t>𝑄</m:t>
+                                  </m:r>
+                                </m:e>
+                                <m:sub>
+                                  <m:r>
+                                    <a:rPr lang="en-GB" sz="1000" i="1">
+                                      <a:latin typeface="Cambria Math" panose="02040503050406030204" pitchFamily="18" charset="0"/>
+                                      <a:ea typeface="Times New Roman" panose="02020603050405020304" pitchFamily="18" charset="0"/>
+                                      <a:cs typeface="Times New Roman" panose="02020603050405020304" pitchFamily="18" charset="0"/>
+                                    </a:rPr>
+                                    <m:t>𝐹</m:t>
+                                  </m:r>
+                                </m:sub>
+                              </m:sSub>
+                            </m:den>
+                          </m:f>
                         </m:e>
-                        <m:sub>
-                          <m:r>
-                            <a:rPr lang="es-CO" sz="1200" i="1">
-                              <a:latin typeface="Cambria Math" panose="02040503050406030204" pitchFamily="18" charset="0"/>
-                              <a:ea typeface="Cambria Math" panose="02040503050406030204" pitchFamily="18" charset="0"/>
-                            </a:rPr>
-                            <m:t>𝐹</m:t>
-                          </m:r>
-                          <m:r>
-                            <a:rPr lang="es-CO" sz="1200" i="1">
-                              <a:latin typeface="Cambria Math" panose="02040503050406030204" pitchFamily="18" charset="0"/>
-                              <a:ea typeface="Cambria Math" panose="02040503050406030204" pitchFamily="18" charset="0"/>
-                            </a:rPr>
-                            <m:t>,</m:t>
-                          </m:r>
-                          <m:r>
-                            <a:rPr lang="es-CO" sz="1200" i="1">
-                              <a:latin typeface="Cambria Math" panose="02040503050406030204" pitchFamily="18" charset="0"/>
-                              <a:ea typeface="Cambria Math" panose="02040503050406030204" pitchFamily="18" charset="0"/>
-                            </a:rPr>
-                            <m:t>𝐻</m:t>
-                          </m:r>
-                        </m:sub>
-                      </m:sSub>
+                      </m:d>
                       <m:r>
-                        <a:rPr lang="en-GB" sz="1200" i="1">
-                          <a:latin typeface="Cambria Math" panose="02040503050406030204" pitchFamily="18" charset="0"/>
-                        </a:rPr>
-                        <m:t>⋅</m:t>
-                      </m:r>
-                      <m:r>
-                        <a:rPr lang="en-GB" sz="1200" i="1">
-                          <a:latin typeface="Cambria Math" panose="02040503050406030204" pitchFamily="18" charset="0"/>
-                        </a:rPr>
-                        <m:t>𝑅</m:t>
-                      </m:r>
-                      <m:sSub>
-                        <m:sSubPr>
-                          <m:ctrlPr>
-                            <a:rPr lang="es-CO" sz="1200" i="1">
-                              <a:latin typeface="Cambria Math" panose="02040503050406030204" pitchFamily="18" charset="0"/>
-                            </a:rPr>
-                          </m:ctrlPr>
-                        </m:sSubPr>
-                        <m:e>
-                          <m:r>
-                            <a:rPr lang="en-GB" sz="1200" i="1">
-                              <a:latin typeface="Cambria Math" panose="02040503050406030204" pitchFamily="18" charset="0"/>
-                            </a:rPr>
-                            <m:t>𝐸</m:t>
-                          </m:r>
-                        </m:e>
-                        <m:sub>
-                          <m:r>
-                            <a:rPr lang="en-GB" sz="1200" i="1">
-                              <a:latin typeface="Cambria Math" panose="02040503050406030204" pitchFamily="18" charset="0"/>
-                            </a:rPr>
-                            <m:t>𝐹</m:t>
-                          </m:r>
-                        </m:sub>
-                      </m:sSub>
-                      <m:r>
-                        <a:rPr lang="es-CO" sz="1200" b="1" i="1" smtClean="0">
+                        <a:rPr lang="es-CO" sz="1000" b="1" i="1" smtClean="0">
                           <a:latin typeface="Cambria Math" panose="02040503050406030204" pitchFamily="18" charset="0"/>
                         </a:rPr>
                         <m:t>=</m:t>
@@ -6630,7 +8948,7 @@
                       <m:sSub>
                         <m:sSubPr>
                           <m:ctrlPr>
-                            <a:rPr lang="es-CO" sz="1200" b="1" i="1">
+                            <a:rPr lang="es-CO" sz="1000" b="1" i="1">
                               <a:latin typeface="Cambria Math" panose="02040503050406030204" pitchFamily="18" charset="0"/>
                             </a:rPr>
                           </m:ctrlPr>
@@ -6640,14 +8958,14 @@
                             <m:accPr>
                               <m:chr m:val="̇"/>
                               <m:ctrlPr>
-                                <a:rPr lang="es-CO" sz="1200" b="1" i="1">
+                                <a:rPr lang="es-CO" sz="1000" b="1" i="1">
                                   <a:latin typeface="Cambria Math" panose="02040503050406030204" pitchFamily="18" charset="0"/>
                                 </a:rPr>
                               </m:ctrlPr>
                             </m:accPr>
                             <m:e>
                               <m:r>
-                                <a:rPr lang="en-US" sz="1200" b="1" i="1">
+                                <a:rPr lang="en-US" sz="1000" b="1" i="1">
                                   <a:latin typeface="Cambria Math" panose="02040503050406030204" pitchFamily="18" charset="0"/>
                                 </a:rPr>
                                 <m:t>𝑬𝑸</m:t>
@@ -6657,7 +8975,7 @@
                         </m:e>
                         <m:sub>
                           <m:r>
-                            <a:rPr lang="en-US" sz="1200" b="1" i="1">
+                            <a:rPr lang="en-US" sz="1000" b="1" i="1">
                               <a:latin typeface="Cambria Math" panose="02040503050406030204" pitchFamily="18" charset="0"/>
                             </a:rPr>
                             <m:t>𝑯</m:t>
@@ -6667,61 +8985,61 @@
                     </m:oMath>
                   </m:oMathPara>
                 </a14:m>
-                <a:endParaRPr lang="es-CO" sz="1200" b="1" dirty="0"/>
+                <a:endParaRPr lang="es-CO" sz="1000" b="1" dirty="0"/>
               </a:p>
               <a:p>
                 <a:pPr marL="0" indent="0">
                   <a:buNone/>
                 </a:pPr>
-                <a:endParaRPr lang="es-CO" sz="1200" dirty="0"/>
+                <a:endParaRPr lang="es-CO" sz="1000" dirty="0"/>
               </a:p>
               <a:p>
                 <a:pPr marL="0" indent="0">
                   <a:buNone/>
                 </a:pPr>
-                <a:endParaRPr lang="es-CO" sz="1200" dirty="0"/>
+                <a:endParaRPr lang="es-CO" sz="1000" dirty="0"/>
               </a:p>
               <a:p>
                 <a:pPr marL="0" indent="0">
                   <a:buNone/>
                 </a:pPr>
-                <a:endParaRPr lang="es-CO" sz="1200" dirty="0"/>
+                <a:endParaRPr lang="es-CO" sz="1000" dirty="0"/>
               </a:p>
               <a:p>
                 <a:pPr marL="0" indent="0">
                   <a:buNone/>
                 </a:pPr>
-                <a:endParaRPr lang="es-CO" sz="1200" dirty="0"/>
+                <a:endParaRPr lang="es-CO" sz="1000" dirty="0"/>
               </a:p>
               <a:p>
                 <a:pPr marL="0" indent="0">
                   <a:buNone/>
                 </a:pPr>
-                <a:endParaRPr lang="es-CO" sz="1200" dirty="0"/>
+                <a:endParaRPr lang="es-CO" sz="1000" dirty="0"/>
               </a:p>
               <a:p>
                 <a:pPr marL="0" indent="0">
                   <a:buNone/>
                 </a:pPr>
-                <a:endParaRPr lang="es-CO" sz="1200" dirty="0"/>
+                <a:endParaRPr lang="es-CO" sz="1000" dirty="0"/>
               </a:p>
               <a:p>
                 <a:pPr marL="0" indent="0">
                   <a:buNone/>
                 </a:pPr>
-                <a:endParaRPr lang="es-CO" sz="1200" dirty="0"/>
+                <a:endParaRPr lang="es-CO" sz="1000" dirty="0"/>
               </a:p>
               <a:p>
                 <a:pPr marL="0" indent="0">
                   <a:buNone/>
                 </a:pPr>
-                <a:endParaRPr lang="es-CO" sz="1200" dirty="0"/>
+                <a:endParaRPr lang="es-CO" sz="1000" dirty="0"/>
               </a:p>
               <a:p>
                 <a:pPr marL="0" indent="0">
                   <a:buNone/>
                 </a:pPr>
-                <a:endParaRPr lang="es-CO" sz="1200" dirty="0">
+                <a:endParaRPr lang="es-CO" sz="1000" dirty="0">
                   <a:latin typeface="Century Gothic" panose="020B0502020202020204" pitchFamily="34" charset="0"/>
                 </a:endParaRPr>
               </a:p>
@@ -6729,14 +9047,14 @@
                 <a:pPr marL="0" indent="0">
                   <a:buNone/>
                 </a:pPr>
-                <a:endParaRPr lang="es-ES_tradnl" sz="1200" dirty="0">
+                <a:endParaRPr lang="es-ES_tradnl" sz="1000" dirty="0">
                   <a:latin typeface="Century Gothic" panose="020B0502020202020204" pitchFamily="34" charset="0"/>
                 </a:endParaRPr>
               </a:p>
             </p:txBody>
           </p:sp>
         </mc:Choice>
-        <mc:Fallback xmlns="">
+        <mc:Fallback>
           <p:sp>
             <p:nvSpPr>
               <p:cNvPr id="10" name="Marcador de contenido 4">
@@ -6755,11 +9073,11 @@
             </p:nvSpPr>
             <p:spPr>
               <a:xfrm>
-                <a:off x="6266613" y="1470819"/>
-                <a:ext cx="5537199" cy="3761582"/>
+                <a:off x="5956060" y="1643784"/>
+                <a:ext cx="6235940" cy="3761582"/>
               </a:xfrm>
               <a:blipFill>
-                <a:blip r:embed="rId3"/>
+                <a:blip r:embed="rId4"/>
                 <a:stretch>
                   <a:fillRect/>
                 </a:stretch>
@@ -6770,7 +9088,7 @@
               <a:lstStyle/>
               <a:p>
                 <a:r>
-                  <a:rPr lang="es-CO">
+                  <a:rPr lang="es-ES_tradnl">
                     <a:noFill/>
                   </a:rPr>
                   <a:t> </a:t>
@@ -6780,53 +9098,6 @@
           </p:sp>
         </mc:Fallback>
       </mc:AlternateContent>
-      <p:sp>
-        <p:nvSpPr>
-          <p:cNvPr id="11" name="Rectángulo redondeado 8">
-            <a:extLst>
-              <a:ext uri="{FF2B5EF4-FFF2-40B4-BE49-F238E27FC236}">
-                <a16:creationId xmlns:a16="http://schemas.microsoft.com/office/drawing/2014/main" id="{66EE649D-FF2E-4BA5-AD4A-490DFAC9A1B1}"/>
-              </a:ext>
-            </a:extLst>
-          </p:cNvPr>
-          <p:cNvSpPr/>
-          <p:nvPr/>
-        </p:nvSpPr>
-        <p:spPr>
-          <a:xfrm>
-            <a:off x="7839178" y="4269357"/>
-            <a:ext cx="2632222" cy="681486"/>
-          </a:xfrm>
-          <a:prstGeom prst="roundRect">
-            <a:avLst/>
-          </a:prstGeom>
-          <a:noFill/>
-        </p:spPr>
-        <p:style>
-          <a:lnRef idx="2">
-            <a:schemeClr val="accent1">
-              <a:shade val="50000"/>
-            </a:schemeClr>
-          </a:lnRef>
-          <a:fillRef idx="1">
-            <a:schemeClr val="accent1"/>
-          </a:fillRef>
-          <a:effectRef idx="0">
-            <a:schemeClr val="accent1"/>
-          </a:effectRef>
-          <a:fontRef idx="minor">
-            <a:schemeClr val="lt1"/>
-          </a:fontRef>
-        </p:style>
-        <p:txBody>
-          <a:bodyPr rtlCol="0" anchor="ctr"/>
-          <a:lstStyle/>
-          <a:p>
-            <a:pPr algn="ctr"/>
-            <a:endParaRPr lang="es-ES_tradnl"/>
-          </a:p>
-        </p:txBody>
-      </p:sp>
     </p:spTree>
     <p:extLst>
       <p:ext uri="{BB962C8B-B14F-4D97-AF65-F5344CB8AC3E}">
@@ -6841,6 +9112,1103 @@
 </file>
 
 <file path=ppt/slides/slide11.xml><?xml version="1.0" encoding="utf-8"?>
+<p:sld xmlns:a="http://schemas.openxmlformats.org/drawingml/2006/main" xmlns:r="http://schemas.openxmlformats.org/officeDocument/2006/relationships" xmlns:p="http://schemas.openxmlformats.org/presentationml/2006/main">
+  <p:cSld>
+    <p:spTree>
+      <p:nvGrpSpPr>
+        <p:cNvPr id="1" name=""/>
+        <p:cNvGrpSpPr/>
+        <p:nvPr/>
+      </p:nvGrpSpPr>
+      <p:grpSpPr>
+        <a:xfrm>
+          <a:off x="0" y="0"/>
+          <a:ext cx="0" cy="0"/>
+          <a:chOff x="0" y="0"/>
+          <a:chExt cx="0" cy="0"/>
+        </a:xfrm>
+      </p:grpSpPr>
+      <mc:AlternateContent xmlns:mc="http://schemas.openxmlformats.org/markup-compatibility/2006">
+        <mc:Choice xmlns:a14="http://schemas.microsoft.com/office/drawing/2010/main" Requires="a14">
+          <p:sp>
+            <p:nvSpPr>
+              <p:cNvPr id="6" name="Marcador de contenido 5">
+                <a:extLst>
+                  <a:ext uri="{FF2B5EF4-FFF2-40B4-BE49-F238E27FC236}">
+                    <a16:creationId xmlns:a16="http://schemas.microsoft.com/office/drawing/2014/main" id="{24F9DB0A-62E7-7D46-AC86-C018C69514ED}"/>
+                  </a:ext>
+                </a:extLst>
+              </p:cNvPr>
+              <p:cNvSpPr>
+                <a:spLocks noGrp="1"/>
+              </p:cNvSpPr>
+              <p:nvPr>
+                <p:ph idx="1"/>
+              </p:nvPr>
+            </p:nvSpPr>
+            <p:spPr/>
+            <p:txBody>
+              <a:bodyPr>
+                <a:normAutofit/>
+              </a:bodyPr>
+              <a:lstStyle/>
+              <a:p>
+                <a:pPr marL="0" indent="0">
+                  <a:buNone/>
+                </a:pPr>
+                <a:endParaRPr lang="es-ES_tradnl" sz="1800" dirty="0"/>
+              </a:p>
+              <a:p>
+                <a:pPr marL="0" indent="0">
+                  <a:buNone/>
+                </a:pPr>
+                <a14:m>
+                  <m:oMathPara xmlns:m="http://schemas.openxmlformats.org/officeDocument/2006/math">
+                    <m:oMathParaPr>
+                      <m:jc m:val="centerGroup"/>
+                    </m:oMathParaPr>
+                    <m:oMath xmlns:m="http://schemas.openxmlformats.org/officeDocument/2006/math">
+                      <m:sSub>
+                        <m:sSubPr>
+                          <m:ctrlPr>
+                            <a:rPr lang="es-CO" sz="1800" b="1" i="1">
+                              <a:latin typeface="Cambria Math" panose="02040503050406030204" pitchFamily="18" charset="0"/>
+                            </a:rPr>
+                          </m:ctrlPr>
+                        </m:sSubPr>
+                        <m:e>
+                          <m:acc>
+                            <m:accPr>
+                              <m:chr m:val="̇"/>
+                              <m:ctrlPr>
+                                <a:rPr lang="es-CO" sz="1800" b="1" i="1">
+                                  <a:latin typeface="Cambria Math" panose="02040503050406030204" pitchFamily="18" charset="0"/>
+                                </a:rPr>
+                              </m:ctrlPr>
+                            </m:accPr>
+                            <m:e>
+                              <m:r>
+                                <a:rPr lang="en-US" sz="1800" b="1" i="1">
+                                  <a:latin typeface="Cambria Math" panose="02040503050406030204" pitchFamily="18" charset="0"/>
+                                </a:rPr>
+                                <m:t>𝑬𝑸</m:t>
+                              </m:r>
+                            </m:e>
+                          </m:acc>
+                        </m:e>
+                        <m:sub>
+                          <m:r>
+                            <a:rPr lang="en-US" sz="1800" b="1" i="1">
+                              <a:latin typeface="Cambria Math" panose="02040503050406030204" pitchFamily="18" charset="0"/>
+                            </a:rPr>
+                            <m:t>𝑯</m:t>
+                          </m:r>
+                        </m:sub>
+                      </m:sSub>
+                      <m:r>
+                        <a:rPr lang="es-ES" sz="1800" b="1" i="1" smtClean="0">
+                          <a:latin typeface="Cambria Math" panose="02040503050406030204" pitchFamily="18" charset="0"/>
+                        </a:rPr>
+                        <m:t>=</m:t>
+                      </m:r>
+                      <m:d>
+                        <m:dPr>
+                          <m:ctrlPr>
+                            <a:rPr lang="es-ES" sz="1800" i="1">
+                              <a:latin typeface="Cambria Math" panose="02040503050406030204" pitchFamily="18" charset="0"/>
+                            </a:rPr>
+                          </m:ctrlPr>
+                        </m:dPr>
+                        <m:e>
+                          <m:r>
+                            <a:rPr lang="en-GB" sz="1800" i="1">
+                              <a:latin typeface="Cambria Math" panose="02040503050406030204" pitchFamily="18" charset="0"/>
+                            </a:rPr>
+                            <m:t>𝑅</m:t>
+                          </m:r>
+                          <m:sSub>
+                            <m:sSubPr>
+                              <m:ctrlPr>
+                                <a:rPr lang="es-CO" sz="1800" i="1">
+                                  <a:latin typeface="Cambria Math" panose="02040503050406030204" pitchFamily="18" charset="0"/>
+                                </a:rPr>
+                              </m:ctrlPr>
+                            </m:sSubPr>
+                            <m:e>
+                              <m:r>
+                                <a:rPr lang="en-GB" sz="1800" i="1">
+                                  <a:latin typeface="Cambria Math" panose="02040503050406030204" pitchFamily="18" charset="0"/>
+                                </a:rPr>
+                                <m:t>𝐸</m:t>
+                              </m:r>
+                            </m:e>
+                            <m:sub>
+                              <m:r>
+                                <a:rPr lang="en-GB" sz="1800" i="1">
+                                  <a:latin typeface="Cambria Math" panose="02040503050406030204" pitchFamily="18" charset="0"/>
+                                </a:rPr>
+                                <m:t>𝐹</m:t>
+                              </m:r>
+                            </m:sub>
+                          </m:sSub>
+                          <m:r>
+                            <a:rPr lang="en-GB" sz="1800" i="1">
+                              <a:latin typeface="Cambria Math" panose="02040503050406030204" pitchFamily="18" charset="0"/>
+                            </a:rPr>
+                            <m:t> </m:t>
+                          </m:r>
+                          <m:r>
+                            <m:rPr>
+                              <m:nor/>
+                            </m:rPr>
+                            <a:rPr lang="es-ES" sz="1800" dirty="0">
+                              <a:ea typeface="Times New Roman" panose="02020603050405020304" pitchFamily="18" charset="0"/>
+                              <a:cs typeface="Times New Roman" panose="02020603050405020304" pitchFamily="18" charset="0"/>
+                            </a:rPr>
+                            <m:t>−</m:t>
+                          </m:r>
+                          <m:r>
+                            <a:rPr lang="es-ES" sz="1800" i="1" dirty="0">
+                              <a:latin typeface="Cambria Math" panose="02040503050406030204" pitchFamily="18" charset="0"/>
+                              <a:ea typeface="Times New Roman" panose="02020603050405020304" pitchFamily="18" charset="0"/>
+                              <a:cs typeface="Times New Roman" panose="02020603050405020304" pitchFamily="18" charset="0"/>
+                            </a:rPr>
+                            <m:t> </m:t>
+                          </m:r>
+                          <m:r>
+                            <a:rPr lang="es-ES" sz="1800" i="1">
+                              <a:latin typeface="Cambria Math" panose="02040503050406030204" pitchFamily="18" charset="0"/>
+                              <a:ea typeface="Cambria Math" panose="02040503050406030204" pitchFamily="18" charset="0"/>
+                            </a:rPr>
+                            <m:t>𝛿</m:t>
+                          </m:r>
+                          <m:r>
+                            <a:rPr lang="es-ES" sz="1800" i="1">
+                              <a:latin typeface="Cambria Math" panose="02040503050406030204" pitchFamily="18" charset="0"/>
+                              <a:ea typeface="Cambria Math" panose="02040503050406030204" pitchFamily="18" charset="0"/>
+                            </a:rPr>
+                            <m:t>𝐾</m:t>
+                          </m:r>
+                          <m:r>
+                            <a:rPr lang="es-ES" sz="1800" i="1">
+                              <a:latin typeface="Cambria Math" panose="02040503050406030204" pitchFamily="18" charset="0"/>
+                              <a:ea typeface="Cambria Math" panose="02040503050406030204" pitchFamily="18" charset="0"/>
+                            </a:rPr>
+                            <m:t> </m:t>
+                          </m:r>
+                        </m:e>
+                      </m:d>
+                      <m:r>
+                        <a:rPr lang="es-ES" sz="1800" i="1">
+                          <a:latin typeface="Cambria Math" panose="02040503050406030204" pitchFamily="18" charset="0"/>
+                          <a:ea typeface="Cambria Math" panose="02040503050406030204" pitchFamily="18" charset="0"/>
+                        </a:rPr>
+                        <m:t>.</m:t>
+                      </m:r>
+                      <m:d>
+                        <m:dPr>
+                          <m:ctrlPr>
+                            <a:rPr lang="es-ES" sz="1800" i="1">
+                              <a:latin typeface="Cambria Math" panose="02040503050406030204" pitchFamily="18" charset="0"/>
+                              <a:ea typeface="Times New Roman" panose="02020603050405020304" pitchFamily="18" charset="0"/>
+                              <a:cs typeface="Times New Roman" panose="02020603050405020304" pitchFamily="18" charset="0"/>
+                            </a:rPr>
+                          </m:ctrlPr>
+                        </m:dPr>
+                        <m:e>
+                          <m:f>
+                            <m:fPr>
+                              <m:ctrlPr>
+                                <a:rPr lang="es-CO" sz="1800" i="1">
+                                  <a:latin typeface="Cambria Math" panose="02040503050406030204" pitchFamily="18" charset="0"/>
+                                  <a:ea typeface="Times New Roman" panose="02020603050405020304" pitchFamily="18" charset="0"/>
+                                  <a:cs typeface="Times New Roman" panose="02020603050405020304" pitchFamily="18" charset="0"/>
+                                </a:rPr>
+                              </m:ctrlPr>
+                            </m:fPr>
+                            <m:num>
+                              <m:r>
+                                <a:rPr lang="en-GB" sz="1800" i="1">
+                                  <a:latin typeface="Cambria Math" panose="02040503050406030204" pitchFamily="18" charset="0"/>
+                                  <a:ea typeface="Times New Roman" panose="02020603050405020304" pitchFamily="18" charset="0"/>
+                                  <a:cs typeface="Times New Roman" panose="02020603050405020304" pitchFamily="18" charset="0"/>
+                                </a:rPr>
+                                <m:t>𝐸</m:t>
+                              </m:r>
+                              <m:sSubSup>
+                                <m:sSubSupPr>
+                                  <m:ctrlPr>
+                                    <a:rPr lang="es-CO" sz="1800" i="1">
+                                      <a:latin typeface="Cambria Math" panose="02040503050406030204" pitchFamily="18" charset="0"/>
+                                      <a:ea typeface="Times New Roman" panose="02020603050405020304" pitchFamily="18" charset="0"/>
+                                      <a:cs typeface="Times New Roman" panose="02020603050405020304" pitchFamily="18" charset="0"/>
+                                    </a:rPr>
+                                  </m:ctrlPr>
+                                </m:sSubSupPr>
+                                <m:e>
+                                  <m:r>
+                                    <a:rPr lang="en-GB" sz="1800" i="1">
+                                      <a:latin typeface="Cambria Math" panose="02040503050406030204" pitchFamily="18" charset="0"/>
+                                      <a:ea typeface="Times New Roman" panose="02020603050405020304" pitchFamily="18" charset="0"/>
+                                      <a:cs typeface="Times New Roman" panose="02020603050405020304" pitchFamily="18" charset="0"/>
+                                    </a:rPr>
+                                    <m:t>𝑄</m:t>
+                                  </m:r>
+                                </m:e>
+                                <m:sub>
+                                  <m:r>
+                                    <a:rPr lang="en-GB" sz="1800" i="1">
+                                      <a:latin typeface="Cambria Math" panose="02040503050406030204" pitchFamily="18" charset="0"/>
+                                      <a:ea typeface="Times New Roman" panose="02020603050405020304" pitchFamily="18" charset="0"/>
+                                      <a:cs typeface="Times New Roman" panose="02020603050405020304" pitchFamily="18" charset="0"/>
+                                    </a:rPr>
+                                    <m:t>𝐹</m:t>
+                                  </m:r>
+                                </m:sub>
+                                <m:sup>
+                                  <m:r>
+                                    <a:rPr lang="es-CO" sz="1800" i="1">
+                                      <a:latin typeface="Cambria Math" panose="02040503050406030204" pitchFamily="18" charset="0"/>
+                                      <a:ea typeface="Times New Roman" panose="02020603050405020304" pitchFamily="18" charset="0"/>
+                                      <a:cs typeface="Times New Roman" panose="02020603050405020304" pitchFamily="18" charset="0"/>
+                                    </a:rPr>
+                                    <m:t>𝐻</m:t>
+                                  </m:r>
+                                </m:sup>
+                              </m:sSubSup>
+                            </m:num>
+                            <m:den>
+                              <m:r>
+                                <a:rPr lang="en-GB" sz="1800" i="1">
+                                  <a:latin typeface="Cambria Math" panose="02040503050406030204" pitchFamily="18" charset="0"/>
+                                  <a:ea typeface="Times New Roman" panose="02020603050405020304" pitchFamily="18" charset="0"/>
+                                  <a:cs typeface="Times New Roman" panose="02020603050405020304" pitchFamily="18" charset="0"/>
+                                </a:rPr>
+                                <m:t>𝐸</m:t>
+                              </m:r>
+                              <m:sSub>
+                                <m:sSubPr>
+                                  <m:ctrlPr>
+                                    <a:rPr lang="es-CO" sz="1800" i="1">
+                                      <a:latin typeface="Cambria Math" panose="02040503050406030204" pitchFamily="18" charset="0"/>
+                                      <a:ea typeface="Times New Roman" panose="02020603050405020304" pitchFamily="18" charset="0"/>
+                                      <a:cs typeface="Times New Roman" panose="02020603050405020304" pitchFamily="18" charset="0"/>
+                                    </a:rPr>
+                                  </m:ctrlPr>
+                                </m:sSubPr>
+                                <m:e>
+                                  <m:r>
+                                    <a:rPr lang="en-GB" sz="1800" i="1">
+                                      <a:latin typeface="Cambria Math" panose="02040503050406030204" pitchFamily="18" charset="0"/>
+                                      <a:ea typeface="Times New Roman" panose="02020603050405020304" pitchFamily="18" charset="0"/>
+                                      <a:cs typeface="Times New Roman" panose="02020603050405020304" pitchFamily="18" charset="0"/>
+                                    </a:rPr>
+                                    <m:t>𝑄</m:t>
+                                  </m:r>
+                                </m:e>
+                                <m:sub>
+                                  <m:r>
+                                    <a:rPr lang="en-GB" sz="1800" i="1">
+                                      <a:latin typeface="Cambria Math" panose="02040503050406030204" pitchFamily="18" charset="0"/>
+                                      <a:ea typeface="Times New Roman" panose="02020603050405020304" pitchFamily="18" charset="0"/>
+                                      <a:cs typeface="Times New Roman" panose="02020603050405020304" pitchFamily="18" charset="0"/>
+                                    </a:rPr>
+                                    <m:t>𝐹</m:t>
+                                  </m:r>
+                                </m:sub>
+                              </m:sSub>
+                            </m:den>
+                          </m:f>
+                        </m:e>
+                      </m:d>
+                    </m:oMath>
+                  </m:oMathPara>
+                </a14:m>
+                <a:endParaRPr lang="es-ES_tradnl" sz="1800" dirty="0"/>
+              </a:p>
+              <a:p>
+                <a:pPr marL="0" indent="0">
+                  <a:buNone/>
+                </a:pPr>
+                <a:endParaRPr lang="es-ES_tradnl" sz="1800" dirty="0"/>
+              </a:p>
+              <a:p>
+                <a:pPr marL="0" indent="0">
+                  <a:buNone/>
+                </a:pPr>
+                <a14:m>
+                  <m:oMathPara xmlns:m="http://schemas.openxmlformats.org/officeDocument/2006/math">
+                    <m:oMathParaPr>
+                      <m:jc m:val="centerGroup"/>
+                    </m:oMathParaPr>
+                    <m:oMath xmlns:m="http://schemas.openxmlformats.org/officeDocument/2006/math">
+                      <m:sSubSup>
+                        <m:sSubSupPr>
+                          <m:ctrlPr>
+                            <a:rPr lang="es-CO" sz="1800" b="1" i="1">
+                              <a:latin typeface="Cambria Math" panose="02040503050406030204" pitchFamily="18" charset="0"/>
+                            </a:rPr>
+                          </m:ctrlPr>
+                        </m:sSubSupPr>
+                        <m:e>
+                          <m:acc>
+                            <m:accPr>
+                              <m:chr m:val="̇"/>
+                              <m:ctrlPr>
+                                <a:rPr lang="es-CO" sz="1800" b="1" i="1">
+                                  <a:latin typeface="Cambria Math" panose="02040503050406030204" pitchFamily="18" charset="0"/>
+                                </a:rPr>
+                              </m:ctrlPr>
+                            </m:accPr>
+                            <m:e>
+                              <m:r>
+                                <a:rPr lang="es-CO" sz="1800" b="1" i="1">
+                                  <a:latin typeface="Cambria Math" panose="02040503050406030204" pitchFamily="18" charset="0"/>
+                                </a:rPr>
+                                <m:t>𝑬𝑸</m:t>
+                              </m:r>
+                            </m:e>
+                          </m:acc>
+                        </m:e>
+                        <m:sub>
+                          <m:r>
+                            <a:rPr lang="es-CO" sz="1800" b="1" i="1">
+                              <a:latin typeface="Cambria Math" panose="02040503050406030204" pitchFamily="18" charset="0"/>
+                            </a:rPr>
+                            <m:t>𝑭</m:t>
+                          </m:r>
+                        </m:sub>
+                        <m:sup>
+                          <m:r>
+                            <a:rPr lang="es-CO" sz="1800" b="1" i="1">
+                              <a:latin typeface="Cambria Math" panose="02040503050406030204" pitchFamily="18" charset="0"/>
+                            </a:rPr>
+                            <m:t>𝑹𝒐𝑾</m:t>
+                          </m:r>
+                        </m:sup>
+                      </m:sSubSup>
+                      <m:r>
+                        <a:rPr lang="es-ES" sz="1800" b="0" i="1" smtClean="0">
+                          <a:latin typeface="Cambria Math" panose="02040503050406030204" pitchFamily="18" charset="0"/>
+                        </a:rPr>
+                        <m:t>= </m:t>
+                      </m:r>
+                      <m:r>
+                        <a:rPr lang="en-GB" sz="1800" i="1" smtClean="0">
+                          <a:solidFill>
+                            <a:schemeClr val="tx1"/>
+                          </a:solidFill>
+                          <a:latin typeface="Cambria Math" panose="02040503050406030204" pitchFamily="18" charset="0"/>
+                        </a:rPr>
+                        <m:t>𝐹𝐷</m:t>
+                      </m:r>
+                      <m:sSup>
+                        <m:sSupPr>
+                          <m:ctrlPr>
+                            <a:rPr lang="es-CO" sz="1800" i="1">
+                              <a:solidFill>
+                                <a:schemeClr val="tx1"/>
+                              </a:solidFill>
+                              <a:latin typeface="Cambria Math" panose="02040503050406030204" pitchFamily="18" charset="0"/>
+                            </a:rPr>
+                          </m:ctrlPr>
+                        </m:sSupPr>
+                        <m:e>
+                          <m:r>
+                            <a:rPr lang="en-GB" sz="1800" i="1">
+                              <a:solidFill>
+                                <a:schemeClr val="tx1"/>
+                              </a:solidFill>
+                              <a:latin typeface="Cambria Math" panose="02040503050406030204" pitchFamily="18" charset="0"/>
+                            </a:rPr>
+                            <m:t>𝐼</m:t>
+                          </m:r>
+                        </m:e>
+                        <m:sup>
+                          <m:r>
+                            <a:rPr lang="en-GB" sz="1800" i="1">
+                              <a:solidFill>
+                                <a:schemeClr val="tx1"/>
+                              </a:solidFill>
+                              <a:latin typeface="Cambria Math" panose="02040503050406030204" pitchFamily="18" charset="0"/>
+                            </a:rPr>
+                            <m:t>𝐺</m:t>
+                          </m:r>
+                        </m:sup>
+                      </m:sSup>
+                      <m:r>
+                        <a:rPr lang="en-GB" sz="1800" i="1">
+                          <a:solidFill>
+                            <a:schemeClr val="tx1"/>
+                          </a:solidFill>
+                          <a:latin typeface="Cambria Math" panose="02040503050406030204" pitchFamily="18" charset="0"/>
+                        </a:rPr>
+                        <m:t> ⋅</m:t>
+                      </m:r>
+                      <m:sSup>
+                        <m:sSupPr>
+                          <m:ctrlPr>
+                            <a:rPr lang="es-CO" sz="1800" i="1">
+                              <a:solidFill>
+                                <a:schemeClr val="tx1"/>
+                              </a:solidFill>
+                              <a:latin typeface="Cambria Math" panose="02040503050406030204" pitchFamily="18" charset="0"/>
+                            </a:rPr>
+                          </m:ctrlPr>
+                        </m:sSupPr>
+                        <m:e>
+                          <m:r>
+                            <a:rPr lang="en-GB" sz="1800" i="1">
+                              <a:solidFill>
+                                <a:schemeClr val="tx1"/>
+                              </a:solidFill>
+                              <a:latin typeface="Cambria Math" panose="02040503050406030204" pitchFamily="18" charset="0"/>
+                            </a:rPr>
+                            <m:t>𝑒</m:t>
+                          </m:r>
+                        </m:e>
+                        <m:sup>
+                          <m:r>
+                            <a:rPr lang="en-GB" sz="1800" i="1">
+                              <a:solidFill>
+                                <a:schemeClr val="tx1"/>
+                              </a:solidFill>
+                              <a:latin typeface="Cambria Math" panose="02040503050406030204" pitchFamily="18" charset="0"/>
+                            </a:rPr>
+                            <m:t>𝑁</m:t>
+                          </m:r>
+                        </m:sup>
+                      </m:sSup>
+                      <m:r>
+                        <a:rPr lang="es-ES" sz="1800" b="0" i="1" smtClean="0">
+                          <a:solidFill>
+                            <a:schemeClr val="tx1"/>
+                          </a:solidFill>
+                          <a:latin typeface="Cambria Math" panose="02040503050406030204" pitchFamily="18" charset="0"/>
+                        </a:rPr>
+                        <m:t>+</m:t>
+                      </m:r>
+                      <m:sSub>
+                        <m:sSubPr>
+                          <m:ctrlPr>
+                            <a:rPr lang="es-CO" sz="1800" i="1">
+                              <a:solidFill>
+                                <a:schemeClr val="tx1"/>
+                              </a:solidFill>
+                              <a:latin typeface="Cambria Math" panose="02040503050406030204" pitchFamily="18" charset="0"/>
+                            </a:rPr>
+                          </m:ctrlPr>
+                        </m:sSubPr>
+                        <m:e>
+                          <m:r>
+                            <a:rPr lang="en-GB" sz="1800" i="1">
+                              <a:solidFill>
+                                <a:schemeClr val="tx1"/>
+                              </a:solidFill>
+                              <a:latin typeface="Cambria Math" panose="02040503050406030204" pitchFamily="18" charset="0"/>
+                            </a:rPr>
+                            <m:t>𝜉</m:t>
+                          </m:r>
+                        </m:e>
+                        <m:sub>
+                          <m:r>
+                            <a:rPr lang="en-GB" sz="1800" i="1">
+                              <a:solidFill>
+                                <a:schemeClr val="tx1"/>
+                              </a:solidFill>
+                              <a:latin typeface="Cambria Math" panose="02040503050406030204" pitchFamily="18" charset="0"/>
+                            </a:rPr>
+                            <m:t>𝐹</m:t>
+                          </m:r>
+                        </m:sub>
+                      </m:sSub>
+                      <m:r>
+                        <a:rPr lang="en-GB" sz="1800" i="1">
+                          <a:solidFill>
+                            <a:schemeClr val="tx1"/>
+                          </a:solidFill>
+                          <a:latin typeface="Cambria Math" panose="02040503050406030204" pitchFamily="18" charset="0"/>
+                        </a:rPr>
+                        <m:t>⋅</m:t>
+                      </m:r>
+                      <m:r>
+                        <a:rPr lang="en-GB" sz="1800" i="1">
+                          <a:solidFill>
+                            <a:schemeClr val="tx1"/>
+                          </a:solidFill>
+                          <a:latin typeface="Cambria Math" panose="02040503050406030204" pitchFamily="18" charset="0"/>
+                        </a:rPr>
+                        <m:t>𝐹𝐷</m:t>
+                      </m:r>
+                      <m:sSup>
+                        <m:sSupPr>
+                          <m:ctrlPr>
+                            <a:rPr lang="es-CO" sz="1800" i="1">
+                              <a:solidFill>
+                                <a:schemeClr val="tx1"/>
+                              </a:solidFill>
+                              <a:latin typeface="Cambria Math" panose="02040503050406030204" pitchFamily="18" charset="0"/>
+                            </a:rPr>
+                          </m:ctrlPr>
+                        </m:sSupPr>
+                        <m:e>
+                          <m:r>
+                            <a:rPr lang="en-GB" sz="1800" i="1">
+                              <a:solidFill>
+                                <a:schemeClr val="tx1"/>
+                              </a:solidFill>
+                              <a:latin typeface="Cambria Math" panose="02040503050406030204" pitchFamily="18" charset="0"/>
+                            </a:rPr>
+                            <m:t>𝐼</m:t>
+                          </m:r>
+                        </m:e>
+                        <m:sup>
+                          <m:r>
+                            <a:rPr lang="en-GB" sz="1800" i="1">
+                              <a:solidFill>
+                                <a:schemeClr val="tx1"/>
+                              </a:solidFill>
+                              <a:latin typeface="Cambria Math" panose="02040503050406030204" pitchFamily="18" charset="0"/>
+                            </a:rPr>
+                            <m:t>𝑃</m:t>
+                          </m:r>
+                        </m:sup>
+                      </m:sSup>
+                      <m:r>
+                        <a:rPr lang="en-GB" sz="1800" i="1">
+                          <a:solidFill>
+                            <a:schemeClr val="tx1"/>
+                          </a:solidFill>
+                          <a:latin typeface="Cambria Math" panose="02040503050406030204" pitchFamily="18" charset="0"/>
+                        </a:rPr>
+                        <m:t>⋅</m:t>
+                      </m:r>
+                      <m:sSup>
+                        <m:sSupPr>
+                          <m:ctrlPr>
+                            <a:rPr lang="es-CO" sz="1800" i="1">
+                              <a:solidFill>
+                                <a:schemeClr val="tx1"/>
+                              </a:solidFill>
+                              <a:latin typeface="Cambria Math" panose="02040503050406030204" pitchFamily="18" charset="0"/>
+                            </a:rPr>
+                          </m:ctrlPr>
+                        </m:sSupPr>
+                        <m:e>
+                          <m:r>
+                            <a:rPr lang="en-GB" sz="1800" i="1">
+                              <a:solidFill>
+                                <a:schemeClr val="tx1"/>
+                              </a:solidFill>
+                              <a:latin typeface="Cambria Math" panose="02040503050406030204" pitchFamily="18" charset="0"/>
+                            </a:rPr>
+                            <m:t>𝑒</m:t>
+                          </m:r>
+                        </m:e>
+                        <m:sup>
+                          <m:r>
+                            <a:rPr lang="en-GB" sz="1800" i="1">
+                              <a:solidFill>
+                                <a:schemeClr val="tx1"/>
+                              </a:solidFill>
+                              <a:latin typeface="Cambria Math" panose="02040503050406030204" pitchFamily="18" charset="0"/>
+                            </a:rPr>
+                            <m:t>𝑁</m:t>
+                          </m:r>
+                        </m:sup>
+                      </m:sSup>
+                      <m:r>
+                        <a:rPr lang="es-ES" sz="1800" b="0" i="1" smtClean="0">
+                          <a:solidFill>
+                            <a:schemeClr val="tx1"/>
+                          </a:solidFill>
+                          <a:latin typeface="Cambria Math" panose="02040503050406030204" pitchFamily="18" charset="0"/>
+                        </a:rPr>
+                        <m:t>+</m:t>
+                      </m:r>
+                      <m:d>
+                        <m:dPr>
+                          <m:ctrlPr>
+                            <a:rPr lang="es-ES" sz="1800" i="1">
+                              <a:solidFill>
+                                <a:schemeClr val="tx1"/>
+                              </a:solidFill>
+                              <a:latin typeface="Cambria Math" panose="02040503050406030204" pitchFamily="18" charset="0"/>
+                            </a:rPr>
+                          </m:ctrlPr>
+                        </m:dPr>
+                        <m:e>
+                          <m:r>
+                            <a:rPr lang="en-GB" sz="1800" i="1">
+                              <a:solidFill>
+                                <a:schemeClr val="tx1"/>
+                              </a:solidFill>
+                              <a:latin typeface="Cambria Math" panose="02040503050406030204" pitchFamily="18" charset="0"/>
+                            </a:rPr>
+                            <m:t>𝑅</m:t>
+                          </m:r>
+                          <m:sSub>
+                            <m:sSubPr>
+                              <m:ctrlPr>
+                                <a:rPr lang="es-CO" sz="1800" i="1">
+                                  <a:solidFill>
+                                    <a:schemeClr val="tx1"/>
+                                  </a:solidFill>
+                                  <a:latin typeface="Cambria Math" panose="02040503050406030204" pitchFamily="18" charset="0"/>
+                                </a:rPr>
+                              </m:ctrlPr>
+                            </m:sSubPr>
+                            <m:e>
+                              <m:r>
+                                <a:rPr lang="en-GB" sz="1800" i="1">
+                                  <a:solidFill>
+                                    <a:schemeClr val="tx1"/>
+                                  </a:solidFill>
+                                  <a:latin typeface="Cambria Math" panose="02040503050406030204" pitchFamily="18" charset="0"/>
+                                </a:rPr>
+                                <m:t>𝐸</m:t>
+                              </m:r>
+                            </m:e>
+                            <m:sub>
+                              <m:r>
+                                <a:rPr lang="en-GB" sz="1800" i="1">
+                                  <a:solidFill>
+                                    <a:schemeClr val="tx1"/>
+                                  </a:solidFill>
+                                  <a:latin typeface="Cambria Math" panose="02040503050406030204" pitchFamily="18" charset="0"/>
+                                </a:rPr>
+                                <m:t>𝐹</m:t>
+                              </m:r>
+                            </m:sub>
+                          </m:sSub>
+                          <m:r>
+                            <a:rPr lang="es-ES" sz="1800" i="1">
+                              <a:solidFill>
+                                <a:schemeClr val="tx1"/>
+                              </a:solidFill>
+                              <a:latin typeface="Cambria Math" panose="02040503050406030204" pitchFamily="18" charset="0"/>
+                            </a:rPr>
+                            <m:t>−</m:t>
+                          </m:r>
+                          <m:r>
+                            <a:rPr lang="es-ES" sz="1800" i="1">
+                              <a:solidFill>
+                                <a:schemeClr val="tx1"/>
+                              </a:solidFill>
+                              <a:latin typeface="Cambria Math" panose="02040503050406030204" pitchFamily="18" charset="0"/>
+                              <a:ea typeface="Cambria Math" panose="02040503050406030204" pitchFamily="18" charset="0"/>
+                            </a:rPr>
+                            <m:t>𝛿</m:t>
+                          </m:r>
+                          <m:r>
+                            <a:rPr lang="es-ES" sz="1800" i="1">
+                              <a:solidFill>
+                                <a:schemeClr val="tx1"/>
+                              </a:solidFill>
+                              <a:latin typeface="Cambria Math" panose="02040503050406030204" pitchFamily="18" charset="0"/>
+                              <a:ea typeface="Cambria Math" panose="02040503050406030204" pitchFamily="18" charset="0"/>
+                            </a:rPr>
+                            <m:t>𝐾</m:t>
+                          </m:r>
+                        </m:e>
+                      </m:d>
+                      <m:r>
+                        <a:rPr lang="es-ES" sz="1800" i="1">
+                          <a:solidFill>
+                            <a:schemeClr val="tx1"/>
+                          </a:solidFill>
+                          <a:latin typeface="Cambria Math" panose="02040503050406030204" pitchFamily="18" charset="0"/>
+                        </a:rPr>
+                        <m:t>.</m:t>
+                      </m:r>
+                      <m:d>
+                        <m:dPr>
+                          <m:ctrlPr>
+                            <a:rPr lang="es-ES" sz="1800" i="1">
+                              <a:solidFill>
+                                <a:schemeClr val="tx1"/>
+                              </a:solidFill>
+                              <a:latin typeface="Cambria Math" panose="02040503050406030204" pitchFamily="18" charset="0"/>
+                              <a:ea typeface="Times New Roman" panose="02020603050405020304" pitchFamily="18" charset="0"/>
+                              <a:cs typeface="Times New Roman" panose="02020603050405020304" pitchFamily="18" charset="0"/>
+                            </a:rPr>
+                          </m:ctrlPr>
+                        </m:dPr>
+                        <m:e>
+                          <m:f>
+                            <m:fPr>
+                              <m:ctrlPr>
+                                <a:rPr lang="es-CO" sz="1800" i="1">
+                                  <a:solidFill>
+                                    <a:schemeClr val="tx1"/>
+                                  </a:solidFill>
+                                  <a:latin typeface="Cambria Math" panose="02040503050406030204" pitchFamily="18" charset="0"/>
+                                  <a:ea typeface="Times New Roman" panose="02020603050405020304" pitchFamily="18" charset="0"/>
+                                  <a:cs typeface="Times New Roman" panose="02020603050405020304" pitchFamily="18" charset="0"/>
+                                </a:rPr>
+                              </m:ctrlPr>
+                            </m:fPr>
+                            <m:num>
+                              <m:r>
+                                <a:rPr lang="en-GB" sz="1800" i="1">
+                                  <a:solidFill>
+                                    <a:schemeClr val="tx1"/>
+                                  </a:solidFill>
+                                  <a:latin typeface="Cambria Math" panose="02040503050406030204" pitchFamily="18" charset="0"/>
+                                  <a:ea typeface="Times New Roman" panose="02020603050405020304" pitchFamily="18" charset="0"/>
+                                  <a:cs typeface="Times New Roman" panose="02020603050405020304" pitchFamily="18" charset="0"/>
+                                </a:rPr>
+                                <m:t>𝐸</m:t>
+                              </m:r>
+                              <m:sSubSup>
+                                <m:sSubSupPr>
+                                  <m:ctrlPr>
+                                    <a:rPr lang="es-CO" sz="1800" i="1">
+                                      <a:solidFill>
+                                        <a:schemeClr val="tx1"/>
+                                      </a:solidFill>
+                                      <a:latin typeface="Cambria Math" panose="02040503050406030204" pitchFamily="18" charset="0"/>
+                                      <a:ea typeface="Times New Roman" panose="02020603050405020304" pitchFamily="18" charset="0"/>
+                                      <a:cs typeface="Times New Roman" panose="02020603050405020304" pitchFamily="18" charset="0"/>
+                                    </a:rPr>
+                                  </m:ctrlPr>
+                                </m:sSubSupPr>
+                                <m:e>
+                                  <m:r>
+                                    <a:rPr lang="en-GB" sz="1800" i="1">
+                                      <a:solidFill>
+                                        <a:schemeClr val="tx1"/>
+                                      </a:solidFill>
+                                      <a:latin typeface="Cambria Math" panose="02040503050406030204" pitchFamily="18" charset="0"/>
+                                      <a:ea typeface="Times New Roman" panose="02020603050405020304" pitchFamily="18" charset="0"/>
+                                      <a:cs typeface="Times New Roman" panose="02020603050405020304" pitchFamily="18" charset="0"/>
+                                    </a:rPr>
+                                    <m:t>𝑄</m:t>
+                                  </m:r>
+                                </m:e>
+                                <m:sub>
+                                  <m:r>
+                                    <a:rPr lang="en-GB" sz="1800" i="1">
+                                      <a:solidFill>
+                                        <a:schemeClr val="tx1"/>
+                                      </a:solidFill>
+                                      <a:latin typeface="Cambria Math" panose="02040503050406030204" pitchFamily="18" charset="0"/>
+                                      <a:ea typeface="Times New Roman" panose="02020603050405020304" pitchFamily="18" charset="0"/>
+                                      <a:cs typeface="Times New Roman" panose="02020603050405020304" pitchFamily="18" charset="0"/>
+                                    </a:rPr>
+                                    <m:t>𝐹</m:t>
+                                  </m:r>
+                                </m:sub>
+                                <m:sup>
+                                  <m:r>
+                                    <a:rPr lang="es-ES" sz="1800" i="1">
+                                      <a:solidFill>
+                                        <a:schemeClr val="tx1"/>
+                                      </a:solidFill>
+                                      <a:latin typeface="Cambria Math" panose="02040503050406030204" pitchFamily="18" charset="0"/>
+                                      <a:ea typeface="Times New Roman" panose="02020603050405020304" pitchFamily="18" charset="0"/>
+                                      <a:cs typeface="Times New Roman" panose="02020603050405020304" pitchFamily="18" charset="0"/>
+                                    </a:rPr>
+                                    <m:t>𝑅𝑜𝑊</m:t>
+                                  </m:r>
+                                </m:sup>
+                              </m:sSubSup>
+                            </m:num>
+                            <m:den>
+                              <m:r>
+                                <a:rPr lang="en-GB" sz="1800" i="1">
+                                  <a:solidFill>
+                                    <a:schemeClr val="tx1"/>
+                                  </a:solidFill>
+                                  <a:latin typeface="Cambria Math" panose="02040503050406030204" pitchFamily="18" charset="0"/>
+                                  <a:ea typeface="Times New Roman" panose="02020603050405020304" pitchFamily="18" charset="0"/>
+                                  <a:cs typeface="Times New Roman" panose="02020603050405020304" pitchFamily="18" charset="0"/>
+                                </a:rPr>
+                                <m:t>𝐸</m:t>
+                              </m:r>
+                              <m:sSub>
+                                <m:sSubPr>
+                                  <m:ctrlPr>
+                                    <a:rPr lang="es-CO" sz="1800" i="1">
+                                      <a:solidFill>
+                                        <a:schemeClr val="tx1"/>
+                                      </a:solidFill>
+                                      <a:latin typeface="Cambria Math" panose="02040503050406030204" pitchFamily="18" charset="0"/>
+                                      <a:ea typeface="Times New Roman" panose="02020603050405020304" pitchFamily="18" charset="0"/>
+                                      <a:cs typeface="Times New Roman" panose="02020603050405020304" pitchFamily="18" charset="0"/>
+                                    </a:rPr>
+                                  </m:ctrlPr>
+                                </m:sSubPr>
+                                <m:e>
+                                  <m:r>
+                                    <a:rPr lang="en-GB" sz="1800" i="1">
+                                      <a:solidFill>
+                                        <a:schemeClr val="tx1"/>
+                                      </a:solidFill>
+                                      <a:latin typeface="Cambria Math" panose="02040503050406030204" pitchFamily="18" charset="0"/>
+                                      <a:ea typeface="Times New Roman" panose="02020603050405020304" pitchFamily="18" charset="0"/>
+                                      <a:cs typeface="Times New Roman" panose="02020603050405020304" pitchFamily="18" charset="0"/>
+                                    </a:rPr>
+                                    <m:t>𝑄</m:t>
+                                  </m:r>
+                                </m:e>
+                                <m:sub>
+                                  <m:r>
+                                    <a:rPr lang="en-GB" sz="1800" i="1">
+                                      <a:solidFill>
+                                        <a:schemeClr val="tx1"/>
+                                      </a:solidFill>
+                                      <a:latin typeface="Cambria Math" panose="02040503050406030204" pitchFamily="18" charset="0"/>
+                                      <a:ea typeface="Times New Roman" panose="02020603050405020304" pitchFamily="18" charset="0"/>
+                                      <a:cs typeface="Times New Roman" panose="02020603050405020304" pitchFamily="18" charset="0"/>
+                                    </a:rPr>
+                                    <m:t>𝐹</m:t>
+                                  </m:r>
+                                </m:sub>
+                              </m:sSub>
+                            </m:den>
+                          </m:f>
+                        </m:e>
+                      </m:d>
+                    </m:oMath>
+                  </m:oMathPara>
+                </a14:m>
+                <a:endParaRPr lang="es-ES_tradnl" sz="1800" dirty="0"/>
+              </a:p>
+              <a:p>
+                <a:pPr marL="0" indent="0">
+                  <a:buNone/>
+                </a:pPr>
+                <a:endParaRPr lang="es-ES_tradnl" sz="1800" dirty="0"/>
+              </a:p>
+              <a:p>
+                <a:pPr marL="0" indent="0">
+                  <a:buNone/>
+                </a:pPr>
+                <a:endParaRPr lang="es-ES_tradnl" sz="1800" dirty="0"/>
+              </a:p>
+              <a:p>
+                <a:pPr marL="0" indent="0">
+                  <a:buNone/>
+                </a:pPr>
+                <a14:m>
+                  <m:oMathPara xmlns:m="http://schemas.openxmlformats.org/officeDocument/2006/math">
+                    <m:oMathParaPr>
+                      <m:jc m:val="centerGroup"/>
+                    </m:oMathParaPr>
+                    <m:oMath xmlns:m="http://schemas.openxmlformats.org/officeDocument/2006/math">
+                      <m:sSub>
+                        <m:sSubPr>
+                          <m:ctrlPr>
+                            <a:rPr lang="es-CO" sz="1800" b="1" i="1">
+                              <a:latin typeface="Cambria Math" panose="02040503050406030204" pitchFamily="18" charset="0"/>
+                            </a:rPr>
+                          </m:ctrlPr>
+                        </m:sSubPr>
+                        <m:e>
+                          <m:acc>
+                            <m:accPr>
+                              <m:chr m:val="̇"/>
+                              <m:ctrlPr>
+                                <a:rPr lang="es-CO" sz="1800" b="1" i="1">
+                                  <a:latin typeface="Cambria Math" panose="02040503050406030204" pitchFamily="18" charset="0"/>
+                                </a:rPr>
+                              </m:ctrlPr>
+                            </m:accPr>
+                            <m:e>
+                              <m:r>
+                                <a:rPr lang="en-US" sz="1800" b="1" i="1">
+                                  <a:latin typeface="Cambria Math" panose="02040503050406030204" pitchFamily="18" charset="0"/>
+                                </a:rPr>
+                                <m:t>𝑬𝑸</m:t>
+                              </m:r>
+                            </m:e>
+                          </m:acc>
+                        </m:e>
+                        <m:sub>
+                          <m:r>
+                            <a:rPr lang="en-US" sz="1800" b="1" i="1">
+                              <a:latin typeface="Cambria Math" panose="02040503050406030204" pitchFamily="18" charset="0"/>
+                            </a:rPr>
+                            <m:t>𝑭</m:t>
+                          </m:r>
+                        </m:sub>
+                      </m:sSub>
+                      <m:r>
+                        <a:rPr lang="es-ES" sz="1800" b="0" i="1" smtClean="0">
+                          <a:latin typeface="Cambria Math" panose="02040503050406030204" pitchFamily="18" charset="0"/>
+                        </a:rPr>
+                        <m:t>=</m:t>
+                      </m:r>
+                      <m:acc>
+                        <m:accPr>
+                          <m:chr m:val="̇"/>
+                          <m:ctrlPr>
+                            <a:rPr lang="es-ES" sz="1800" i="1" smtClean="0">
+                              <a:solidFill>
+                                <a:schemeClr val="tx1"/>
+                              </a:solidFill>
+                              <a:latin typeface="Cambria Math" panose="02040503050406030204" pitchFamily="18" charset="0"/>
+                            </a:rPr>
+                          </m:ctrlPr>
+                        </m:accPr>
+                        <m:e>
+                          <m:r>
+                            <a:rPr lang="es-ES" sz="1800" i="1">
+                              <a:solidFill>
+                                <a:schemeClr val="tx1"/>
+                              </a:solidFill>
+                              <a:latin typeface="Cambria Math" panose="02040503050406030204" pitchFamily="18" charset="0"/>
+                            </a:rPr>
+                            <m:t>𝐾</m:t>
+                          </m:r>
+                        </m:e>
+                      </m:acc>
+                      <m:r>
+                        <a:rPr lang="en-GB" sz="1800" i="1">
+                          <a:solidFill>
+                            <a:schemeClr val="tx1"/>
+                          </a:solidFill>
+                          <a:latin typeface="Cambria Math" panose="02040503050406030204" pitchFamily="18" charset="0"/>
+                        </a:rPr>
+                        <m:t>−</m:t>
+                      </m:r>
+                      <m:r>
+                        <a:rPr lang="en-GB" sz="1800" i="1">
+                          <a:solidFill>
+                            <a:schemeClr val="tx1"/>
+                          </a:solidFill>
+                          <a:latin typeface="Cambria Math" panose="02040503050406030204" pitchFamily="18" charset="0"/>
+                        </a:rPr>
+                        <m:t>𝑇𝐹</m:t>
+                      </m:r>
+                      <m:sSub>
+                        <m:sSubPr>
+                          <m:ctrlPr>
+                            <a:rPr lang="es-CO" sz="1800" i="1">
+                              <a:solidFill>
+                                <a:schemeClr val="tx1"/>
+                              </a:solidFill>
+                              <a:latin typeface="Cambria Math" panose="02040503050406030204" pitchFamily="18" charset="0"/>
+                            </a:rPr>
+                          </m:ctrlPr>
+                        </m:sSubPr>
+                        <m:e>
+                          <m:r>
+                            <a:rPr lang="en-GB" sz="1800" i="1">
+                              <a:solidFill>
+                                <a:schemeClr val="tx1"/>
+                              </a:solidFill>
+                              <a:latin typeface="Cambria Math" panose="02040503050406030204" pitchFamily="18" charset="0"/>
+                            </a:rPr>
+                            <m:t>𝑁</m:t>
+                          </m:r>
+                        </m:e>
+                        <m:sub>
+                          <m:r>
+                            <a:rPr lang="en-GB" sz="1800" i="1">
+                              <a:solidFill>
+                                <a:schemeClr val="tx1"/>
+                              </a:solidFill>
+                              <a:latin typeface="Cambria Math" panose="02040503050406030204" pitchFamily="18" charset="0"/>
+                            </a:rPr>
+                            <m:t>𝐹</m:t>
+                          </m:r>
+                        </m:sub>
+                      </m:sSub>
+                    </m:oMath>
+                  </m:oMathPara>
+                </a14:m>
+                <a:endParaRPr lang="es-ES_tradnl" sz="1800" dirty="0"/>
+              </a:p>
+            </p:txBody>
+          </p:sp>
+        </mc:Choice>
+        <mc:Fallback>
+          <p:sp>
+            <p:nvSpPr>
+              <p:cNvPr id="6" name="Marcador de contenido 5">
+                <a:extLst>
+                  <a:ext uri="{FF2B5EF4-FFF2-40B4-BE49-F238E27FC236}">
+                    <a16:creationId xmlns:a16="http://schemas.microsoft.com/office/drawing/2014/main" id="{24F9DB0A-62E7-7D46-AC86-C018C69514ED}"/>
+                  </a:ext>
+                </a:extLst>
+              </p:cNvPr>
+              <p:cNvSpPr>
+                <a:spLocks noGrp="1" noRot="1" noChangeAspect="1" noMove="1" noResize="1" noEditPoints="1" noAdjustHandles="1" noChangeArrowheads="1" noChangeShapeType="1" noTextEdit="1"/>
+              </p:cNvSpPr>
+              <p:nvPr>
+                <p:ph idx="1"/>
+              </p:nvPr>
+            </p:nvSpPr>
+            <p:spPr>
+              <a:blipFill>
+                <a:blip r:embed="rId2"/>
+                <a:stretch>
+                  <a:fillRect/>
+                </a:stretch>
+              </a:blipFill>
+            </p:spPr>
+            <p:txBody>
+              <a:bodyPr/>
+              <a:lstStyle/>
+              <a:p>
+                <a:r>
+                  <a:rPr lang="es-ES_tradnl">
+                    <a:noFill/>
+                  </a:rPr>
+                  <a:t> </a:t>
+                </a:r>
+              </a:p>
+            </p:txBody>
+          </p:sp>
+        </mc:Fallback>
+      </mc:AlternateContent>
+      <p:sp>
+        <p:nvSpPr>
+          <p:cNvPr id="5" name="Título 4">
+            <a:extLst>
+              <a:ext uri="{FF2B5EF4-FFF2-40B4-BE49-F238E27FC236}">
+                <a16:creationId xmlns:a16="http://schemas.microsoft.com/office/drawing/2014/main" id="{7C8B52EA-8962-5045-AFA3-1F93372A64C6}"/>
+              </a:ext>
+            </a:extLst>
+          </p:cNvPr>
+          <p:cNvSpPr>
+            <a:spLocks noGrp="1"/>
+          </p:cNvSpPr>
+          <p:nvPr>
+            <p:ph type="title"/>
+          </p:nvPr>
+        </p:nvSpPr>
+        <p:spPr/>
+        <p:txBody>
+          <a:bodyPr/>
+          <a:lstStyle/>
+          <a:p>
+            <a:r>
+              <a:rPr lang="es-CO" dirty="0">
+                <a:latin typeface="Century Gothic" panose="020B0502020202020204" pitchFamily="34" charset="0"/>
+              </a:rPr>
+              <a:t>The variation in shares</a:t>
+            </a:r>
+            <a:endParaRPr lang="es-ES_tradnl" dirty="0"/>
+          </a:p>
+        </p:txBody>
+      </p:sp>
+    </p:spTree>
+    <p:extLst>
+      <p:ext uri="{BB962C8B-B14F-4D97-AF65-F5344CB8AC3E}">
+        <p14:creationId xmlns:p14="http://schemas.microsoft.com/office/powerpoint/2010/main" val="3388937158"/>
+      </p:ext>
+    </p:extLst>
+  </p:cSld>
+  <p:clrMapOvr>
+    <a:masterClrMapping/>
+  </p:clrMapOvr>
+</p:sld>
+</file>
+
+<file path=ppt/slides/slide12.xml><?xml version="1.0" encoding="utf-8"?>
 <p:sld xmlns:a="http://schemas.openxmlformats.org/drawingml/2006/main" xmlns:r="http://schemas.openxmlformats.org/officeDocument/2006/relationships" xmlns:p="http://schemas.openxmlformats.org/presentationml/2006/main">
   <p:cSld>
     <p:spTree>
@@ -14026,7 +17394,7 @@
 </p:sld>
 </file>
 
-<file path=ppt/slides/slide12.xml><?xml version="1.0" encoding="utf-8"?>
+<file path=ppt/slides/slide13.xml><?xml version="1.0" encoding="utf-8"?>
 <p:sld xmlns:a="http://schemas.openxmlformats.org/drawingml/2006/main" xmlns:r="http://schemas.openxmlformats.org/officeDocument/2006/relationships" xmlns:p="http://schemas.openxmlformats.org/presentationml/2006/main">
   <p:cSld>
     <p:spTree>
@@ -14043,8 +17411,8 @@
           <a:chExt cx="0" cy="0"/>
         </a:xfrm>
       </p:grpSpPr>
-      <mc:AlternateContent xmlns:mc="http://schemas.openxmlformats.org/markup-compatibility/2006">
-        <mc:Choice xmlns:a14="http://schemas.microsoft.com/office/drawing/2010/main" Requires="a14">
+      <mc:AlternateContent xmlns:mc="http://schemas.openxmlformats.org/markup-compatibility/2006" xmlns:a14="http://schemas.microsoft.com/office/drawing/2010/main">
+        <mc:Choice Requires="a14">
           <p:sp>
             <p:nvSpPr>
               <p:cNvPr id="2" name="Marcador de contenido 1">
@@ -15465,16 +18833,7 @@
                             <a:ea typeface="Cambria Math" panose="02040503050406030204" pitchFamily="18" charset="0"/>
                             <a:cs typeface="Times New Roman" panose="02020603050405020304" pitchFamily="18" charset="0"/>
                           </a:rPr>
-                          <m:t>1</m:t>
-                        </m:r>
-                        <m:r>
-                          <a:rPr lang="es-CO" sz="1800" b="0" i="1" smtClean="0">
-                            <a:effectLst/>
-                            <a:latin typeface="Cambria Math" panose="02040503050406030204" pitchFamily="18" charset="0"/>
-                            <a:ea typeface="Cambria Math" panose="02040503050406030204" pitchFamily="18" charset="0"/>
-                            <a:cs typeface="Times New Roman" panose="02020603050405020304" pitchFamily="18" charset="0"/>
-                          </a:rPr>
-                          <m:t>+</m:t>
+                          <m:t>1+</m:t>
                         </m:r>
                         <m:sSup>
                           <m:sSupPr>
@@ -15573,7 +18932,7 @@
             </p:txBody>
           </p:sp>
         </mc:Choice>
-        <mc:Fallback>
+        <mc:Fallback xmlns="">
           <p:sp>
             <p:nvSpPr>
               <p:cNvPr id="2" name="Marcador de contenido 1">
@@ -15668,7 +19027,7 @@
 </p:sld>
 </file>
 
-<file path=ppt/slides/slide13.xml><?xml version="1.0" encoding="utf-8"?>
+<file path=ppt/slides/slide14.xml><?xml version="1.0" encoding="utf-8"?>
 <p:sld xmlns:a="http://schemas.openxmlformats.org/drawingml/2006/main" xmlns:r="http://schemas.openxmlformats.org/officeDocument/2006/relationships" xmlns:p="http://schemas.openxmlformats.org/presentationml/2006/main">
   <p:cSld>
     <p:spTree>
@@ -16019,7 +19378,7 @@
 </p:sld>
 </file>
 
-<file path=ppt/slides/slide14.xml><?xml version="1.0" encoding="utf-8"?>
+<file path=ppt/slides/slide15.xml><?xml version="1.0" encoding="utf-8"?>
 <p:sld xmlns:a="http://schemas.openxmlformats.org/drawingml/2006/main" xmlns:r="http://schemas.openxmlformats.org/officeDocument/2006/relationships" xmlns:p="http://schemas.openxmlformats.org/presentationml/2006/main">
   <p:cSld>
     <p:spTree>
@@ -16498,7 +19857,7 @@
 </p:sld>
 </file>
 
-<file path=ppt/slides/slide15.xml><?xml version="1.0" encoding="utf-8"?>
+<file path=ppt/slides/slide16.xml><?xml version="1.0" encoding="utf-8"?>
 <p:sld xmlns:a="http://schemas.openxmlformats.org/drawingml/2006/main" xmlns:r="http://schemas.openxmlformats.org/officeDocument/2006/relationships" xmlns:p="http://schemas.openxmlformats.org/presentationml/2006/main">
   <p:cSld>
     <p:spTree>
@@ -16897,7 +20256,7 @@
 </p:sld>
 </file>
 
-<file path=ppt/slides/slide16.xml><?xml version="1.0" encoding="utf-8"?>
+<file path=ppt/slides/slide17.xml><?xml version="1.0" encoding="utf-8"?>
 <p:sld xmlns:a="http://schemas.openxmlformats.org/drawingml/2006/main" xmlns:r="http://schemas.openxmlformats.org/officeDocument/2006/relationships" xmlns:p="http://schemas.openxmlformats.org/presentationml/2006/main">
   <p:cSld>
     <p:spTree>
@@ -17135,7 +20494,7 @@
 </p:sld>
 </file>
 
-<file path=ppt/slides/slide17.xml><?xml version="1.0" encoding="utf-8"?>
+<file path=ppt/slides/slide18.xml><?xml version="1.0" encoding="utf-8"?>
 <p:sld xmlns:a="http://schemas.openxmlformats.org/drawingml/2006/main" xmlns:r="http://schemas.openxmlformats.org/officeDocument/2006/relationships" xmlns:p="http://schemas.openxmlformats.org/presentationml/2006/main">
   <p:cSld>
     <p:spTree>
@@ -17523,7 +20882,7 @@
 </p:sld>
 </file>
 
-<file path=ppt/slides/slide18.xml><?xml version="1.0" encoding="utf-8"?>
+<file path=ppt/slides/slide19.xml><?xml version="1.0" encoding="utf-8"?>
 <p:sld xmlns:a="http://schemas.openxmlformats.org/drawingml/2006/main" xmlns:r="http://schemas.openxmlformats.org/officeDocument/2006/relationships" xmlns:p="http://schemas.openxmlformats.org/presentationml/2006/main">
   <p:cSld>
     <p:spTree>
@@ -18263,7 +21622,170 @@
 </p:sld>
 </file>
 
-<file path=ppt/slides/slide19.xml><?xml version="1.0" encoding="utf-8"?>
+<file path=ppt/slides/slide2.xml><?xml version="1.0" encoding="utf-8"?>
+<p:sld xmlns:a="http://schemas.openxmlformats.org/drawingml/2006/main" xmlns:r="http://schemas.openxmlformats.org/officeDocument/2006/relationships" xmlns:p="http://schemas.openxmlformats.org/presentationml/2006/main">
+  <p:cSld>
+    <p:spTree>
+      <p:nvGrpSpPr>
+        <p:cNvPr id="1" name=""/>
+        <p:cNvGrpSpPr/>
+        <p:nvPr/>
+      </p:nvGrpSpPr>
+      <p:grpSpPr>
+        <a:xfrm>
+          <a:off x="0" y="0"/>
+          <a:ext cx="0" cy="0"/>
+          <a:chOff x="0" y="0"/>
+          <a:chExt cx="0" cy="0"/>
+        </a:xfrm>
+      </p:grpSpPr>
+      <p:sp>
+        <p:nvSpPr>
+          <p:cNvPr id="2" name="Marcador de contenido 1">
+            <a:extLst>
+              <a:ext uri="{FF2B5EF4-FFF2-40B4-BE49-F238E27FC236}">
+                <a16:creationId xmlns:a16="http://schemas.microsoft.com/office/drawing/2014/main" id="{1E76053E-E553-4C2C-919A-CE7A30FA73F9}"/>
+              </a:ext>
+            </a:extLst>
+          </p:cNvPr>
+          <p:cNvSpPr>
+            <a:spLocks noGrp="1"/>
+          </p:cNvSpPr>
+          <p:nvPr>
+            <p:ph idx="1"/>
+          </p:nvPr>
+        </p:nvSpPr>
+        <p:spPr>
+          <a:xfrm>
+            <a:off x="791852" y="2014835"/>
+            <a:ext cx="10463752" cy="2641141"/>
+          </a:xfrm>
+        </p:spPr>
+        <p:txBody>
+          <a:bodyPr>
+            <a:normAutofit/>
+          </a:bodyPr>
+          <a:lstStyle/>
+          <a:p>
+            <a:pPr algn="just"/>
+            <a:r>
+              <a:rPr lang="es-CO" sz="2000" dirty="0">
+                <a:latin typeface="Century Gothic" panose="020B0502020202020204" pitchFamily="34" charset="0"/>
+              </a:rPr>
+              <a:t>Discussion about last meeting comments: FX loans, portfolio flows, consumption tax, households equities, and labour productivity. </a:t>
+            </a:r>
+          </a:p>
+          <a:p>
+            <a:pPr marL="0" indent="0" algn="just">
+              <a:buNone/>
+            </a:pPr>
+            <a:endParaRPr lang="es-CO" sz="2000" dirty="0">
+              <a:latin typeface="Century Gothic" panose="020B0502020202020204" pitchFamily="34" charset="0"/>
+            </a:endParaRPr>
+          </a:p>
+          <a:p>
+            <a:pPr algn="just"/>
+            <a:r>
+              <a:rPr lang="es-CO" sz="2000" dirty="0">
+                <a:effectLst/>
+                <a:latin typeface="Century Gothic" panose="020B0502020202020204" pitchFamily="34" charset="0"/>
+                <a:ea typeface="Calibri" panose="020F0502020204030204" pitchFamily="34" charset="0"/>
+                <a:cs typeface="Times New Roman" panose="02020603050405020304" pitchFamily="18" charset="0"/>
+              </a:rPr>
+              <a:t>Summary of the final </a:t>
+            </a:r>
+            <a:r>
+              <a:rPr lang="en-GB" sz="2000" dirty="0">
+                <a:effectLst/>
+                <a:latin typeface="Century Gothic" panose="020B0502020202020204" pitchFamily="34" charset="0"/>
+                <a:ea typeface="Calibri" panose="020F0502020204030204" pitchFamily="34" charset="0"/>
+                <a:cs typeface="Times New Roman" panose="02020603050405020304" pitchFamily="18" charset="0"/>
+              </a:rPr>
+              <a:t>version of the model. </a:t>
+            </a:r>
+          </a:p>
+          <a:p>
+            <a:pPr algn="just"/>
+            <a:endParaRPr lang="en-GB" sz="2000" dirty="0">
+              <a:latin typeface="Century Gothic" panose="020B0502020202020204" pitchFamily="34" charset="0"/>
+              <a:ea typeface="Calibri" panose="020F0502020204030204" pitchFamily="34" charset="0"/>
+              <a:cs typeface="Times New Roman" panose="02020603050405020304" pitchFamily="18" charset="0"/>
+            </a:endParaRPr>
+          </a:p>
+          <a:p>
+            <a:pPr algn="just"/>
+            <a:r>
+              <a:rPr lang="en-GB" sz="2000" dirty="0">
+                <a:latin typeface="Century Gothic" panose="020B0502020202020204" pitchFamily="34" charset="0"/>
+                <a:ea typeface="Calibri" panose="020F0502020204030204" pitchFamily="34" charset="0"/>
+                <a:cs typeface="Times New Roman" panose="02020603050405020304" pitchFamily="18" charset="0"/>
+              </a:rPr>
+              <a:t>Once the model is in the code, what alternatives scenarios to include. </a:t>
+            </a:r>
+          </a:p>
+          <a:p>
+            <a:pPr algn="just"/>
+            <a:endParaRPr lang="en-GB" sz="2000" dirty="0">
+              <a:effectLst/>
+              <a:latin typeface="Century Gothic" panose="020B0502020202020204" pitchFamily="34" charset="0"/>
+              <a:ea typeface="Calibri" panose="020F0502020204030204" pitchFamily="34" charset="0"/>
+              <a:cs typeface="Times New Roman" panose="02020603050405020304" pitchFamily="18" charset="0"/>
+            </a:endParaRPr>
+          </a:p>
+        </p:txBody>
+      </p:sp>
+      <p:sp>
+        <p:nvSpPr>
+          <p:cNvPr id="3" name="Título 2">
+            <a:extLst>
+              <a:ext uri="{FF2B5EF4-FFF2-40B4-BE49-F238E27FC236}">
+                <a16:creationId xmlns:a16="http://schemas.microsoft.com/office/drawing/2014/main" id="{5DA68AA8-71CC-44C3-BE34-4520548865CD}"/>
+              </a:ext>
+            </a:extLst>
+          </p:cNvPr>
+          <p:cNvSpPr>
+            <a:spLocks noGrp="1"/>
+          </p:cNvSpPr>
+          <p:nvPr>
+            <p:ph type="title"/>
+          </p:nvPr>
+        </p:nvSpPr>
+        <p:spPr>
+          <a:xfrm>
+            <a:off x="791852" y="537145"/>
+            <a:ext cx="7694645" cy="979127"/>
+          </a:xfrm>
+        </p:spPr>
+        <p:txBody>
+          <a:bodyPr>
+            <a:normAutofit fontScale="90000"/>
+          </a:bodyPr>
+          <a:lstStyle/>
+          <a:p>
+            <a:pPr algn="l"/>
+            <a:r>
+              <a:rPr lang="es-CO" b="1" dirty="0">
+                <a:latin typeface="Century Gothic" panose="020B0502020202020204" pitchFamily="34" charset="0"/>
+              </a:rPr>
+              <a:t>Structure of the presentation.</a:t>
+            </a:r>
+          </a:p>
+        </p:txBody>
+      </p:sp>
+    </p:spTree>
+    <p:extLst>
+      <p:ext uri="{BB962C8B-B14F-4D97-AF65-F5344CB8AC3E}">
+        <p14:creationId xmlns:p14="http://schemas.microsoft.com/office/powerpoint/2010/main" val="299212864"/>
+      </p:ext>
+    </p:extLst>
+  </p:cSld>
+  <p:clrMapOvr>
+    <a:masterClrMapping/>
+  </p:clrMapOvr>
+</p:sld>
+</file>
+
+<file path=ppt/slides/slide20.xml><?xml version="1.0" encoding="utf-8"?>
 <p:sld xmlns:a="http://schemas.openxmlformats.org/drawingml/2006/main" xmlns:r="http://schemas.openxmlformats.org/officeDocument/2006/relationships" xmlns:p="http://schemas.openxmlformats.org/presentationml/2006/main">
   <p:cSld>
     <p:spTree>
@@ -18507,169 +22029,6 @@
     <p:extLst>
       <p:ext uri="{BB962C8B-B14F-4D97-AF65-F5344CB8AC3E}">
         <p14:creationId xmlns:p14="http://schemas.microsoft.com/office/powerpoint/2010/main" val="3718154569"/>
-      </p:ext>
-    </p:extLst>
-  </p:cSld>
-  <p:clrMapOvr>
-    <a:masterClrMapping/>
-  </p:clrMapOvr>
-</p:sld>
-</file>
-
-<file path=ppt/slides/slide2.xml><?xml version="1.0" encoding="utf-8"?>
-<p:sld xmlns:a="http://schemas.openxmlformats.org/drawingml/2006/main" xmlns:r="http://schemas.openxmlformats.org/officeDocument/2006/relationships" xmlns:p="http://schemas.openxmlformats.org/presentationml/2006/main">
-  <p:cSld>
-    <p:spTree>
-      <p:nvGrpSpPr>
-        <p:cNvPr id="1" name=""/>
-        <p:cNvGrpSpPr/>
-        <p:nvPr/>
-      </p:nvGrpSpPr>
-      <p:grpSpPr>
-        <a:xfrm>
-          <a:off x="0" y="0"/>
-          <a:ext cx="0" cy="0"/>
-          <a:chOff x="0" y="0"/>
-          <a:chExt cx="0" cy="0"/>
-        </a:xfrm>
-      </p:grpSpPr>
-      <p:sp>
-        <p:nvSpPr>
-          <p:cNvPr id="2" name="Marcador de contenido 1">
-            <a:extLst>
-              <a:ext uri="{FF2B5EF4-FFF2-40B4-BE49-F238E27FC236}">
-                <a16:creationId xmlns:a16="http://schemas.microsoft.com/office/drawing/2014/main" id="{1E76053E-E553-4C2C-919A-CE7A30FA73F9}"/>
-              </a:ext>
-            </a:extLst>
-          </p:cNvPr>
-          <p:cNvSpPr>
-            <a:spLocks noGrp="1"/>
-          </p:cNvSpPr>
-          <p:nvPr>
-            <p:ph idx="1"/>
-          </p:nvPr>
-        </p:nvSpPr>
-        <p:spPr>
-          <a:xfrm>
-            <a:off x="791852" y="2014835"/>
-            <a:ext cx="10463752" cy="2641141"/>
-          </a:xfrm>
-        </p:spPr>
-        <p:txBody>
-          <a:bodyPr>
-            <a:normAutofit/>
-          </a:bodyPr>
-          <a:lstStyle/>
-          <a:p>
-            <a:pPr algn="just"/>
-            <a:r>
-              <a:rPr lang="es-CO" sz="2000" dirty="0">
-                <a:latin typeface="Century Gothic" panose="020B0502020202020204" pitchFamily="34" charset="0"/>
-              </a:rPr>
-              <a:t>Discussion about last meeting comments: FX loans, portfolio flows, consumption tax, households equities, and labour productivity. </a:t>
-            </a:r>
-          </a:p>
-          <a:p>
-            <a:pPr marL="0" indent="0" algn="just">
-              <a:buNone/>
-            </a:pPr>
-            <a:endParaRPr lang="es-CO" sz="2000" dirty="0">
-              <a:latin typeface="Century Gothic" panose="020B0502020202020204" pitchFamily="34" charset="0"/>
-            </a:endParaRPr>
-          </a:p>
-          <a:p>
-            <a:pPr algn="just"/>
-            <a:r>
-              <a:rPr lang="es-CO" sz="2000" dirty="0">
-                <a:effectLst/>
-                <a:latin typeface="Century Gothic" panose="020B0502020202020204" pitchFamily="34" charset="0"/>
-                <a:ea typeface="Calibri" panose="020F0502020204030204" pitchFamily="34" charset="0"/>
-                <a:cs typeface="Times New Roman" panose="02020603050405020304" pitchFamily="18" charset="0"/>
-              </a:rPr>
-              <a:t>Summary of the final </a:t>
-            </a:r>
-            <a:r>
-              <a:rPr lang="en-GB" sz="2000" dirty="0">
-                <a:effectLst/>
-                <a:latin typeface="Century Gothic" panose="020B0502020202020204" pitchFamily="34" charset="0"/>
-                <a:ea typeface="Calibri" panose="020F0502020204030204" pitchFamily="34" charset="0"/>
-                <a:cs typeface="Times New Roman" panose="02020603050405020304" pitchFamily="18" charset="0"/>
-              </a:rPr>
-              <a:t>version of the model. </a:t>
-            </a:r>
-          </a:p>
-          <a:p>
-            <a:pPr algn="just"/>
-            <a:endParaRPr lang="en-GB" sz="2000" dirty="0">
-              <a:latin typeface="Century Gothic" panose="020B0502020202020204" pitchFamily="34" charset="0"/>
-              <a:ea typeface="Calibri" panose="020F0502020204030204" pitchFamily="34" charset="0"/>
-              <a:cs typeface="Times New Roman" panose="02020603050405020304" pitchFamily="18" charset="0"/>
-            </a:endParaRPr>
-          </a:p>
-          <a:p>
-            <a:pPr algn="just"/>
-            <a:r>
-              <a:rPr lang="en-GB" sz="2000" dirty="0">
-                <a:latin typeface="Century Gothic" panose="020B0502020202020204" pitchFamily="34" charset="0"/>
-                <a:ea typeface="Calibri" panose="020F0502020204030204" pitchFamily="34" charset="0"/>
-                <a:cs typeface="Times New Roman" panose="02020603050405020304" pitchFamily="18" charset="0"/>
-              </a:rPr>
-              <a:t>Once the model is in the code, what alternatives scenarios to include. </a:t>
-            </a:r>
-          </a:p>
-          <a:p>
-            <a:pPr algn="just"/>
-            <a:endParaRPr lang="en-GB" sz="2000" dirty="0">
-              <a:effectLst/>
-              <a:latin typeface="Century Gothic" panose="020B0502020202020204" pitchFamily="34" charset="0"/>
-              <a:ea typeface="Calibri" panose="020F0502020204030204" pitchFamily="34" charset="0"/>
-              <a:cs typeface="Times New Roman" panose="02020603050405020304" pitchFamily="18" charset="0"/>
-            </a:endParaRPr>
-          </a:p>
-        </p:txBody>
-      </p:sp>
-      <p:sp>
-        <p:nvSpPr>
-          <p:cNvPr id="3" name="Título 2">
-            <a:extLst>
-              <a:ext uri="{FF2B5EF4-FFF2-40B4-BE49-F238E27FC236}">
-                <a16:creationId xmlns:a16="http://schemas.microsoft.com/office/drawing/2014/main" id="{5DA68AA8-71CC-44C3-BE34-4520548865CD}"/>
-              </a:ext>
-            </a:extLst>
-          </p:cNvPr>
-          <p:cNvSpPr>
-            <a:spLocks noGrp="1"/>
-          </p:cNvSpPr>
-          <p:nvPr>
-            <p:ph type="title"/>
-          </p:nvPr>
-        </p:nvSpPr>
-        <p:spPr>
-          <a:xfrm>
-            <a:off x="791852" y="537145"/>
-            <a:ext cx="7694645" cy="979127"/>
-          </a:xfrm>
-        </p:spPr>
-        <p:txBody>
-          <a:bodyPr>
-            <a:normAutofit fontScale="90000"/>
-          </a:bodyPr>
-          <a:lstStyle/>
-          <a:p>
-            <a:pPr algn="l"/>
-            <a:r>
-              <a:rPr lang="es-CO" b="1" dirty="0">
-                <a:latin typeface="Century Gothic" panose="020B0502020202020204" pitchFamily="34" charset="0"/>
-              </a:rPr>
-              <a:t>Structure of the presentation.</a:t>
-            </a:r>
-          </a:p>
-        </p:txBody>
-      </p:sp>
-    </p:spTree>
-    <p:extLst>
-      <p:ext uri="{BB962C8B-B14F-4D97-AF65-F5344CB8AC3E}">
-        <p14:creationId xmlns:p14="http://schemas.microsoft.com/office/powerpoint/2010/main" val="299212864"/>
       </p:ext>
     </p:extLst>
   </p:cSld>
@@ -25525,8 +28884,8 @@
           <a:chExt cx="0" cy="0"/>
         </a:xfrm>
       </p:grpSpPr>
-      <mc:AlternateContent xmlns:mc="http://schemas.openxmlformats.org/markup-compatibility/2006">
-        <mc:Choice xmlns:a14="http://schemas.microsoft.com/office/drawing/2010/main" Requires="a14">
+      <mc:AlternateContent xmlns:mc="http://schemas.openxmlformats.org/markup-compatibility/2006" xmlns:a14="http://schemas.microsoft.com/office/drawing/2010/main">
+        <mc:Choice Requires="a14">
           <p:sp>
             <p:nvSpPr>
               <p:cNvPr id="2" name="Marcador de contenido 1">
@@ -26220,7 +29579,7 @@
             </p:txBody>
           </p:sp>
         </mc:Choice>
-        <mc:Fallback>
+        <mc:Fallback xmlns="">
           <p:sp>
             <p:nvSpPr>
               <p:cNvPr id="2" name="Marcador de contenido 1">
